--- a/docs/Elements/BasicElements/makeFigs_BasicElements.pptx
+++ b/docs/Elements/BasicElements/makeFigs_BasicElements.pptx
@@ -302,7 +302,7 @@
           <a:p>
             <a:fld id="{D0C55A96-A2AF-461F-BC65-806F2EEA30DE}" type="datetimeFigureOut">
               <a:rPr kumimoji="1" lang="ja-JP" altLang="en-US" smtClean="0"/>
-              <a:t>2021/2/2</a:t>
+              <a:t>2021/2/6</a:t>
             </a:fld>
             <a:endParaRPr kumimoji="1" lang="ja-JP" altLang="en-US"/>
           </a:p>
@@ -532,7 +532,7 @@
           <a:p>
             <a:fld id="{D0C55A96-A2AF-461F-BC65-806F2EEA30DE}" type="datetimeFigureOut">
               <a:rPr kumimoji="1" lang="ja-JP" altLang="en-US" smtClean="0"/>
-              <a:t>2021/2/2</a:t>
+              <a:t>2021/2/6</a:t>
             </a:fld>
             <a:endParaRPr kumimoji="1" lang="ja-JP" altLang="en-US"/>
           </a:p>
@@ -772,7 +772,7 @@
           <a:p>
             <a:fld id="{D0C55A96-A2AF-461F-BC65-806F2EEA30DE}" type="datetimeFigureOut">
               <a:rPr kumimoji="1" lang="ja-JP" altLang="en-US" smtClean="0"/>
-              <a:t>2021/2/2</a:t>
+              <a:t>2021/2/6</a:t>
             </a:fld>
             <a:endParaRPr kumimoji="1" lang="ja-JP" altLang="en-US"/>
           </a:p>
@@ -1092,7 +1092,7 @@
           <a:p>
             <a:fld id="{D0C55A96-A2AF-461F-BC65-806F2EEA30DE}" type="datetimeFigureOut">
               <a:rPr kumimoji="1" lang="ja-JP" altLang="en-US" smtClean="0"/>
-              <a:t>2021/2/2</a:t>
+              <a:t>2021/2/6</a:t>
             </a:fld>
             <a:endParaRPr kumimoji="1" lang="ja-JP" altLang="en-US"/>
           </a:p>
@@ -1367,7 +1367,7 @@
           <a:p>
             <a:fld id="{D0C55A96-A2AF-461F-BC65-806F2EEA30DE}" type="datetimeFigureOut">
               <a:rPr kumimoji="1" lang="ja-JP" altLang="en-US" smtClean="0"/>
-              <a:t>2021/2/2</a:t>
+              <a:t>2021/2/6</a:t>
             </a:fld>
             <a:endParaRPr kumimoji="1" lang="ja-JP" altLang="en-US"/>
           </a:p>
@@ -1696,7 +1696,7 @@
           <a:p>
             <a:fld id="{D0C55A96-A2AF-461F-BC65-806F2EEA30DE}" type="datetimeFigureOut">
               <a:rPr kumimoji="1" lang="ja-JP" altLang="en-US" smtClean="0"/>
-              <a:t>2021/2/2</a:t>
+              <a:t>2021/2/6</a:t>
             </a:fld>
             <a:endParaRPr kumimoji="1" lang="ja-JP" altLang="en-US"/>
           </a:p>
@@ -2172,7 +2172,7 @@
           <a:p>
             <a:fld id="{D0C55A96-A2AF-461F-BC65-806F2EEA30DE}" type="datetimeFigureOut">
               <a:rPr kumimoji="1" lang="ja-JP" altLang="en-US" smtClean="0"/>
-              <a:t>2021/2/2</a:t>
+              <a:t>2021/2/6</a:t>
             </a:fld>
             <a:endParaRPr kumimoji="1" lang="ja-JP" altLang="en-US"/>
           </a:p>
@@ -2313,7 +2313,7 @@
           <a:p>
             <a:fld id="{D0C55A96-A2AF-461F-BC65-806F2EEA30DE}" type="datetimeFigureOut">
               <a:rPr kumimoji="1" lang="ja-JP" altLang="en-US" smtClean="0"/>
-              <a:t>2021/2/2</a:t>
+              <a:t>2021/2/6</a:t>
             </a:fld>
             <a:endParaRPr kumimoji="1" lang="ja-JP" altLang="en-US"/>
           </a:p>
@@ -2426,7 +2426,7 @@
           <a:p>
             <a:fld id="{D0C55A96-A2AF-461F-BC65-806F2EEA30DE}" type="datetimeFigureOut">
               <a:rPr kumimoji="1" lang="ja-JP" altLang="en-US" smtClean="0"/>
-              <a:t>2021/2/2</a:t>
+              <a:t>2021/2/6</a:t>
             </a:fld>
             <a:endParaRPr kumimoji="1" lang="ja-JP" altLang="en-US"/>
           </a:p>
@@ -2769,7 +2769,7 @@
           <a:p>
             <a:fld id="{D0C55A96-A2AF-461F-BC65-806F2EEA30DE}" type="datetimeFigureOut">
               <a:rPr kumimoji="1" lang="ja-JP" altLang="en-US" smtClean="0"/>
-              <a:t>2021/2/2</a:t>
+              <a:t>2021/2/6</a:t>
             </a:fld>
             <a:endParaRPr kumimoji="1" lang="ja-JP" altLang="en-US"/>
           </a:p>
@@ -3057,7 +3057,7 @@
           <a:p>
             <a:fld id="{D0C55A96-A2AF-461F-BC65-806F2EEA30DE}" type="datetimeFigureOut">
               <a:rPr kumimoji="1" lang="ja-JP" altLang="en-US" smtClean="0"/>
-              <a:t>2021/2/2</a:t>
+              <a:t>2021/2/6</a:t>
             </a:fld>
             <a:endParaRPr kumimoji="1" lang="ja-JP" altLang="en-US"/>
           </a:p>
@@ -3330,7 +3330,7 @@
           <a:p>
             <a:fld id="{D0C55A96-A2AF-461F-BC65-806F2EEA30DE}" type="datetimeFigureOut">
               <a:rPr kumimoji="1" lang="ja-JP" altLang="en-US" smtClean="0"/>
-              <a:t>2021/2/2</a:t>
+              <a:t>2021/2/6</a:t>
             </a:fld>
             <a:endParaRPr kumimoji="1" lang="ja-JP" altLang="en-US"/>
           </a:p>
@@ -3750,10 +3750,10 @@
       </p:grpSpPr>
       <p:pic>
         <p:nvPicPr>
-          <p:cNvPr id="3" name="図 2">
+          <p:cNvPr id="4" name="図 3">
             <a:extLst>
               <a:ext uri="{FF2B5EF4-FFF2-40B4-BE49-F238E27FC236}">
-                <a16:creationId xmlns:a16="http://schemas.microsoft.com/office/drawing/2014/main" id="{AB5A8ACF-6F34-48A9-B48D-6CD9249E5D26}"/>
+                <a16:creationId xmlns:a16="http://schemas.microsoft.com/office/drawing/2014/main" id="{ECF3C55C-BFC2-436A-9C58-8631A091E2CD}"/>
               </a:ext>
             </a:extLst>
           </p:cNvPr>
@@ -3770,8 +3770,8 @@
         </p:blipFill>
         <p:spPr>
           <a:xfrm>
-            <a:off x="3002942" y="206345"/>
-            <a:ext cx="6186117" cy="6445311"/>
+            <a:off x="2804895" y="0"/>
+            <a:ext cx="6582209" cy="6858000"/>
           </a:xfrm>
           <a:prstGeom prst="rect">
             <a:avLst/>

--- a/docs/Elements/BasicElements/makeFigs_BasicElements.pptx
+++ b/docs/Elements/BasicElements/makeFigs_BasicElements.pptx
@@ -8,15 +8,16 @@
     <p:sldId id="341" r:id="rId2"/>
     <p:sldId id="343" r:id="rId3"/>
     <p:sldId id="342" r:id="rId4"/>
-    <p:sldId id="271" r:id="rId5"/>
-    <p:sldId id="273" r:id="rId6"/>
-    <p:sldId id="272" r:id="rId7"/>
-    <p:sldId id="262" r:id="rId8"/>
-    <p:sldId id="263" r:id="rId9"/>
-    <p:sldId id="264" r:id="rId10"/>
-    <p:sldId id="266" r:id="rId11"/>
-    <p:sldId id="267" r:id="rId12"/>
-    <p:sldId id="268" r:id="rId13"/>
+    <p:sldId id="296" r:id="rId5"/>
+    <p:sldId id="271" r:id="rId6"/>
+    <p:sldId id="273" r:id="rId7"/>
+    <p:sldId id="272" r:id="rId8"/>
+    <p:sldId id="262" r:id="rId9"/>
+    <p:sldId id="263" r:id="rId10"/>
+    <p:sldId id="264" r:id="rId11"/>
+    <p:sldId id="266" r:id="rId12"/>
+    <p:sldId id="267" r:id="rId13"/>
+    <p:sldId id="268" r:id="rId14"/>
   </p:sldIdLst>
   <p:sldSz cx="12192000" cy="6858000"/>
   <p:notesSz cx="6858000" cy="9144000"/>
@@ -125,6 +126,11 @@
             <p14:sldId id="342"/>
           </p14:sldIdLst>
         </p14:section>
+        <p14:section name="PistonCylinderIdealOttoMV01" id="{7C9E729B-13E5-47FF-888F-4D782981F697}">
+          <p14:sldIdLst>
+            <p14:sldId id="296"/>
+          </p14:sldIdLst>
+        </p14:section>
         <p14:section name="タイトルなしのセクション" id="{57ABFFF0-DF9C-45FB-8383-532955FC2779}">
           <p14:sldIdLst>
             <p14:sldId id="271"/>
@@ -302,7 +308,7 @@
           <a:p>
             <a:fld id="{D0C55A96-A2AF-461F-BC65-806F2EEA30DE}" type="datetimeFigureOut">
               <a:rPr kumimoji="1" lang="ja-JP" altLang="en-US" smtClean="0"/>
-              <a:t>2021/2/6</a:t>
+              <a:t>2021/3/11</a:t>
             </a:fld>
             <a:endParaRPr kumimoji="1" lang="ja-JP" altLang="en-US"/>
           </a:p>
@@ -532,7 +538,7 @@
           <a:p>
             <a:fld id="{D0C55A96-A2AF-461F-BC65-806F2EEA30DE}" type="datetimeFigureOut">
               <a:rPr kumimoji="1" lang="ja-JP" altLang="en-US" smtClean="0"/>
-              <a:t>2021/2/6</a:t>
+              <a:t>2021/3/11</a:t>
             </a:fld>
             <a:endParaRPr kumimoji="1" lang="ja-JP" altLang="en-US"/>
           </a:p>
@@ -772,7 +778,7 @@
           <a:p>
             <a:fld id="{D0C55A96-A2AF-461F-BC65-806F2EEA30DE}" type="datetimeFigureOut">
               <a:rPr kumimoji="1" lang="ja-JP" altLang="en-US" smtClean="0"/>
-              <a:t>2021/2/6</a:t>
+              <a:t>2021/3/11</a:t>
             </a:fld>
             <a:endParaRPr kumimoji="1" lang="ja-JP" altLang="en-US"/>
           </a:p>
@@ -1092,7 +1098,7 @@
           <a:p>
             <a:fld id="{D0C55A96-A2AF-461F-BC65-806F2EEA30DE}" type="datetimeFigureOut">
               <a:rPr kumimoji="1" lang="ja-JP" altLang="en-US" smtClean="0"/>
-              <a:t>2021/2/6</a:t>
+              <a:t>2021/3/11</a:t>
             </a:fld>
             <a:endParaRPr kumimoji="1" lang="ja-JP" altLang="en-US"/>
           </a:p>
@@ -1367,7 +1373,7 @@
           <a:p>
             <a:fld id="{D0C55A96-A2AF-461F-BC65-806F2EEA30DE}" type="datetimeFigureOut">
               <a:rPr kumimoji="1" lang="ja-JP" altLang="en-US" smtClean="0"/>
-              <a:t>2021/2/6</a:t>
+              <a:t>2021/3/11</a:t>
             </a:fld>
             <a:endParaRPr kumimoji="1" lang="ja-JP" altLang="en-US"/>
           </a:p>
@@ -1696,7 +1702,7 @@
           <a:p>
             <a:fld id="{D0C55A96-A2AF-461F-BC65-806F2EEA30DE}" type="datetimeFigureOut">
               <a:rPr kumimoji="1" lang="ja-JP" altLang="en-US" smtClean="0"/>
-              <a:t>2021/2/6</a:t>
+              <a:t>2021/3/11</a:t>
             </a:fld>
             <a:endParaRPr kumimoji="1" lang="ja-JP" altLang="en-US"/>
           </a:p>
@@ -2172,7 +2178,7 @@
           <a:p>
             <a:fld id="{D0C55A96-A2AF-461F-BC65-806F2EEA30DE}" type="datetimeFigureOut">
               <a:rPr kumimoji="1" lang="ja-JP" altLang="en-US" smtClean="0"/>
-              <a:t>2021/2/6</a:t>
+              <a:t>2021/3/11</a:t>
             </a:fld>
             <a:endParaRPr kumimoji="1" lang="ja-JP" altLang="en-US"/>
           </a:p>
@@ -2313,7 +2319,7 @@
           <a:p>
             <a:fld id="{D0C55A96-A2AF-461F-BC65-806F2EEA30DE}" type="datetimeFigureOut">
               <a:rPr kumimoji="1" lang="ja-JP" altLang="en-US" smtClean="0"/>
-              <a:t>2021/2/6</a:t>
+              <a:t>2021/3/11</a:t>
             </a:fld>
             <a:endParaRPr kumimoji="1" lang="ja-JP" altLang="en-US"/>
           </a:p>
@@ -2426,7 +2432,7 @@
           <a:p>
             <a:fld id="{D0C55A96-A2AF-461F-BC65-806F2EEA30DE}" type="datetimeFigureOut">
               <a:rPr kumimoji="1" lang="ja-JP" altLang="en-US" smtClean="0"/>
-              <a:t>2021/2/6</a:t>
+              <a:t>2021/3/11</a:t>
             </a:fld>
             <a:endParaRPr kumimoji="1" lang="ja-JP" altLang="en-US"/>
           </a:p>
@@ -2769,7 +2775,7 @@
           <a:p>
             <a:fld id="{D0C55A96-A2AF-461F-BC65-806F2EEA30DE}" type="datetimeFigureOut">
               <a:rPr kumimoji="1" lang="ja-JP" altLang="en-US" smtClean="0"/>
-              <a:t>2021/2/6</a:t>
+              <a:t>2021/3/11</a:t>
             </a:fld>
             <a:endParaRPr kumimoji="1" lang="ja-JP" altLang="en-US"/>
           </a:p>
@@ -3057,7 +3063,7 @@
           <a:p>
             <a:fld id="{D0C55A96-A2AF-461F-BC65-806F2EEA30DE}" type="datetimeFigureOut">
               <a:rPr kumimoji="1" lang="ja-JP" altLang="en-US" smtClean="0"/>
-              <a:t>2021/2/6</a:t>
+              <a:t>2021/3/11</a:t>
             </a:fld>
             <a:endParaRPr kumimoji="1" lang="ja-JP" altLang="en-US"/>
           </a:p>
@@ -3330,7 +3336,7 @@
           <a:p>
             <a:fld id="{D0C55A96-A2AF-461F-BC65-806F2EEA30DE}" type="datetimeFigureOut">
               <a:rPr kumimoji="1" lang="ja-JP" altLang="en-US" smtClean="0"/>
-              <a:t>2021/2/6</a:t>
+              <a:t>2021/3/11</a:t>
             </a:fld>
             <a:endParaRPr kumimoji="1" lang="ja-JP" altLang="en-US"/>
           </a:p>
@@ -3808,6 +3814,805 @@
           <a:chExt cx="0" cy="0"/>
         </a:xfrm>
       </p:grpSpPr>
+      <p:grpSp>
+        <p:nvGrpSpPr>
+          <p:cNvPr id="40" name="グループ化 39"/>
+          <p:cNvGrpSpPr/>
+          <p:nvPr/>
+        </p:nvGrpSpPr>
+        <p:grpSpPr>
+          <a:xfrm>
+            <a:off x="2977055" y="1669512"/>
+            <a:ext cx="6280068" cy="3847119"/>
+            <a:chOff x="1602253" y="1840327"/>
+            <a:chExt cx="6922612" cy="4240736"/>
+          </a:xfrm>
+        </p:grpSpPr>
+        <p:pic>
+          <p:nvPicPr>
+            <p:cNvPr id="2" name="図 1"/>
+            <p:cNvPicPr>
+              <a:picLocks noChangeAspect="1"/>
+            </p:cNvPicPr>
+            <p:nvPr/>
+          </p:nvPicPr>
+          <p:blipFill>
+            <a:blip r:embed="rId2"/>
+            <a:stretch>
+              <a:fillRect/>
+            </a:stretch>
+          </p:blipFill>
+          <p:spPr>
+            <a:xfrm>
+              <a:off x="3266164" y="2105813"/>
+              <a:ext cx="3328156" cy="3178714"/>
+            </a:xfrm>
+            <a:prstGeom prst="rect">
+              <a:avLst/>
+            </a:prstGeom>
+          </p:spPr>
+        </p:pic>
+        <p:sp>
+          <p:nvSpPr>
+            <p:cNvPr id="3" name="テキスト ボックス 2"/>
+            <p:cNvSpPr txBox="1"/>
+            <p:nvPr/>
+          </p:nvSpPr>
+          <p:spPr>
+            <a:xfrm>
+              <a:off x="1831157" y="1840327"/>
+              <a:ext cx="1144630" cy="495547"/>
+            </a:xfrm>
+            <a:prstGeom prst="rect">
+              <a:avLst/>
+            </a:prstGeom>
+            <a:solidFill>
+              <a:srgbClr val="92D050">
+                <a:alpha val="40000"/>
+              </a:srgbClr>
+            </a:solidFill>
+            <a:ln>
+              <a:solidFill>
+                <a:schemeClr val="tx1"/>
+              </a:solidFill>
+            </a:ln>
+          </p:spPr>
+          <p:txBody>
+            <a:bodyPr wrap="square" rtlCol="0">
+              <a:noAutofit/>
+            </a:bodyPr>
+            <a:lstStyle/>
+            <a:p>
+              <a:r>
+                <a:rPr lang="en-US" altLang="ja-JP" sz="726" dirty="0">
+                  <a:latin typeface="Arial" panose="020B0604020202020204" pitchFamily="34" charset="0"/>
+                  <a:cs typeface="Arial" panose="020B0604020202020204" pitchFamily="34" charset="0"/>
+                </a:rPr>
+                <a:t>Fluid inlet port, </a:t>
+              </a:r>
+              <a:r>
+                <a:rPr lang="en-US" altLang="ja-JP" sz="726" dirty="0" err="1">
+                  <a:latin typeface="Arial" panose="020B0604020202020204" pitchFamily="34" charset="0"/>
+                  <a:cs typeface="Arial" panose="020B0604020202020204" pitchFamily="34" charset="0"/>
+                </a:rPr>
+                <a:t>input&amp;output</a:t>
+              </a:r>
+              <a:r>
+                <a:rPr lang="en-US" altLang="ja-JP" sz="726" dirty="0">
+                  <a:latin typeface="Arial" panose="020B0604020202020204" pitchFamily="34" charset="0"/>
+                  <a:cs typeface="Arial" panose="020B0604020202020204" pitchFamily="34" charset="0"/>
+                </a:rPr>
+                <a:t> (use “connect” operator)</a:t>
+              </a:r>
+              <a:endParaRPr lang="ja-JP" altLang="en-US" sz="726" dirty="0">
+                <a:latin typeface="Arial" panose="020B0604020202020204" pitchFamily="34" charset="0"/>
+                <a:cs typeface="Arial" panose="020B0604020202020204" pitchFamily="34" charset="0"/>
+              </a:endParaRPr>
+            </a:p>
+          </p:txBody>
+        </p:sp>
+        <p:cxnSp>
+          <p:nvCxnSpPr>
+            <p:cNvPr id="4" name="直線矢印コネクタ 3"/>
+            <p:cNvCxnSpPr>
+              <a:stCxn id="3" idx="3"/>
+            </p:cNvCxnSpPr>
+            <p:nvPr/>
+          </p:nvCxnSpPr>
+          <p:spPr>
+            <a:xfrm>
+              <a:off x="2975787" y="2088101"/>
+              <a:ext cx="495506" cy="394730"/>
+            </a:xfrm>
+            <a:prstGeom prst="straightConnector1">
+              <a:avLst/>
+            </a:prstGeom>
+            <a:ln w="12700">
+              <a:solidFill>
+                <a:schemeClr val="tx1"/>
+              </a:solidFill>
+              <a:tailEnd type="oval"/>
+            </a:ln>
+          </p:spPr>
+          <p:style>
+            <a:lnRef idx="1">
+              <a:schemeClr val="accent1"/>
+            </a:lnRef>
+            <a:fillRef idx="0">
+              <a:schemeClr val="accent1"/>
+            </a:fillRef>
+            <a:effectRef idx="0">
+              <a:schemeClr val="accent1"/>
+            </a:effectRef>
+            <a:fontRef idx="minor">
+              <a:schemeClr val="tx1"/>
+            </a:fontRef>
+          </p:style>
+        </p:cxnSp>
+        <p:sp>
+          <p:nvSpPr>
+            <p:cNvPr id="5" name="テキスト ボックス 4"/>
+            <p:cNvSpPr txBox="1"/>
+            <p:nvPr/>
+          </p:nvSpPr>
+          <p:spPr>
+            <a:xfrm>
+              <a:off x="6884697" y="1840328"/>
+              <a:ext cx="1144630" cy="465885"/>
+            </a:xfrm>
+            <a:prstGeom prst="rect">
+              <a:avLst/>
+            </a:prstGeom>
+            <a:solidFill>
+              <a:srgbClr val="92D050">
+                <a:alpha val="40000"/>
+              </a:srgbClr>
+            </a:solidFill>
+            <a:ln>
+              <a:solidFill>
+                <a:schemeClr val="tx1"/>
+              </a:solidFill>
+            </a:ln>
+          </p:spPr>
+          <p:txBody>
+            <a:bodyPr wrap="square" rtlCol="0">
+              <a:noAutofit/>
+            </a:bodyPr>
+            <a:lstStyle/>
+            <a:p>
+              <a:r>
+                <a:rPr lang="en-US" altLang="ja-JP" sz="726" dirty="0">
+                  <a:latin typeface="Arial" panose="020B0604020202020204" pitchFamily="34" charset="0"/>
+                  <a:cs typeface="Arial" panose="020B0604020202020204" pitchFamily="34" charset="0"/>
+                </a:rPr>
+                <a:t>Fluid outlet port, </a:t>
+              </a:r>
+              <a:r>
+                <a:rPr lang="en-US" altLang="ja-JP" sz="726" dirty="0" err="1">
+                  <a:latin typeface="Arial" panose="020B0604020202020204" pitchFamily="34" charset="0"/>
+                  <a:cs typeface="Arial" panose="020B0604020202020204" pitchFamily="34" charset="0"/>
+                </a:rPr>
+                <a:t>input&amp;output</a:t>
+              </a:r>
+              <a:r>
+                <a:rPr lang="en-US" altLang="ja-JP" sz="726" dirty="0">
+                  <a:latin typeface="Arial" panose="020B0604020202020204" pitchFamily="34" charset="0"/>
+                  <a:cs typeface="Arial" panose="020B0604020202020204" pitchFamily="34" charset="0"/>
+                </a:rPr>
+                <a:t> (use “connect” operator)</a:t>
+              </a:r>
+              <a:endParaRPr lang="ja-JP" altLang="en-US" sz="726" dirty="0">
+                <a:latin typeface="Arial" panose="020B0604020202020204" pitchFamily="34" charset="0"/>
+                <a:cs typeface="Arial" panose="020B0604020202020204" pitchFamily="34" charset="0"/>
+              </a:endParaRPr>
+            </a:p>
+          </p:txBody>
+        </p:sp>
+        <p:cxnSp>
+          <p:nvCxnSpPr>
+            <p:cNvPr id="6" name="直線矢印コネクタ 5"/>
+            <p:cNvCxnSpPr>
+              <a:stCxn id="5" idx="1"/>
+            </p:cNvCxnSpPr>
+            <p:nvPr/>
+          </p:nvCxnSpPr>
+          <p:spPr>
+            <a:xfrm flipH="1">
+              <a:off x="6366973" y="2073271"/>
+              <a:ext cx="517724" cy="384405"/>
+            </a:xfrm>
+            <a:prstGeom prst="straightConnector1">
+              <a:avLst/>
+            </a:prstGeom>
+            <a:ln w="12700">
+              <a:solidFill>
+                <a:schemeClr val="tx1"/>
+              </a:solidFill>
+              <a:tailEnd type="oval"/>
+            </a:ln>
+          </p:spPr>
+          <p:style>
+            <a:lnRef idx="1">
+              <a:schemeClr val="accent1"/>
+            </a:lnRef>
+            <a:fillRef idx="0">
+              <a:schemeClr val="accent1"/>
+            </a:fillRef>
+            <a:effectRef idx="0">
+              <a:schemeClr val="accent1"/>
+            </a:effectRef>
+            <a:fontRef idx="minor">
+              <a:schemeClr val="tx1"/>
+            </a:fontRef>
+          </p:style>
+        </p:cxnSp>
+        <p:sp>
+          <p:nvSpPr>
+            <p:cNvPr id="9" name="テキスト ボックス 8"/>
+            <p:cNvSpPr txBox="1"/>
+            <p:nvPr/>
+          </p:nvSpPr>
+          <p:spPr>
+            <a:xfrm>
+              <a:off x="6450533" y="5317069"/>
+              <a:ext cx="1974267" cy="763994"/>
+            </a:xfrm>
+            <a:prstGeom prst="rect">
+              <a:avLst/>
+            </a:prstGeom>
+            <a:solidFill>
+              <a:srgbClr val="92D050">
+                <a:alpha val="40000"/>
+              </a:srgbClr>
+            </a:solidFill>
+            <a:ln>
+              <a:solidFill>
+                <a:schemeClr val="tx1"/>
+              </a:solidFill>
+            </a:ln>
+          </p:spPr>
+          <p:txBody>
+            <a:bodyPr wrap="square" rtlCol="0">
+              <a:noAutofit/>
+            </a:bodyPr>
+            <a:lstStyle/>
+            <a:p>
+              <a:r>
+                <a:rPr lang="en-US" altLang="ja-JP" sz="726" dirty="0">
+                  <a:latin typeface="Arial" panose="020B0604020202020204" pitchFamily="34" charset="0"/>
+                  <a:cs typeface="Arial" panose="020B0604020202020204" pitchFamily="34" charset="0"/>
+                </a:rPr>
+                <a:t>Expandable connector prepared for communication with internal variables which cannot be accessed by other ports, </a:t>
+              </a:r>
+            </a:p>
+            <a:p>
+              <a:r>
+                <a:rPr lang="en-US" altLang="ja-JP" sz="726" dirty="0" err="1">
+                  <a:latin typeface="Arial" panose="020B0604020202020204" pitchFamily="34" charset="0"/>
+                  <a:cs typeface="Arial" panose="020B0604020202020204" pitchFamily="34" charset="0"/>
+                </a:rPr>
+                <a:t>input&amp;output</a:t>
+              </a:r>
+              <a:r>
+                <a:rPr lang="en-US" altLang="ja-JP" sz="726" dirty="0">
+                  <a:latin typeface="Arial" panose="020B0604020202020204" pitchFamily="34" charset="0"/>
+                  <a:cs typeface="Arial" panose="020B0604020202020204" pitchFamily="34" charset="0"/>
+                </a:rPr>
+                <a:t>  (use “connect” operator)</a:t>
+              </a:r>
+              <a:endParaRPr lang="ja-JP" altLang="en-US" sz="726" dirty="0">
+                <a:latin typeface="Arial" panose="020B0604020202020204" pitchFamily="34" charset="0"/>
+                <a:cs typeface="Arial" panose="020B0604020202020204" pitchFamily="34" charset="0"/>
+              </a:endParaRPr>
+            </a:p>
+          </p:txBody>
+        </p:sp>
+        <p:cxnSp>
+          <p:nvCxnSpPr>
+            <p:cNvPr id="10" name="直線矢印コネクタ 9"/>
+            <p:cNvCxnSpPr>
+              <a:stCxn id="9" idx="0"/>
+            </p:cNvCxnSpPr>
+            <p:nvPr/>
+          </p:nvCxnSpPr>
+          <p:spPr>
+            <a:xfrm flipH="1" flipV="1">
+              <a:off x="6013665" y="5101999"/>
+              <a:ext cx="1424002" cy="215070"/>
+            </a:xfrm>
+            <a:prstGeom prst="straightConnector1">
+              <a:avLst/>
+            </a:prstGeom>
+            <a:ln w="12700">
+              <a:solidFill>
+                <a:schemeClr val="tx1"/>
+              </a:solidFill>
+              <a:tailEnd type="oval"/>
+            </a:ln>
+          </p:spPr>
+          <p:style>
+            <a:lnRef idx="1">
+              <a:schemeClr val="accent1"/>
+            </a:lnRef>
+            <a:fillRef idx="0">
+              <a:schemeClr val="accent1"/>
+            </a:fillRef>
+            <a:effectRef idx="0">
+              <a:schemeClr val="accent1"/>
+            </a:effectRef>
+            <a:fontRef idx="minor">
+              <a:schemeClr val="tx1"/>
+            </a:fontRef>
+          </p:style>
+        </p:cxnSp>
+        <p:sp>
+          <p:nvSpPr>
+            <p:cNvPr id="11" name="テキスト ボックス 10"/>
+            <p:cNvSpPr txBox="1"/>
+            <p:nvPr/>
+          </p:nvSpPr>
+          <p:spPr>
+            <a:xfrm>
+              <a:off x="7024151" y="3126330"/>
+              <a:ext cx="1500714" cy="639622"/>
+            </a:xfrm>
+            <a:prstGeom prst="rect">
+              <a:avLst/>
+            </a:prstGeom>
+            <a:solidFill>
+              <a:srgbClr val="92D050">
+                <a:alpha val="40000"/>
+              </a:srgbClr>
+            </a:solidFill>
+            <a:ln>
+              <a:solidFill>
+                <a:schemeClr val="tx1"/>
+              </a:solidFill>
+            </a:ln>
+          </p:spPr>
+          <p:txBody>
+            <a:bodyPr wrap="square" rtlCol="0">
+              <a:noAutofit/>
+            </a:bodyPr>
+            <a:lstStyle/>
+            <a:p>
+              <a:r>
+                <a:rPr lang="en-US" altLang="ja-JP" sz="726" dirty="0">
+                  <a:latin typeface="Arial" panose="020B0604020202020204" pitchFamily="34" charset="0"/>
+                  <a:cs typeface="Arial" panose="020B0604020202020204" pitchFamily="34" charset="0"/>
+                </a:rPr>
+                <a:t>Flange (rotational mechanics port), </a:t>
+              </a:r>
+            </a:p>
+            <a:p>
+              <a:r>
+                <a:rPr lang="en-US" altLang="ja-JP" sz="726" dirty="0" err="1">
+                  <a:latin typeface="Arial" panose="020B0604020202020204" pitchFamily="34" charset="0"/>
+                  <a:cs typeface="Arial" panose="020B0604020202020204" pitchFamily="34" charset="0"/>
+                </a:rPr>
+                <a:t>input&amp;output</a:t>
+              </a:r>
+              <a:r>
+                <a:rPr lang="en-US" altLang="ja-JP" sz="726" dirty="0">
+                  <a:latin typeface="Arial" panose="020B0604020202020204" pitchFamily="34" charset="0"/>
+                  <a:cs typeface="Arial" panose="020B0604020202020204" pitchFamily="34" charset="0"/>
+                </a:rPr>
+                <a:t> (use “connect” operator)</a:t>
+              </a:r>
+              <a:endParaRPr lang="ja-JP" altLang="en-US" sz="726" dirty="0">
+                <a:latin typeface="Arial" panose="020B0604020202020204" pitchFamily="34" charset="0"/>
+                <a:cs typeface="Arial" panose="020B0604020202020204" pitchFamily="34" charset="0"/>
+              </a:endParaRPr>
+            </a:p>
+          </p:txBody>
+        </p:sp>
+        <p:cxnSp>
+          <p:nvCxnSpPr>
+            <p:cNvPr id="12" name="直線矢印コネクタ 11"/>
+            <p:cNvCxnSpPr>
+              <a:stCxn id="11" idx="1"/>
+            </p:cNvCxnSpPr>
+            <p:nvPr/>
+          </p:nvCxnSpPr>
+          <p:spPr>
+            <a:xfrm flipH="1">
+              <a:off x="6450533" y="3446141"/>
+              <a:ext cx="573618" cy="201637"/>
+            </a:xfrm>
+            <a:prstGeom prst="straightConnector1">
+              <a:avLst/>
+            </a:prstGeom>
+            <a:ln w="12700">
+              <a:solidFill>
+                <a:schemeClr val="tx1"/>
+              </a:solidFill>
+              <a:tailEnd type="oval"/>
+            </a:ln>
+          </p:spPr>
+          <p:style>
+            <a:lnRef idx="1">
+              <a:schemeClr val="accent1"/>
+            </a:lnRef>
+            <a:fillRef idx="0">
+              <a:schemeClr val="accent1"/>
+            </a:fillRef>
+            <a:effectRef idx="0">
+              <a:schemeClr val="accent1"/>
+            </a:effectRef>
+            <a:fontRef idx="minor">
+              <a:schemeClr val="tx1"/>
+            </a:fontRef>
+          </p:style>
+        </p:cxnSp>
+        <p:sp>
+          <p:nvSpPr>
+            <p:cNvPr id="18" name="テキスト ボックス 17"/>
+            <p:cNvSpPr txBox="1"/>
+            <p:nvPr/>
+          </p:nvSpPr>
+          <p:spPr>
+            <a:xfrm>
+              <a:off x="1602253" y="2931751"/>
+              <a:ext cx="1500714" cy="639622"/>
+            </a:xfrm>
+            <a:prstGeom prst="rect">
+              <a:avLst/>
+            </a:prstGeom>
+            <a:solidFill>
+              <a:srgbClr val="92D050">
+                <a:alpha val="40000"/>
+              </a:srgbClr>
+            </a:solidFill>
+            <a:ln>
+              <a:solidFill>
+                <a:schemeClr val="tx1"/>
+              </a:solidFill>
+            </a:ln>
+          </p:spPr>
+          <p:txBody>
+            <a:bodyPr wrap="square" rtlCol="0">
+              <a:noAutofit/>
+            </a:bodyPr>
+            <a:lstStyle/>
+            <a:p>
+              <a:r>
+                <a:rPr lang="en-US" altLang="ja-JP" sz="726" dirty="0">
+                  <a:latin typeface="Arial" panose="020B0604020202020204" pitchFamily="34" charset="0"/>
+                  <a:cs typeface="Arial" panose="020B0604020202020204" pitchFamily="34" charset="0"/>
+                </a:rPr>
+                <a:t>Flange (rotational mechanics port), </a:t>
+              </a:r>
+            </a:p>
+            <a:p>
+              <a:r>
+                <a:rPr lang="en-US" altLang="ja-JP" sz="726" dirty="0" err="1">
+                  <a:latin typeface="Arial" panose="020B0604020202020204" pitchFamily="34" charset="0"/>
+                  <a:cs typeface="Arial" panose="020B0604020202020204" pitchFamily="34" charset="0"/>
+                </a:rPr>
+                <a:t>input&amp;output</a:t>
+              </a:r>
+              <a:r>
+                <a:rPr lang="en-US" altLang="ja-JP" sz="726" dirty="0">
+                  <a:latin typeface="Arial" panose="020B0604020202020204" pitchFamily="34" charset="0"/>
+                  <a:cs typeface="Arial" panose="020B0604020202020204" pitchFamily="34" charset="0"/>
+                </a:rPr>
+                <a:t> (use “connect” operator)</a:t>
+              </a:r>
+              <a:endParaRPr lang="ja-JP" altLang="en-US" sz="726" dirty="0">
+                <a:latin typeface="Arial" panose="020B0604020202020204" pitchFamily="34" charset="0"/>
+                <a:cs typeface="Arial" panose="020B0604020202020204" pitchFamily="34" charset="0"/>
+              </a:endParaRPr>
+            </a:p>
+          </p:txBody>
+        </p:sp>
+        <p:cxnSp>
+          <p:nvCxnSpPr>
+            <p:cNvPr id="19" name="直線矢印コネクタ 18"/>
+            <p:cNvCxnSpPr>
+              <a:stCxn id="18" idx="3"/>
+            </p:cNvCxnSpPr>
+            <p:nvPr/>
+          </p:nvCxnSpPr>
+          <p:spPr>
+            <a:xfrm>
+              <a:off x="3102967" y="3251562"/>
+              <a:ext cx="432861" cy="319811"/>
+            </a:xfrm>
+            <a:prstGeom prst="straightConnector1">
+              <a:avLst/>
+            </a:prstGeom>
+            <a:ln w="12700">
+              <a:solidFill>
+                <a:schemeClr val="tx1"/>
+              </a:solidFill>
+              <a:tailEnd type="oval"/>
+            </a:ln>
+          </p:spPr>
+          <p:style>
+            <a:lnRef idx="1">
+              <a:schemeClr val="accent1"/>
+            </a:lnRef>
+            <a:fillRef idx="0">
+              <a:schemeClr val="accent1"/>
+            </a:fillRef>
+            <a:effectRef idx="0">
+              <a:schemeClr val="accent1"/>
+            </a:effectRef>
+            <a:fontRef idx="minor">
+              <a:schemeClr val="tx1"/>
+            </a:fontRef>
+          </p:style>
+        </p:cxnSp>
+        <p:cxnSp>
+          <p:nvCxnSpPr>
+            <p:cNvPr id="22" name="直線矢印コネクタ 21"/>
+            <p:cNvCxnSpPr>
+              <a:stCxn id="23" idx="3"/>
+            </p:cNvCxnSpPr>
+            <p:nvPr/>
+          </p:nvCxnSpPr>
+          <p:spPr>
+            <a:xfrm flipV="1">
+              <a:off x="3846183" y="4781390"/>
+              <a:ext cx="543175" cy="802053"/>
+            </a:xfrm>
+            <a:prstGeom prst="straightConnector1">
+              <a:avLst/>
+            </a:prstGeom>
+            <a:ln w="12700">
+              <a:solidFill>
+                <a:schemeClr val="tx1"/>
+              </a:solidFill>
+              <a:tailEnd type="oval"/>
+            </a:ln>
+          </p:spPr>
+          <p:style>
+            <a:lnRef idx="1">
+              <a:schemeClr val="accent1"/>
+            </a:lnRef>
+            <a:fillRef idx="0">
+              <a:schemeClr val="accent1"/>
+            </a:fillRef>
+            <a:effectRef idx="0">
+              <a:schemeClr val="accent1"/>
+            </a:effectRef>
+            <a:fontRef idx="minor">
+              <a:schemeClr val="tx1"/>
+            </a:fontRef>
+          </p:style>
+        </p:cxnSp>
+        <p:sp>
+          <p:nvSpPr>
+            <p:cNvPr id="23" name="テキスト ボックス 22"/>
+            <p:cNvSpPr txBox="1"/>
+            <p:nvPr/>
+          </p:nvSpPr>
+          <p:spPr>
+            <a:xfrm>
+              <a:off x="1871916" y="5284527"/>
+              <a:ext cx="1974267" cy="597831"/>
+            </a:xfrm>
+            <a:prstGeom prst="rect">
+              <a:avLst/>
+            </a:prstGeom>
+            <a:solidFill>
+              <a:srgbClr val="00B0F0">
+                <a:alpha val="40000"/>
+              </a:srgbClr>
+            </a:solidFill>
+            <a:ln>
+              <a:solidFill>
+                <a:schemeClr val="tx1"/>
+              </a:solidFill>
+            </a:ln>
+          </p:spPr>
+          <p:txBody>
+            <a:bodyPr wrap="square" rtlCol="0">
+              <a:noAutofit/>
+            </a:bodyPr>
+            <a:lstStyle/>
+            <a:p>
+              <a:r>
+                <a:rPr lang="en-US" altLang="ja-JP" sz="726" dirty="0">
+                  <a:latin typeface="Arial" panose="020B0604020202020204" pitchFamily="34" charset="0"/>
+                  <a:cs typeface="Arial" panose="020B0604020202020204" pitchFamily="34" charset="0"/>
+                </a:rPr>
+                <a:t>Pressure ratio; </a:t>
+              </a:r>
+            </a:p>
+            <a:p>
+              <a:r>
+                <a:rPr lang="en-US" altLang="ja-JP" sz="726" dirty="0">
+                  <a:latin typeface="Arial" panose="020B0604020202020204" pitchFamily="34" charset="0"/>
+                  <a:cs typeface="Arial" panose="020B0604020202020204" pitchFamily="34" charset="0"/>
+                </a:rPr>
+                <a:t>input (use “connect” operator),</a:t>
+              </a:r>
+            </a:p>
+            <a:p>
+              <a:r>
+                <a:rPr lang="en-US" altLang="ja-JP" sz="726" dirty="0">
+                  <a:latin typeface="Arial" panose="020B0604020202020204" pitchFamily="34" charset="0"/>
+                  <a:cs typeface="Arial" panose="020B0604020202020204" pitchFamily="34" charset="0"/>
+                </a:rPr>
+                <a:t>valid only when </a:t>
+              </a:r>
+              <a:r>
+                <a:rPr lang="en-US" altLang="ja-JP" sz="726" dirty="0" err="1">
+                  <a:latin typeface="Arial" panose="020B0604020202020204" pitchFamily="34" charset="0"/>
+                  <a:cs typeface="Arial" panose="020B0604020202020204" pitchFamily="34" charset="0"/>
+                </a:rPr>
+                <a:t>switchDetermine_PR</a:t>
+              </a:r>
+              <a:r>
+                <a:rPr lang="en-US" altLang="ja-JP" sz="726" dirty="0">
+                  <a:latin typeface="Arial" panose="020B0604020202020204" pitchFamily="34" charset="0"/>
+                  <a:cs typeface="Arial" panose="020B0604020202020204" pitchFamily="34" charset="0"/>
+                </a:rPr>
+                <a:t>==</a:t>
+              </a:r>
+              <a:r>
+                <a:rPr lang="en-US" altLang="ja-JP" sz="726" dirty="0" err="1">
+                  <a:latin typeface="Arial" panose="020B0604020202020204" pitchFamily="34" charset="0"/>
+                  <a:cs typeface="Arial" panose="020B0604020202020204" pitchFamily="34" charset="0"/>
+                </a:rPr>
+                <a:t>viaRealInput</a:t>
+              </a:r>
+              <a:endParaRPr lang="ja-JP" altLang="en-US" sz="726" dirty="0">
+                <a:latin typeface="Arial" panose="020B0604020202020204" pitchFamily="34" charset="0"/>
+                <a:cs typeface="Arial" panose="020B0604020202020204" pitchFamily="34" charset="0"/>
+              </a:endParaRPr>
+            </a:p>
+          </p:txBody>
+        </p:sp>
+        <p:sp>
+          <p:nvSpPr>
+            <p:cNvPr id="27" name="テキスト ボックス 26"/>
+            <p:cNvSpPr txBox="1"/>
+            <p:nvPr/>
+          </p:nvSpPr>
+          <p:spPr>
+            <a:xfrm>
+              <a:off x="4226874" y="5317069"/>
+              <a:ext cx="1849118" cy="597830"/>
+            </a:xfrm>
+            <a:prstGeom prst="rect">
+              <a:avLst/>
+            </a:prstGeom>
+            <a:solidFill>
+              <a:srgbClr val="00B0F0">
+                <a:alpha val="40000"/>
+              </a:srgbClr>
+            </a:solidFill>
+            <a:ln>
+              <a:solidFill>
+                <a:schemeClr val="tx1"/>
+              </a:solidFill>
+            </a:ln>
+          </p:spPr>
+          <p:txBody>
+            <a:bodyPr wrap="square" rtlCol="0">
+              <a:noAutofit/>
+            </a:bodyPr>
+            <a:lstStyle/>
+            <a:p>
+              <a:r>
+                <a:rPr lang="en-US" altLang="ja-JP" sz="726" dirty="0">
+                  <a:latin typeface="Arial" panose="020B0604020202020204" pitchFamily="34" charset="0"/>
+                  <a:cs typeface="Arial" panose="020B0604020202020204" pitchFamily="34" charset="0"/>
+                </a:rPr>
+                <a:t>Efficiency; </a:t>
+              </a:r>
+            </a:p>
+            <a:p>
+              <a:r>
+                <a:rPr lang="en-US" altLang="ja-JP" sz="726" dirty="0">
+                  <a:latin typeface="Arial" panose="020B0604020202020204" pitchFamily="34" charset="0"/>
+                  <a:cs typeface="Arial" panose="020B0604020202020204" pitchFamily="34" charset="0"/>
+                </a:rPr>
+                <a:t>input (use “connect” operator),</a:t>
+              </a:r>
+            </a:p>
+            <a:p>
+              <a:r>
+                <a:rPr lang="en-US" altLang="ja-JP" sz="726" dirty="0">
+                  <a:latin typeface="Arial" panose="020B0604020202020204" pitchFamily="34" charset="0"/>
+                  <a:cs typeface="Arial" panose="020B0604020202020204" pitchFamily="34" charset="0"/>
+                </a:rPr>
+                <a:t>valid only when </a:t>
+              </a:r>
+              <a:r>
+                <a:rPr lang="en-US" altLang="ja-JP" sz="726" dirty="0" err="1">
+                  <a:latin typeface="Arial" panose="020B0604020202020204" pitchFamily="34" charset="0"/>
+                  <a:cs typeface="Arial" panose="020B0604020202020204" pitchFamily="34" charset="0"/>
+                </a:rPr>
+                <a:t>switchDetermine_eff</a:t>
+              </a:r>
+              <a:r>
+                <a:rPr lang="en-US" altLang="ja-JP" sz="726" dirty="0">
+                  <a:latin typeface="Arial" panose="020B0604020202020204" pitchFamily="34" charset="0"/>
+                  <a:cs typeface="Arial" panose="020B0604020202020204" pitchFamily="34" charset="0"/>
+                </a:rPr>
+                <a:t>==</a:t>
+              </a:r>
+              <a:r>
+                <a:rPr lang="en-US" altLang="ja-JP" sz="726" dirty="0" err="1">
+                  <a:latin typeface="Arial" panose="020B0604020202020204" pitchFamily="34" charset="0"/>
+                  <a:cs typeface="Arial" panose="020B0604020202020204" pitchFamily="34" charset="0"/>
+                </a:rPr>
+                <a:t>viaRealInput</a:t>
+              </a:r>
+              <a:endParaRPr lang="ja-JP" altLang="en-US" sz="726" dirty="0">
+                <a:latin typeface="Arial" panose="020B0604020202020204" pitchFamily="34" charset="0"/>
+                <a:cs typeface="Arial" panose="020B0604020202020204" pitchFamily="34" charset="0"/>
+              </a:endParaRPr>
+            </a:p>
+          </p:txBody>
+        </p:sp>
+        <p:cxnSp>
+          <p:nvCxnSpPr>
+            <p:cNvPr id="28" name="直線矢印コネクタ 27"/>
+            <p:cNvCxnSpPr>
+              <a:stCxn id="27" idx="0"/>
+            </p:cNvCxnSpPr>
+            <p:nvPr/>
+          </p:nvCxnSpPr>
+          <p:spPr>
+            <a:xfrm flipH="1" flipV="1">
+              <a:off x="4932993" y="4467101"/>
+              <a:ext cx="218440" cy="849968"/>
+            </a:xfrm>
+            <a:prstGeom prst="straightConnector1">
+              <a:avLst/>
+            </a:prstGeom>
+            <a:ln w="12700">
+              <a:solidFill>
+                <a:schemeClr val="tx1"/>
+              </a:solidFill>
+              <a:tailEnd type="oval"/>
+            </a:ln>
+          </p:spPr>
+          <p:style>
+            <a:lnRef idx="1">
+              <a:schemeClr val="accent1"/>
+            </a:lnRef>
+            <a:fillRef idx="0">
+              <a:schemeClr val="accent1"/>
+            </a:fillRef>
+            <a:effectRef idx="0">
+              <a:schemeClr val="accent1"/>
+            </a:effectRef>
+            <a:fontRef idx="minor">
+              <a:schemeClr val="tx1"/>
+            </a:fontRef>
+          </p:style>
+        </p:cxnSp>
+      </p:grpSp>
+    </p:spTree>
+  </p:cSld>
+  <p:clrMapOvr>
+    <a:masterClrMapping/>
+  </p:clrMapOvr>
+</p:sld>
+</file>
+
+<file path=ppt/slides/slide11.xml><?xml version="1.0" encoding="utf-8"?>
+<p:sld xmlns:a="http://schemas.openxmlformats.org/drawingml/2006/main" xmlns:r="http://schemas.openxmlformats.org/officeDocument/2006/relationships" xmlns:p="http://schemas.openxmlformats.org/presentationml/2006/main">
+  <p:cSld>
+    <p:spTree>
+      <p:nvGrpSpPr>
+        <p:cNvPr id="1" name=""/>
+        <p:cNvGrpSpPr/>
+        <p:nvPr/>
+      </p:nvGrpSpPr>
+      <p:grpSpPr>
+        <a:xfrm>
+          <a:off x="0" y="0"/>
+          <a:ext cx="0" cy="0"/>
+          <a:chOff x="0" y="0"/>
+          <a:chExt cx="0" cy="0"/>
+        </a:xfrm>
+      </p:grpSpPr>
       <p:pic>
         <p:nvPicPr>
           <p:cNvPr id="2" name="図 1"/>
@@ -3840,7 +4645,7 @@
 </p:sld>
 </file>
 
-<file path=ppt/slides/slide11.xml><?xml version="1.0" encoding="utf-8"?>
+<file path=ppt/slides/slide12.xml><?xml version="1.0" encoding="utf-8"?>
 <p:sld xmlns:a="http://schemas.openxmlformats.org/drawingml/2006/main" xmlns:r="http://schemas.openxmlformats.org/officeDocument/2006/relationships" xmlns:p="http://schemas.openxmlformats.org/presentationml/2006/main">
   <p:cSld>
     <p:spTree>
@@ -3889,7 +4694,7 @@
 </p:sld>
 </file>
 
-<file path=ppt/slides/slide12.xml><?xml version="1.0" encoding="utf-8"?>
+<file path=ppt/slides/slide13.xml><?xml version="1.0" encoding="utf-8"?>
 <p:sld xmlns:a="http://schemas.openxmlformats.org/drawingml/2006/main" xmlns:r="http://schemas.openxmlformats.org/officeDocument/2006/relationships" xmlns:p="http://schemas.openxmlformats.org/presentationml/2006/main">
   <p:cSld>
     <p:spTree>
@@ -7256,6 +8061,4244 @@
           <a:chExt cx="0" cy="0"/>
         </a:xfrm>
       </p:grpSpPr>
+      <p:cxnSp>
+        <p:nvCxnSpPr>
+          <p:cNvPr id="3" name="直線矢印コネクタ 2">
+            <a:extLst>
+              <a:ext uri="{FF2B5EF4-FFF2-40B4-BE49-F238E27FC236}">
+                <a16:creationId xmlns:a16="http://schemas.microsoft.com/office/drawing/2014/main" id="{B9814A04-3B9B-4F0C-8643-F1CCBD51E477}"/>
+              </a:ext>
+            </a:extLst>
+          </p:cNvPr>
+          <p:cNvCxnSpPr>
+            <a:cxnSpLocks/>
+          </p:cNvCxnSpPr>
+          <p:nvPr/>
+        </p:nvCxnSpPr>
+        <p:spPr>
+          <a:xfrm flipV="1">
+            <a:off x="7813963" y="419916"/>
+            <a:ext cx="0" cy="3325092"/>
+          </a:xfrm>
+          <a:prstGeom prst="straightConnector1">
+            <a:avLst/>
+          </a:prstGeom>
+          <a:ln>
+            <a:tailEnd type="triangle"/>
+          </a:ln>
+        </p:spPr>
+        <p:style>
+          <a:lnRef idx="1">
+            <a:schemeClr val="dk1"/>
+          </a:lnRef>
+          <a:fillRef idx="0">
+            <a:schemeClr val="dk1"/>
+          </a:fillRef>
+          <a:effectRef idx="0">
+            <a:schemeClr val="dk1"/>
+          </a:effectRef>
+          <a:fontRef idx="minor">
+            <a:schemeClr val="tx1"/>
+          </a:fontRef>
+        </p:style>
+      </p:cxnSp>
+      <p:cxnSp>
+        <p:nvCxnSpPr>
+          <p:cNvPr id="5" name="直線矢印コネクタ 4">
+            <a:extLst>
+              <a:ext uri="{FF2B5EF4-FFF2-40B4-BE49-F238E27FC236}">
+                <a16:creationId xmlns:a16="http://schemas.microsoft.com/office/drawing/2014/main" id="{F3FA813C-7ED2-41E5-8941-8F0DFD4B42E6}"/>
+              </a:ext>
+            </a:extLst>
+          </p:cNvPr>
+          <p:cNvCxnSpPr>
+            <a:cxnSpLocks/>
+          </p:cNvCxnSpPr>
+          <p:nvPr/>
+        </p:nvCxnSpPr>
+        <p:spPr>
+          <a:xfrm>
+            <a:off x="7653111" y="3548274"/>
+            <a:ext cx="2521666" cy="0"/>
+          </a:xfrm>
+          <a:prstGeom prst="straightConnector1">
+            <a:avLst/>
+          </a:prstGeom>
+          <a:ln>
+            <a:tailEnd type="triangle"/>
+          </a:ln>
+        </p:spPr>
+        <p:style>
+          <a:lnRef idx="1">
+            <a:schemeClr val="dk1"/>
+          </a:lnRef>
+          <a:fillRef idx="0">
+            <a:schemeClr val="dk1"/>
+          </a:fillRef>
+          <a:effectRef idx="0">
+            <a:schemeClr val="dk1"/>
+          </a:effectRef>
+          <a:fontRef idx="minor">
+            <a:schemeClr val="tx1"/>
+          </a:fontRef>
+        </p:style>
+      </p:cxnSp>
+      <p:sp>
+        <p:nvSpPr>
+          <p:cNvPr id="7" name="テキスト ボックス 6">
+            <a:extLst>
+              <a:ext uri="{FF2B5EF4-FFF2-40B4-BE49-F238E27FC236}">
+                <a16:creationId xmlns:a16="http://schemas.microsoft.com/office/drawing/2014/main" id="{7CDF7E5D-24D4-4FA4-972A-BB04A7C4D0CA}"/>
+              </a:ext>
+            </a:extLst>
+          </p:cNvPr>
+          <p:cNvSpPr txBox="1"/>
+          <p:nvPr/>
+        </p:nvSpPr>
+        <p:spPr>
+          <a:xfrm>
+            <a:off x="7262413" y="508674"/>
+            <a:ext cx="726117" cy="276999"/>
+          </a:xfrm>
+          <a:prstGeom prst="rect">
+            <a:avLst/>
+          </a:prstGeom>
+          <a:noFill/>
+        </p:spPr>
+        <p:txBody>
+          <a:bodyPr wrap="square" rtlCol="0">
+            <a:spAutoFit/>
+          </a:bodyPr>
+          <a:lstStyle/>
+          <a:p>
+            <a:r>
+              <a:rPr lang="en-US" altLang="ja-JP" sz="1200" dirty="0"/>
+              <a:t>P [Pa]</a:t>
+            </a:r>
+            <a:endParaRPr kumimoji="1" lang="ja-JP" altLang="en-US" sz="1200" dirty="0"/>
+          </a:p>
+        </p:txBody>
+      </p:sp>
+      <p:sp>
+        <p:nvSpPr>
+          <p:cNvPr id="8" name="テキスト ボックス 7">
+            <a:extLst>
+              <a:ext uri="{FF2B5EF4-FFF2-40B4-BE49-F238E27FC236}">
+                <a16:creationId xmlns:a16="http://schemas.microsoft.com/office/drawing/2014/main" id="{1193C351-7B48-469D-9830-B4DA9552345D}"/>
+              </a:ext>
+            </a:extLst>
+          </p:cNvPr>
+          <p:cNvSpPr txBox="1"/>
+          <p:nvPr/>
+        </p:nvSpPr>
+        <p:spPr>
+          <a:xfrm>
+            <a:off x="9543017" y="3557825"/>
+            <a:ext cx="698124" cy="276999"/>
+          </a:xfrm>
+          <a:prstGeom prst="rect">
+            <a:avLst/>
+          </a:prstGeom>
+          <a:noFill/>
+        </p:spPr>
+        <p:txBody>
+          <a:bodyPr wrap="square" rtlCol="0">
+            <a:spAutoFit/>
+          </a:bodyPr>
+          <a:lstStyle/>
+          <a:p>
+            <a:r>
+              <a:rPr kumimoji="1" lang="en-US" altLang="ja-JP" sz="1200" dirty="0"/>
+              <a:t>V [m3]</a:t>
+            </a:r>
+            <a:endParaRPr kumimoji="1" lang="ja-JP" altLang="en-US" sz="1200" dirty="0"/>
+          </a:p>
+        </p:txBody>
+      </p:sp>
+      <p:cxnSp>
+        <p:nvCxnSpPr>
+          <p:cNvPr id="10" name="直線矢印コネクタ 9">
+            <a:extLst>
+              <a:ext uri="{FF2B5EF4-FFF2-40B4-BE49-F238E27FC236}">
+                <a16:creationId xmlns:a16="http://schemas.microsoft.com/office/drawing/2014/main" id="{1EBFC914-FC5E-49AC-B2F0-8BC7BACB36D1}"/>
+              </a:ext>
+            </a:extLst>
+          </p:cNvPr>
+          <p:cNvCxnSpPr>
+            <a:cxnSpLocks/>
+            <a:stCxn id="17" idx="0"/>
+            <a:endCxn id="16" idx="0"/>
+          </p:cNvCxnSpPr>
+          <p:nvPr/>
+        </p:nvCxnSpPr>
+        <p:spPr>
+          <a:xfrm flipH="1" flipV="1">
+            <a:off x="8163096" y="785673"/>
+            <a:ext cx="2912" cy="1651465"/>
+          </a:xfrm>
+          <a:prstGeom prst="straightConnector1">
+            <a:avLst/>
+          </a:prstGeom>
+          <a:ln>
+            <a:headEnd type="none" w="med" len="med"/>
+            <a:tailEnd type="arrow" w="med" len="med"/>
+          </a:ln>
+        </p:spPr>
+        <p:style>
+          <a:lnRef idx="1">
+            <a:schemeClr val="accent1"/>
+          </a:lnRef>
+          <a:fillRef idx="0">
+            <a:schemeClr val="accent1"/>
+          </a:fillRef>
+          <a:effectRef idx="0">
+            <a:schemeClr val="accent1"/>
+          </a:effectRef>
+          <a:fontRef idx="minor">
+            <a:schemeClr val="tx1"/>
+          </a:fontRef>
+        </p:style>
+      </p:cxnSp>
+      <p:cxnSp>
+        <p:nvCxnSpPr>
+          <p:cNvPr id="12" name="直線矢印コネクタ 11">
+            <a:extLst>
+              <a:ext uri="{FF2B5EF4-FFF2-40B4-BE49-F238E27FC236}">
+                <a16:creationId xmlns:a16="http://schemas.microsoft.com/office/drawing/2014/main" id="{2541F41E-1640-4C52-97A1-38CC216D6C10}"/>
+              </a:ext>
+            </a:extLst>
+          </p:cNvPr>
+          <p:cNvCxnSpPr>
+            <a:cxnSpLocks/>
+            <a:stCxn id="16" idx="5"/>
+          </p:cNvCxnSpPr>
+          <p:nvPr/>
+        </p:nvCxnSpPr>
+        <p:spPr>
+          <a:xfrm>
+            <a:off x="9817329" y="2606161"/>
+            <a:ext cx="0" cy="196794"/>
+          </a:xfrm>
+          <a:prstGeom prst="straightConnector1">
+            <a:avLst/>
+          </a:prstGeom>
+          <a:ln>
+            <a:headEnd type="none" w="med" len="med"/>
+            <a:tailEnd type="arrow" w="med" len="med"/>
+          </a:ln>
+        </p:spPr>
+        <p:style>
+          <a:lnRef idx="1">
+            <a:schemeClr val="accent1"/>
+          </a:lnRef>
+          <a:fillRef idx="0">
+            <a:schemeClr val="accent1"/>
+          </a:fillRef>
+          <a:effectRef idx="0">
+            <a:schemeClr val="accent1"/>
+          </a:effectRef>
+          <a:fontRef idx="minor">
+            <a:schemeClr val="tx1"/>
+          </a:fontRef>
+        </p:style>
+      </p:cxnSp>
+      <p:sp>
+        <p:nvSpPr>
+          <p:cNvPr id="16" name="フリーフォーム: 図形 15">
+            <a:extLst>
+              <a:ext uri="{FF2B5EF4-FFF2-40B4-BE49-F238E27FC236}">
+                <a16:creationId xmlns:a16="http://schemas.microsoft.com/office/drawing/2014/main" id="{D07EEE73-9B3C-436D-A217-54DB00120BD7}"/>
+              </a:ext>
+            </a:extLst>
+          </p:cNvPr>
+          <p:cNvSpPr/>
+          <p:nvPr/>
+        </p:nvSpPr>
+        <p:spPr>
+          <a:xfrm>
+            <a:off x="8163096" y="785673"/>
+            <a:ext cx="1654233" cy="1820488"/>
+          </a:xfrm>
+          <a:custGeom>
+            <a:avLst/>
+            <a:gdLst>
+              <a:gd name="connsiteX0" fmla="*/ 0 w 1679171"/>
+              <a:gd name="connsiteY0" fmla="*/ 0 h 1271847"/>
+              <a:gd name="connsiteX1" fmla="*/ 332509 w 1679171"/>
+              <a:gd name="connsiteY1" fmla="*/ 407324 h 1271847"/>
+              <a:gd name="connsiteX2" fmla="*/ 839585 w 1679171"/>
+              <a:gd name="connsiteY2" fmla="*/ 881149 h 1271847"/>
+              <a:gd name="connsiteX3" fmla="*/ 1263534 w 1679171"/>
+              <a:gd name="connsiteY3" fmla="*/ 1138844 h 1271847"/>
+              <a:gd name="connsiteX4" fmla="*/ 1562792 w 1679171"/>
+              <a:gd name="connsiteY4" fmla="*/ 1246909 h 1271847"/>
+              <a:gd name="connsiteX5" fmla="*/ 1679171 w 1679171"/>
+              <a:gd name="connsiteY5" fmla="*/ 1271847 h 1271847"/>
+              <a:gd name="connsiteX0" fmla="*/ 0 w 1737360"/>
+              <a:gd name="connsiteY0" fmla="*/ 0 h 1521229"/>
+              <a:gd name="connsiteX1" fmla="*/ 390698 w 1737360"/>
+              <a:gd name="connsiteY1" fmla="*/ 656706 h 1521229"/>
+              <a:gd name="connsiteX2" fmla="*/ 897774 w 1737360"/>
+              <a:gd name="connsiteY2" fmla="*/ 1130531 h 1521229"/>
+              <a:gd name="connsiteX3" fmla="*/ 1321723 w 1737360"/>
+              <a:gd name="connsiteY3" fmla="*/ 1388226 h 1521229"/>
+              <a:gd name="connsiteX4" fmla="*/ 1620981 w 1737360"/>
+              <a:gd name="connsiteY4" fmla="*/ 1496291 h 1521229"/>
+              <a:gd name="connsiteX5" fmla="*/ 1737360 w 1737360"/>
+              <a:gd name="connsiteY5" fmla="*/ 1521229 h 1521229"/>
+              <a:gd name="connsiteX0" fmla="*/ 0 w 1687484"/>
+              <a:gd name="connsiteY0" fmla="*/ 0 h 1512917"/>
+              <a:gd name="connsiteX1" fmla="*/ 340822 w 1687484"/>
+              <a:gd name="connsiteY1" fmla="*/ 648394 h 1512917"/>
+              <a:gd name="connsiteX2" fmla="*/ 847898 w 1687484"/>
+              <a:gd name="connsiteY2" fmla="*/ 1122219 h 1512917"/>
+              <a:gd name="connsiteX3" fmla="*/ 1271847 w 1687484"/>
+              <a:gd name="connsiteY3" fmla="*/ 1379914 h 1512917"/>
+              <a:gd name="connsiteX4" fmla="*/ 1571105 w 1687484"/>
+              <a:gd name="connsiteY4" fmla="*/ 1487979 h 1512917"/>
+              <a:gd name="connsiteX5" fmla="*/ 1687484 w 1687484"/>
+              <a:gd name="connsiteY5" fmla="*/ 1512917 h 1512917"/>
+              <a:gd name="connsiteX0" fmla="*/ 0 w 1687484"/>
+              <a:gd name="connsiteY0" fmla="*/ 0 h 1512917"/>
+              <a:gd name="connsiteX1" fmla="*/ 282633 w 1687484"/>
+              <a:gd name="connsiteY1" fmla="*/ 498765 h 1512917"/>
+              <a:gd name="connsiteX2" fmla="*/ 847898 w 1687484"/>
+              <a:gd name="connsiteY2" fmla="*/ 1122219 h 1512917"/>
+              <a:gd name="connsiteX3" fmla="*/ 1271847 w 1687484"/>
+              <a:gd name="connsiteY3" fmla="*/ 1379914 h 1512917"/>
+              <a:gd name="connsiteX4" fmla="*/ 1571105 w 1687484"/>
+              <a:gd name="connsiteY4" fmla="*/ 1487979 h 1512917"/>
+              <a:gd name="connsiteX5" fmla="*/ 1687484 w 1687484"/>
+              <a:gd name="connsiteY5" fmla="*/ 1512917 h 1512917"/>
+              <a:gd name="connsiteX0" fmla="*/ 0 w 1687484"/>
+              <a:gd name="connsiteY0" fmla="*/ 0 h 1512917"/>
+              <a:gd name="connsiteX1" fmla="*/ 282633 w 1687484"/>
+              <a:gd name="connsiteY1" fmla="*/ 498765 h 1512917"/>
+              <a:gd name="connsiteX2" fmla="*/ 847898 w 1687484"/>
+              <a:gd name="connsiteY2" fmla="*/ 1122219 h 1512917"/>
+              <a:gd name="connsiteX3" fmla="*/ 1271847 w 1687484"/>
+              <a:gd name="connsiteY3" fmla="*/ 1379914 h 1512917"/>
+              <a:gd name="connsiteX4" fmla="*/ 1571105 w 1687484"/>
+              <a:gd name="connsiteY4" fmla="*/ 1487979 h 1512917"/>
+              <a:gd name="connsiteX5" fmla="*/ 1687484 w 1687484"/>
+              <a:gd name="connsiteY5" fmla="*/ 1512917 h 1512917"/>
+              <a:gd name="connsiteX0" fmla="*/ 0 w 1687484"/>
+              <a:gd name="connsiteY0" fmla="*/ 0 h 1512917"/>
+              <a:gd name="connsiteX1" fmla="*/ 282633 w 1687484"/>
+              <a:gd name="connsiteY1" fmla="*/ 498765 h 1512917"/>
+              <a:gd name="connsiteX2" fmla="*/ 847898 w 1687484"/>
+              <a:gd name="connsiteY2" fmla="*/ 1122219 h 1512917"/>
+              <a:gd name="connsiteX3" fmla="*/ 1271847 w 1687484"/>
+              <a:gd name="connsiteY3" fmla="*/ 1379914 h 1512917"/>
+              <a:gd name="connsiteX4" fmla="*/ 1571105 w 1687484"/>
+              <a:gd name="connsiteY4" fmla="*/ 1487979 h 1512917"/>
+              <a:gd name="connsiteX5" fmla="*/ 1687484 w 1687484"/>
+              <a:gd name="connsiteY5" fmla="*/ 1512917 h 1512917"/>
+              <a:gd name="connsiteX0" fmla="*/ 0 w 1687484"/>
+              <a:gd name="connsiteY0" fmla="*/ 0 h 1512917"/>
+              <a:gd name="connsiteX1" fmla="*/ 282633 w 1687484"/>
+              <a:gd name="connsiteY1" fmla="*/ 498765 h 1512917"/>
+              <a:gd name="connsiteX2" fmla="*/ 606829 w 1687484"/>
+              <a:gd name="connsiteY2" fmla="*/ 872837 h 1512917"/>
+              <a:gd name="connsiteX3" fmla="*/ 1271847 w 1687484"/>
+              <a:gd name="connsiteY3" fmla="*/ 1379914 h 1512917"/>
+              <a:gd name="connsiteX4" fmla="*/ 1571105 w 1687484"/>
+              <a:gd name="connsiteY4" fmla="*/ 1487979 h 1512917"/>
+              <a:gd name="connsiteX5" fmla="*/ 1687484 w 1687484"/>
+              <a:gd name="connsiteY5" fmla="*/ 1512917 h 1512917"/>
+              <a:gd name="connsiteX0" fmla="*/ 0 w 1687484"/>
+              <a:gd name="connsiteY0" fmla="*/ 0 h 1512917"/>
+              <a:gd name="connsiteX1" fmla="*/ 224444 w 1687484"/>
+              <a:gd name="connsiteY1" fmla="*/ 515390 h 1512917"/>
+              <a:gd name="connsiteX2" fmla="*/ 606829 w 1687484"/>
+              <a:gd name="connsiteY2" fmla="*/ 872837 h 1512917"/>
+              <a:gd name="connsiteX3" fmla="*/ 1271847 w 1687484"/>
+              <a:gd name="connsiteY3" fmla="*/ 1379914 h 1512917"/>
+              <a:gd name="connsiteX4" fmla="*/ 1571105 w 1687484"/>
+              <a:gd name="connsiteY4" fmla="*/ 1487979 h 1512917"/>
+              <a:gd name="connsiteX5" fmla="*/ 1687484 w 1687484"/>
+              <a:gd name="connsiteY5" fmla="*/ 1512917 h 1512917"/>
+              <a:gd name="connsiteX0" fmla="*/ 0 w 1687484"/>
+              <a:gd name="connsiteY0" fmla="*/ 0 h 1512917"/>
+              <a:gd name="connsiteX1" fmla="*/ 224444 w 1687484"/>
+              <a:gd name="connsiteY1" fmla="*/ 515390 h 1512917"/>
+              <a:gd name="connsiteX2" fmla="*/ 606829 w 1687484"/>
+              <a:gd name="connsiteY2" fmla="*/ 872837 h 1512917"/>
+              <a:gd name="connsiteX3" fmla="*/ 1047403 w 1687484"/>
+              <a:gd name="connsiteY3" fmla="*/ 1188722 h 1512917"/>
+              <a:gd name="connsiteX4" fmla="*/ 1571105 w 1687484"/>
+              <a:gd name="connsiteY4" fmla="*/ 1487979 h 1512917"/>
+              <a:gd name="connsiteX5" fmla="*/ 1687484 w 1687484"/>
+              <a:gd name="connsiteY5" fmla="*/ 1512917 h 1512917"/>
+              <a:gd name="connsiteX0" fmla="*/ 0 w 1687484"/>
+              <a:gd name="connsiteY0" fmla="*/ 0 h 1512917"/>
+              <a:gd name="connsiteX1" fmla="*/ 224444 w 1687484"/>
+              <a:gd name="connsiteY1" fmla="*/ 515390 h 1512917"/>
+              <a:gd name="connsiteX2" fmla="*/ 590203 w 1687484"/>
+              <a:gd name="connsiteY2" fmla="*/ 939339 h 1512917"/>
+              <a:gd name="connsiteX3" fmla="*/ 1047403 w 1687484"/>
+              <a:gd name="connsiteY3" fmla="*/ 1188722 h 1512917"/>
+              <a:gd name="connsiteX4" fmla="*/ 1571105 w 1687484"/>
+              <a:gd name="connsiteY4" fmla="*/ 1487979 h 1512917"/>
+              <a:gd name="connsiteX5" fmla="*/ 1687484 w 1687484"/>
+              <a:gd name="connsiteY5" fmla="*/ 1512917 h 1512917"/>
+              <a:gd name="connsiteX0" fmla="*/ 0 w 1687484"/>
+              <a:gd name="connsiteY0" fmla="*/ 0 h 1512917"/>
+              <a:gd name="connsiteX1" fmla="*/ 224444 w 1687484"/>
+              <a:gd name="connsiteY1" fmla="*/ 515390 h 1512917"/>
+              <a:gd name="connsiteX2" fmla="*/ 590203 w 1687484"/>
+              <a:gd name="connsiteY2" fmla="*/ 939339 h 1512917"/>
+              <a:gd name="connsiteX3" fmla="*/ 1014152 w 1687484"/>
+              <a:gd name="connsiteY3" fmla="*/ 1246911 h 1512917"/>
+              <a:gd name="connsiteX4" fmla="*/ 1571105 w 1687484"/>
+              <a:gd name="connsiteY4" fmla="*/ 1487979 h 1512917"/>
+              <a:gd name="connsiteX5" fmla="*/ 1687484 w 1687484"/>
+              <a:gd name="connsiteY5" fmla="*/ 1512917 h 1512917"/>
+              <a:gd name="connsiteX0" fmla="*/ 0 w 1687484"/>
+              <a:gd name="connsiteY0" fmla="*/ 0 h 1512917"/>
+              <a:gd name="connsiteX1" fmla="*/ 224444 w 1687484"/>
+              <a:gd name="connsiteY1" fmla="*/ 515390 h 1512917"/>
+              <a:gd name="connsiteX2" fmla="*/ 590203 w 1687484"/>
+              <a:gd name="connsiteY2" fmla="*/ 939339 h 1512917"/>
+              <a:gd name="connsiteX3" fmla="*/ 1014152 w 1687484"/>
+              <a:gd name="connsiteY3" fmla="*/ 1246911 h 1512917"/>
+              <a:gd name="connsiteX4" fmla="*/ 1354974 w 1687484"/>
+              <a:gd name="connsiteY4" fmla="*/ 1413164 h 1512917"/>
+              <a:gd name="connsiteX5" fmla="*/ 1687484 w 1687484"/>
+              <a:gd name="connsiteY5" fmla="*/ 1512917 h 1512917"/>
+              <a:gd name="connsiteX0" fmla="*/ 0 w 1654233"/>
+              <a:gd name="connsiteY0" fmla="*/ 0 h 1704110"/>
+              <a:gd name="connsiteX1" fmla="*/ 224444 w 1654233"/>
+              <a:gd name="connsiteY1" fmla="*/ 515390 h 1704110"/>
+              <a:gd name="connsiteX2" fmla="*/ 590203 w 1654233"/>
+              <a:gd name="connsiteY2" fmla="*/ 939339 h 1704110"/>
+              <a:gd name="connsiteX3" fmla="*/ 1014152 w 1654233"/>
+              <a:gd name="connsiteY3" fmla="*/ 1246911 h 1704110"/>
+              <a:gd name="connsiteX4" fmla="*/ 1354974 w 1654233"/>
+              <a:gd name="connsiteY4" fmla="*/ 1413164 h 1704110"/>
+              <a:gd name="connsiteX5" fmla="*/ 1654233 w 1654233"/>
+              <a:gd name="connsiteY5" fmla="*/ 1704110 h 1704110"/>
+              <a:gd name="connsiteX0" fmla="*/ 0 w 1654233"/>
+              <a:gd name="connsiteY0" fmla="*/ 0 h 1704110"/>
+              <a:gd name="connsiteX1" fmla="*/ 224444 w 1654233"/>
+              <a:gd name="connsiteY1" fmla="*/ 515390 h 1704110"/>
+              <a:gd name="connsiteX2" fmla="*/ 590203 w 1654233"/>
+              <a:gd name="connsiteY2" fmla="*/ 939339 h 1704110"/>
+              <a:gd name="connsiteX3" fmla="*/ 1014152 w 1654233"/>
+              <a:gd name="connsiteY3" fmla="*/ 1246911 h 1704110"/>
+              <a:gd name="connsiteX4" fmla="*/ 1296785 w 1654233"/>
+              <a:gd name="connsiteY4" fmla="*/ 1521229 h 1704110"/>
+              <a:gd name="connsiteX5" fmla="*/ 1654233 w 1654233"/>
+              <a:gd name="connsiteY5" fmla="*/ 1704110 h 1704110"/>
+              <a:gd name="connsiteX0" fmla="*/ 0 w 1654233"/>
+              <a:gd name="connsiteY0" fmla="*/ 0 h 1704110"/>
+              <a:gd name="connsiteX1" fmla="*/ 224444 w 1654233"/>
+              <a:gd name="connsiteY1" fmla="*/ 515390 h 1704110"/>
+              <a:gd name="connsiteX2" fmla="*/ 590203 w 1654233"/>
+              <a:gd name="connsiteY2" fmla="*/ 939339 h 1704110"/>
+              <a:gd name="connsiteX3" fmla="*/ 864523 w 1654233"/>
+              <a:gd name="connsiteY3" fmla="*/ 1296787 h 1704110"/>
+              <a:gd name="connsiteX4" fmla="*/ 1296785 w 1654233"/>
+              <a:gd name="connsiteY4" fmla="*/ 1521229 h 1704110"/>
+              <a:gd name="connsiteX5" fmla="*/ 1654233 w 1654233"/>
+              <a:gd name="connsiteY5" fmla="*/ 1704110 h 1704110"/>
+              <a:gd name="connsiteX0" fmla="*/ 0 w 1654233"/>
+              <a:gd name="connsiteY0" fmla="*/ 0 h 1704110"/>
+              <a:gd name="connsiteX1" fmla="*/ 224444 w 1654233"/>
+              <a:gd name="connsiteY1" fmla="*/ 515390 h 1704110"/>
+              <a:gd name="connsiteX2" fmla="*/ 507076 w 1654233"/>
+              <a:gd name="connsiteY2" fmla="*/ 972590 h 1704110"/>
+              <a:gd name="connsiteX3" fmla="*/ 864523 w 1654233"/>
+              <a:gd name="connsiteY3" fmla="*/ 1296787 h 1704110"/>
+              <a:gd name="connsiteX4" fmla="*/ 1296785 w 1654233"/>
+              <a:gd name="connsiteY4" fmla="*/ 1521229 h 1704110"/>
+              <a:gd name="connsiteX5" fmla="*/ 1654233 w 1654233"/>
+              <a:gd name="connsiteY5" fmla="*/ 1704110 h 1704110"/>
+              <a:gd name="connsiteX0" fmla="*/ 0 w 1654233"/>
+              <a:gd name="connsiteY0" fmla="*/ 0 h 1704110"/>
+              <a:gd name="connsiteX1" fmla="*/ 224444 w 1654233"/>
+              <a:gd name="connsiteY1" fmla="*/ 515390 h 1704110"/>
+              <a:gd name="connsiteX2" fmla="*/ 507076 w 1654233"/>
+              <a:gd name="connsiteY2" fmla="*/ 972590 h 1704110"/>
+              <a:gd name="connsiteX3" fmla="*/ 847897 w 1654233"/>
+              <a:gd name="connsiteY3" fmla="*/ 1313412 h 1704110"/>
+              <a:gd name="connsiteX4" fmla="*/ 1296785 w 1654233"/>
+              <a:gd name="connsiteY4" fmla="*/ 1521229 h 1704110"/>
+              <a:gd name="connsiteX5" fmla="*/ 1654233 w 1654233"/>
+              <a:gd name="connsiteY5" fmla="*/ 1704110 h 1704110"/>
+              <a:gd name="connsiteX0" fmla="*/ 0 w 1654233"/>
+              <a:gd name="connsiteY0" fmla="*/ 0 h 1704110"/>
+              <a:gd name="connsiteX1" fmla="*/ 224444 w 1654233"/>
+              <a:gd name="connsiteY1" fmla="*/ 515390 h 1704110"/>
+              <a:gd name="connsiteX2" fmla="*/ 507076 w 1654233"/>
+              <a:gd name="connsiteY2" fmla="*/ 972590 h 1704110"/>
+              <a:gd name="connsiteX3" fmla="*/ 847897 w 1654233"/>
+              <a:gd name="connsiteY3" fmla="*/ 1313412 h 1704110"/>
+              <a:gd name="connsiteX4" fmla="*/ 1263534 w 1654233"/>
+              <a:gd name="connsiteY4" fmla="*/ 1562793 h 1704110"/>
+              <a:gd name="connsiteX5" fmla="*/ 1654233 w 1654233"/>
+              <a:gd name="connsiteY5" fmla="*/ 1704110 h 1704110"/>
+              <a:gd name="connsiteX0" fmla="*/ 0 w 1654233"/>
+              <a:gd name="connsiteY0" fmla="*/ 0 h 1820488"/>
+              <a:gd name="connsiteX1" fmla="*/ 224444 w 1654233"/>
+              <a:gd name="connsiteY1" fmla="*/ 515390 h 1820488"/>
+              <a:gd name="connsiteX2" fmla="*/ 507076 w 1654233"/>
+              <a:gd name="connsiteY2" fmla="*/ 972590 h 1820488"/>
+              <a:gd name="connsiteX3" fmla="*/ 847897 w 1654233"/>
+              <a:gd name="connsiteY3" fmla="*/ 1313412 h 1820488"/>
+              <a:gd name="connsiteX4" fmla="*/ 1263534 w 1654233"/>
+              <a:gd name="connsiteY4" fmla="*/ 1562793 h 1820488"/>
+              <a:gd name="connsiteX5" fmla="*/ 1654233 w 1654233"/>
+              <a:gd name="connsiteY5" fmla="*/ 1820488 h 1820488"/>
+              <a:gd name="connsiteX0" fmla="*/ 0 w 1654233"/>
+              <a:gd name="connsiteY0" fmla="*/ 0 h 1820488"/>
+              <a:gd name="connsiteX1" fmla="*/ 224444 w 1654233"/>
+              <a:gd name="connsiteY1" fmla="*/ 515390 h 1820488"/>
+              <a:gd name="connsiteX2" fmla="*/ 507076 w 1654233"/>
+              <a:gd name="connsiteY2" fmla="*/ 972590 h 1820488"/>
+              <a:gd name="connsiteX3" fmla="*/ 847897 w 1654233"/>
+              <a:gd name="connsiteY3" fmla="*/ 1313412 h 1820488"/>
+              <a:gd name="connsiteX4" fmla="*/ 1221970 w 1654233"/>
+              <a:gd name="connsiteY4" fmla="*/ 1645920 h 1820488"/>
+              <a:gd name="connsiteX5" fmla="*/ 1654233 w 1654233"/>
+              <a:gd name="connsiteY5" fmla="*/ 1820488 h 1820488"/>
+              <a:gd name="connsiteX0" fmla="*/ 0 w 1654233"/>
+              <a:gd name="connsiteY0" fmla="*/ 0 h 1820488"/>
+              <a:gd name="connsiteX1" fmla="*/ 224444 w 1654233"/>
+              <a:gd name="connsiteY1" fmla="*/ 515390 h 1820488"/>
+              <a:gd name="connsiteX2" fmla="*/ 507076 w 1654233"/>
+              <a:gd name="connsiteY2" fmla="*/ 972590 h 1820488"/>
+              <a:gd name="connsiteX3" fmla="*/ 806333 w 1654233"/>
+              <a:gd name="connsiteY3" fmla="*/ 1363289 h 1820488"/>
+              <a:gd name="connsiteX4" fmla="*/ 1221970 w 1654233"/>
+              <a:gd name="connsiteY4" fmla="*/ 1645920 h 1820488"/>
+              <a:gd name="connsiteX5" fmla="*/ 1654233 w 1654233"/>
+              <a:gd name="connsiteY5" fmla="*/ 1820488 h 1820488"/>
+            </a:gdLst>
+            <a:ahLst/>
+            <a:cxnLst>
+              <a:cxn ang="0">
+                <a:pos x="connsiteX0" y="connsiteY0"/>
+              </a:cxn>
+              <a:cxn ang="0">
+                <a:pos x="connsiteX1" y="connsiteY1"/>
+              </a:cxn>
+              <a:cxn ang="0">
+                <a:pos x="connsiteX2" y="connsiteY2"/>
+              </a:cxn>
+              <a:cxn ang="0">
+                <a:pos x="connsiteX3" y="connsiteY3"/>
+              </a:cxn>
+              <a:cxn ang="0">
+                <a:pos x="connsiteX4" y="connsiteY4"/>
+              </a:cxn>
+              <a:cxn ang="0">
+                <a:pos x="connsiteX5" y="connsiteY5"/>
+              </a:cxn>
+            </a:cxnLst>
+            <a:rect l="l" t="t" r="r" b="b"/>
+            <a:pathLst>
+              <a:path w="1654233" h="1820488">
+                <a:moveTo>
+                  <a:pt x="0" y="0"/>
+                </a:moveTo>
+                <a:cubicBezTo>
+                  <a:pt x="54725" y="221673"/>
+                  <a:pt x="139931" y="353292"/>
+                  <a:pt x="224444" y="515390"/>
+                </a:cubicBezTo>
+                <a:cubicBezTo>
+                  <a:pt x="308957" y="677488"/>
+                  <a:pt x="410095" y="831274"/>
+                  <a:pt x="507076" y="972590"/>
+                </a:cubicBezTo>
+                <a:cubicBezTo>
+                  <a:pt x="604057" y="1113906"/>
+                  <a:pt x="687184" y="1251067"/>
+                  <a:pt x="806333" y="1363289"/>
+                </a:cubicBezTo>
+                <a:cubicBezTo>
+                  <a:pt x="925482" y="1475511"/>
+                  <a:pt x="1152697" y="1623753"/>
+                  <a:pt x="1221970" y="1645920"/>
+                </a:cubicBezTo>
+                <a:cubicBezTo>
+                  <a:pt x="1291243" y="1668087"/>
+                  <a:pt x="1630680" y="1819102"/>
+                  <a:pt x="1654233" y="1820488"/>
+                </a:cubicBezTo>
+              </a:path>
+            </a:pathLst>
+          </a:custGeom>
+          <a:noFill/>
+          <a:ln w="6350">
+            <a:headEnd type="none" w="med" len="med"/>
+            <a:tailEnd type="arrow" w="med" len="med"/>
+          </a:ln>
+        </p:spPr>
+        <p:style>
+          <a:lnRef idx="2">
+            <a:schemeClr val="accent1">
+              <a:shade val="50000"/>
+            </a:schemeClr>
+          </a:lnRef>
+          <a:fillRef idx="1">
+            <a:schemeClr val="accent1"/>
+          </a:fillRef>
+          <a:effectRef idx="0">
+            <a:schemeClr val="accent1"/>
+          </a:effectRef>
+          <a:fontRef idx="minor">
+            <a:schemeClr val="lt1"/>
+          </a:fontRef>
+        </p:style>
+        <p:txBody>
+          <a:bodyPr rtlCol="0" anchor="ctr"/>
+          <a:lstStyle/>
+          <a:p>
+            <a:pPr algn="ctr"/>
+            <a:endParaRPr kumimoji="1" lang="ja-JP" altLang="en-US"/>
+          </a:p>
+        </p:txBody>
+      </p:sp>
+      <p:sp>
+        <p:nvSpPr>
+          <p:cNvPr id="17" name="フリーフォーム: 図形 16">
+            <a:extLst>
+              <a:ext uri="{FF2B5EF4-FFF2-40B4-BE49-F238E27FC236}">
+                <a16:creationId xmlns:a16="http://schemas.microsoft.com/office/drawing/2014/main" id="{6F13527D-6EF2-40B6-A4B7-C0E11E0D2E62}"/>
+              </a:ext>
+            </a:extLst>
+          </p:cNvPr>
+          <p:cNvSpPr/>
+          <p:nvPr/>
+        </p:nvSpPr>
+        <p:spPr>
+          <a:xfrm>
+            <a:off x="8166008" y="2437138"/>
+            <a:ext cx="1651322" cy="566504"/>
+          </a:xfrm>
+          <a:custGeom>
+            <a:avLst/>
+            <a:gdLst>
+              <a:gd name="connsiteX0" fmla="*/ 0 w 1679171"/>
+              <a:gd name="connsiteY0" fmla="*/ 0 h 1271847"/>
+              <a:gd name="connsiteX1" fmla="*/ 332509 w 1679171"/>
+              <a:gd name="connsiteY1" fmla="*/ 407324 h 1271847"/>
+              <a:gd name="connsiteX2" fmla="*/ 839585 w 1679171"/>
+              <a:gd name="connsiteY2" fmla="*/ 881149 h 1271847"/>
+              <a:gd name="connsiteX3" fmla="*/ 1263534 w 1679171"/>
+              <a:gd name="connsiteY3" fmla="*/ 1138844 h 1271847"/>
+              <a:gd name="connsiteX4" fmla="*/ 1562792 w 1679171"/>
+              <a:gd name="connsiteY4" fmla="*/ 1246909 h 1271847"/>
+              <a:gd name="connsiteX5" fmla="*/ 1679171 w 1679171"/>
+              <a:gd name="connsiteY5" fmla="*/ 1271847 h 1271847"/>
+              <a:gd name="connsiteX0" fmla="*/ 0 w 1679171"/>
+              <a:gd name="connsiteY0" fmla="*/ 0 h 1072342"/>
+              <a:gd name="connsiteX1" fmla="*/ 332509 w 1679171"/>
+              <a:gd name="connsiteY1" fmla="*/ 207819 h 1072342"/>
+              <a:gd name="connsiteX2" fmla="*/ 839585 w 1679171"/>
+              <a:gd name="connsiteY2" fmla="*/ 681644 h 1072342"/>
+              <a:gd name="connsiteX3" fmla="*/ 1263534 w 1679171"/>
+              <a:gd name="connsiteY3" fmla="*/ 939339 h 1072342"/>
+              <a:gd name="connsiteX4" fmla="*/ 1562792 w 1679171"/>
+              <a:gd name="connsiteY4" fmla="*/ 1047404 h 1072342"/>
+              <a:gd name="connsiteX5" fmla="*/ 1679171 w 1679171"/>
+              <a:gd name="connsiteY5" fmla="*/ 1072342 h 1072342"/>
+              <a:gd name="connsiteX0" fmla="*/ 0 w 1679171"/>
+              <a:gd name="connsiteY0" fmla="*/ 0 h 1072342"/>
+              <a:gd name="connsiteX1" fmla="*/ 266007 w 1679171"/>
+              <a:gd name="connsiteY1" fmla="*/ 324197 h 1072342"/>
+              <a:gd name="connsiteX2" fmla="*/ 839585 w 1679171"/>
+              <a:gd name="connsiteY2" fmla="*/ 681644 h 1072342"/>
+              <a:gd name="connsiteX3" fmla="*/ 1263534 w 1679171"/>
+              <a:gd name="connsiteY3" fmla="*/ 939339 h 1072342"/>
+              <a:gd name="connsiteX4" fmla="*/ 1562792 w 1679171"/>
+              <a:gd name="connsiteY4" fmla="*/ 1047404 h 1072342"/>
+              <a:gd name="connsiteX5" fmla="*/ 1679171 w 1679171"/>
+              <a:gd name="connsiteY5" fmla="*/ 1072342 h 1072342"/>
+              <a:gd name="connsiteX0" fmla="*/ 0 w 1679171"/>
+              <a:gd name="connsiteY0" fmla="*/ 0 h 1072342"/>
+              <a:gd name="connsiteX1" fmla="*/ 266007 w 1679171"/>
+              <a:gd name="connsiteY1" fmla="*/ 324197 h 1072342"/>
+              <a:gd name="connsiteX2" fmla="*/ 673330 w 1679171"/>
+              <a:gd name="connsiteY2" fmla="*/ 756458 h 1072342"/>
+              <a:gd name="connsiteX3" fmla="*/ 1263534 w 1679171"/>
+              <a:gd name="connsiteY3" fmla="*/ 939339 h 1072342"/>
+              <a:gd name="connsiteX4" fmla="*/ 1562792 w 1679171"/>
+              <a:gd name="connsiteY4" fmla="*/ 1047404 h 1072342"/>
+              <a:gd name="connsiteX5" fmla="*/ 1679171 w 1679171"/>
+              <a:gd name="connsiteY5" fmla="*/ 1072342 h 1072342"/>
+              <a:gd name="connsiteX0" fmla="*/ 0 w 1679171"/>
+              <a:gd name="connsiteY0" fmla="*/ 0 h 1072342"/>
+              <a:gd name="connsiteX1" fmla="*/ 207818 w 1679171"/>
+              <a:gd name="connsiteY1" fmla="*/ 340823 h 1072342"/>
+              <a:gd name="connsiteX2" fmla="*/ 673330 w 1679171"/>
+              <a:gd name="connsiteY2" fmla="*/ 756458 h 1072342"/>
+              <a:gd name="connsiteX3" fmla="*/ 1263534 w 1679171"/>
+              <a:gd name="connsiteY3" fmla="*/ 939339 h 1072342"/>
+              <a:gd name="connsiteX4" fmla="*/ 1562792 w 1679171"/>
+              <a:gd name="connsiteY4" fmla="*/ 1047404 h 1072342"/>
+              <a:gd name="connsiteX5" fmla="*/ 1679171 w 1679171"/>
+              <a:gd name="connsiteY5" fmla="*/ 1072342 h 1072342"/>
+              <a:gd name="connsiteX0" fmla="*/ 0 w 1679171"/>
+              <a:gd name="connsiteY0" fmla="*/ 0 h 1072342"/>
+              <a:gd name="connsiteX1" fmla="*/ 207818 w 1679171"/>
+              <a:gd name="connsiteY1" fmla="*/ 340823 h 1072342"/>
+              <a:gd name="connsiteX2" fmla="*/ 673330 w 1679171"/>
+              <a:gd name="connsiteY2" fmla="*/ 756458 h 1072342"/>
+              <a:gd name="connsiteX3" fmla="*/ 997527 w 1679171"/>
+              <a:gd name="connsiteY3" fmla="*/ 922713 h 1072342"/>
+              <a:gd name="connsiteX4" fmla="*/ 1562792 w 1679171"/>
+              <a:gd name="connsiteY4" fmla="*/ 1047404 h 1072342"/>
+              <a:gd name="connsiteX5" fmla="*/ 1679171 w 1679171"/>
+              <a:gd name="connsiteY5" fmla="*/ 1072342 h 1072342"/>
+              <a:gd name="connsiteX0" fmla="*/ 0 w 1679171"/>
+              <a:gd name="connsiteY0" fmla="*/ 0 h 1072342"/>
+              <a:gd name="connsiteX1" fmla="*/ 207818 w 1679171"/>
+              <a:gd name="connsiteY1" fmla="*/ 340823 h 1072342"/>
+              <a:gd name="connsiteX2" fmla="*/ 498762 w 1679171"/>
+              <a:gd name="connsiteY2" fmla="*/ 689956 h 1072342"/>
+              <a:gd name="connsiteX3" fmla="*/ 997527 w 1679171"/>
+              <a:gd name="connsiteY3" fmla="*/ 922713 h 1072342"/>
+              <a:gd name="connsiteX4" fmla="*/ 1562792 w 1679171"/>
+              <a:gd name="connsiteY4" fmla="*/ 1047404 h 1072342"/>
+              <a:gd name="connsiteX5" fmla="*/ 1679171 w 1679171"/>
+              <a:gd name="connsiteY5" fmla="*/ 1072342 h 1072342"/>
+              <a:gd name="connsiteX0" fmla="*/ 0 w 1679171"/>
+              <a:gd name="connsiteY0" fmla="*/ 0 h 1081893"/>
+              <a:gd name="connsiteX1" fmla="*/ 207818 w 1679171"/>
+              <a:gd name="connsiteY1" fmla="*/ 340823 h 1081893"/>
+              <a:gd name="connsiteX2" fmla="*/ 498762 w 1679171"/>
+              <a:gd name="connsiteY2" fmla="*/ 689956 h 1081893"/>
+              <a:gd name="connsiteX3" fmla="*/ 997527 w 1679171"/>
+              <a:gd name="connsiteY3" fmla="*/ 922713 h 1081893"/>
+              <a:gd name="connsiteX4" fmla="*/ 1255221 w 1679171"/>
+              <a:gd name="connsiteY4" fmla="*/ 1072342 h 1081893"/>
+              <a:gd name="connsiteX5" fmla="*/ 1679171 w 1679171"/>
+              <a:gd name="connsiteY5" fmla="*/ 1072342 h 1081893"/>
+              <a:gd name="connsiteX0" fmla="*/ 0 w 1679171"/>
+              <a:gd name="connsiteY0" fmla="*/ 0 h 1081893"/>
+              <a:gd name="connsiteX1" fmla="*/ 207818 w 1679171"/>
+              <a:gd name="connsiteY1" fmla="*/ 340823 h 1081893"/>
+              <a:gd name="connsiteX2" fmla="*/ 498762 w 1679171"/>
+              <a:gd name="connsiteY2" fmla="*/ 689956 h 1081893"/>
+              <a:gd name="connsiteX3" fmla="*/ 864523 w 1679171"/>
+              <a:gd name="connsiteY3" fmla="*/ 922713 h 1081893"/>
+              <a:gd name="connsiteX4" fmla="*/ 1255221 w 1679171"/>
+              <a:gd name="connsiteY4" fmla="*/ 1072342 h 1081893"/>
+              <a:gd name="connsiteX5" fmla="*/ 1679171 w 1679171"/>
+              <a:gd name="connsiteY5" fmla="*/ 1072342 h 1081893"/>
+              <a:gd name="connsiteX0" fmla="*/ 0 w 1679171"/>
+              <a:gd name="connsiteY0" fmla="*/ 0 h 1097280"/>
+              <a:gd name="connsiteX1" fmla="*/ 207818 w 1679171"/>
+              <a:gd name="connsiteY1" fmla="*/ 340823 h 1097280"/>
+              <a:gd name="connsiteX2" fmla="*/ 498762 w 1679171"/>
+              <a:gd name="connsiteY2" fmla="*/ 689956 h 1097280"/>
+              <a:gd name="connsiteX3" fmla="*/ 864523 w 1679171"/>
+              <a:gd name="connsiteY3" fmla="*/ 922713 h 1097280"/>
+              <a:gd name="connsiteX4" fmla="*/ 1255221 w 1679171"/>
+              <a:gd name="connsiteY4" fmla="*/ 1072342 h 1097280"/>
+              <a:gd name="connsiteX5" fmla="*/ 1679171 w 1679171"/>
+              <a:gd name="connsiteY5" fmla="*/ 1097280 h 1097280"/>
+              <a:gd name="connsiteX0" fmla="*/ 0 w 1654232"/>
+              <a:gd name="connsiteY0" fmla="*/ 0 h 1073490"/>
+              <a:gd name="connsiteX1" fmla="*/ 207818 w 1654232"/>
+              <a:gd name="connsiteY1" fmla="*/ 340823 h 1073490"/>
+              <a:gd name="connsiteX2" fmla="*/ 498762 w 1654232"/>
+              <a:gd name="connsiteY2" fmla="*/ 689956 h 1073490"/>
+              <a:gd name="connsiteX3" fmla="*/ 864523 w 1654232"/>
+              <a:gd name="connsiteY3" fmla="*/ 922713 h 1073490"/>
+              <a:gd name="connsiteX4" fmla="*/ 1255221 w 1654232"/>
+              <a:gd name="connsiteY4" fmla="*/ 1072342 h 1073490"/>
+              <a:gd name="connsiteX5" fmla="*/ 1654232 w 1654232"/>
+              <a:gd name="connsiteY5" fmla="*/ 789709 h 1073490"/>
+              <a:gd name="connsiteX0" fmla="*/ 0 w 1654232"/>
+              <a:gd name="connsiteY0" fmla="*/ 0 h 923848"/>
+              <a:gd name="connsiteX1" fmla="*/ 207818 w 1654232"/>
+              <a:gd name="connsiteY1" fmla="*/ 340823 h 923848"/>
+              <a:gd name="connsiteX2" fmla="*/ 498762 w 1654232"/>
+              <a:gd name="connsiteY2" fmla="*/ 689956 h 923848"/>
+              <a:gd name="connsiteX3" fmla="*/ 864523 w 1654232"/>
+              <a:gd name="connsiteY3" fmla="*/ 922713 h 923848"/>
+              <a:gd name="connsiteX4" fmla="*/ 1271846 w 1654232"/>
+              <a:gd name="connsiteY4" fmla="*/ 789709 h 923848"/>
+              <a:gd name="connsiteX5" fmla="*/ 1654232 w 1654232"/>
+              <a:gd name="connsiteY5" fmla="*/ 789709 h 923848"/>
+              <a:gd name="connsiteX0" fmla="*/ 0 w 1654232"/>
+              <a:gd name="connsiteY0" fmla="*/ 0 h 799260"/>
+              <a:gd name="connsiteX1" fmla="*/ 207818 w 1654232"/>
+              <a:gd name="connsiteY1" fmla="*/ 340823 h 799260"/>
+              <a:gd name="connsiteX2" fmla="*/ 498762 w 1654232"/>
+              <a:gd name="connsiteY2" fmla="*/ 689956 h 799260"/>
+              <a:gd name="connsiteX3" fmla="*/ 897774 w 1654232"/>
+              <a:gd name="connsiteY3" fmla="*/ 714895 h 799260"/>
+              <a:gd name="connsiteX4" fmla="*/ 1271846 w 1654232"/>
+              <a:gd name="connsiteY4" fmla="*/ 789709 h 799260"/>
+              <a:gd name="connsiteX5" fmla="*/ 1654232 w 1654232"/>
+              <a:gd name="connsiteY5" fmla="*/ 789709 h 799260"/>
+              <a:gd name="connsiteX0" fmla="*/ 0 w 1654232"/>
+              <a:gd name="connsiteY0" fmla="*/ 0 h 799260"/>
+              <a:gd name="connsiteX1" fmla="*/ 207818 w 1654232"/>
+              <a:gd name="connsiteY1" fmla="*/ 340823 h 799260"/>
+              <a:gd name="connsiteX2" fmla="*/ 523700 w 1654232"/>
+              <a:gd name="connsiteY2" fmla="*/ 540327 h 799260"/>
+              <a:gd name="connsiteX3" fmla="*/ 897774 w 1654232"/>
+              <a:gd name="connsiteY3" fmla="*/ 714895 h 799260"/>
+              <a:gd name="connsiteX4" fmla="*/ 1271846 w 1654232"/>
+              <a:gd name="connsiteY4" fmla="*/ 789709 h 799260"/>
+              <a:gd name="connsiteX5" fmla="*/ 1654232 w 1654232"/>
+              <a:gd name="connsiteY5" fmla="*/ 789709 h 799260"/>
+              <a:gd name="connsiteX0" fmla="*/ 0 w 1654232"/>
+              <a:gd name="connsiteY0" fmla="*/ 0 h 799260"/>
+              <a:gd name="connsiteX1" fmla="*/ 282632 w 1654232"/>
+              <a:gd name="connsiteY1" fmla="*/ 274321 h 799260"/>
+              <a:gd name="connsiteX2" fmla="*/ 523700 w 1654232"/>
+              <a:gd name="connsiteY2" fmla="*/ 540327 h 799260"/>
+              <a:gd name="connsiteX3" fmla="*/ 897774 w 1654232"/>
+              <a:gd name="connsiteY3" fmla="*/ 714895 h 799260"/>
+              <a:gd name="connsiteX4" fmla="*/ 1271846 w 1654232"/>
+              <a:gd name="connsiteY4" fmla="*/ 789709 h 799260"/>
+              <a:gd name="connsiteX5" fmla="*/ 1654232 w 1654232"/>
+              <a:gd name="connsiteY5" fmla="*/ 789709 h 799260"/>
+              <a:gd name="connsiteX0" fmla="*/ 0 w 1654232"/>
+              <a:gd name="connsiteY0" fmla="*/ 0 h 799260"/>
+              <a:gd name="connsiteX1" fmla="*/ 266006 w 1654232"/>
+              <a:gd name="connsiteY1" fmla="*/ 307572 h 799260"/>
+              <a:gd name="connsiteX2" fmla="*/ 523700 w 1654232"/>
+              <a:gd name="connsiteY2" fmla="*/ 540327 h 799260"/>
+              <a:gd name="connsiteX3" fmla="*/ 897774 w 1654232"/>
+              <a:gd name="connsiteY3" fmla="*/ 714895 h 799260"/>
+              <a:gd name="connsiteX4" fmla="*/ 1271846 w 1654232"/>
+              <a:gd name="connsiteY4" fmla="*/ 789709 h 799260"/>
+              <a:gd name="connsiteX5" fmla="*/ 1654232 w 1654232"/>
+              <a:gd name="connsiteY5" fmla="*/ 789709 h 799260"/>
+              <a:gd name="connsiteX0" fmla="*/ 0 w 1654232"/>
+              <a:gd name="connsiteY0" fmla="*/ 0 h 799260"/>
+              <a:gd name="connsiteX1" fmla="*/ 266006 w 1654232"/>
+              <a:gd name="connsiteY1" fmla="*/ 307572 h 799260"/>
+              <a:gd name="connsiteX2" fmla="*/ 523700 w 1654232"/>
+              <a:gd name="connsiteY2" fmla="*/ 540327 h 799260"/>
+              <a:gd name="connsiteX3" fmla="*/ 897774 w 1654232"/>
+              <a:gd name="connsiteY3" fmla="*/ 714895 h 799260"/>
+              <a:gd name="connsiteX4" fmla="*/ 1271846 w 1654232"/>
+              <a:gd name="connsiteY4" fmla="*/ 789709 h 799260"/>
+              <a:gd name="connsiteX5" fmla="*/ 1654232 w 1654232"/>
+              <a:gd name="connsiteY5" fmla="*/ 789709 h 799260"/>
+              <a:gd name="connsiteX0" fmla="*/ 0 w 1654232"/>
+              <a:gd name="connsiteY0" fmla="*/ 0 h 799260"/>
+              <a:gd name="connsiteX1" fmla="*/ 266006 w 1654232"/>
+              <a:gd name="connsiteY1" fmla="*/ 307572 h 799260"/>
+              <a:gd name="connsiteX2" fmla="*/ 523700 w 1654232"/>
+              <a:gd name="connsiteY2" fmla="*/ 590204 h 799260"/>
+              <a:gd name="connsiteX3" fmla="*/ 897774 w 1654232"/>
+              <a:gd name="connsiteY3" fmla="*/ 714895 h 799260"/>
+              <a:gd name="connsiteX4" fmla="*/ 1271846 w 1654232"/>
+              <a:gd name="connsiteY4" fmla="*/ 789709 h 799260"/>
+              <a:gd name="connsiteX5" fmla="*/ 1654232 w 1654232"/>
+              <a:gd name="connsiteY5" fmla="*/ 789709 h 799260"/>
+              <a:gd name="connsiteX0" fmla="*/ 0 w 1654232"/>
+              <a:gd name="connsiteY0" fmla="*/ 0 h 799260"/>
+              <a:gd name="connsiteX1" fmla="*/ 266006 w 1654232"/>
+              <a:gd name="connsiteY1" fmla="*/ 440576 h 799260"/>
+              <a:gd name="connsiteX2" fmla="*/ 523700 w 1654232"/>
+              <a:gd name="connsiteY2" fmla="*/ 590204 h 799260"/>
+              <a:gd name="connsiteX3" fmla="*/ 897774 w 1654232"/>
+              <a:gd name="connsiteY3" fmla="*/ 714895 h 799260"/>
+              <a:gd name="connsiteX4" fmla="*/ 1271846 w 1654232"/>
+              <a:gd name="connsiteY4" fmla="*/ 789709 h 799260"/>
+              <a:gd name="connsiteX5" fmla="*/ 1654232 w 1654232"/>
+              <a:gd name="connsiteY5" fmla="*/ 789709 h 799260"/>
+              <a:gd name="connsiteX0" fmla="*/ 0 w 1679468"/>
+              <a:gd name="connsiteY0" fmla="*/ 0 h 599755"/>
+              <a:gd name="connsiteX1" fmla="*/ 291242 w 1679468"/>
+              <a:gd name="connsiteY1" fmla="*/ 241071 h 599755"/>
+              <a:gd name="connsiteX2" fmla="*/ 548936 w 1679468"/>
+              <a:gd name="connsiteY2" fmla="*/ 390699 h 599755"/>
+              <a:gd name="connsiteX3" fmla="*/ 923010 w 1679468"/>
+              <a:gd name="connsiteY3" fmla="*/ 515390 h 599755"/>
+              <a:gd name="connsiteX4" fmla="*/ 1297082 w 1679468"/>
+              <a:gd name="connsiteY4" fmla="*/ 590204 h 599755"/>
+              <a:gd name="connsiteX5" fmla="*/ 1679468 w 1679468"/>
+              <a:gd name="connsiteY5" fmla="*/ 590204 h 599755"/>
+              <a:gd name="connsiteX0" fmla="*/ 0 w 1679468"/>
+              <a:gd name="connsiteY0" fmla="*/ 0 h 599755"/>
+              <a:gd name="connsiteX1" fmla="*/ 291242 w 1679468"/>
+              <a:gd name="connsiteY1" fmla="*/ 299260 h 599755"/>
+              <a:gd name="connsiteX2" fmla="*/ 548936 w 1679468"/>
+              <a:gd name="connsiteY2" fmla="*/ 390699 h 599755"/>
+              <a:gd name="connsiteX3" fmla="*/ 923010 w 1679468"/>
+              <a:gd name="connsiteY3" fmla="*/ 515390 h 599755"/>
+              <a:gd name="connsiteX4" fmla="*/ 1297082 w 1679468"/>
+              <a:gd name="connsiteY4" fmla="*/ 590204 h 599755"/>
+              <a:gd name="connsiteX5" fmla="*/ 1679468 w 1679468"/>
+              <a:gd name="connsiteY5" fmla="*/ 590204 h 599755"/>
+              <a:gd name="connsiteX0" fmla="*/ 0 w 1637408"/>
+              <a:gd name="connsiteY0" fmla="*/ 0 h 541566"/>
+              <a:gd name="connsiteX1" fmla="*/ 249182 w 1637408"/>
+              <a:gd name="connsiteY1" fmla="*/ 241071 h 541566"/>
+              <a:gd name="connsiteX2" fmla="*/ 506876 w 1637408"/>
+              <a:gd name="connsiteY2" fmla="*/ 332510 h 541566"/>
+              <a:gd name="connsiteX3" fmla="*/ 880950 w 1637408"/>
+              <a:gd name="connsiteY3" fmla="*/ 457201 h 541566"/>
+              <a:gd name="connsiteX4" fmla="*/ 1255022 w 1637408"/>
+              <a:gd name="connsiteY4" fmla="*/ 532015 h 541566"/>
+              <a:gd name="connsiteX5" fmla="*/ 1637408 w 1637408"/>
+              <a:gd name="connsiteY5" fmla="*/ 532015 h 541566"/>
+              <a:gd name="connsiteX0" fmla="*/ 0 w 1704705"/>
+              <a:gd name="connsiteY0" fmla="*/ 0 h 566504"/>
+              <a:gd name="connsiteX1" fmla="*/ 316479 w 1704705"/>
+              <a:gd name="connsiteY1" fmla="*/ 266009 h 566504"/>
+              <a:gd name="connsiteX2" fmla="*/ 574173 w 1704705"/>
+              <a:gd name="connsiteY2" fmla="*/ 357448 h 566504"/>
+              <a:gd name="connsiteX3" fmla="*/ 948247 w 1704705"/>
+              <a:gd name="connsiteY3" fmla="*/ 482139 h 566504"/>
+              <a:gd name="connsiteX4" fmla="*/ 1322319 w 1704705"/>
+              <a:gd name="connsiteY4" fmla="*/ 556953 h 566504"/>
+              <a:gd name="connsiteX5" fmla="*/ 1704705 w 1704705"/>
+              <a:gd name="connsiteY5" fmla="*/ 556953 h 566504"/>
+              <a:gd name="connsiteX0" fmla="*/ 0 w 1671057"/>
+              <a:gd name="connsiteY0" fmla="*/ 0 h 566504"/>
+              <a:gd name="connsiteX1" fmla="*/ 282831 w 1671057"/>
+              <a:gd name="connsiteY1" fmla="*/ 266009 h 566504"/>
+              <a:gd name="connsiteX2" fmla="*/ 540525 w 1671057"/>
+              <a:gd name="connsiteY2" fmla="*/ 357448 h 566504"/>
+              <a:gd name="connsiteX3" fmla="*/ 914599 w 1671057"/>
+              <a:gd name="connsiteY3" fmla="*/ 482139 h 566504"/>
+              <a:gd name="connsiteX4" fmla="*/ 1288671 w 1671057"/>
+              <a:gd name="connsiteY4" fmla="*/ 556953 h 566504"/>
+              <a:gd name="connsiteX5" fmla="*/ 1671057 w 1671057"/>
+              <a:gd name="connsiteY5" fmla="*/ 556953 h 566504"/>
+              <a:gd name="connsiteX0" fmla="*/ 0 w 1671057"/>
+              <a:gd name="connsiteY0" fmla="*/ 0 h 566504"/>
+              <a:gd name="connsiteX1" fmla="*/ 282831 w 1671057"/>
+              <a:gd name="connsiteY1" fmla="*/ 266009 h 566504"/>
+              <a:gd name="connsiteX2" fmla="*/ 540525 w 1671057"/>
+              <a:gd name="connsiteY2" fmla="*/ 407325 h 566504"/>
+              <a:gd name="connsiteX3" fmla="*/ 914599 w 1671057"/>
+              <a:gd name="connsiteY3" fmla="*/ 482139 h 566504"/>
+              <a:gd name="connsiteX4" fmla="*/ 1288671 w 1671057"/>
+              <a:gd name="connsiteY4" fmla="*/ 556953 h 566504"/>
+              <a:gd name="connsiteX5" fmla="*/ 1671057 w 1671057"/>
+              <a:gd name="connsiteY5" fmla="*/ 556953 h 566504"/>
+              <a:gd name="connsiteX0" fmla="*/ 0 w 1671057"/>
+              <a:gd name="connsiteY0" fmla="*/ 0 h 566504"/>
+              <a:gd name="connsiteX1" fmla="*/ 282831 w 1671057"/>
+              <a:gd name="connsiteY1" fmla="*/ 266009 h 566504"/>
+              <a:gd name="connsiteX2" fmla="*/ 540525 w 1671057"/>
+              <a:gd name="connsiteY2" fmla="*/ 407325 h 566504"/>
+              <a:gd name="connsiteX3" fmla="*/ 914599 w 1671057"/>
+              <a:gd name="connsiteY3" fmla="*/ 515390 h 566504"/>
+              <a:gd name="connsiteX4" fmla="*/ 1288671 w 1671057"/>
+              <a:gd name="connsiteY4" fmla="*/ 556953 h 566504"/>
+              <a:gd name="connsiteX5" fmla="*/ 1671057 w 1671057"/>
+              <a:gd name="connsiteY5" fmla="*/ 556953 h 566504"/>
+            </a:gdLst>
+            <a:ahLst/>
+            <a:cxnLst>
+              <a:cxn ang="0">
+                <a:pos x="connsiteX0" y="connsiteY0"/>
+              </a:cxn>
+              <a:cxn ang="0">
+                <a:pos x="connsiteX1" y="connsiteY1"/>
+              </a:cxn>
+              <a:cxn ang="0">
+                <a:pos x="connsiteX2" y="connsiteY2"/>
+              </a:cxn>
+              <a:cxn ang="0">
+                <a:pos x="connsiteX3" y="connsiteY3"/>
+              </a:cxn>
+              <a:cxn ang="0">
+                <a:pos x="connsiteX4" y="connsiteY4"/>
+              </a:cxn>
+              <a:cxn ang="0">
+                <a:pos x="connsiteX5" y="connsiteY5"/>
+              </a:cxn>
+            </a:cxnLst>
+            <a:rect l="l" t="t" r="r" b="b"/>
+            <a:pathLst>
+              <a:path w="1671057" h="566504">
+                <a:moveTo>
+                  <a:pt x="0" y="0"/>
+                </a:moveTo>
+                <a:cubicBezTo>
+                  <a:pt x="96289" y="130233"/>
+                  <a:pt x="192744" y="198122"/>
+                  <a:pt x="282831" y="266009"/>
+                </a:cubicBezTo>
+                <a:cubicBezTo>
+                  <a:pt x="372919" y="333897"/>
+                  <a:pt x="435230" y="365762"/>
+                  <a:pt x="540525" y="407325"/>
+                </a:cubicBezTo>
+                <a:cubicBezTo>
+                  <a:pt x="645820" y="448888"/>
+                  <a:pt x="789908" y="490452"/>
+                  <a:pt x="914599" y="515390"/>
+                </a:cubicBezTo>
+                <a:cubicBezTo>
+                  <a:pt x="1039290" y="540328"/>
+                  <a:pt x="1219398" y="534786"/>
+                  <a:pt x="1288671" y="556953"/>
+                </a:cubicBezTo>
+                <a:cubicBezTo>
+                  <a:pt x="1357944" y="579120"/>
+                  <a:pt x="1647504" y="555567"/>
+                  <a:pt x="1671057" y="556953"/>
+                </a:cubicBezTo>
+              </a:path>
+            </a:pathLst>
+          </a:custGeom>
+          <a:noFill/>
+          <a:ln w="6350">
+            <a:headEnd type="arrow" w="med" len="med"/>
+            <a:tailEnd type="none" w="med" len="med"/>
+          </a:ln>
+        </p:spPr>
+        <p:style>
+          <a:lnRef idx="2">
+            <a:schemeClr val="accent1">
+              <a:shade val="50000"/>
+            </a:schemeClr>
+          </a:lnRef>
+          <a:fillRef idx="1">
+            <a:schemeClr val="accent1"/>
+          </a:fillRef>
+          <a:effectRef idx="0">
+            <a:schemeClr val="accent1"/>
+          </a:effectRef>
+          <a:fontRef idx="minor">
+            <a:schemeClr val="lt1"/>
+          </a:fontRef>
+        </p:style>
+        <p:txBody>
+          <a:bodyPr rtlCol="0" anchor="ctr"/>
+          <a:lstStyle/>
+          <a:p>
+            <a:pPr algn="ctr"/>
+            <a:endParaRPr kumimoji="1" lang="ja-JP" altLang="en-US"/>
+          </a:p>
+        </p:txBody>
+      </p:sp>
+      <p:cxnSp>
+        <p:nvCxnSpPr>
+          <p:cNvPr id="31" name="直線コネクタ 30">
+            <a:extLst>
+              <a:ext uri="{FF2B5EF4-FFF2-40B4-BE49-F238E27FC236}">
+                <a16:creationId xmlns:a16="http://schemas.microsoft.com/office/drawing/2014/main" id="{806A8733-9528-4754-AD85-CD2DCF4B4044}"/>
+              </a:ext>
+            </a:extLst>
+          </p:cNvPr>
+          <p:cNvCxnSpPr>
+            <a:cxnSpLocks/>
+            <a:endCxn id="17" idx="5"/>
+          </p:cNvCxnSpPr>
+          <p:nvPr/>
+        </p:nvCxnSpPr>
+        <p:spPr>
+          <a:xfrm>
+            <a:off x="7531330" y="2968028"/>
+            <a:ext cx="2286000" cy="26063"/>
+          </a:xfrm>
+          <a:prstGeom prst="line">
+            <a:avLst/>
+          </a:prstGeom>
+          <a:ln>
+            <a:prstDash val="dash"/>
+          </a:ln>
+        </p:spPr>
+        <p:style>
+          <a:lnRef idx="1">
+            <a:schemeClr val="accent1"/>
+          </a:lnRef>
+          <a:fillRef idx="0">
+            <a:schemeClr val="accent1"/>
+          </a:fillRef>
+          <a:effectRef idx="0">
+            <a:schemeClr val="accent1"/>
+          </a:effectRef>
+          <a:fontRef idx="minor">
+            <a:schemeClr val="tx1"/>
+          </a:fontRef>
+        </p:style>
+      </p:cxnSp>
+      <p:cxnSp>
+        <p:nvCxnSpPr>
+          <p:cNvPr id="35" name="直線コネクタ 34">
+            <a:extLst>
+              <a:ext uri="{FF2B5EF4-FFF2-40B4-BE49-F238E27FC236}">
+                <a16:creationId xmlns:a16="http://schemas.microsoft.com/office/drawing/2014/main" id="{F6CBF3FF-C0E2-4C73-AEF0-761013761DA9}"/>
+              </a:ext>
+            </a:extLst>
+          </p:cNvPr>
+          <p:cNvCxnSpPr>
+            <a:cxnSpLocks/>
+          </p:cNvCxnSpPr>
+          <p:nvPr/>
+        </p:nvCxnSpPr>
+        <p:spPr>
+          <a:xfrm>
+            <a:off x="7531330" y="2791930"/>
+            <a:ext cx="2286000" cy="26063"/>
+          </a:xfrm>
+          <a:prstGeom prst="line">
+            <a:avLst/>
+          </a:prstGeom>
+          <a:ln>
+            <a:prstDash val="dash"/>
+          </a:ln>
+        </p:spPr>
+        <p:style>
+          <a:lnRef idx="1">
+            <a:schemeClr val="accent1"/>
+          </a:lnRef>
+          <a:fillRef idx="0">
+            <a:schemeClr val="accent1"/>
+          </a:fillRef>
+          <a:effectRef idx="0">
+            <a:schemeClr val="accent1"/>
+          </a:effectRef>
+          <a:fontRef idx="minor">
+            <a:schemeClr val="tx1"/>
+          </a:fontRef>
+        </p:style>
+      </p:cxnSp>
+      <p:sp>
+        <p:nvSpPr>
+          <p:cNvPr id="36" name="テキスト ボックス 35">
+            <a:extLst>
+              <a:ext uri="{FF2B5EF4-FFF2-40B4-BE49-F238E27FC236}">
+                <a16:creationId xmlns:a16="http://schemas.microsoft.com/office/drawing/2014/main" id="{DD0AA0B1-D899-4160-9E7D-D7030EB9C4BF}"/>
+              </a:ext>
+            </a:extLst>
+          </p:cNvPr>
+          <p:cNvSpPr txBox="1"/>
+          <p:nvPr/>
+        </p:nvSpPr>
+        <p:spPr>
+          <a:xfrm>
+            <a:off x="7290052" y="2477456"/>
+            <a:ext cx="726117" cy="276999"/>
+          </a:xfrm>
+          <a:prstGeom prst="rect">
+            <a:avLst/>
+          </a:prstGeom>
+          <a:noFill/>
+        </p:spPr>
+        <p:txBody>
+          <a:bodyPr wrap="square" rtlCol="0">
+            <a:spAutoFit/>
+          </a:bodyPr>
+          <a:lstStyle/>
+          <a:p>
+            <a:r>
+              <a:rPr lang="en-US" altLang="ja-JP" sz="1200" dirty="0" err="1"/>
+              <a:t>Pexh</a:t>
+            </a:r>
+            <a:endParaRPr kumimoji="1" lang="ja-JP" altLang="en-US" sz="1200" dirty="0"/>
+          </a:p>
+        </p:txBody>
+      </p:sp>
+      <p:sp>
+        <p:nvSpPr>
+          <p:cNvPr id="37" name="テキスト ボックス 36">
+            <a:extLst>
+              <a:ext uri="{FF2B5EF4-FFF2-40B4-BE49-F238E27FC236}">
+                <a16:creationId xmlns:a16="http://schemas.microsoft.com/office/drawing/2014/main" id="{75E2FEEB-5355-4417-BB83-9A040D65D353}"/>
+              </a:ext>
+            </a:extLst>
+          </p:cNvPr>
+          <p:cNvSpPr txBox="1"/>
+          <p:nvPr/>
+        </p:nvSpPr>
+        <p:spPr>
+          <a:xfrm>
+            <a:off x="7290051" y="2958353"/>
+            <a:ext cx="726117" cy="276999"/>
+          </a:xfrm>
+          <a:prstGeom prst="rect">
+            <a:avLst/>
+          </a:prstGeom>
+          <a:noFill/>
+        </p:spPr>
+        <p:txBody>
+          <a:bodyPr wrap="square" rtlCol="0">
+            <a:spAutoFit/>
+          </a:bodyPr>
+          <a:lstStyle/>
+          <a:p>
+            <a:r>
+              <a:rPr lang="en-US" altLang="ja-JP" sz="1200" dirty="0" err="1"/>
+              <a:t>Pintk</a:t>
+            </a:r>
+            <a:endParaRPr kumimoji="1" lang="ja-JP" altLang="en-US" sz="1200" dirty="0"/>
+          </a:p>
+        </p:txBody>
+      </p:sp>
+      <p:cxnSp>
+        <p:nvCxnSpPr>
+          <p:cNvPr id="38" name="直線コネクタ 37">
+            <a:extLst>
+              <a:ext uri="{FF2B5EF4-FFF2-40B4-BE49-F238E27FC236}">
+                <a16:creationId xmlns:a16="http://schemas.microsoft.com/office/drawing/2014/main" id="{7920635A-6FAE-4217-81EA-D5FFB4D4EE7E}"/>
+              </a:ext>
+            </a:extLst>
+          </p:cNvPr>
+          <p:cNvCxnSpPr>
+            <a:cxnSpLocks/>
+          </p:cNvCxnSpPr>
+          <p:nvPr/>
+        </p:nvCxnSpPr>
+        <p:spPr>
+          <a:xfrm>
+            <a:off x="8177021" y="2789653"/>
+            <a:ext cx="1640308" cy="14651"/>
+          </a:xfrm>
+          <a:prstGeom prst="line">
+            <a:avLst/>
+          </a:prstGeom>
+          <a:ln>
+            <a:headEnd type="arrow" w="med" len="med"/>
+            <a:tailEnd type="none" w="med" len="med"/>
+          </a:ln>
+        </p:spPr>
+        <p:style>
+          <a:lnRef idx="1">
+            <a:schemeClr val="accent1"/>
+          </a:lnRef>
+          <a:fillRef idx="0">
+            <a:schemeClr val="accent1"/>
+          </a:fillRef>
+          <a:effectRef idx="0">
+            <a:schemeClr val="accent1"/>
+          </a:effectRef>
+          <a:fontRef idx="minor">
+            <a:schemeClr val="tx1"/>
+          </a:fontRef>
+        </p:style>
+      </p:cxnSp>
+      <p:cxnSp>
+        <p:nvCxnSpPr>
+          <p:cNvPr id="41" name="直線コネクタ 40">
+            <a:extLst>
+              <a:ext uri="{FF2B5EF4-FFF2-40B4-BE49-F238E27FC236}">
+                <a16:creationId xmlns:a16="http://schemas.microsoft.com/office/drawing/2014/main" id="{2E8411A0-4702-439E-BCF3-0AC91352620A}"/>
+              </a:ext>
+            </a:extLst>
+          </p:cNvPr>
+          <p:cNvCxnSpPr>
+            <a:cxnSpLocks/>
+          </p:cNvCxnSpPr>
+          <p:nvPr/>
+        </p:nvCxnSpPr>
+        <p:spPr>
+          <a:xfrm flipV="1">
+            <a:off x="8177021" y="2776622"/>
+            <a:ext cx="0" cy="232678"/>
+          </a:xfrm>
+          <a:prstGeom prst="line">
+            <a:avLst/>
+          </a:prstGeom>
+          <a:ln>
+            <a:headEnd type="arrow" w="med" len="med"/>
+            <a:tailEnd type="none" w="med" len="med"/>
+          </a:ln>
+        </p:spPr>
+        <p:style>
+          <a:lnRef idx="1">
+            <a:schemeClr val="accent1"/>
+          </a:lnRef>
+          <a:fillRef idx="0">
+            <a:schemeClr val="accent1"/>
+          </a:fillRef>
+          <a:effectRef idx="0">
+            <a:schemeClr val="accent1"/>
+          </a:effectRef>
+          <a:fontRef idx="minor">
+            <a:schemeClr val="tx1"/>
+          </a:fontRef>
+        </p:style>
+      </p:cxnSp>
+      <p:cxnSp>
+        <p:nvCxnSpPr>
+          <p:cNvPr id="44" name="直線コネクタ 43">
+            <a:extLst>
+              <a:ext uri="{FF2B5EF4-FFF2-40B4-BE49-F238E27FC236}">
+                <a16:creationId xmlns:a16="http://schemas.microsoft.com/office/drawing/2014/main" id="{99A6C30C-5B6C-4B17-8C09-16ABEB8A60E0}"/>
+              </a:ext>
+            </a:extLst>
+          </p:cNvPr>
+          <p:cNvCxnSpPr>
+            <a:cxnSpLocks/>
+          </p:cNvCxnSpPr>
+          <p:nvPr/>
+        </p:nvCxnSpPr>
+        <p:spPr>
+          <a:xfrm flipH="1" flipV="1">
+            <a:off x="8163097" y="2990198"/>
+            <a:ext cx="1654232" cy="19102"/>
+          </a:xfrm>
+          <a:prstGeom prst="line">
+            <a:avLst/>
+          </a:prstGeom>
+          <a:ln>
+            <a:headEnd type="arrow" w="med" len="med"/>
+            <a:tailEnd type="none" w="med" len="med"/>
+          </a:ln>
+        </p:spPr>
+        <p:style>
+          <a:lnRef idx="1">
+            <a:schemeClr val="accent1"/>
+          </a:lnRef>
+          <a:fillRef idx="0">
+            <a:schemeClr val="accent1"/>
+          </a:fillRef>
+          <a:effectRef idx="0">
+            <a:schemeClr val="accent1"/>
+          </a:effectRef>
+          <a:fontRef idx="minor">
+            <a:schemeClr val="tx1"/>
+          </a:fontRef>
+        </p:style>
+      </p:cxnSp>
+      <p:cxnSp>
+        <p:nvCxnSpPr>
+          <p:cNvPr id="55" name="直線矢印コネクタ 54">
+            <a:extLst>
+              <a:ext uri="{FF2B5EF4-FFF2-40B4-BE49-F238E27FC236}">
+                <a16:creationId xmlns:a16="http://schemas.microsoft.com/office/drawing/2014/main" id="{0FBB5CAF-EE8A-482A-B2E1-FD5AAD0A1A74}"/>
+              </a:ext>
+            </a:extLst>
+          </p:cNvPr>
+          <p:cNvCxnSpPr>
+            <a:cxnSpLocks/>
+          </p:cNvCxnSpPr>
+          <p:nvPr/>
+        </p:nvCxnSpPr>
+        <p:spPr>
+          <a:xfrm flipV="1">
+            <a:off x="1557251" y="451656"/>
+            <a:ext cx="0" cy="3325092"/>
+          </a:xfrm>
+          <a:prstGeom prst="straightConnector1">
+            <a:avLst/>
+          </a:prstGeom>
+          <a:ln>
+            <a:tailEnd type="triangle"/>
+          </a:ln>
+        </p:spPr>
+        <p:style>
+          <a:lnRef idx="1">
+            <a:schemeClr val="dk1"/>
+          </a:lnRef>
+          <a:fillRef idx="0">
+            <a:schemeClr val="dk1"/>
+          </a:fillRef>
+          <a:effectRef idx="0">
+            <a:schemeClr val="dk1"/>
+          </a:effectRef>
+          <a:fontRef idx="minor">
+            <a:schemeClr val="tx1"/>
+          </a:fontRef>
+        </p:style>
+      </p:cxnSp>
+      <p:cxnSp>
+        <p:nvCxnSpPr>
+          <p:cNvPr id="56" name="直線矢印コネクタ 55">
+            <a:extLst>
+              <a:ext uri="{FF2B5EF4-FFF2-40B4-BE49-F238E27FC236}">
+                <a16:creationId xmlns:a16="http://schemas.microsoft.com/office/drawing/2014/main" id="{CE3ABCA6-F379-46D8-A753-69EFC7D7C789}"/>
+              </a:ext>
+            </a:extLst>
+          </p:cNvPr>
+          <p:cNvCxnSpPr>
+            <a:cxnSpLocks/>
+          </p:cNvCxnSpPr>
+          <p:nvPr/>
+        </p:nvCxnSpPr>
+        <p:spPr>
+          <a:xfrm>
+            <a:off x="1396399" y="3580014"/>
+            <a:ext cx="2521666" cy="0"/>
+          </a:xfrm>
+          <a:prstGeom prst="straightConnector1">
+            <a:avLst/>
+          </a:prstGeom>
+          <a:ln>
+            <a:tailEnd type="triangle"/>
+          </a:ln>
+        </p:spPr>
+        <p:style>
+          <a:lnRef idx="1">
+            <a:schemeClr val="dk1"/>
+          </a:lnRef>
+          <a:fillRef idx="0">
+            <a:schemeClr val="dk1"/>
+          </a:fillRef>
+          <a:effectRef idx="0">
+            <a:schemeClr val="dk1"/>
+          </a:effectRef>
+          <a:fontRef idx="minor">
+            <a:schemeClr val="tx1"/>
+          </a:fontRef>
+        </p:style>
+      </p:cxnSp>
+      <p:sp>
+        <p:nvSpPr>
+          <p:cNvPr id="57" name="テキスト ボックス 56">
+            <a:extLst>
+              <a:ext uri="{FF2B5EF4-FFF2-40B4-BE49-F238E27FC236}">
+                <a16:creationId xmlns:a16="http://schemas.microsoft.com/office/drawing/2014/main" id="{F711A240-BE62-4D09-8D45-A1B58C65FD50}"/>
+              </a:ext>
+            </a:extLst>
+          </p:cNvPr>
+          <p:cNvSpPr txBox="1"/>
+          <p:nvPr/>
+        </p:nvSpPr>
+        <p:spPr>
+          <a:xfrm>
+            <a:off x="3286305" y="3589565"/>
+            <a:ext cx="698124" cy="276999"/>
+          </a:xfrm>
+          <a:prstGeom prst="rect">
+            <a:avLst/>
+          </a:prstGeom>
+          <a:noFill/>
+        </p:spPr>
+        <p:txBody>
+          <a:bodyPr wrap="square" rtlCol="0">
+            <a:spAutoFit/>
+          </a:bodyPr>
+          <a:lstStyle/>
+          <a:p>
+            <a:r>
+              <a:rPr kumimoji="1" lang="en-US" altLang="ja-JP" sz="1200" dirty="0"/>
+              <a:t>V [m3]</a:t>
+            </a:r>
+            <a:endParaRPr kumimoji="1" lang="ja-JP" altLang="en-US" sz="1200" dirty="0"/>
+          </a:p>
+        </p:txBody>
+      </p:sp>
+      <p:cxnSp>
+        <p:nvCxnSpPr>
+          <p:cNvPr id="58" name="直線矢印コネクタ 57">
+            <a:extLst>
+              <a:ext uri="{FF2B5EF4-FFF2-40B4-BE49-F238E27FC236}">
+                <a16:creationId xmlns:a16="http://schemas.microsoft.com/office/drawing/2014/main" id="{36C0264A-FE4F-4105-8520-7CF709F857A0}"/>
+              </a:ext>
+            </a:extLst>
+          </p:cNvPr>
+          <p:cNvCxnSpPr>
+            <a:cxnSpLocks/>
+            <a:stCxn id="61" idx="0"/>
+            <a:endCxn id="60" idx="0"/>
+          </p:cNvCxnSpPr>
+          <p:nvPr/>
+        </p:nvCxnSpPr>
+        <p:spPr>
+          <a:xfrm flipH="1" flipV="1">
+            <a:off x="1906384" y="817413"/>
+            <a:ext cx="2912" cy="1651465"/>
+          </a:xfrm>
+          <a:prstGeom prst="straightConnector1">
+            <a:avLst/>
+          </a:prstGeom>
+          <a:ln>
+            <a:headEnd type="none" w="med" len="med"/>
+            <a:tailEnd type="arrow" w="med" len="med"/>
+          </a:ln>
+        </p:spPr>
+        <p:style>
+          <a:lnRef idx="1">
+            <a:schemeClr val="accent1"/>
+          </a:lnRef>
+          <a:fillRef idx="0">
+            <a:schemeClr val="accent1"/>
+          </a:fillRef>
+          <a:effectRef idx="0">
+            <a:schemeClr val="accent1"/>
+          </a:effectRef>
+          <a:fontRef idx="minor">
+            <a:schemeClr val="tx1"/>
+          </a:fontRef>
+        </p:style>
+      </p:cxnSp>
+      <p:cxnSp>
+        <p:nvCxnSpPr>
+          <p:cNvPr id="59" name="直線矢印コネクタ 58">
+            <a:extLst>
+              <a:ext uri="{FF2B5EF4-FFF2-40B4-BE49-F238E27FC236}">
+                <a16:creationId xmlns:a16="http://schemas.microsoft.com/office/drawing/2014/main" id="{46BA7BA3-CF11-49EC-9BBB-C102A89DF69A}"/>
+              </a:ext>
+            </a:extLst>
+          </p:cNvPr>
+          <p:cNvCxnSpPr>
+            <a:cxnSpLocks/>
+            <a:stCxn id="60" idx="5"/>
+          </p:cNvCxnSpPr>
+          <p:nvPr/>
+        </p:nvCxnSpPr>
+        <p:spPr>
+          <a:xfrm>
+            <a:off x="3560617" y="2637901"/>
+            <a:ext cx="0" cy="196794"/>
+          </a:xfrm>
+          <a:prstGeom prst="straightConnector1">
+            <a:avLst/>
+          </a:prstGeom>
+          <a:ln>
+            <a:headEnd type="none" w="med" len="med"/>
+            <a:tailEnd type="arrow" w="med" len="med"/>
+          </a:ln>
+        </p:spPr>
+        <p:style>
+          <a:lnRef idx="1">
+            <a:schemeClr val="accent1"/>
+          </a:lnRef>
+          <a:fillRef idx="0">
+            <a:schemeClr val="accent1"/>
+          </a:fillRef>
+          <a:effectRef idx="0">
+            <a:schemeClr val="accent1"/>
+          </a:effectRef>
+          <a:fontRef idx="minor">
+            <a:schemeClr val="tx1"/>
+          </a:fontRef>
+        </p:style>
+      </p:cxnSp>
+      <p:sp>
+        <p:nvSpPr>
+          <p:cNvPr id="60" name="フリーフォーム: 図形 59">
+            <a:extLst>
+              <a:ext uri="{FF2B5EF4-FFF2-40B4-BE49-F238E27FC236}">
+                <a16:creationId xmlns:a16="http://schemas.microsoft.com/office/drawing/2014/main" id="{780EA1A6-B034-4733-B029-0F2DD44D0D36}"/>
+              </a:ext>
+            </a:extLst>
+          </p:cNvPr>
+          <p:cNvSpPr/>
+          <p:nvPr/>
+        </p:nvSpPr>
+        <p:spPr>
+          <a:xfrm>
+            <a:off x="1906384" y="817413"/>
+            <a:ext cx="1654233" cy="1820488"/>
+          </a:xfrm>
+          <a:custGeom>
+            <a:avLst/>
+            <a:gdLst>
+              <a:gd name="connsiteX0" fmla="*/ 0 w 1679171"/>
+              <a:gd name="connsiteY0" fmla="*/ 0 h 1271847"/>
+              <a:gd name="connsiteX1" fmla="*/ 332509 w 1679171"/>
+              <a:gd name="connsiteY1" fmla="*/ 407324 h 1271847"/>
+              <a:gd name="connsiteX2" fmla="*/ 839585 w 1679171"/>
+              <a:gd name="connsiteY2" fmla="*/ 881149 h 1271847"/>
+              <a:gd name="connsiteX3" fmla="*/ 1263534 w 1679171"/>
+              <a:gd name="connsiteY3" fmla="*/ 1138844 h 1271847"/>
+              <a:gd name="connsiteX4" fmla="*/ 1562792 w 1679171"/>
+              <a:gd name="connsiteY4" fmla="*/ 1246909 h 1271847"/>
+              <a:gd name="connsiteX5" fmla="*/ 1679171 w 1679171"/>
+              <a:gd name="connsiteY5" fmla="*/ 1271847 h 1271847"/>
+              <a:gd name="connsiteX0" fmla="*/ 0 w 1737360"/>
+              <a:gd name="connsiteY0" fmla="*/ 0 h 1521229"/>
+              <a:gd name="connsiteX1" fmla="*/ 390698 w 1737360"/>
+              <a:gd name="connsiteY1" fmla="*/ 656706 h 1521229"/>
+              <a:gd name="connsiteX2" fmla="*/ 897774 w 1737360"/>
+              <a:gd name="connsiteY2" fmla="*/ 1130531 h 1521229"/>
+              <a:gd name="connsiteX3" fmla="*/ 1321723 w 1737360"/>
+              <a:gd name="connsiteY3" fmla="*/ 1388226 h 1521229"/>
+              <a:gd name="connsiteX4" fmla="*/ 1620981 w 1737360"/>
+              <a:gd name="connsiteY4" fmla="*/ 1496291 h 1521229"/>
+              <a:gd name="connsiteX5" fmla="*/ 1737360 w 1737360"/>
+              <a:gd name="connsiteY5" fmla="*/ 1521229 h 1521229"/>
+              <a:gd name="connsiteX0" fmla="*/ 0 w 1687484"/>
+              <a:gd name="connsiteY0" fmla="*/ 0 h 1512917"/>
+              <a:gd name="connsiteX1" fmla="*/ 340822 w 1687484"/>
+              <a:gd name="connsiteY1" fmla="*/ 648394 h 1512917"/>
+              <a:gd name="connsiteX2" fmla="*/ 847898 w 1687484"/>
+              <a:gd name="connsiteY2" fmla="*/ 1122219 h 1512917"/>
+              <a:gd name="connsiteX3" fmla="*/ 1271847 w 1687484"/>
+              <a:gd name="connsiteY3" fmla="*/ 1379914 h 1512917"/>
+              <a:gd name="connsiteX4" fmla="*/ 1571105 w 1687484"/>
+              <a:gd name="connsiteY4" fmla="*/ 1487979 h 1512917"/>
+              <a:gd name="connsiteX5" fmla="*/ 1687484 w 1687484"/>
+              <a:gd name="connsiteY5" fmla="*/ 1512917 h 1512917"/>
+              <a:gd name="connsiteX0" fmla="*/ 0 w 1687484"/>
+              <a:gd name="connsiteY0" fmla="*/ 0 h 1512917"/>
+              <a:gd name="connsiteX1" fmla="*/ 282633 w 1687484"/>
+              <a:gd name="connsiteY1" fmla="*/ 498765 h 1512917"/>
+              <a:gd name="connsiteX2" fmla="*/ 847898 w 1687484"/>
+              <a:gd name="connsiteY2" fmla="*/ 1122219 h 1512917"/>
+              <a:gd name="connsiteX3" fmla="*/ 1271847 w 1687484"/>
+              <a:gd name="connsiteY3" fmla="*/ 1379914 h 1512917"/>
+              <a:gd name="connsiteX4" fmla="*/ 1571105 w 1687484"/>
+              <a:gd name="connsiteY4" fmla="*/ 1487979 h 1512917"/>
+              <a:gd name="connsiteX5" fmla="*/ 1687484 w 1687484"/>
+              <a:gd name="connsiteY5" fmla="*/ 1512917 h 1512917"/>
+              <a:gd name="connsiteX0" fmla="*/ 0 w 1687484"/>
+              <a:gd name="connsiteY0" fmla="*/ 0 h 1512917"/>
+              <a:gd name="connsiteX1" fmla="*/ 282633 w 1687484"/>
+              <a:gd name="connsiteY1" fmla="*/ 498765 h 1512917"/>
+              <a:gd name="connsiteX2" fmla="*/ 847898 w 1687484"/>
+              <a:gd name="connsiteY2" fmla="*/ 1122219 h 1512917"/>
+              <a:gd name="connsiteX3" fmla="*/ 1271847 w 1687484"/>
+              <a:gd name="connsiteY3" fmla="*/ 1379914 h 1512917"/>
+              <a:gd name="connsiteX4" fmla="*/ 1571105 w 1687484"/>
+              <a:gd name="connsiteY4" fmla="*/ 1487979 h 1512917"/>
+              <a:gd name="connsiteX5" fmla="*/ 1687484 w 1687484"/>
+              <a:gd name="connsiteY5" fmla="*/ 1512917 h 1512917"/>
+              <a:gd name="connsiteX0" fmla="*/ 0 w 1687484"/>
+              <a:gd name="connsiteY0" fmla="*/ 0 h 1512917"/>
+              <a:gd name="connsiteX1" fmla="*/ 282633 w 1687484"/>
+              <a:gd name="connsiteY1" fmla="*/ 498765 h 1512917"/>
+              <a:gd name="connsiteX2" fmla="*/ 847898 w 1687484"/>
+              <a:gd name="connsiteY2" fmla="*/ 1122219 h 1512917"/>
+              <a:gd name="connsiteX3" fmla="*/ 1271847 w 1687484"/>
+              <a:gd name="connsiteY3" fmla="*/ 1379914 h 1512917"/>
+              <a:gd name="connsiteX4" fmla="*/ 1571105 w 1687484"/>
+              <a:gd name="connsiteY4" fmla="*/ 1487979 h 1512917"/>
+              <a:gd name="connsiteX5" fmla="*/ 1687484 w 1687484"/>
+              <a:gd name="connsiteY5" fmla="*/ 1512917 h 1512917"/>
+              <a:gd name="connsiteX0" fmla="*/ 0 w 1687484"/>
+              <a:gd name="connsiteY0" fmla="*/ 0 h 1512917"/>
+              <a:gd name="connsiteX1" fmla="*/ 282633 w 1687484"/>
+              <a:gd name="connsiteY1" fmla="*/ 498765 h 1512917"/>
+              <a:gd name="connsiteX2" fmla="*/ 606829 w 1687484"/>
+              <a:gd name="connsiteY2" fmla="*/ 872837 h 1512917"/>
+              <a:gd name="connsiteX3" fmla="*/ 1271847 w 1687484"/>
+              <a:gd name="connsiteY3" fmla="*/ 1379914 h 1512917"/>
+              <a:gd name="connsiteX4" fmla="*/ 1571105 w 1687484"/>
+              <a:gd name="connsiteY4" fmla="*/ 1487979 h 1512917"/>
+              <a:gd name="connsiteX5" fmla="*/ 1687484 w 1687484"/>
+              <a:gd name="connsiteY5" fmla="*/ 1512917 h 1512917"/>
+              <a:gd name="connsiteX0" fmla="*/ 0 w 1687484"/>
+              <a:gd name="connsiteY0" fmla="*/ 0 h 1512917"/>
+              <a:gd name="connsiteX1" fmla="*/ 224444 w 1687484"/>
+              <a:gd name="connsiteY1" fmla="*/ 515390 h 1512917"/>
+              <a:gd name="connsiteX2" fmla="*/ 606829 w 1687484"/>
+              <a:gd name="connsiteY2" fmla="*/ 872837 h 1512917"/>
+              <a:gd name="connsiteX3" fmla="*/ 1271847 w 1687484"/>
+              <a:gd name="connsiteY3" fmla="*/ 1379914 h 1512917"/>
+              <a:gd name="connsiteX4" fmla="*/ 1571105 w 1687484"/>
+              <a:gd name="connsiteY4" fmla="*/ 1487979 h 1512917"/>
+              <a:gd name="connsiteX5" fmla="*/ 1687484 w 1687484"/>
+              <a:gd name="connsiteY5" fmla="*/ 1512917 h 1512917"/>
+              <a:gd name="connsiteX0" fmla="*/ 0 w 1687484"/>
+              <a:gd name="connsiteY0" fmla="*/ 0 h 1512917"/>
+              <a:gd name="connsiteX1" fmla="*/ 224444 w 1687484"/>
+              <a:gd name="connsiteY1" fmla="*/ 515390 h 1512917"/>
+              <a:gd name="connsiteX2" fmla="*/ 606829 w 1687484"/>
+              <a:gd name="connsiteY2" fmla="*/ 872837 h 1512917"/>
+              <a:gd name="connsiteX3" fmla="*/ 1047403 w 1687484"/>
+              <a:gd name="connsiteY3" fmla="*/ 1188722 h 1512917"/>
+              <a:gd name="connsiteX4" fmla="*/ 1571105 w 1687484"/>
+              <a:gd name="connsiteY4" fmla="*/ 1487979 h 1512917"/>
+              <a:gd name="connsiteX5" fmla="*/ 1687484 w 1687484"/>
+              <a:gd name="connsiteY5" fmla="*/ 1512917 h 1512917"/>
+              <a:gd name="connsiteX0" fmla="*/ 0 w 1687484"/>
+              <a:gd name="connsiteY0" fmla="*/ 0 h 1512917"/>
+              <a:gd name="connsiteX1" fmla="*/ 224444 w 1687484"/>
+              <a:gd name="connsiteY1" fmla="*/ 515390 h 1512917"/>
+              <a:gd name="connsiteX2" fmla="*/ 590203 w 1687484"/>
+              <a:gd name="connsiteY2" fmla="*/ 939339 h 1512917"/>
+              <a:gd name="connsiteX3" fmla="*/ 1047403 w 1687484"/>
+              <a:gd name="connsiteY3" fmla="*/ 1188722 h 1512917"/>
+              <a:gd name="connsiteX4" fmla="*/ 1571105 w 1687484"/>
+              <a:gd name="connsiteY4" fmla="*/ 1487979 h 1512917"/>
+              <a:gd name="connsiteX5" fmla="*/ 1687484 w 1687484"/>
+              <a:gd name="connsiteY5" fmla="*/ 1512917 h 1512917"/>
+              <a:gd name="connsiteX0" fmla="*/ 0 w 1687484"/>
+              <a:gd name="connsiteY0" fmla="*/ 0 h 1512917"/>
+              <a:gd name="connsiteX1" fmla="*/ 224444 w 1687484"/>
+              <a:gd name="connsiteY1" fmla="*/ 515390 h 1512917"/>
+              <a:gd name="connsiteX2" fmla="*/ 590203 w 1687484"/>
+              <a:gd name="connsiteY2" fmla="*/ 939339 h 1512917"/>
+              <a:gd name="connsiteX3" fmla="*/ 1014152 w 1687484"/>
+              <a:gd name="connsiteY3" fmla="*/ 1246911 h 1512917"/>
+              <a:gd name="connsiteX4" fmla="*/ 1571105 w 1687484"/>
+              <a:gd name="connsiteY4" fmla="*/ 1487979 h 1512917"/>
+              <a:gd name="connsiteX5" fmla="*/ 1687484 w 1687484"/>
+              <a:gd name="connsiteY5" fmla="*/ 1512917 h 1512917"/>
+              <a:gd name="connsiteX0" fmla="*/ 0 w 1687484"/>
+              <a:gd name="connsiteY0" fmla="*/ 0 h 1512917"/>
+              <a:gd name="connsiteX1" fmla="*/ 224444 w 1687484"/>
+              <a:gd name="connsiteY1" fmla="*/ 515390 h 1512917"/>
+              <a:gd name="connsiteX2" fmla="*/ 590203 w 1687484"/>
+              <a:gd name="connsiteY2" fmla="*/ 939339 h 1512917"/>
+              <a:gd name="connsiteX3" fmla="*/ 1014152 w 1687484"/>
+              <a:gd name="connsiteY3" fmla="*/ 1246911 h 1512917"/>
+              <a:gd name="connsiteX4" fmla="*/ 1354974 w 1687484"/>
+              <a:gd name="connsiteY4" fmla="*/ 1413164 h 1512917"/>
+              <a:gd name="connsiteX5" fmla="*/ 1687484 w 1687484"/>
+              <a:gd name="connsiteY5" fmla="*/ 1512917 h 1512917"/>
+              <a:gd name="connsiteX0" fmla="*/ 0 w 1654233"/>
+              <a:gd name="connsiteY0" fmla="*/ 0 h 1704110"/>
+              <a:gd name="connsiteX1" fmla="*/ 224444 w 1654233"/>
+              <a:gd name="connsiteY1" fmla="*/ 515390 h 1704110"/>
+              <a:gd name="connsiteX2" fmla="*/ 590203 w 1654233"/>
+              <a:gd name="connsiteY2" fmla="*/ 939339 h 1704110"/>
+              <a:gd name="connsiteX3" fmla="*/ 1014152 w 1654233"/>
+              <a:gd name="connsiteY3" fmla="*/ 1246911 h 1704110"/>
+              <a:gd name="connsiteX4" fmla="*/ 1354974 w 1654233"/>
+              <a:gd name="connsiteY4" fmla="*/ 1413164 h 1704110"/>
+              <a:gd name="connsiteX5" fmla="*/ 1654233 w 1654233"/>
+              <a:gd name="connsiteY5" fmla="*/ 1704110 h 1704110"/>
+              <a:gd name="connsiteX0" fmla="*/ 0 w 1654233"/>
+              <a:gd name="connsiteY0" fmla="*/ 0 h 1704110"/>
+              <a:gd name="connsiteX1" fmla="*/ 224444 w 1654233"/>
+              <a:gd name="connsiteY1" fmla="*/ 515390 h 1704110"/>
+              <a:gd name="connsiteX2" fmla="*/ 590203 w 1654233"/>
+              <a:gd name="connsiteY2" fmla="*/ 939339 h 1704110"/>
+              <a:gd name="connsiteX3" fmla="*/ 1014152 w 1654233"/>
+              <a:gd name="connsiteY3" fmla="*/ 1246911 h 1704110"/>
+              <a:gd name="connsiteX4" fmla="*/ 1296785 w 1654233"/>
+              <a:gd name="connsiteY4" fmla="*/ 1521229 h 1704110"/>
+              <a:gd name="connsiteX5" fmla="*/ 1654233 w 1654233"/>
+              <a:gd name="connsiteY5" fmla="*/ 1704110 h 1704110"/>
+              <a:gd name="connsiteX0" fmla="*/ 0 w 1654233"/>
+              <a:gd name="connsiteY0" fmla="*/ 0 h 1704110"/>
+              <a:gd name="connsiteX1" fmla="*/ 224444 w 1654233"/>
+              <a:gd name="connsiteY1" fmla="*/ 515390 h 1704110"/>
+              <a:gd name="connsiteX2" fmla="*/ 590203 w 1654233"/>
+              <a:gd name="connsiteY2" fmla="*/ 939339 h 1704110"/>
+              <a:gd name="connsiteX3" fmla="*/ 864523 w 1654233"/>
+              <a:gd name="connsiteY3" fmla="*/ 1296787 h 1704110"/>
+              <a:gd name="connsiteX4" fmla="*/ 1296785 w 1654233"/>
+              <a:gd name="connsiteY4" fmla="*/ 1521229 h 1704110"/>
+              <a:gd name="connsiteX5" fmla="*/ 1654233 w 1654233"/>
+              <a:gd name="connsiteY5" fmla="*/ 1704110 h 1704110"/>
+              <a:gd name="connsiteX0" fmla="*/ 0 w 1654233"/>
+              <a:gd name="connsiteY0" fmla="*/ 0 h 1704110"/>
+              <a:gd name="connsiteX1" fmla="*/ 224444 w 1654233"/>
+              <a:gd name="connsiteY1" fmla="*/ 515390 h 1704110"/>
+              <a:gd name="connsiteX2" fmla="*/ 507076 w 1654233"/>
+              <a:gd name="connsiteY2" fmla="*/ 972590 h 1704110"/>
+              <a:gd name="connsiteX3" fmla="*/ 864523 w 1654233"/>
+              <a:gd name="connsiteY3" fmla="*/ 1296787 h 1704110"/>
+              <a:gd name="connsiteX4" fmla="*/ 1296785 w 1654233"/>
+              <a:gd name="connsiteY4" fmla="*/ 1521229 h 1704110"/>
+              <a:gd name="connsiteX5" fmla="*/ 1654233 w 1654233"/>
+              <a:gd name="connsiteY5" fmla="*/ 1704110 h 1704110"/>
+              <a:gd name="connsiteX0" fmla="*/ 0 w 1654233"/>
+              <a:gd name="connsiteY0" fmla="*/ 0 h 1704110"/>
+              <a:gd name="connsiteX1" fmla="*/ 224444 w 1654233"/>
+              <a:gd name="connsiteY1" fmla="*/ 515390 h 1704110"/>
+              <a:gd name="connsiteX2" fmla="*/ 507076 w 1654233"/>
+              <a:gd name="connsiteY2" fmla="*/ 972590 h 1704110"/>
+              <a:gd name="connsiteX3" fmla="*/ 847897 w 1654233"/>
+              <a:gd name="connsiteY3" fmla="*/ 1313412 h 1704110"/>
+              <a:gd name="connsiteX4" fmla="*/ 1296785 w 1654233"/>
+              <a:gd name="connsiteY4" fmla="*/ 1521229 h 1704110"/>
+              <a:gd name="connsiteX5" fmla="*/ 1654233 w 1654233"/>
+              <a:gd name="connsiteY5" fmla="*/ 1704110 h 1704110"/>
+              <a:gd name="connsiteX0" fmla="*/ 0 w 1654233"/>
+              <a:gd name="connsiteY0" fmla="*/ 0 h 1704110"/>
+              <a:gd name="connsiteX1" fmla="*/ 224444 w 1654233"/>
+              <a:gd name="connsiteY1" fmla="*/ 515390 h 1704110"/>
+              <a:gd name="connsiteX2" fmla="*/ 507076 w 1654233"/>
+              <a:gd name="connsiteY2" fmla="*/ 972590 h 1704110"/>
+              <a:gd name="connsiteX3" fmla="*/ 847897 w 1654233"/>
+              <a:gd name="connsiteY3" fmla="*/ 1313412 h 1704110"/>
+              <a:gd name="connsiteX4" fmla="*/ 1263534 w 1654233"/>
+              <a:gd name="connsiteY4" fmla="*/ 1562793 h 1704110"/>
+              <a:gd name="connsiteX5" fmla="*/ 1654233 w 1654233"/>
+              <a:gd name="connsiteY5" fmla="*/ 1704110 h 1704110"/>
+              <a:gd name="connsiteX0" fmla="*/ 0 w 1654233"/>
+              <a:gd name="connsiteY0" fmla="*/ 0 h 1820488"/>
+              <a:gd name="connsiteX1" fmla="*/ 224444 w 1654233"/>
+              <a:gd name="connsiteY1" fmla="*/ 515390 h 1820488"/>
+              <a:gd name="connsiteX2" fmla="*/ 507076 w 1654233"/>
+              <a:gd name="connsiteY2" fmla="*/ 972590 h 1820488"/>
+              <a:gd name="connsiteX3" fmla="*/ 847897 w 1654233"/>
+              <a:gd name="connsiteY3" fmla="*/ 1313412 h 1820488"/>
+              <a:gd name="connsiteX4" fmla="*/ 1263534 w 1654233"/>
+              <a:gd name="connsiteY4" fmla="*/ 1562793 h 1820488"/>
+              <a:gd name="connsiteX5" fmla="*/ 1654233 w 1654233"/>
+              <a:gd name="connsiteY5" fmla="*/ 1820488 h 1820488"/>
+              <a:gd name="connsiteX0" fmla="*/ 0 w 1654233"/>
+              <a:gd name="connsiteY0" fmla="*/ 0 h 1820488"/>
+              <a:gd name="connsiteX1" fmla="*/ 224444 w 1654233"/>
+              <a:gd name="connsiteY1" fmla="*/ 515390 h 1820488"/>
+              <a:gd name="connsiteX2" fmla="*/ 507076 w 1654233"/>
+              <a:gd name="connsiteY2" fmla="*/ 972590 h 1820488"/>
+              <a:gd name="connsiteX3" fmla="*/ 847897 w 1654233"/>
+              <a:gd name="connsiteY3" fmla="*/ 1313412 h 1820488"/>
+              <a:gd name="connsiteX4" fmla="*/ 1221970 w 1654233"/>
+              <a:gd name="connsiteY4" fmla="*/ 1645920 h 1820488"/>
+              <a:gd name="connsiteX5" fmla="*/ 1654233 w 1654233"/>
+              <a:gd name="connsiteY5" fmla="*/ 1820488 h 1820488"/>
+              <a:gd name="connsiteX0" fmla="*/ 0 w 1654233"/>
+              <a:gd name="connsiteY0" fmla="*/ 0 h 1820488"/>
+              <a:gd name="connsiteX1" fmla="*/ 224444 w 1654233"/>
+              <a:gd name="connsiteY1" fmla="*/ 515390 h 1820488"/>
+              <a:gd name="connsiteX2" fmla="*/ 507076 w 1654233"/>
+              <a:gd name="connsiteY2" fmla="*/ 972590 h 1820488"/>
+              <a:gd name="connsiteX3" fmla="*/ 806333 w 1654233"/>
+              <a:gd name="connsiteY3" fmla="*/ 1363289 h 1820488"/>
+              <a:gd name="connsiteX4" fmla="*/ 1221970 w 1654233"/>
+              <a:gd name="connsiteY4" fmla="*/ 1645920 h 1820488"/>
+              <a:gd name="connsiteX5" fmla="*/ 1654233 w 1654233"/>
+              <a:gd name="connsiteY5" fmla="*/ 1820488 h 1820488"/>
+            </a:gdLst>
+            <a:ahLst/>
+            <a:cxnLst>
+              <a:cxn ang="0">
+                <a:pos x="connsiteX0" y="connsiteY0"/>
+              </a:cxn>
+              <a:cxn ang="0">
+                <a:pos x="connsiteX1" y="connsiteY1"/>
+              </a:cxn>
+              <a:cxn ang="0">
+                <a:pos x="connsiteX2" y="connsiteY2"/>
+              </a:cxn>
+              <a:cxn ang="0">
+                <a:pos x="connsiteX3" y="connsiteY3"/>
+              </a:cxn>
+              <a:cxn ang="0">
+                <a:pos x="connsiteX4" y="connsiteY4"/>
+              </a:cxn>
+              <a:cxn ang="0">
+                <a:pos x="connsiteX5" y="connsiteY5"/>
+              </a:cxn>
+            </a:cxnLst>
+            <a:rect l="l" t="t" r="r" b="b"/>
+            <a:pathLst>
+              <a:path w="1654233" h="1820488">
+                <a:moveTo>
+                  <a:pt x="0" y="0"/>
+                </a:moveTo>
+                <a:cubicBezTo>
+                  <a:pt x="54725" y="221673"/>
+                  <a:pt x="139931" y="353292"/>
+                  <a:pt x="224444" y="515390"/>
+                </a:cubicBezTo>
+                <a:cubicBezTo>
+                  <a:pt x="308957" y="677488"/>
+                  <a:pt x="410095" y="831274"/>
+                  <a:pt x="507076" y="972590"/>
+                </a:cubicBezTo>
+                <a:cubicBezTo>
+                  <a:pt x="604057" y="1113906"/>
+                  <a:pt x="687184" y="1251067"/>
+                  <a:pt x="806333" y="1363289"/>
+                </a:cubicBezTo>
+                <a:cubicBezTo>
+                  <a:pt x="925482" y="1475511"/>
+                  <a:pt x="1152697" y="1623753"/>
+                  <a:pt x="1221970" y="1645920"/>
+                </a:cubicBezTo>
+                <a:cubicBezTo>
+                  <a:pt x="1291243" y="1668087"/>
+                  <a:pt x="1630680" y="1819102"/>
+                  <a:pt x="1654233" y="1820488"/>
+                </a:cubicBezTo>
+              </a:path>
+            </a:pathLst>
+          </a:custGeom>
+          <a:noFill/>
+          <a:ln w="6350">
+            <a:headEnd type="none" w="med" len="med"/>
+            <a:tailEnd type="arrow" w="med" len="med"/>
+          </a:ln>
+        </p:spPr>
+        <p:style>
+          <a:lnRef idx="2">
+            <a:schemeClr val="accent1">
+              <a:shade val="50000"/>
+            </a:schemeClr>
+          </a:lnRef>
+          <a:fillRef idx="1">
+            <a:schemeClr val="accent1"/>
+          </a:fillRef>
+          <a:effectRef idx="0">
+            <a:schemeClr val="accent1"/>
+          </a:effectRef>
+          <a:fontRef idx="minor">
+            <a:schemeClr val="lt1"/>
+          </a:fontRef>
+        </p:style>
+        <p:txBody>
+          <a:bodyPr rtlCol="0" anchor="ctr"/>
+          <a:lstStyle/>
+          <a:p>
+            <a:pPr algn="ctr"/>
+            <a:endParaRPr kumimoji="1" lang="ja-JP" altLang="en-US"/>
+          </a:p>
+        </p:txBody>
+      </p:sp>
+      <p:sp>
+        <p:nvSpPr>
+          <p:cNvPr id="61" name="フリーフォーム: 図形 60">
+            <a:extLst>
+              <a:ext uri="{FF2B5EF4-FFF2-40B4-BE49-F238E27FC236}">
+                <a16:creationId xmlns:a16="http://schemas.microsoft.com/office/drawing/2014/main" id="{DC661CD0-3CDD-475F-AFEB-2DC90CCADC53}"/>
+              </a:ext>
+            </a:extLst>
+          </p:cNvPr>
+          <p:cNvSpPr/>
+          <p:nvPr/>
+        </p:nvSpPr>
+        <p:spPr>
+          <a:xfrm>
+            <a:off x="1909296" y="2468878"/>
+            <a:ext cx="1651322" cy="566504"/>
+          </a:xfrm>
+          <a:custGeom>
+            <a:avLst/>
+            <a:gdLst>
+              <a:gd name="connsiteX0" fmla="*/ 0 w 1679171"/>
+              <a:gd name="connsiteY0" fmla="*/ 0 h 1271847"/>
+              <a:gd name="connsiteX1" fmla="*/ 332509 w 1679171"/>
+              <a:gd name="connsiteY1" fmla="*/ 407324 h 1271847"/>
+              <a:gd name="connsiteX2" fmla="*/ 839585 w 1679171"/>
+              <a:gd name="connsiteY2" fmla="*/ 881149 h 1271847"/>
+              <a:gd name="connsiteX3" fmla="*/ 1263534 w 1679171"/>
+              <a:gd name="connsiteY3" fmla="*/ 1138844 h 1271847"/>
+              <a:gd name="connsiteX4" fmla="*/ 1562792 w 1679171"/>
+              <a:gd name="connsiteY4" fmla="*/ 1246909 h 1271847"/>
+              <a:gd name="connsiteX5" fmla="*/ 1679171 w 1679171"/>
+              <a:gd name="connsiteY5" fmla="*/ 1271847 h 1271847"/>
+              <a:gd name="connsiteX0" fmla="*/ 0 w 1679171"/>
+              <a:gd name="connsiteY0" fmla="*/ 0 h 1072342"/>
+              <a:gd name="connsiteX1" fmla="*/ 332509 w 1679171"/>
+              <a:gd name="connsiteY1" fmla="*/ 207819 h 1072342"/>
+              <a:gd name="connsiteX2" fmla="*/ 839585 w 1679171"/>
+              <a:gd name="connsiteY2" fmla="*/ 681644 h 1072342"/>
+              <a:gd name="connsiteX3" fmla="*/ 1263534 w 1679171"/>
+              <a:gd name="connsiteY3" fmla="*/ 939339 h 1072342"/>
+              <a:gd name="connsiteX4" fmla="*/ 1562792 w 1679171"/>
+              <a:gd name="connsiteY4" fmla="*/ 1047404 h 1072342"/>
+              <a:gd name="connsiteX5" fmla="*/ 1679171 w 1679171"/>
+              <a:gd name="connsiteY5" fmla="*/ 1072342 h 1072342"/>
+              <a:gd name="connsiteX0" fmla="*/ 0 w 1679171"/>
+              <a:gd name="connsiteY0" fmla="*/ 0 h 1072342"/>
+              <a:gd name="connsiteX1" fmla="*/ 266007 w 1679171"/>
+              <a:gd name="connsiteY1" fmla="*/ 324197 h 1072342"/>
+              <a:gd name="connsiteX2" fmla="*/ 839585 w 1679171"/>
+              <a:gd name="connsiteY2" fmla="*/ 681644 h 1072342"/>
+              <a:gd name="connsiteX3" fmla="*/ 1263534 w 1679171"/>
+              <a:gd name="connsiteY3" fmla="*/ 939339 h 1072342"/>
+              <a:gd name="connsiteX4" fmla="*/ 1562792 w 1679171"/>
+              <a:gd name="connsiteY4" fmla="*/ 1047404 h 1072342"/>
+              <a:gd name="connsiteX5" fmla="*/ 1679171 w 1679171"/>
+              <a:gd name="connsiteY5" fmla="*/ 1072342 h 1072342"/>
+              <a:gd name="connsiteX0" fmla="*/ 0 w 1679171"/>
+              <a:gd name="connsiteY0" fmla="*/ 0 h 1072342"/>
+              <a:gd name="connsiteX1" fmla="*/ 266007 w 1679171"/>
+              <a:gd name="connsiteY1" fmla="*/ 324197 h 1072342"/>
+              <a:gd name="connsiteX2" fmla="*/ 673330 w 1679171"/>
+              <a:gd name="connsiteY2" fmla="*/ 756458 h 1072342"/>
+              <a:gd name="connsiteX3" fmla="*/ 1263534 w 1679171"/>
+              <a:gd name="connsiteY3" fmla="*/ 939339 h 1072342"/>
+              <a:gd name="connsiteX4" fmla="*/ 1562792 w 1679171"/>
+              <a:gd name="connsiteY4" fmla="*/ 1047404 h 1072342"/>
+              <a:gd name="connsiteX5" fmla="*/ 1679171 w 1679171"/>
+              <a:gd name="connsiteY5" fmla="*/ 1072342 h 1072342"/>
+              <a:gd name="connsiteX0" fmla="*/ 0 w 1679171"/>
+              <a:gd name="connsiteY0" fmla="*/ 0 h 1072342"/>
+              <a:gd name="connsiteX1" fmla="*/ 207818 w 1679171"/>
+              <a:gd name="connsiteY1" fmla="*/ 340823 h 1072342"/>
+              <a:gd name="connsiteX2" fmla="*/ 673330 w 1679171"/>
+              <a:gd name="connsiteY2" fmla="*/ 756458 h 1072342"/>
+              <a:gd name="connsiteX3" fmla="*/ 1263534 w 1679171"/>
+              <a:gd name="connsiteY3" fmla="*/ 939339 h 1072342"/>
+              <a:gd name="connsiteX4" fmla="*/ 1562792 w 1679171"/>
+              <a:gd name="connsiteY4" fmla="*/ 1047404 h 1072342"/>
+              <a:gd name="connsiteX5" fmla="*/ 1679171 w 1679171"/>
+              <a:gd name="connsiteY5" fmla="*/ 1072342 h 1072342"/>
+              <a:gd name="connsiteX0" fmla="*/ 0 w 1679171"/>
+              <a:gd name="connsiteY0" fmla="*/ 0 h 1072342"/>
+              <a:gd name="connsiteX1" fmla="*/ 207818 w 1679171"/>
+              <a:gd name="connsiteY1" fmla="*/ 340823 h 1072342"/>
+              <a:gd name="connsiteX2" fmla="*/ 673330 w 1679171"/>
+              <a:gd name="connsiteY2" fmla="*/ 756458 h 1072342"/>
+              <a:gd name="connsiteX3" fmla="*/ 997527 w 1679171"/>
+              <a:gd name="connsiteY3" fmla="*/ 922713 h 1072342"/>
+              <a:gd name="connsiteX4" fmla="*/ 1562792 w 1679171"/>
+              <a:gd name="connsiteY4" fmla="*/ 1047404 h 1072342"/>
+              <a:gd name="connsiteX5" fmla="*/ 1679171 w 1679171"/>
+              <a:gd name="connsiteY5" fmla="*/ 1072342 h 1072342"/>
+              <a:gd name="connsiteX0" fmla="*/ 0 w 1679171"/>
+              <a:gd name="connsiteY0" fmla="*/ 0 h 1072342"/>
+              <a:gd name="connsiteX1" fmla="*/ 207818 w 1679171"/>
+              <a:gd name="connsiteY1" fmla="*/ 340823 h 1072342"/>
+              <a:gd name="connsiteX2" fmla="*/ 498762 w 1679171"/>
+              <a:gd name="connsiteY2" fmla="*/ 689956 h 1072342"/>
+              <a:gd name="connsiteX3" fmla="*/ 997527 w 1679171"/>
+              <a:gd name="connsiteY3" fmla="*/ 922713 h 1072342"/>
+              <a:gd name="connsiteX4" fmla="*/ 1562792 w 1679171"/>
+              <a:gd name="connsiteY4" fmla="*/ 1047404 h 1072342"/>
+              <a:gd name="connsiteX5" fmla="*/ 1679171 w 1679171"/>
+              <a:gd name="connsiteY5" fmla="*/ 1072342 h 1072342"/>
+              <a:gd name="connsiteX0" fmla="*/ 0 w 1679171"/>
+              <a:gd name="connsiteY0" fmla="*/ 0 h 1081893"/>
+              <a:gd name="connsiteX1" fmla="*/ 207818 w 1679171"/>
+              <a:gd name="connsiteY1" fmla="*/ 340823 h 1081893"/>
+              <a:gd name="connsiteX2" fmla="*/ 498762 w 1679171"/>
+              <a:gd name="connsiteY2" fmla="*/ 689956 h 1081893"/>
+              <a:gd name="connsiteX3" fmla="*/ 997527 w 1679171"/>
+              <a:gd name="connsiteY3" fmla="*/ 922713 h 1081893"/>
+              <a:gd name="connsiteX4" fmla="*/ 1255221 w 1679171"/>
+              <a:gd name="connsiteY4" fmla="*/ 1072342 h 1081893"/>
+              <a:gd name="connsiteX5" fmla="*/ 1679171 w 1679171"/>
+              <a:gd name="connsiteY5" fmla="*/ 1072342 h 1081893"/>
+              <a:gd name="connsiteX0" fmla="*/ 0 w 1679171"/>
+              <a:gd name="connsiteY0" fmla="*/ 0 h 1081893"/>
+              <a:gd name="connsiteX1" fmla="*/ 207818 w 1679171"/>
+              <a:gd name="connsiteY1" fmla="*/ 340823 h 1081893"/>
+              <a:gd name="connsiteX2" fmla="*/ 498762 w 1679171"/>
+              <a:gd name="connsiteY2" fmla="*/ 689956 h 1081893"/>
+              <a:gd name="connsiteX3" fmla="*/ 864523 w 1679171"/>
+              <a:gd name="connsiteY3" fmla="*/ 922713 h 1081893"/>
+              <a:gd name="connsiteX4" fmla="*/ 1255221 w 1679171"/>
+              <a:gd name="connsiteY4" fmla="*/ 1072342 h 1081893"/>
+              <a:gd name="connsiteX5" fmla="*/ 1679171 w 1679171"/>
+              <a:gd name="connsiteY5" fmla="*/ 1072342 h 1081893"/>
+              <a:gd name="connsiteX0" fmla="*/ 0 w 1679171"/>
+              <a:gd name="connsiteY0" fmla="*/ 0 h 1097280"/>
+              <a:gd name="connsiteX1" fmla="*/ 207818 w 1679171"/>
+              <a:gd name="connsiteY1" fmla="*/ 340823 h 1097280"/>
+              <a:gd name="connsiteX2" fmla="*/ 498762 w 1679171"/>
+              <a:gd name="connsiteY2" fmla="*/ 689956 h 1097280"/>
+              <a:gd name="connsiteX3" fmla="*/ 864523 w 1679171"/>
+              <a:gd name="connsiteY3" fmla="*/ 922713 h 1097280"/>
+              <a:gd name="connsiteX4" fmla="*/ 1255221 w 1679171"/>
+              <a:gd name="connsiteY4" fmla="*/ 1072342 h 1097280"/>
+              <a:gd name="connsiteX5" fmla="*/ 1679171 w 1679171"/>
+              <a:gd name="connsiteY5" fmla="*/ 1097280 h 1097280"/>
+              <a:gd name="connsiteX0" fmla="*/ 0 w 1654232"/>
+              <a:gd name="connsiteY0" fmla="*/ 0 h 1073490"/>
+              <a:gd name="connsiteX1" fmla="*/ 207818 w 1654232"/>
+              <a:gd name="connsiteY1" fmla="*/ 340823 h 1073490"/>
+              <a:gd name="connsiteX2" fmla="*/ 498762 w 1654232"/>
+              <a:gd name="connsiteY2" fmla="*/ 689956 h 1073490"/>
+              <a:gd name="connsiteX3" fmla="*/ 864523 w 1654232"/>
+              <a:gd name="connsiteY3" fmla="*/ 922713 h 1073490"/>
+              <a:gd name="connsiteX4" fmla="*/ 1255221 w 1654232"/>
+              <a:gd name="connsiteY4" fmla="*/ 1072342 h 1073490"/>
+              <a:gd name="connsiteX5" fmla="*/ 1654232 w 1654232"/>
+              <a:gd name="connsiteY5" fmla="*/ 789709 h 1073490"/>
+              <a:gd name="connsiteX0" fmla="*/ 0 w 1654232"/>
+              <a:gd name="connsiteY0" fmla="*/ 0 h 923848"/>
+              <a:gd name="connsiteX1" fmla="*/ 207818 w 1654232"/>
+              <a:gd name="connsiteY1" fmla="*/ 340823 h 923848"/>
+              <a:gd name="connsiteX2" fmla="*/ 498762 w 1654232"/>
+              <a:gd name="connsiteY2" fmla="*/ 689956 h 923848"/>
+              <a:gd name="connsiteX3" fmla="*/ 864523 w 1654232"/>
+              <a:gd name="connsiteY3" fmla="*/ 922713 h 923848"/>
+              <a:gd name="connsiteX4" fmla="*/ 1271846 w 1654232"/>
+              <a:gd name="connsiteY4" fmla="*/ 789709 h 923848"/>
+              <a:gd name="connsiteX5" fmla="*/ 1654232 w 1654232"/>
+              <a:gd name="connsiteY5" fmla="*/ 789709 h 923848"/>
+              <a:gd name="connsiteX0" fmla="*/ 0 w 1654232"/>
+              <a:gd name="connsiteY0" fmla="*/ 0 h 799260"/>
+              <a:gd name="connsiteX1" fmla="*/ 207818 w 1654232"/>
+              <a:gd name="connsiteY1" fmla="*/ 340823 h 799260"/>
+              <a:gd name="connsiteX2" fmla="*/ 498762 w 1654232"/>
+              <a:gd name="connsiteY2" fmla="*/ 689956 h 799260"/>
+              <a:gd name="connsiteX3" fmla="*/ 897774 w 1654232"/>
+              <a:gd name="connsiteY3" fmla="*/ 714895 h 799260"/>
+              <a:gd name="connsiteX4" fmla="*/ 1271846 w 1654232"/>
+              <a:gd name="connsiteY4" fmla="*/ 789709 h 799260"/>
+              <a:gd name="connsiteX5" fmla="*/ 1654232 w 1654232"/>
+              <a:gd name="connsiteY5" fmla="*/ 789709 h 799260"/>
+              <a:gd name="connsiteX0" fmla="*/ 0 w 1654232"/>
+              <a:gd name="connsiteY0" fmla="*/ 0 h 799260"/>
+              <a:gd name="connsiteX1" fmla="*/ 207818 w 1654232"/>
+              <a:gd name="connsiteY1" fmla="*/ 340823 h 799260"/>
+              <a:gd name="connsiteX2" fmla="*/ 523700 w 1654232"/>
+              <a:gd name="connsiteY2" fmla="*/ 540327 h 799260"/>
+              <a:gd name="connsiteX3" fmla="*/ 897774 w 1654232"/>
+              <a:gd name="connsiteY3" fmla="*/ 714895 h 799260"/>
+              <a:gd name="connsiteX4" fmla="*/ 1271846 w 1654232"/>
+              <a:gd name="connsiteY4" fmla="*/ 789709 h 799260"/>
+              <a:gd name="connsiteX5" fmla="*/ 1654232 w 1654232"/>
+              <a:gd name="connsiteY5" fmla="*/ 789709 h 799260"/>
+              <a:gd name="connsiteX0" fmla="*/ 0 w 1654232"/>
+              <a:gd name="connsiteY0" fmla="*/ 0 h 799260"/>
+              <a:gd name="connsiteX1" fmla="*/ 282632 w 1654232"/>
+              <a:gd name="connsiteY1" fmla="*/ 274321 h 799260"/>
+              <a:gd name="connsiteX2" fmla="*/ 523700 w 1654232"/>
+              <a:gd name="connsiteY2" fmla="*/ 540327 h 799260"/>
+              <a:gd name="connsiteX3" fmla="*/ 897774 w 1654232"/>
+              <a:gd name="connsiteY3" fmla="*/ 714895 h 799260"/>
+              <a:gd name="connsiteX4" fmla="*/ 1271846 w 1654232"/>
+              <a:gd name="connsiteY4" fmla="*/ 789709 h 799260"/>
+              <a:gd name="connsiteX5" fmla="*/ 1654232 w 1654232"/>
+              <a:gd name="connsiteY5" fmla="*/ 789709 h 799260"/>
+              <a:gd name="connsiteX0" fmla="*/ 0 w 1654232"/>
+              <a:gd name="connsiteY0" fmla="*/ 0 h 799260"/>
+              <a:gd name="connsiteX1" fmla="*/ 266006 w 1654232"/>
+              <a:gd name="connsiteY1" fmla="*/ 307572 h 799260"/>
+              <a:gd name="connsiteX2" fmla="*/ 523700 w 1654232"/>
+              <a:gd name="connsiteY2" fmla="*/ 540327 h 799260"/>
+              <a:gd name="connsiteX3" fmla="*/ 897774 w 1654232"/>
+              <a:gd name="connsiteY3" fmla="*/ 714895 h 799260"/>
+              <a:gd name="connsiteX4" fmla="*/ 1271846 w 1654232"/>
+              <a:gd name="connsiteY4" fmla="*/ 789709 h 799260"/>
+              <a:gd name="connsiteX5" fmla="*/ 1654232 w 1654232"/>
+              <a:gd name="connsiteY5" fmla="*/ 789709 h 799260"/>
+              <a:gd name="connsiteX0" fmla="*/ 0 w 1654232"/>
+              <a:gd name="connsiteY0" fmla="*/ 0 h 799260"/>
+              <a:gd name="connsiteX1" fmla="*/ 266006 w 1654232"/>
+              <a:gd name="connsiteY1" fmla="*/ 307572 h 799260"/>
+              <a:gd name="connsiteX2" fmla="*/ 523700 w 1654232"/>
+              <a:gd name="connsiteY2" fmla="*/ 540327 h 799260"/>
+              <a:gd name="connsiteX3" fmla="*/ 897774 w 1654232"/>
+              <a:gd name="connsiteY3" fmla="*/ 714895 h 799260"/>
+              <a:gd name="connsiteX4" fmla="*/ 1271846 w 1654232"/>
+              <a:gd name="connsiteY4" fmla="*/ 789709 h 799260"/>
+              <a:gd name="connsiteX5" fmla="*/ 1654232 w 1654232"/>
+              <a:gd name="connsiteY5" fmla="*/ 789709 h 799260"/>
+              <a:gd name="connsiteX0" fmla="*/ 0 w 1654232"/>
+              <a:gd name="connsiteY0" fmla="*/ 0 h 799260"/>
+              <a:gd name="connsiteX1" fmla="*/ 266006 w 1654232"/>
+              <a:gd name="connsiteY1" fmla="*/ 307572 h 799260"/>
+              <a:gd name="connsiteX2" fmla="*/ 523700 w 1654232"/>
+              <a:gd name="connsiteY2" fmla="*/ 590204 h 799260"/>
+              <a:gd name="connsiteX3" fmla="*/ 897774 w 1654232"/>
+              <a:gd name="connsiteY3" fmla="*/ 714895 h 799260"/>
+              <a:gd name="connsiteX4" fmla="*/ 1271846 w 1654232"/>
+              <a:gd name="connsiteY4" fmla="*/ 789709 h 799260"/>
+              <a:gd name="connsiteX5" fmla="*/ 1654232 w 1654232"/>
+              <a:gd name="connsiteY5" fmla="*/ 789709 h 799260"/>
+              <a:gd name="connsiteX0" fmla="*/ 0 w 1654232"/>
+              <a:gd name="connsiteY0" fmla="*/ 0 h 799260"/>
+              <a:gd name="connsiteX1" fmla="*/ 266006 w 1654232"/>
+              <a:gd name="connsiteY1" fmla="*/ 440576 h 799260"/>
+              <a:gd name="connsiteX2" fmla="*/ 523700 w 1654232"/>
+              <a:gd name="connsiteY2" fmla="*/ 590204 h 799260"/>
+              <a:gd name="connsiteX3" fmla="*/ 897774 w 1654232"/>
+              <a:gd name="connsiteY3" fmla="*/ 714895 h 799260"/>
+              <a:gd name="connsiteX4" fmla="*/ 1271846 w 1654232"/>
+              <a:gd name="connsiteY4" fmla="*/ 789709 h 799260"/>
+              <a:gd name="connsiteX5" fmla="*/ 1654232 w 1654232"/>
+              <a:gd name="connsiteY5" fmla="*/ 789709 h 799260"/>
+              <a:gd name="connsiteX0" fmla="*/ 0 w 1679468"/>
+              <a:gd name="connsiteY0" fmla="*/ 0 h 599755"/>
+              <a:gd name="connsiteX1" fmla="*/ 291242 w 1679468"/>
+              <a:gd name="connsiteY1" fmla="*/ 241071 h 599755"/>
+              <a:gd name="connsiteX2" fmla="*/ 548936 w 1679468"/>
+              <a:gd name="connsiteY2" fmla="*/ 390699 h 599755"/>
+              <a:gd name="connsiteX3" fmla="*/ 923010 w 1679468"/>
+              <a:gd name="connsiteY3" fmla="*/ 515390 h 599755"/>
+              <a:gd name="connsiteX4" fmla="*/ 1297082 w 1679468"/>
+              <a:gd name="connsiteY4" fmla="*/ 590204 h 599755"/>
+              <a:gd name="connsiteX5" fmla="*/ 1679468 w 1679468"/>
+              <a:gd name="connsiteY5" fmla="*/ 590204 h 599755"/>
+              <a:gd name="connsiteX0" fmla="*/ 0 w 1679468"/>
+              <a:gd name="connsiteY0" fmla="*/ 0 h 599755"/>
+              <a:gd name="connsiteX1" fmla="*/ 291242 w 1679468"/>
+              <a:gd name="connsiteY1" fmla="*/ 299260 h 599755"/>
+              <a:gd name="connsiteX2" fmla="*/ 548936 w 1679468"/>
+              <a:gd name="connsiteY2" fmla="*/ 390699 h 599755"/>
+              <a:gd name="connsiteX3" fmla="*/ 923010 w 1679468"/>
+              <a:gd name="connsiteY3" fmla="*/ 515390 h 599755"/>
+              <a:gd name="connsiteX4" fmla="*/ 1297082 w 1679468"/>
+              <a:gd name="connsiteY4" fmla="*/ 590204 h 599755"/>
+              <a:gd name="connsiteX5" fmla="*/ 1679468 w 1679468"/>
+              <a:gd name="connsiteY5" fmla="*/ 590204 h 599755"/>
+              <a:gd name="connsiteX0" fmla="*/ 0 w 1637408"/>
+              <a:gd name="connsiteY0" fmla="*/ 0 h 541566"/>
+              <a:gd name="connsiteX1" fmla="*/ 249182 w 1637408"/>
+              <a:gd name="connsiteY1" fmla="*/ 241071 h 541566"/>
+              <a:gd name="connsiteX2" fmla="*/ 506876 w 1637408"/>
+              <a:gd name="connsiteY2" fmla="*/ 332510 h 541566"/>
+              <a:gd name="connsiteX3" fmla="*/ 880950 w 1637408"/>
+              <a:gd name="connsiteY3" fmla="*/ 457201 h 541566"/>
+              <a:gd name="connsiteX4" fmla="*/ 1255022 w 1637408"/>
+              <a:gd name="connsiteY4" fmla="*/ 532015 h 541566"/>
+              <a:gd name="connsiteX5" fmla="*/ 1637408 w 1637408"/>
+              <a:gd name="connsiteY5" fmla="*/ 532015 h 541566"/>
+              <a:gd name="connsiteX0" fmla="*/ 0 w 1704705"/>
+              <a:gd name="connsiteY0" fmla="*/ 0 h 566504"/>
+              <a:gd name="connsiteX1" fmla="*/ 316479 w 1704705"/>
+              <a:gd name="connsiteY1" fmla="*/ 266009 h 566504"/>
+              <a:gd name="connsiteX2" fmla="*/ 574173 w 1704705"/>
+              <a:gd name="connsiteY2" fmla="*/ 357448 h 566504"/>
+              <a:gd name="connsiteX3" fmla="*/ 948247 w 1704705"/>
+              <a:gd name="connsiteY3" fmla="*/ 482139 h 566504"/>
+              <a:gd name="connsiteX4" fmla="*/ 1322319 w 1704705"/>
+              <a:gd name="connsiteY4" fmla="*/ 556953 h 566504"/>
+              <a:gd name="connsiteX5" fmla="*/ 1704705 w 1704705"/>
+              <a:gd name="connsiteY5" fmla="*/ 556953 h 566504"/>
+              <a:gd name="connsiteX0" fmla="*/ 0 w 1671057"/>
+              <a:gd name="connsiteY0" fmla="*/ 0 h 566504"/>
+              <a:gd name="connsiteX1" fmla="*/ 282831 w 1671057"/>
+              <a:gd name="connsiteY1" fmla="*/ 266009 h 566504"/>
+              <a:gd name="connsiteX2" fmla="*/ 540525 w 1671057"/>
+              <a:gd name="connsiteY2" fmla="*/ 357448 h 566504"/>
+              <a:gd name="connsiteX3" fmla="*/ 914599 w 1671057"/>
+              <a:gd name="connsiteY3" fmla="*/ 482139 h 566504"/>
+              <a:gd name="connsiteX4" fmla="*/ 1288671 w 1671057"/>
+              <a:gd name="connsiteY4" fmla="*/ 556953 h 566504"/>
+              <a:gd name="connsiteX5" fmla="*/ 1671057 w 1671057"/>
+              <a:gd name="connsiteY5" fmla="*/ 556953 h 566504"/>
+              <a:gd name="connsiteX0" fmla="*/ 0 w 1671057"/>
+              <a:gd name="connsiteY0" fmla="*/ 0 h 566504"/>
+              <a:gd name="connsiteX1" fmla="*/ 282831 w 1671057"/>
+              <a:gd name="connsiteY1" fmla="*/ 266009 h 566504"/>
+              <a:gd name="connsiteX2" fmla="*/ 540525 w 1671057"/>
+              <a:gd name="connsiteY2" fmla="*/ 407325 h 566504"/>
+              <a:gd name="connsiteX3" fmla="*/ 914599 w 1671057"/>
+              <a:gd name="connsiteY3" fmla="*/ 482139 h 566504"/>
+              <a:gd name="connsiteX4" fmla="*/ 1288671 w 1671057"/>
+              <a:gd name="connsiteY4" fmla="*/ 556953 h 566504"/>
+              <a:gd name="connsiteX5" fmla="*/ 1671057 w 1671057"/>
+              <a:gd name="connsiteY5" fmla="*/ 556953 h 566504"/>
+              <a:gd name="connsiteX0" fmla="*/ 0 w 1671057"/>
+              <a:gd name="connsiteY0" fmla="*/ 0 h 566504"/>
+              <a:gd name="connsiteX1" fmla="*/ 282831 w 1671057"/>
+              <a:gd name="connsiteY1" fmla="*/ 266009 h 566504"/>
+              <a:gd name="connsiteX2" fmla="*/ 540525 w 1671057"/>
+              <a:gd name="connsiteY2" fmla="*/ 407325 h 566504"/>
+              <a:gd name="connsiteX3" fmla="*/ 914599 w 1671057"/>
+              <a:gd name="connsiteY3" fmla="*/ 515390 h 566504"/>
+              <a:gd name="connsiteX4" fmla="*/ 1288671 w 1671057"/>
+              <a:gd name="connsiteY4" fmla="*/ 556953 h 566504"/>
+              <a:gd name="connsiteX5" fmla="*/ 1671057 w 1671057"/>
+              <a:gd name="connsiteY5" fmla="*/ 556953 h 566504"/>
+            </a:gdLst>
+            <a:ahLst/>
+            <a:cxnLst>
+              <a:cxn ang="0">
+                <a:pos x="connsiteX0" y="connsiteY0"/>
+              </a:cxn>
+              <a:cxn ang="0">
+                <a:pos x="connsiteX1" y="connsiteY1"/>
+              </a:cxn>
+              <a:cxn ang="0">
+                <a:pos x="connsiteX2" y="connsiteY2"/>
+              </a:cxn>
+              <a:cxn ang="0">
+                <a:pos x="connsiteX3" y="connsiteY3"/>
+              </a:cxn>
+              <a:cxn ang="0">
+                <a:pos x="connsiteX4" y="connsiteY4"/>
+              </a:cxn>
+              <a:cxn ang="0">
+                <a:pos x="connsiteX5" y="connsiteY5"/>
+              </a:cxn>
+            </a:cxnLst>
+            <a:rect l="l" t="t" r="r" b="b"/>
+            <a:pathLst>
+              <a:path w="1671057" h="566504">
+                <a:moveTo>
+                  <a:pt x="0" y="0"/>
+                </a:moveTo>
+                <a:cubicBezTo>
+                  <a:pt x="96289" y="130233"/>
+                  <a:pt x="192744" y="198122"/>
+                  <a:pt x="282831" y="266009"/>
+                </a:cubicBezTo>
+                <a:cubicBezTo>
+                  <a:pt x="372919" y="333897"/>
+                  <a:pt x="435230" y="365762"/>
+                  <a:pt x="540525" y="407325"/>
+                </a:cubicBezTo>
+                <a:cubicBezTo>
+                  <a:pt x="645820" y="448888"/>
+                  <a:pt x="789908" y="490452"/>
+                  <a:pt x="914599" y="515390"/>
+                </a:cubicBezTo>
+                <a:cubicBezTo>
+                  <a:pt x="1039290" y="540328"/>
+                  <a:pt x="1219398" y="534786"/>
+                  <a:pt x="1288671" y="556953"/>
+                </a:cubicBezTo>
+                <a:cubicBezTo>
+                  <a:pt x="1357944" y="579120"/>
+                  <a:pt x="1647504" y="555567"/>
+                  <a:pt x="1671057" y="556953"/>
+                </a:cubicBezTo>
+              </a:path>
+            </a:pathLst>
+          </a:custGeom>
+          <a:noFill/>
+          <a:ln w="6350">
+            <a:headEnd type="arrow" w="med" len="med"/>
+            <a:tailEnd type="none" w="med" len="med"/>
+          </a:ln>
+        </p:spPr>
+        <p:style>
+          <a:lnRef idx="2">
+            <a:schemeClr val="accent1">
+              <a:shade val="50000"/>
+            </a:schemeClr>
+          </a:lnRef>
+          <a:fillRef idx="1">
+            <a:schemeClr val="accent1"/>
+          </a:fillRef>
+          <a:effectRef idx="0">
+            <a:schemeClr val="accent1"/>
+          </a:effectRef>
+          <a:fontRef idx="minor">
+            <a:schemeClr val="lt1"/>
+          </a:fontRef>
+        </p:style>
+        <p:txBody>
+          <a:bodyPr rtlCol="0" anchor="ctr"/>
+          <a:lstStyle/>
+          <a:p>
+            <a:pPr algn="ctr"/>
+            <a:endParaRPr kumimoji="1" lang="ja-JP" altLang="en-US"/>
+          </a:p>
+        </p:txBody>
+      </p:sp>
+      <p:cxnSp>
+        <p:nvCxnSpPr>
+          <p:cNvPr id="62" name="直線コネクタ 61">
+            <a:extLst>
+              <a:ext uri="{FF2B5EF4-FFF2-40B4-BE49-F238E27FC236}">
+                <a16:creationId xmlns:a16="http://schemas.microsoft.com/office/drawing/2014/main" id="{4B54FAC3-53B3-43E3-AF39-35D583803183}"/>
+              </a:ext>
+            </a:extLst>
+          </p:cNvPr>
+          <p:cNvCxnSpPr>
+            <a:cxnSpLocks/>
+            <a:endCxn id="61" idx="5"/>
+          </p:cNvCxnSpPr>
+          <p:nvPr/>
+        </p:nvCxnSpPr>
+        <p:spPr>
+          <a:xfrm>
+            <a:off x="1274618" y="2999768"/>
+            <a:ext cx="2286000" cy="26063"/>
+          </a:xfrm>
+          <a:prstGeom prst="line">
+            <a:avLst/>
+          </a:prstGeom>
+          <a:ln>
+            <a:prstDash val="dash"/>
+          </a:ln>
+        </p:spPr>
+        <p:style>
+          <a:lnRef idx="1">
+            <a:schemeClr val="accent1"/>
+          </a:lnRef>
+          <a:fillRef idx="0">
+            <a:schemeClr val="accent1"/>
+          </a:fillRef>
+          <a:effectRef idx="0">
+            <a:schemeClr val="accent1"/>
+          </a:effectRef>
+          <a:fontRef idx="minor">
+            <a:schemeClr val="tx1"/>
+          </a:fontRef>
+        </p:style>
+      </p:cxnSp>
+      <p:cxnSp>
+        <p:nvCxnSpPr>
+          <p:cNvPr id="63" name="直線コネクタ 62">
+            <a:extLst>
+              <a:ext uri="{FF2B5EF4-FFF2-40B4-BE49-F238E27FC236}">
+                <a16:creationId xmlns:a16="http://schemas.microsoft.com/office/drawing/2014/main" id="{9722835A-604A-4ACB-B9AA-406DFE8477FD}"/>
+              </a:ext>
+            </a:extLst>
+          </p:cNvPr>
+          <p:cNvCxnSpPr>
+            <a:cxnSpLocks/>
+          </p:cNvCxnSpPr>
+          <p:nvPr/>
+        </p:nvCxnSpPr>
+        <p:spPr>
+          <a:xfrm>
+            <a:off x="1274618" y="2823670"/>
+            <a:ext cx="2286000" cy="26063"/>
+          </a:xfrm>
+          <a:prstGeom prst="line">
+            <a:avLst/>
+          </a:prstGeom>
+          <a:ln>
+            <a:prstDash val="dash"/>
+          </a:ln>
+        </p:spPr>
+        <p:style>
+          <a:lnRef idx="1">
+            <a:schemeClr val="accent1"/>
+          </a:lnRef>
+          <a:fillRef idx="0">
+            <a:schemeClr val="accent1"/>
+          </a:fillRef>
+          <a:effectRef idx="0">
+            <a:schemeClr val="accent1"/>
+          </a:effectRef>
+          <a:fontRef idx="minor">
+            <a:schemeClr val="tx1"/>
+          </a:fontRef>
+        </p:style>
+      </p:cxnSp>
+      <p:sp>
+        <p:nvSpPr>
+          <p:cNvPr id="64" name="テキスト ボックス 63">
+            <a:extLst>
+              <a:ext uri="{FF2B5EF4-FFF2-40B4-BE49-F238E27FC236}">
+                <a16:creationId xmlns:a16="http://schemas.microsoft.com/office/drawing/2014/main" id="{FC990EC4-1246-4E20-9ACF-228D19F095ED}"/>
+              </a:ext>
+            </a:extLst>
+          </p:cNvPr>
+          <p:cNvSpPr txBox="1"/>
+          <p:nvPr/>
+        </p:nvSpPr>
+        <p:spPr>
+          <a:xfrm>
+            <a:off x="1033340" y="2509196"/>
+            <a:ext cx="726117" cy="276999"/>
+          </a:xfrm>
+          <a:prstGeom prst="rect">
+            <a:avLst/>
+          </a:prstGeom>
+          <a:noFill/>
+        </p:spPr>
+        <p:txBody>
+          <a:bodyPr wrap="square" rtlCol="0">
+            <a:spAutoFit/>
+          </a:bodyPr>
+          <a:lstStyle/>
+          <a:p>
+            <a:r>
+              <a:rPr lang="en-US" altLang="ja-JP" sz="1200" dirty="0" err="1"/>
+              <a:t>Pexh</a:t>
+            </a:r>
+            <a:endParaRPr kumimoji="1" lang="ja-JP" altLang="en-US" sz="1200" dirty="0"/>
+          </a:p>
+        </p:txBody>
+      </p:sp>
+      <p:sp>
+        <p:nvSpPr>
+          <p:cNvPr id="65" name="テキスト ボックス 64">
+            <a:extLst>
+              <a:ext uri="{FF2B5EF4-FFF2-40B4-BE49-F238E27FC236}">
+                <a16:creationId xmlns:a16="http://schemas.microsoft.com/office/drawing/2014/main" id="{85CC8639-AA78-4FAF-A900-45D6F0F0E35E}"/>
+              </a:ext>
+            </a:extLst>
+          </p:cNvPr>
+          <p:cNvSpPr txBox="1"/>
+          <p:nvPr/>
+        </p:nvSpPr>
+        <p:spPr>
+          <a:xfrm>
+            <a:off x="1033339" y="2990093"/>
+            <a:ext cx="726117" cy="276999"/>
+          </a:xfrm>
+          <a:prstGeom prst="rect">
+            <a:avLst/>
+          </a:prstGeom>
+          <a:noFill/>
+        </p:spPr>
+        <p:txBody>
+          <a:bodyPr wrap="square" rtlCol="0">
+            <a:spAutoFit/>
+          </a:bodyPr>
+          <a:lstStyle/>
+          <a:p>
+            <a:r>
+              <a:rPr lang="en-US" altLang="ja-JP" sz="1200" dirty="0" err="1"/>
+              <a:t>Pintk</a:t>
+            </a:r>
+            <a:endParaRPr kumimoji="1" lang="ja-JP" altLang="en-US" sz="1200" dirty="0"/>
+          </a:p>
+        </p:txBody>
+      </p:sp>
+      <p:cxnSp>
+        <p:nvCxnSpPr>
+          <p:cNvPr id="66" name="直線コネクタ 65">
+            <a:extLst>
+              <a:ext uri="{FF2B5EF4-FFF2-40B4-BE49-F238E27FC236}">
+                <a16:creationId xmlns:a16="http://schemas.microsoft.com/office/drawing/2014/main" id="{5A182F91-D202-46DA-8EEC-5F55C8D62F94}"/>
+              </a:ext>
+            </a:extLst>
+          </p:cNvPr>
+          <p:cNvCxnSpPr>
+            <a:cxnSpLocks/>
+          </p:cNvCxnSpPr>
+          <p:nvPr/>
+        </p:nvCxnSpPr>
+        <p:spPr>
+          <a:xfrm>
+            <a:off x="1920309" y="2838019"/>
+            <a:ext cx="1640308" cy="14651"/>
+          </a:xfrm>
+          <a:prstGeom prst="line">
+            <a:avLst/>
+          </a:prstGeom>
+          <a:ln>
+            <a:headEnd type="arrow" w="med" len="med"/>
+            <a:tailEnd type="none" w="med" len="med"/>
+          </a:ln>
+        </p:spPr>
+        <p:style>
+          <a:lnRef idx="1">
+            <a:schemeClr val="accent1"/>
+          </a:lnRef>
+          <a:fillRef idx="0">
+            <a:schemeClr val="accent1"/>
+          </a:fillRef>
+          <a:effectRef idx="0">
+            <a:schemeClr val="accent1"/>
+          </a:effectRef>
+          <a:fontRef idx="minor">
+            <a:schemeClr val="tx1"/>
+          </a:fontRef>
+        </p:style>
+      </p:cxnSp>
+      <p:cxnSp>
+        <p:nvCxnSpPr>
+          <p:cNvPr id="67" name="直線コネクタ 66">
+            <a:extLst>
+              <a:ext uri="{FF2B5EF4-FFF2-40B4-BE49-F238E27FC236}">
+                <a16:creationId xmlns:a16="http://schemas.microsoft.com/office/drawing/2014/main" id="{0A370806-19B3-4280-807F-CBB264F52294}"/>
+              </a:ext>
+            </a:extLst>
+          </p:cNvPr>
+          <p:cNvCxnSpPr>
+            <a:cxnSpLocks/>
+          </p:cNvCxnSpPr>
+          <p:nvPr/>
+        </p:nvCxnSpPr>
+        <p:spPr>
+          <a:xfrm flipV="1">
+            <a:off x="1920309" y="2808362"/>
+            <a:ext cx="0" cy="232678"/>
+          </a:xfrm>
+          <a:prstGeom prst="line">
+            <a:avLst/>
+          </a:prstGeom>
+          <a:ln>
+            <a:headEnd type="arrow" w="med" len="med"/>
+            <a:tailEnd type="none" w="med" len="med"/>
+          </a:ln>
+        </p:spPr>
+        <p:style>
+          <a:lnRef idx="1">
+            <a:schemeClr val="accent1"/>
+          </a:lnRef>
+          <a:fillRef idx="0">
+            <a:schemeClr val="accent1"/>
+          </a:fillRef>
+          <a:effectRef idx="0">
+            <a:schemeClr val="accent1"/>
+          </a:effectRef>
+          <a:fontRef idx="minor">
+            <a:schemeClr val="tx1"/>
+          </a:fontRef>
+        </p:style>
+      </p:cxnSp>
+      <p:cxnSp>
+        <p:nvCxnSpPr>
+          <p:cNvPr id="68" name="直線コネクタ 67">
+            <a:extLst>
+              <a:ext uri="{FF2B5EF4-FFF2-40B4-BE49-F238E27FC236}">
+                <a16:creationId xmlns:a16="http://schemas.microsoft.com/office/drawing/2014/main" id="{E25C5965-10DC-4C95-AAEF-79B7FFEA965E}"/>
+              </a:ext>
+            </a:extLst>
+          </p:cNvPr>
+          <p:cNvCxnSpPr>
+            <a:cxnSpLocks/>
+          </p:cNvCxnSpPr>
+          <p:nvPr/>
+        </p:nvCxnSpPr>
+        <p:spPr>
+          <a:xfrm flipH="1" flipV="1">
+            <a:off x="1906385" y="3005312"/>
+            <a:ext cx="1654232" cy="19102"/>
+          </a:xfrm>
+          <a:prstGeom prst="line">
+            <a:avLst/>
+          </a:prstGeom>
+          <a:ln>
+            <a:headEnd type="arrow" w="med" len="med"/>
+            <a:tailEnd type="none" w="med" len="med"/>
+          </a:ln>
+        </p:spPr>
+        <p:style>
+          <a:lnRef idx="1">
+            <a:schemeClr val="accent1"/>
+          </a:lnRef>
+          <a:fillRef idx="0">
+            <a:schemeClr val="accent1"/>
+          </a:fillRef>
+          <a:effectRef idx="0">
+            <a:schemeClr val="accent1"/>
+          </a:effectRef>
+          <a:fontRef idx="minor">
+            <a:schemeClr val="tx1"/>
+          </a:fontRef>
+        </p:style>
+      </p:cxnSp>
+      <p:sp>
+        <p:nvSpPr>
+          <p:cNvPr id="69" name="テキスト ボックス 68">
+            <a:extLst>
+              <a:ext uri="{FF2B5EF4-FFF2-40B4-BE49-F238E27FC236}">
+                <a16:creationId xmlns:a16="http://schemas.microsoft.com/office/drawing/2014/main" id="{3D922EE5-D6E9-40DE-B3DF-80C885286EFD}"/>
+              </a:ext>
+            </a:extLst>
+          </p:cNvPr>
+          <p:cNvSpPr txBox="1"/>
+          <p:nvPr/>
+        </p:nvSpPr>
+        <p:spPr>
+          <a:xfrm>
+            <a:off x="7381494" y="4079043"/>
+            <a:ext cx="3217229" cy="1384995"/>
+          </a:xfrm>
+          <a:prstGeom prst="rect">
+            <a:avLst/>
+          </a:prstGeom>
+          <a:noFill/>
+        </p:spPr>
+        <p:txBody>
+          <a:bodyPr wrap="square" rtlCol="0">
+            <a:spAutoFit/>
+          </a:bodyPr>
+          <a:lstStyle/>
+          <a:p>
+            <a:r>
+              <a:rPr kumimoji="1" lang="en-US" altLang="ja-JP" sz="1200" dirty="0"/>
+              <a:t>This total work of intake/exhaust </a:t>
+            </a:r>
+            <a:r>
+              <a:rPr lang="en-US" altLang="ja-JP" sz="1200" dirty="0"/>
+              <a:t>strokes is “pumping work” of </a:t>
+            </a:r>
+            <a:r>
+              <a:rPr lang="en-US" altLang="ja-JP" sz="1200" dirty="0" err="1"/>
+              <a:t>piston&amp;cylinder</a:t>
+            </a:r>
+            <a:r>
+              <a:rPr lang="en-US" altLang="ja-JP" sz="1200" dirty="0"/>
+              <a:t>.</a:t>
+            </a:r>
+          </a:p>
+          <a:p>
+            <a:r>
+              <a:rPr kumimoji="1" lang="en-US" altLang="ja-JP" sz="1200" dirty="0"/>
+              <a:t>Loss </a:t>
+            </a:r>
+            <a:r>
+              <a:rPr lang="en-US" altLang="ja-JP" sz="1200" dirty="0"/>
+              <a:t>for engine, enthalpy of exhaust flow increases. </a:t>
+            </a:r>
+          </a:p>
+          <a:p>
+            <a:endParaRPr kumimoji="1" lang="en-US" altLang="ja-JP" sz="1200" dirty="0"/>
+          </a:p>
+          <a:p>
+            <a:r>
+              <a:rPr lang="en-US" altLang="ja-JP" sz="1200" dirty="0" err="1"/>
+              <a:t>Wpump</a:t>
+            </a:r>
+            <a:r>
+              <a:rPr lang="en-US" altLang="ja-JP" sz="1200" dirty="0"/>
+              <a:t>= </a:t>
+            </a:r>
+            <a:r>
+              <a:rPr lang="en-US" altLang="ja-JP" sz="1200" dirty="0" err="1"/>
+              <a:t>Wexh+Wintk</a:t>
+            </a:r>
+            <a:endParaRPr lang="en-US" altLang="ja-JP" sz="1200" dirty="0"/>
+          </a:p>
+          <a:p>
+            <a:r>
+              <a:rPr kumimoji="1" lang="en-US" altLang="ja-JP" sz="1200" dirty="0"/>
+              <a:t>  positive sign: loss for engine</a:t>
+            </a:r>
+            <a:endParaRPr kumimoji="1" lang="ja-JP" altLang="en-US" sz="1200" dirty="0"/>
+          </a:p>
+        </p:txBody>
+      </p:sp>
+      <p:sp>
+        <p:nvSpPr>
+          <p:cNvPr id="70" name="正方形/長方形 69">
+            <a:extLst>
+              <a:ext uri="{FF2B5EF4-FFF2-40B4-BE49-F238E27FC236}">
+                <a16:creationId xmlns:a16="http://schemas.microsoft.com/office/drawing/2014/main" id="{2444BF1C-98B4-48AF-A9DA-A0DDF63E17A1}"/>
+              </a:ext>
+            </a:extLst>
+          </p:cNvPr>
+          <p:cNvSpPr/>
+          <p:nvPr/>
+        </p:nvSpPr>
+        <p:spPr>
+          <a:xfrm>
+            <a:off x="1920309" y="2855589"/>
+            <a:ext cx="1651320" cy="729267"/>
+          </a:xfrm>
+          <a:prstGeom prst="rect">
+            <a:avLst/>
+          </a:prstGeom>
+          <a:solidFill>
+            <a:srgbClr val="FFC000">
+              <a:alpha val="25098"/>
+            </a:srgbClr>
+          </a:solidFill>
+          <a:ln>
+            <a:noFill/>
+          </a:ln>
+        </p:spPr>
+        <p:style>
+          <a:lnRef idx="2">
+            <a:schemeClr val="accent1">
+              <a:shade val="50000"/>
+            </a:schemeClr>
+          </a:lnRef>
+          <a:fillRef idx="1">
+            <a:schemeClr val="accent1"/>
+          </a:fillRef>
+          <a:effectRef idx="0">
+            <a:schemeClr val="accent1"/>
+          </a:effectRef>
+          <a:fontRef idx="minor">
+            <a:schemeClr val="lt1"/>
+          </a:fontRef>
+        </p:style>
+        <p:txBody>
+          <a:bodyPr rtlCol="0" anchor="ctr"/>
+          <a:lstStyle/>
+          <a:p>
+            <a:pPr algn="ctr"/>
+            <a:endParaRPr kumimoji="1" lang="ja-JP" altLang="en-US"/>
+          </a:p>
+        </p:txBody>
+      </p:sp>
+      <p:sp>
+        <p:nvSpPr>
+          <p:cNvPr id="71" name="テキスト ボックス 70">
+            <a:extLst>
+              <a:ext uri="{FF2B5EF4-FFF2-40B4-BE49-F238E27FC236}">
+                <a16:creationId xmlns:a16="http://schemas.microsoft.com/office/drawing/2014/main" id="{A901CE33-640E-4BA8-9956-062384F756F7}"/>
+              </a:ext>
+            </a:extLst>
+          </p:cNvPr>
+          <p:cNvSpPr txBox="1"/>
+          <p:nvPr/>
+        </p:nvSpPr>
+        <p:spPr>
+          <a:xfrm>
+            <a:off x="1274618" y="4100098"/>
+            <a:ext cx="2709807" cy="1200329"/>
+          </a:xfrm>
+          <a:prstGeom prst="rect">
+            <a:avLst/>
+          </a:prstGeom>
+          <a:noFill/>
+        </p:spPr>
+        <p:txBody>
+          <a:bodyPr wrap="square" rtlCol="0">
+            <a:spAutoFit/>
+          </a:bodyPr>
+          <a:lstStyle/>
+          <a:p>
+            <a:r>
+              <a:rPr lang="en-US" altLang="ja-JP" sz="1200" dirty="0"/>
+              <a:t>Exhaust stroke; work is done onto fluid.</a:t>
+            </a:r>
+          </a:p>
+          <a:p>
+            <a:r>
+              <a:rPr lang="en-US" altLang="ja-JP" sz="1200" dirty="0"/>
+              <a:t> -&gt; power loss for engine.</a:t>
+            </a:r>
+          </a:p>
+          <a:p>
+            <a:endParaRPr lang="en-US" altLang="ja-JP" sz="1200" dirty="0"/>
+          </a:p>
+          <a:p>
+            <a:r>
+              <a:rPr lang="en-US" altLang="ja-JP" sz="1200" dirty="0" err="1"/>
+              <a:t>Wexh</a:t>
+            </a:r>
+            <a:r>
+              <a:rPr lang="en-US" altLang="ja-JP" sz="1200" dirty="0"/>
+              <a:t>= -1 * </a:t>
+            </a:r>
+            <a:r>
+              <a:rPr lang="en-US" altLang="ja-JP" sz="1200" dirty="0" err="1"/>
+              <a:t>Pexh</a:t>
+            </a:r>
+            <a:r>
+              <a:rPr lang="en-US" altLang="ja-JP" sz="1200" dirty="0"/>
+              <a:t>*(V2-V4)</a:t>
+            </a:r>
+          </a:p>
+          <a:p>
+            <a:r>
+              <a:rPr lang="en-US" altLang="ja-JP" sz="1200" dirty="0"/>
+              <a:t>  Positive sign : loss for engine</a:t>
+            </a:r>
+          </a:p>
+        </p:txBody>
+      </p:sp>
+      <p:sp>
+        <p:nvSpPr>
+          <p:cNvPr id="72" name="正方形/長方形 71">
+            <a:extLst>
+              <a:ext uri="{FF2B5EF4-FFF2-40B4-BE49-F238E27FC236}">
+                <a16:creationId xmlns:a16="http://schemas.microsoft.com/office/drawing/2014/main" id="{2FF95FEC-1C5B-496C-9FCE-ADC28411CCE6}"/>
+              </a:ext>
+            </a:extLst>
+          </p:cNvPr>
+          <p:cNvSpPr/>
+          <p:nvPr/>
+        </p:nvSpPr>
+        <p:spPr>
+          <a:xfrm>
+            <a:off x="8183841" y="2806599"/>
+            <a:ext cx="1651320" cy="181416"/>
+          </a:xfrm>
+          <a:prstGeom prst="rect">
+            <a:avLst/>
+          </a:prstGeom>
+          <a:solidFill>
+            <a:srgbClr val="FFC000">
+              <a:alpha val="25098"/>
+            </a:srgbClr>
+          </a:solidFill>
+          <a:ln>
+            <a:noFill/>
+          </a:ln>
+        </p:spPr>
+        <p:style>
+          <a:lnRef idx="2">
+            <a:schemeClr val="accent1">
+              <a:shade val="50000"/>
+            </a:schemeClr>
+          </a:lnRef>
+          <a:fillRef idx="1">
+            <a:schemeClr val="accent1"/>
+          </a:fillRef>
+          <a:effectRef idx="0">
+            <a:schemeClr val="accent1"/>
+          </a:effectRef>
+          <a:fontRef idx="minor">
+            <a:schemeClr val="lt1"/>
+          </a:fontRef>
+        </p:style>
+        <p:txBody>
+          <a:bodyPr rtlCol="0" anchor="ctr"/>
+          <a:lstStyle/>
+          <a:p>
+            <a:pPr algn="ctr"/>
+            <a:endParaRPr kumimoji="1" lang="ja-JP" altLang="en-US"/>
+          </a:p>
+        </p:txBody>
+      </p:sp>
+      <p:cxnSp>
+        <p:nvCxnSpPr>
+          <p:cNvPr id="73" name="直線矢印コネクタ 72">
+            <a:extLst>
+              <a:ext uri="{FF2B5EF4-FFF2-40B4-BE49-F238E27FC236}">
+                <a16:creationId xmlns:a16="http://schemas.microsoft.com/office/drawing/2014/main" id="{A0AC6305-1112-400C-98F5-682BFB3D2356}"/>
+              </a:ext>
+            </a:extLst>
+          </p:cNvPr>
+          <p:cNvCxnSpPr>
+            <a:cxnSpLocks/>
+          </p:cNvCxnSpPr>
+          <p:nvPr/>
+        </p:nvCxnSpPr>
+        <p:spPr>
+          <a:xfrm flipV="1">
+            <a:off x="4585848" y="446112"/>
+            <a:ext cx="0" cy="3325092"/>
+          </a:xfrm>
+          <a:prstGeom prst="straightConnector1">
+            <a:avLst/>
+          </a:prstGeom>
+          <a:ln>
+            <a:tailEnd type="triangle"/>
+          </a:ln>
+        </p:spPr>
+        <p:style>
+          <a:lnRef idx="1">
+            <a:schemeClr val="dk1"/>
+          </a:lnRef>
+          <a:fillRef idx="0">
+            <a:schemeClr val="dk1"/>
+          </a:fillRef>
+          <a:effectRef idx="0">
+            <a:schemeClr val="dk1"/>
+          </a:effectRef>
+          <a:fontRef idx="minor">
+            <a:schemeClr val="tx1"/>
+          </a:fontRef>
+        </p:style>
+      </p:cxnSp>
+      <p:cxnSp>
+        <p:nvCxnSpPr>
+          <p:cNvPr id="74" name="直線矢印コネクタ 73">
+            <a:extLst>
+              <a:ext uri="{FF2B5EF4-FFF2-40B4-BE49-F238E27FC236}">
+                <a16:creationId xmlns:a16="http://schemas.microsoft.com/office/drawing/2014/main" id="{A0016C7C-22BB-4D07-80C8-C3AB7C980526}"/>
+              </a:ext>
+            </a:extLst>
+          </p:cNvPr>
+          <p:cNvCxnSpPr>
+            <a:cxnSpLocks/>
+          </p:cNvCxnSpPr>
+          <p:nvPr/>
+        </p:nvCxnSpPr>
+        <p:spPr>
+          <a:xfrm>
+            <a:off x="4424996" y="3574470"/>
+            <a:ext cx="2521666" cy="0"/>
+          </a:xfrm>
+          <a:prstGeom prst="straightConnector1">
+            <a:avLst/>
+          </a:prstGeom>
+          <a:ln>
+            <a:tailEnd type="triangle"/>
+          </a:ln>
+        </p:spPr>
+        <p:style>
+          <a:lnRef idx="1">
+            <a:schemeClr val="dk1"/>
+          </a:lnRef>
+          <a:fillRef idx="0">
+            <a:schemeClr val="dk1"/>
+          </a:fillRef>
+          <a:effectRef idx="0">
+            <a:schemeClr val="dk1"/>
+          </a:effectRef>
+          <a:fontRef idx="minor">
+            <a:schemeClr val="tx1"/>
+          </a:fontRef>
+        </p:style>
+      </p:cxnSp>
+      <p:sp>
+        <p:nvSpPr>
+          <p:cNvPr id="75" name="テキスト ボックス 74">
+            <a:extLst>
+              <a:ext uri="{FF2B5EF4-FFF2-40B4-BE49-F238E27FC236}">
+                <a16:creationId xmlns:a16="http://schemas.microsoft.com/office/drawing/2014/main" id="{48DB09EE-6E14-45A0-985B-7AD48A9574FD}"/>
+              </a:ext>
+            </a:extLst>
+          </p:cNvPr>
+          <p:cNvSpPr txBox="1"/>
+          <p:nvPr/>
+        </p:nvSpPr>
+        <p:spPr>
+          <a:xfrm>
+            <a:off x="6314902" y="3584021"/>
+            <a:ext cx="698124" cy="276999"/>
+          </a:xfrm>
+          <a:prstGeom prst="rect">
+            <a:avLst/>
+          </a:prstGeom>
+          <a:noFill/>
+        </p:spPr>
+        <p:txBody>
+          <a:bodyPr wrap="square" rtlCol="0">
+            <a:spAutoFit/>
+          </a:bodyPr>
+          <a:lstStyle/>
+          <a:p>
+            <a:r>
+              <a:rPr kumimoji="1" lang="en-US" altLang="ja-JP" sz="1200" dirty="0"/>
+              <a:t>V [m3]</a:t>
+            </a:r>
+            <a:endParaRPr kumimoji="1" lang="ja-JP" altLang="en-US" sz="1200" dirty="0"/>
+          </a:p>
+        </p:txBody>
+      </p:sp>
+      <p:cxnSp>
+        <p:nvCxnSpPr>
+          <p:cNvPr id="76" name="直線矢印コネクタ 75">
+            <a:extLst>
+              <a:ext uri="{FF2B5EF4-FFF2-40B4-BE49-F238E27FC236}">
+                <a16:creationId xmlns:a16="http://schemas.microsoft.com/office/drawing/2014/main" id="{F75BAC07-2457-4879-9804-237F5E86E802}"/>
+              </a:ext>
+            </a:extLst>
+          </p:cNvPr>
+          <p:cNvCxnSpPr>
+            <a:cxnSpLocks/>
+            <a:stCxn id="79" idx="0"/>
+            <a:endCxn id="78" idx="0"/>
+          </p:cNvCxnSpPr>
+          <p:nvPr/>
+        </p:nvCxnSpPr>
+        <p:spPr>
+          <a:xfrm flipH="1" flipV="1">
+            <a:off x="4934981" y="811869"/>
+            <a:ext cx="2912" cy="1651465"/>
+          </a:xfrm>
+          <a:prstGeom prst="straightConnector1">
+            <a:avLst/>
+          </a:prstGeom>
+          <a:ln>
+            <a:headEnd type="none" w="med" len="med"/>
+            <a:tailEnd type="arrow" w="med" len="med"/>
+          </a:ln>
+        </p:spPr>
+        <p:style>
+          <a:lnRef idx="1">
+            <a:schemeClr val="accent1"/>
+          </a:lnRef>
+          <a:fillRef idx="0">
+            <a:schemeClr val="accent1"/>
+          </a:fillRef>
+          <a:effectRef idx="0">
+            <a:schemeClr val="accent1"/>
+          </a:effectRef>
+          <a:fontRef idx="minor">
+            <a:schemeClr val="tx1"/>
+          </a:fontRef>
+        </p:style>
+      </p:cxnSp>
+      <p:cxnSp>
+        <p:nvCxnSpPr>
+          <p:cNvPr id="77" name="直線矢印コネクタ 76">
+            <a:extLst>
+              <a:ext uri="{FF2B5EF4-FFF2-40B4-BE49-F238E27FC236}">
+                <a16:creationId xmlns:a16="http://schemas.microsoft.com/office/drawing/2014/main" id="{14920E9C-3181-4813-A9D3-BCBE81A8A835}"/>
+              </a:ext>
+            </a:extLst>
+          </p:cNvPr>
+          <p:cNvCxnSpPr>
+            <a:cxnSpLocks/>
+            <a:stCxn id="78" idx="5"/>
+          </p:cNvCxnSpPr>
+          <p:nvPr/>
+        </p:nvCxnSpPr>
+        <p:spPr>
+          <a:xfrm>
+            <a:off x="6589214" y="2632357"/>
+            <a:ext cx="0" cy="196794"/>
+          </a:xfrm>
+          <a:prstGeom prst="straightConnector1">
+            <a:avLst/>
+          </a:prstGeom>
+          <a:ln>
+            <a:headEnd type="none" w="med" len="med"/>
+            <a:tailEnd type="arrow" w="med" len="med"/>
+          </a:ln>
+        </p:spPr>
+        <p:style>
+          <a:lnRef idx="1">
+            <a:schemeClr val="accent1"/>
+          </a:lnRef>
+          <a:fillRef idx="0">
+            <a:schemeClr val="accent1"/>
+          </a:fillRef>
+          <a:effectRef idx="0">
+            <a:schemeClr val="accent1"/>
+          </a:effectRef>
+          <a:fontRef idx="minor">
+            <a:schemeClr val="tx1"/>
+          </a:fontRef>
+        </p:style>
+      </p:cxnSp>
+      <p:sp>
+        <p:nvSpPr>
+          <p:cNvPr id="78" name="フリーフォーム: 図形 77">
+            <a:extLst>
+              <a:ext uri="{FF2B5EF4-FFF2-40B4-BE49-F238E27FC236}">
+                <a16:creationId xmlns:a16="http://schemas.microsoft.com/office/drawing/2014/main" id="{E334D095-AE39-4015-B9BE-6CF966DD8905}"/>
+              </a:ext>
+            </a:extLst>
+          </p:cNvPr>
+          <p:cNvSpPr/>
+          <p:nvPr/>
+        </p:nvSpPr>
+        <p:spPr>
+          <a:xfrm>
+            <a:off x="4934981" y="811869"/>
+            <a:ext cx="1654233" cy="1820488"/>
+          </a:xfrm>
+          <a:custGeom>
+            <a:avLst/>
+            <a:gdLst>
+              <a:gd name="connsiteX0" fmla="*/ 0 w 1679171"/>
+              <a:gd name="connsiteY0" fmla="*/ 0 h 1271847"/>
+              <a:gd name="connsiteX1" fmla="*/ 332509 w 1679171"/>
+              <a:gd name="connsiteY1" fmla="*/ 407324 h 1271847"/>
+              <a:gd name="connsiteX2" fmla="*/ 839585 w 1679171"/>
+              <a:gd name="connsiteY2" fmla="*/ 881149 h 1271847"/>
+              <a:gd name="connsiteX3" fmla="*/ 1263534 w 1679171"/>
+              <a:gd name="connsiteY3" fmla="*/ 1138844 h 1271847"/>
+              <a:gd name="connsiteX4" fmla="*/ 1562792 w 1679171"/>
+              <a:gd name="connsiteY4" fmla="*/ 1246909 h 1271847"/>
+              <a:gd name="connsiteX5" fmla="*/ 1679171 w 1679171"/>
+              <a:gd name="connsiteY5" fmla="*/ 1271847 h 1271847"/>
+              <a:gd name="connsiteX0" fmla="*/ 0 w 1737360"/>
+              <a:gd name="connsiteY0" fmla="*/ 0 h 1521229"/>
+              <a:gd name="connsiteX1" fmla="*/ 390698 w 1737360"/>
+              <a:gd name="connsiteY1" fmla="*/ 656706 h 1521229"/>
+              <a:gd name="connsiteX2" fmla="*/ 897774 w 1737360"/>
+              <a:gd name="connsiteY2" fmla="*/ 1130531 h 1521229"/>
+              <a:gd name="connsiteX3" fmla="*/ 1321723 w 1737360"/>
+              <a:gd name="connsiteY3" fmla="*/ 1388226 h 1521229"/>
+              <a:gd name="connsiteX4" fmla="*/ 1620981 w 1737360"/>
+              <a:gd name="connsiteY4" fmla="*/ 1496291 h 1521229"/>
+              <a:gd name="connsiteX5" fmla="*/ 1737360 w 1737360"/>
+              <a:gd name="connsiteY5" fmla="*/ 1521229 h 1521229"/>
+              <a:gd name="connsiteX0" fmla="*/ 0 w 1687484"/>
+              <a:gd name="connsiteY0" fmla="*/ 0 h 1512917"/>
+              <a:gd name="connsiteX1" fmla="*/ 340822 w 1687484"/>
+              <a:gd name="connsiteY1" fmla="*/ 648394 h 1512917"/>
+              <a:gd name="connsiteX2" fmla="*/ 847898 w 1687484"/>
+              <a:gd name="connsiteY2" fmla="*/ 1122219 h 1512917"/>
+              <a:gd name="connsiteX3" fmla="*/ 1271847 w 1687484"/>
+              <a:gd name="connsiteY3" fmla="*/ 1379914 h 1512917"/>
+              <a:gd name="connsiteX4" fmla="*/ 1571105 w 1687484"/>
+              <a:gd name="connsiteY4" fmla="*/ 1487979 h 1512917"/>
+              <a:gd name="connsiteX5" fmla="*/ 1687484 w 1687484"/>
+              <a:gd name="connsiteY5" fmla="*/ 1512917 h 1512917"/>
+              <a:gd name="connsiteX0" fmla="*/ 0 w 1687484"/>
+              <a:gd name="connsiteY0" fmla="*/ 0 h 1512917"/>
+              <a:gd name="connsiteX1" fmla="*/ 282633 w 1687484"/>
+              <a:gd name="connsiteY1" fmla="*/ 498765 h 1512917"/>
+              <a:gd name="connsiteX2" fmla="*/ 847898 w 1687484"/>
+              <a:gd name="connsiteY2" fmla="*/ 1122219 h 1512917"/>
+              <a:gd name="connsiteX3" fmla="*/ 1271847 w 1687484"/>
+              <a:gd name="connsiteY3" fmla="*/ 1379914 h 1512917"/>
+              <a:gd name="connsiteX4" fmla="*/ 1571105 w 1687484"/>
+              <a:gd name="connsiteY4" fmla="*/ 1487979 h 1512917"/>
+              <a:gd name="connsiteX5" fmla="*/ 1687484 w 1687484"/>
+              <a:gd name="connsiteY5" fmla="*/ 1512917 h 1512917"/>
+              <a:gd name="connsiteX0" fmla="*/ 0 w 1687484"/>
+              <a:gd name="connsiteY0" fmla="*/ 0 h 1512917"/>
+              <a:gd name="connsiteX1" fmla="*/ 282633 w 1687484"/>
+              <a:gd name="connsiteY1" fmla="*/ 498765 h 1512917"/>
+              <a:gd name="connsiteX2" fmla="*/ 847898 w 1687484"/>
+              <a:gd name="connsiteY2" fmla="*/ 1122219 h 1512917"/>
+              <a:gd name="connsiteX3" fmla="*/ 1271847 w 1687484"/>
+              <a:gd name="connsiteY3" fmla="*/ 1379914 h 1512917"/>
+              <a:gd name="connsiteX4" fmla="*/ 1571105 w 1687484"/>
+              <a:gd name="connsiteY4" fmla="*/ 1487979 h 1512917"/>
+              <a:gd name="connsiteX5" fmla="*/ 1687484 w 1687484"/>
+              <a:gd name="connsiteY5" fmla="*/ 1512917 h 1512917"/>
+              <a:gd name="connsiteX0" fmla="*/ 0 w 1687484"/>
+              <a:gd name="connsiteY0" fmla="*/ 0 h 1512917"/>
+              <a:gd name="connsiteX1" fmla="*/ 282633 w 1687484"/>
+              <a:gd name="connsiteY1" fmla="*/ 498765 h 1512917"/>
+              <a:gd name="connsiteX2" fmla="*/ 847898 w 1687484"/>
+              <a:gd name="connsiteY2" fmla="*/ 1122219 h 1512917"/>
+              <a:gd name="connsiteX3" fmla="*/ 1271847 w 1687484"/>
+              <a:gd name="connsiteY3" fmla="*/ 1379914 h 1512917"/>
+              <a:gd name="connsiteX4" fmla="*/ 1571105 w 1687484"/>
+              <a:gd name="connsiteY4" fmla="*/ 1487979 h 1512917"/>
+              <a:gd name="connsiteX5" fmla="*/ 1687484 w 1687484"/>
+              <a:gd name="connsiteY5" fmla="*/ 1512917 h 1512917"/>
+              <a:gd name="connsiteX0" fmla="*/ 0 w 1687484"/>
+              <a:gd name="connsiteY0" fmla="*/ 0 h 1512917"/>
+              <a:gd name="connsiteX1" fmla="*/ 282633 w 1687484"/>
+              <a:gd name="connsiteY1" fmla="*/ 498765 h 1512917"/>
+              <a:gd name="connsiteX2" fmla="*/ 606829 w 1687484"/>
+              <a:gd name="connsiteY2" fmla="*/ 872837 h 1512917"/>
+              <a:gd name="connsiteX3" fmla="*/ 1271847 w 1687484"/>
+              <a:gd name="connsiteY3" fmla="*/ 1379914 h 1512917"/>
+              <a:gd name="connsiteX4" fmla="*/ 1571105 w 1687484"/>
+              <a:gd name="connsiteY4" fmla="*/ 1487979 h 1512917"/>
+              <a:gd name="connsiteX5" fmla="*/ 1687484 w 1687484"/>
+              <a:gd name="connsiteY5" fmla="*/ 1512917 h 1512917"/>
+              <a:gd name="connsiteX0" fmla="*/ 0 w 1687484"/>
+              <a:gd name="connsiteY0" fmla="*/ 0 h 1512917"/>
+              <a:gd name="connsiteX1" fmla="*/ 224444 w 1687484"/>
+              <a:gd name="connsiteY1" fmla="*/ 515390 h 1512917"/>
+              <a:gd name="connsiteX2" fmla="*/ 606829 w 1687484"/>
+              <a:gd name="connsiteY2" fmla="*/ 872837 h 1512917"/>
+              <a:gd name="connsiteX3" fmla="*/ 1271847 w 1687484"/>
+              <a:gd name="connsiteY3" fmla="*/ 1379914 h 1512917"/>
+              <a:gd name="connsiteX4" fmla="*/ 1571105 w 1687484"/>
+              <a:gd name="connsiteY4" fmla="*/ 1487979 h 1512917"/>
+              <a:gd name="connsiteX5" fmla="*/ 1687484 w 1687484"/>
+              <a:gd name="connsiteY5" fmla="*/ 1512917 h 1512917"/>
+              <a:gd name="connsiteX0" fmla="*/ 0 w 1687484"/>
+              <a:gd name="connsiteY0" fmla="*/ 0 h 1512917"/>
+              <a:gd name="connsiteX1" fmla="*/ 224444 w 1687484"/>
+              <a:gd name="connsiteY1" fmla="*/ 515390 h 1512917"/>
+              <a:gd name="connsiteX2" fmla="*/ 606829 w 1687484"/>
+              <a:gd name="connsiteY2" fmla="*/ 872837 h 1512917"/>
+              <a:gd name="connsiteX3" fmla="*/ 1047403 w 1687484"/>
+              <a:gd name="connsiteY3" fmla="*/ 1188722 h 1512917"/>
+              <a:gd name="connsiteX4" fmla="*/ 1571105 w 1687484"/>
+              <a:gd name="connsiteY4" fmla="*/ 1487979 h 1512917"/>
+              <a:gd name="connsiteX5" fmla="*/ 1687484 w 1687484"/>
+              <a:gd name="connsiteY5" fmla="*/ 1512917 h 1512917"/>
+              <a:gd name="connsiteX0" fmla="*/ 0 w 1687484"/>
+              <a:gd name="connsiteY0" fmla="*/ 0 h 1512917"/>
+              <a:gd name="connsiteX1" fmla="*/ 224444 w 1687484"/>
+              <a:gd name="connsiteY1" fmla="*/ 515390 h 1512917"/>
+              <a:gd name="connsiteX2" fmla="*/ 590203 w 1687484"/>
+              <a:gd name="connsiteY2" fmla="*/ 939339 h 1512917"/>
+              <a:gd name="connsiteX3" fmla="*/ 1047403 w 1687484"/>
+              <a:gd name="connsiteY3" fmla="*/ 1188722 h 1512917"/>
+              <a:gd name="connsiteX4" fmla="*/ 1571105 w 1687484"/>
+              <a:gd name="connsiteY4" fmla="*/ 1487979 h 1512917"/>
+              <a:gd name="connsiteX5" fmla="*/ 1687484 w 1687484"/>
+              <a:gd name="connsiteY5" fmla="*/ 1512917 h 1512917"/>
+              <a:gd name="connsiteX0" fmla="*/ 0 w 1687484"/>
+              <a:gd name="connsiteY0" fmla="*/ 0 h 1512917"/>
+              <a:gd name="connsiteX1" fmla="*/ 224444 w 1687484"/>
+              <a:gd name="connsiteY1" fmla="*/ 515390 h 1512917"/>
+              <a:gd name="connsiteX2" fmla="*/ 590203 w 1687484"/>
+              <a:gd name="connsiteY2" fmla="*/ 939339 h 1512917"/>
+              <a:gd name="connsiteX3" fmla="*/ 1014152 w 1687484"/>
+              <a:gd name="connsiteY3" fmla="*/ 1246911 h 1512917"/>
+              <a:gd name="connsiteX4" fmla="*/ 1571105 w 1687484"/>
+              <a:gd name="connsiteY4" fmla="*/ 1487979 h 1512917"/>
+              <a:gd name="connsiteX5" fmla="*/ 1687484 w 1687484"/>
+              <a:gd name="connsiteY5" fmla="*/ 1512917 h 1512917"/>
+              <a:gd name="connsiteX0" fmla="*/ 0 w 1687484"/>
+              <a:gd name="connsiteY0" fmla="*/ 0 h 1512917"/>
+              <a:gd name="connsiteX1" fmla="*/ 224444 w 1687484"/>
+              <a:gd name="connsiteY1" fmla="*/ 515390 h 1512917"/>
+              <a:gd name="connsiteX2" fmla="*/ 590203 w 1687484"/>
+              <a:gd name="connsiteY2" fmla="*/ 939339 h 1512917"/>
+              <a:gd name="connsiteX3" fmla="*/ 1014152 w 1687484"/>
+              <a:gd name="connsiteY3" fmla="*/ 1246911 h 1512917"/>
+              <a:gd name="connsiteX4" fmla="*/ 1354974 w 1687484"/>
+              <a:gd name="connsiteY4" fmla="*/ 1413164 h 1512917"/>
+              <a:gd name="connsiteX5" fmla="*/ 1687484 w 1687484"/>
+              <a:gd name="connsiteY5" fmla="*/ 1512917 h 1512917"/>
+              <a:gd name="connsiteX0" fmla="*/ 0 w 1654233"/>
+              <a:gd name="connsiteY0" fmla="*/ 0 h 1704110"/>
+              <a:gd name="connsiteX1" fmla="*/ 224444 w 1654233"/>
+              <a:gd name="connsiteY1" fmla="*/ 515390 h 1704110"/>
+              <a:gd name="connsiteX2" fmla="*/ 590203 w 1654233"/>
+              <a:gd name="connsiteY2" fmla="*/ 939339 h 1704110"/>
+              <a:gd name="connsiteX3" fmla="*/ 1014152 w 1654233"/>
+              <a:gd name="connsiteY3" fmla="*/ 1246911 h 1704110"/>
+              <a:gd name="connsiteX4" fmla="*/ 1354974 w 1654233"/>
+              <a:gd name="connsiteY4" fmla="*/ 1413164 h 1704110"/>
+              <a:gd name="connsiteX5" fmla="*/ 1654233 w 1654233"/>
+              <a:gd name="connsiteY5" fmla="*/ 1704110 h 1704110"/>
+              <a:gd name="connsiteX0" fmla="*/ 0 w 1654233"/>
+              <a:gd name="connsiteY0" fmla="*/ 0 h 1704110"/>
+              <a:gd name="connsiteX1" fmla="*/ 224444 w 1654233"/>
+              <a:gd name="connsiteY1" fmla="*/ 515390 h 1704110"/>
+              <a:gd name="connsiteX2" fmla="*/ 590203 w 1654233"/>
+              <a:gd name="connsiteY2" fmla="*/ 939339 h 1704110"/>
+              <a:gd name="connsiteX3" fmla="*/ 1014152 w 1654233"/>
+              <a:gd name="connsiteY3" fmla="*/ 1246911 h 1704110"/>
+              <a:gd name="connsiteX4" fmla="*/ 1296785 w 1654233"/>
+              <a:gd name="connsiteY4" fmla="*/ 1521229 h 1704110"/>
+              <a:gd name="connsiteX5" fmla="*/ 1654233 w 1654233"/>
+              <a:gd name="connsiteY5" fmla="*/ 1704110 h 1704110"/>
+              <a:gd name="connsiteX0" fmla="*/ 0 w 1654233"/>
+              <a:gd name="connsiteY0" fmla="*/ 0 h 1704110"/>
+              <a:gd name="connsiteX1" fmla="*/ 224444 w 1654233"/>
+              <a:gd name="connsiteY1" fmla="*/ 515390 h 1704110"/>
+              <a:gd name="connsiteX2" fmla="*/ 590203 w 1654233"/>
+              <a:gd name="connsiteY2" fmla="*/ 939339 h 1704110"/>
+              <a:gd name="connsiteX3" fmla="*/ 864523 w 1654233"/>
+              <a:gd name="connsiteY3" fmla="*/ 1296787 h 1704110"/>
+              <a:gd name="connsiteX4" fmla="*/ 1296785 w 1654233"/>
+              <a:gd name="connsiteY4" fmla="*/ 1521229 h 1704110"/>
+              <a:gd name="connsiteX5" fmla="*/ 1654233 w 1654233"/>
+              <a:gd name="connsiteY5" fmla="*/ 1704110 h 1704110"/>
+              <a:gd name="connsiteX0" fmla="*/ 0 w 1654233"/>
+              <a:gd name="connsiteY0" fmla="*/ 0 h 1704110"/>
+              <a:gd name="connsiteX1" fmla="*/ 224444 w 1654233"/>
+              <a:gd name="connsiteY1" fmla="*/ 515390 h 1704110"/>
+              <a:gd name="connsiteX2" fmla="*/ 507076 w 1654233"/>
+              <a:gd name="connsiteY2" fmla="*/ 972590 h 1704110"/>
+              <a:gd name="connsiteX3" fmla="*/ 864523 w 1654233"/>
+              <a:gd name="connsiteY3" fmla="*/ 1296787 h 1704110"/>
+              <a:gd name="connsiteX4" fmla="*/ 1296785 w 1654233"/>
+              <a:gd name="connsiteY4" fmla="*/ 1521229 h 1704110"/>
+              <a:gd name="connsiteX5" fmla="*/ 1654233 w 1654233"/>
+              <a:gd name="connsiteY5" fmla="*/ 1704110 h 1704110"/>
+              <a:gd name="connsiteX0" fmla="*/ 0 w 1654233"/>
+              <a:gd name="connsiteY0" fmla="*/ 0 h 1704110"/>
+              <a:gd name="connsiteX1" fmla="*/ 224444 w 1654233"/>
+              <a:gd name="connsiteY1" fmla="*/ 515390 h 1704110"/>
+              <a:gd name="connsiteX2" fmla="*/ 507076 w 1654233"/>
+              <a:gd name="connsiteY2" fmla="*/ 972590 h 1704110"/>
+              <a:gd name="connsiteX3" fmla="*/ 847897 w 1654233"/>
+              <a:gd name="connsiteY3" fmla="*/ 1313412 h 1704110"/>
+              <a:gd name="connsiteX4" fmla="*/ 1296785 w 1654233"/>
+              <a:gd name="connsiteY4" fmla="*/ 1521229 h 1704110"/>
+              <a:gd name="connsiteX5" fmla="*/ 1654233 w 1654233"/>
+              <a:gd name="connsiteY5" fmla="*/ 1704110 h 1704110"/>
+              <a:gd name="connsiteX0" fmla="*/ 0 w 1654233"/>
+              <a:gd name="connsiteY0" fmla="*/ 0 h 1704110"/>
+              <a:gd name="connsiteX1" fmla="*/ 224444 w 1654233"/>
+              <a:gd name="connsiteY1" fmla="*/ 515390 h 1704110"/>
+              <a:gd name="connsiteX2" fmla="*/ 507076 w 1654233"/>
+              <a:gd name="connsiteY2" fmla="*/ 972590 h 1704110"/>
+              <a:gd name="connsiteX3" fmla="*/ 847897 w 1654233"/>
+              <a:gd name="connsiteY3" fmla="*/ 1313412 h 1704110"/>
+              <a:gd name="connsiteX4" fmla="*/ 1263534 w 1654233"/>
+              <a:gd name="connsiteY4" fmla="*/ 1562793 h 1704110"/>
+              <a:gd name="connsiteX5" fmla="*/ 1654233 w 1654233"/>
+              <a:gd name="connsiteY5" fmla="*/ 1704110 h 1704110"/>
+              <a:gd name="connsiteX0" fmla="*/ 0 w 1654233"/>
+              <a:gd name="connsiteY0" fmla="*/ 0 h 1820488"/>
+              <a:gd name="connsiteX1" fmla="*/ 224444 w 1654233"/>
+              <a:gd name="connsiteY1" fmla="*/ 515390 h 1820488"/>
+              <a:gd name="connsiteX2" fmla="*/ 507076 w 1654233"/>
+              <a:gd name="connsiteY2" fmla="*/ 972590 h 1820488"/>
+              <a:gd name="connsiteX3" fmla="*/ 847897 w 1654233"/>
+              <a:gd name="connsiteY3" fmla="*/ 1313412 h 1820488"/>
+              <a:gd name="connsiteX4" fmla="*/ 1263534 w 1654233"/>
+              <a:gd name="connsiteY4" fmla="*/ 1562793 h 1820488"/>
+              <a:gd name="connsiteX5" fmla="*/ 1654233 w 1654233"/>
+              <a:gd name="connsiteY5" fmla="*/ 1820488 h 1820488"/>
+              <a:gd name="connsiteX0" fmla="*/ 0 w 1654233"/>
+              <a:gd name="connsiteY0" fmla="*/ 0 h 1820488"/>
+              <a:gd name="connsiteX1" fmla="*/ 224444 w 1654233"/>
+              <a:gd name="connsiteY1" fmla="*/ 515390 h 1820488"/>
+              <a:gd name="connsiteX2" fmla="*/ 507076 w 1654233"/>
+              <a:gd name="connsiteY2" fmla="*/ 972590 h 1820488"/>
+              <a:gd name="connsiteX3" fmla="*/ 847897 w 1654233"/>
+              <a:gd name="connsiteY3" fmla="*/ 1313412 h 1820488"/>
+              <a:gd name="connsiteX4" fmla="*/ 1221970 w 1654233"/>
+              <a:gd name="connsiteY4" fmla="*/ 1645920 h 1820488"/>
+              <a:gd name="connsiteX5" fmla="*/ 1654233 w 1654233"/>
+              <a:gd name="connsiteY5" fmla="*/ 1820488 h 1820488"/>
+              <a:gd name="connsiteX0" fmla="*/ 0 w 1654233"/>
+              <a:gd name="connsiteY0" fmla="*/ 0 h 1820488"/>
+              <a:gd name="connsiteX1" fmla="*/ 224444 w 1654233"/>
+              <a:gd name="connsiteY1" fmla="*/ 515390 h 1820488"/>
+              <a:gd name="connsiteX2" fmla="*/ 507076 w 1654233"/>
+              <a:gd name="connsiteY2" fmla="*/ 972590 h 1820488"/>
+              <a:gd name="connsiteX3" fmla="*/ 806333 w 1654233"/>
+              <a:gd name="connsiteY3" fmla="*/ 1363289 h 1820488"/>
+              <a:gd name="connsiteX4" fmla="*/ 1221970 w 1654233"/>
+              <a:gd name="connsiteY4" fmla="*/ 1645920 h 1820488"/>
+              <a:gd name="connsiteX5" fmla="*/ 1654233 w 1654233"/>
+              <a:gd name="connsiteY5" fmla="*/ 1820488 h 1820488"/>
+            </a:gdLst>
+            <a:ahLst/>
+            <a:cxnLst>
+              <a:cxn ang="0">
+                <a:pos x="connsiteX0" y="connsiteY0"/>
+              </a:cxn>
+              <a:cxn ang="0">
+                <a:pos x="connsiteX1" y="connsiteY1"/>
+              </a:cxn>
+              <a:cxn ang="0">
+                <a:pos x="connsiteX2" y="connsiteY2"/>
+              </a:cxn>
+              <a:cxn ang="0">
+                <a:pos x="connsiteX3" y="connsiteY3"/>
+              </a:cxn>
+              <a:cxn ang="0">
+                <a:pos x="connsiteX4" y="connsiteY4"/>
+              </a:cxn>
+              <a:cxn ang="0">
+                <a:pos x="connsiteX5" y="connsiteY5"/>
+              </a:cxn>
+            </a:cxnLst>
+            <a:rect l="l" t="t" r="r" b="b"/>
+            <a:pathLst>
+              <a:path w="1654233" h="1820488">
+                <a:moveTo>
+                  <a:pt x="0" y="0"/>
+                </a:moveTo>
+                <a:cubicBezTo>
+                  <a:pt x="54725" y="221673"/>
+                  <a:pt x="139931" y="353292"/>
+                  <a:pt x="224444" y="515390"/>
+                </a:cubicBezTo>
+                <a:cubicBezTo>
+                  <a:pt x="308957" y="677488"/>
+                  <a:pt x="410095" y="831274"/>
+                  <a:pt x="507076" y="972590"/>
+                </a:cubicBezTo>
+                <a:cubicBezTo>
+                  <a:pt x="604057" y="1113906"/>
+                  <a:pt x="687184" y="1251067"/>
+                  <a:pt x="806333" y="1363289"/>
+                </a:cubicBezTo>
+                <a:cubicBezTo>
+                  <a:pt x="925482" y="1475511"/>
+                  <a:pt x="1152697" y="1623753"/>
+                  <a:pt x="1221970" y="1645920"/>
+                </a:cubicBezTo>
+                <a:cubicBezTo>
+                  <a:pt x="1291243" y="1668087"/>
+                  <a:pt x="1630680" y="1819102"/>
+                  <a:pt x="1654233" y="1820488"/>
+                </a:cubicBezTo>
+              </a:path>
+            </a:pathLst>
+          </a:custGeom>
+          <a:noFill/>
+          <a:ln w="6350">
+            <a:headEnd type="none" w="med" len="med"/>
+            <a:tailEnd type="arrow" w="med" len="med"/>
+          </a:ln>
+        </p:spPr>
+        <p:style>
+          <a:lnRef idx="2">
+            <a:schemeClr val="accent1">
+              <a:shade val="50000"/>
+            </a:schemeClr>
+          </a:lnRef>
+          <a:fillRef idx="1">
+            <a:schemeClr val="accent1"/>
+          </a:fillRef>
+          <a:effectRef idx="0">
+            <a:schemeClr val="accent1"/>
+          </a:effectRef>
+          <a:fontRef idx="minor">
+            <a:schemeClr val="lt1"/>
+          </a:fontRef>
+        </p:style>
+        <p:txBody>
+          <a:bodyPr rtlCol="0" anchor="ctr"/>
+          <a:lstStyle/>
+          <a:p>
+            <a:pPr algn="ctr"/>
+            <a:endParaRPr kumimoji="1" lang="ja-JP" altLang="en-US"/>
+          </a:p>
+        </p:txBody>
+      </p:sp>
+      <p:sp>
+        <p:nvSpPr>
+          <p:cNvPr id="79" name="フリーフォーム: 図形 78">
+            <a:extLst>
+              <a:ext uri="{FF2B5EF4-FFF2-40B4-BE49-F238E27FC236}">
+                <a16:creationId xmlns:a16="http://schemas.microsoft.com/office/drawing/2014/main" id="{8DF68759-9405-421C-A144-C858D11C1E14}"/>
+              </a:ext>
+            </a:extLst>
+          </p:cNvPr>
+          <p:cNvSpPr/>
+          <p:nvPr/>
+        </p:nvSpPr>
+        <p:spPr>
+          <a:xfrm>
+            <a:off x="4937893" y="2463334"/>
+            <a:ext cx="1651322" cy="566504"/>
+          </a:xfrm>
+          <a:custGeom>
+            <a:avLst/>
+            <a:gdLst>
+              <a:gd name="connsiteX0" fmla="*/ 0 w 1679171"/>
+              <a:gd name="connsiteY0" fmla="*/ 0 h 1271847"/>
+              <a:gd name="connsiteX1" fmla="*/ 332509 w 1679171"/>
+              <a:gd name="connsiteY1" fmla="*/ 407324 h 1271847"/>
+              <a:gd name="connsiteX2" fmla="*/ 839585 w 1679171"/>
+              <a:gd name="connsiteY2" fmla="*/ 881149 h 1271847"/>
+              <a:gd name="connsiteX3" fmla="*/ 1263534 w 1679171"/>
+              <a:gd name="connsiteY3" fmla="*/ 1138844 h 1271847"/>
+              <a:gd name="connsiteX4" fmla="*/ 1562792 w 1679171"/>
+              <a:gd name="connsiteY4" fmla="*/ 1246909 h 1271847"/>
+              <a:gd name="connsiteX5" fmla="*/ 1679171 w 1679171"/>
+              <a:gd name="connsiteY5" fmla="*/ 1271847 h 1271847"/>
+              <a:gd name="connsiteX0" fmla="*/ 0 w 1679171"/>
+              <a:gd name="connsiteY0" fmla="*/ 0 h 1072342"/>
+              <a:gd name="connsiteX1" fmla="*/ 332509 w 1679171"/>
+              <a:gd name="connsiteY1" fmla="*/ 207819 h 1072342"/>
+              <a:gd name="connsiteX2" fmla="*/ 839585 w 1679171"/>
+              <a:gd name="connsiteY2" fmla="*/ 681644 h 1072342"/>
+              <a:gd name="connsiteX3" fmla="*/ 1263534 w 1679171"/>
+              <a:gd name="connsiteY3" fmla="*/ 939339 h 1072342"/>
+              <a:gd name="connsiteX4" fmla="*/ 1562792 w 1679171"/>
+              <a:gd name="connsiteY4" fmla="*/ 1047404 h 1072342"/>
+              <a:gd name="connsiteX5" fmla="*/ 1679171 w 1679171"/>
+              <a:gd name="connsiteY5" fmla="*/ 1072342 h 1072342"/>
+              <a:gd name="connsiteX0" fmla="*/ 0 w 1679171"/>
+              <a:gd name="connsiteY0" fmla="*/ 0 h 1072342"/>
+              <a:gd name="connsiteX1" fmla="*/ 266007 w 1679171"/>
+              <a:gd name="connsiteY1" fmla="*/ 324197 h 1072342"/>
+              <a:gd name="connsiteX2" fmla="*/ 839585 w 1679171"/>
+              <a:gd name="connsiteY2" fmla="*/ 681644 h 1072342"/>
+              <a:gd name="connsiteX3" fmla="*/ 1263534 w 1679171"/>
+              <a:gd name="connsiteY3" fmla="*/ 939339 h 1072342"/>
+              <a:gd name="connsiteX4" fmla="*/ 1562792 w 1679171"/>
+              <a:gd name="connsiteY4" fmla="*/ 1047404 h 1072342"/>
+              <a:gd name="connsiteX5" fmla="*/ 1679171 w 1679171"/>
+              <a:gd name="connsiteY5" fmla="*/ 1072342 h 1072342"/>
+              <a:gd name="connsiteX0" fmla="*/ 0 w 1679171"/>
+              <a:gd name="connsiteY0" fmla="*/ 0 h 1072342"/>
+              <a:gd name="connsiteX1" fmla="*/ 266007 w 1679171"/>
+              <a:gd name="connsiteY1" fmla="*/ 324197 h 1072342"/>
+              <a:gd name="connsiteX2" fmla="*/ 673330 w 1679171"/>
+              <a:gd name="connsiteY2" fmla="*/ 756458 h 1072342"/>
+              <a:gd name="connsiteX3" fmla="*/ 1263534 w 1679171"/>
+              <a:gd name="connsiteY3" fmla="*/ 939339 h 1072342"/>
+              <a:gd name="connsiteX4" fmla="*/ 1562792 w 1679171"/>
+              <a:gd name="connsiteY4" fmla="*/ 1047404 h 1072342"/>
+              <a:gd name="connsiteX5" fmla="*/ 1679171 w 1679171"/>
+              <a:gd name="connsiteY5" fmla="*/ 1072342 h 1072342"/>
+              <a:gd name="connsiteX0" fmla="*/ 0 w 1679171"/>
+              <a:gd name="connsiteY0" fmla="*/ 0 h 1072342"/>
+              <a:gd name="connsiteX1" fmla="*/ 207818 w 1679171"/>
+              <a:gd name="connsiteY1" fmla="*/ 340823 h 1072342"/>
+              <a:gd name="connsiteX2" fmla="*/ 673330 w 1679171"/>
+              <a:gd name="connsiteY2" fmla="*/ 756458 h 1072342"/>
+              <a:gd name="connsiteX3" fmla="*/ 1263534 w 1679171"/>
+              <a:gd name="connsiteY3" fmla="*/ 939339 h 1072342"/>
+              <a:gd name="connsiteX4" fmla="*/ 1562792 w 1679171"/>
+              <a:gd name="connsiteY4" fmla="*/ 1047404 h 1072342"/>
+              <a:gd name="connsiteX5" fmla="*/ 1679171 w 1679171"/>
+              <a:gd name="connsiteY5" fmla="*/ 1072342 h 1072342"/>
+              <a:gd name="connsiteX0" fmla="*/ 0 w 1679171"/>
+              <a:gd name="connsiteY0" fmla="*/ 0 h 1072342"/>
+              <a:gd name="connsiteX1" fmla="*/ 207818 w 1679171"/>
+              <a:gd name="connsiteY1" fmla="*/ 340823 h 1072342"/>
+              <a:gd name="connsiteX2" fmla="*/ 673330 w 1679171"/>
+              <a:gd name="connsiteY2" fmla="*/ 756458 h 1072342"/>
+              <a:gd name="connsiteX3" fmla="*/ 997527 w 1679171"/>
+              <a:gd name="connsiteY3" fmla="*/ 922713 h 1072342"/>
+              <a:gd name="connsiteX4" fmla="*/ 1562792 w 1679171"/>
+              <a:gd name="connsiteY4" fmla="*/ 1047404 h 1072342"/>
+              <a:gd name="connsiteX5" fmla="*/ 1679171 w 1679171"/>
+              <a:gd name="connsiteY5" fmla="*/ 1072342 h 1072342"/>
+              <a:gd name="connsiteX0" fmla="*/ 0 w 1679171"/>
+              <a:gd name="connsiteY0" fmla="*/ 0 h 1072342"/>
+              <a:gd name="connsiteX1" fmla="*/ 207818 w 1679171"/>
+              <a:gd name="connsiteY1" fmla="*/ 340823 h 1072342"/>
+              <a:gd name="connsiteX2" fmla="*/ 498762 w 1679171"/>
+              <a:gd name="connsiteY2" fmla="*/ 689956 h 1072342"/>
+              <a:gd name="connsiteX3" fmla="*/ 997527 w 1679171"/>
+              <a:gd name="connsiteY3" fmla="*/ 922713 h 1072342"/>
+              <a:gd name="connsiteX4" fmla="*/ 1562792 w 1679171"/>
+              <a:gd name="connsiteY4" fmla="*/ 1047404 h 1072342"/>
+              <a:gd name="connsiteX5" fmla="*/ 1679171 w 1679171"/>
+              <a:gd name="connsiteY5" fmla="*/ 1072342 h 1072342"/>
+              <a:gd name="connsiteX0" fmla="*/ 0 w 1679171"/>
+              <a:gd name="connsiteY0" fmla="*/ 0 h 1081893"/>
+              <a:gd name="connsiteX1" fmla="*/ 207818 w 1679171"/>
+              <a:gd name="connsiteY1" fmla="*/ 340823 h 1081893"/>
+              <a:gd name="connsiteX2" fmla="*/ 498762 w 1679171"/>
+              <a:gd name="connsiteY2" fmla="*/ 689956 h 1081893"/>
+              <a:gd name="connsiteX3" fmla="*/ 997527 w 1679171"/>
+              <a:gd name="connsiteY3" fmla="*/ 922713 h 1081893"/>
+              <a:gd name="connsiteX4" fmla="*/ 1255221 w 1679171"/>
+              <a:gd name="connsiteY4" fmla="*/ 1072342 h 1081893"/>
+              <a:gd name="connsiteX5" fmla="*/ 1679171 w 1679171"/>
+              <a:gd name="connsiteY5" fmla="*/ 1072342 h 1081893"/>
+              <a:gd name="connsiteX0" fmla="*/ 0 w 1679171"/>
+              <a:gd name="connsiteY0" fmla="*/ 0 h 1081893"/>
+              <a:gd name="connsiteX1" fmla="*/ 207818 w 1679171"/>
+              <a:gd name="connsiteY1" fmla="*/ 340823 h 1081893"/>
+              <a:gd name="connsiteX2" fmla="*/ 498762 w 1679171"/>
+              <a:gd name="connsiteY2" fmla="*/ 689956 h 1081893"/>
+              <a:gd name="connsiteX3" fmla="*/ 864523 w 1679171"/>
+              <a:gd name="connsiteY3" fmla="*/ 922713 h 1081893"/>
+              <a:gd name="connsiteX4" fmla="*/ 1255221 w 1679171"/>
+              <a:gd name="connsiteY4" fmla="*/ 1072342 h 1081893"/>
+              <a:gd name="connsiteX5" fmla="*/ 1679171 w 1679171"/>
+              <a:gd name="connsiteY5" fmla="*/ 1072342 h 1081893"/>
+              <a:gd name="connsiteX0" fmla="*/ 0 w 1679171"/>
+              <a:gd name="connsiteY0" fmla="*/ 0 h 1097280"/>
+              <a:gd name="connsiteX1" fmla="*/ 207818 w 1679171"/>
+              <a:gd name="connsiteY1" fmla="*/ 340823 h 1097280"/>
+              <a:gd name="connsiteX2" fmla="*/ 498762 w 1679171"/>
+              <a:gd name="connsiteY2" fmla="*/ 689956 h 1097280"/>
+              <a:gd name="connsiteX3" fmla="*/ 864523 w 1679171"/>
+              <a:gd name="connsiteY3" fmla="*/ 922713 h 1097280"/>
+              <a:gd name="connsiteX4" fmla="*/ 1255221 w 1679171"/>
+              <a:gd name="connsiteY4" fmla="*/ 1072342 h 1097280"/>
+              <a:gd name="connsiteX5" fmla="*/ 1679171 w 1679171"/>
+              <a:gd name="connsiteY5" fmla="*/ 1097280 h 1097280"/>
+              <a:gd name="connsiteX0" fmla="*/ 0 w 1654232"/>
+              <a:gd name="connsiteY0" fmla="*/ 0 h 1073490"/>
+              <a:gd name="connsiteX1" fmla="*/ 207818 w 1654232"/>
+              <a:gd name="connsiteY1" fmla="*/ 340823 h 1073490"/>
+              <a:gd name="connsiteX2" fmla="*/ 498762 w 1654232"/>
+              <a:gd name="connsiteY2" fmla="*/ 689956 h 1073490"/>
+              <a:gd name="connsiteX3" fmla="*/ 864523 w 1654232"/>
+              <a:gd name="connsiteY3" fmla="*/ 922713 h 1073490"/>
+              <a:gd name="connsiteX4" fmla="*/ 1255221 w 1654232"/>
+              <a:gd name="connsiteY4" fmla="*/ 1072342 h 1073490"/>
+              <a:gd name="connsiteX5" fmla="*/ 1654232 w 1654232"/>
+              <a:gd name="connsiteY5" fmla="*/ 789709 h 1073490"/>
+              <a:gd name="connsiteX0" fmla="*/ 0 w 1654232"/>
+              <a:gd name="connsiteY0" fmla="*/ 0 h 923848"/>
+              <a:gd name="connsiteX1" fmla="*/ 207818 w 1654232"/>
+              <a:gd name="connsiteY1" fmla="*/ 340823 h 923848"/>
+              <a:gd name="connsiteX2" fmla="*/ 498762 w 1654232"/>
+              <a:gd name="connsiteY2" fmla="*/ 689956 h 923848"/>
+              <a:gd name="connsiteX3" fmla="*/ 864523 w 1654232"/>
+              <a:gd name="connsiteY3" fmla="*/ 922713 h 923848"/>
+              <a:gd name="connsiteX4" fmla="*/ 1271846 w 1654232"/>
+              <a:gd name="connsiteY4" fmla="*/ 789709 h 923848"/>
+              <a:gd name="connsiteX5" fmla="*/ 1654232 w 1654232"/>
+              <a:gd name="connsiteY5" fmla="*/ 789709 h 923848"/>
+              <a:gd name="connsiteX0" fmla="*/ 0 w 1654232"/>
+              <a:gd name="connsiteY0" fmla="*/ 0 h 799260"/>
+              <a:gd name="connsiteX1" fmla="*/ 207818 w 1654232"/>
+              <a:gd name="connsiteY1" fmla="*/ 340823 h 799260"/>
+              <a:gd name="connsiteX2" fmla="*/ 498762 w 1654232"/>
+              <a:gd name="connsiteY2" fmla="*/ 689956 h 799260"/>
+              <a:gd name="connsiteX3" fmla="*/ 897774 w 1654232"/>
+              <a:gd name="connsiteY3" fmla="*/ 714895 h 799260"/>
+              <a:gd name="connsiteX4" fmla="*/ 1271846 w 1654232"/>
+              <a:gd name="connsiteY4" fmla="*/ 789709 h 799260"/>
+              <a:gd name="connsiteX5" fmla="*/ 1654232 w 1654232"/>
+              <a:gd name="connsiteY5" fmla="*/ 789709 h 799260"/>
+              <a:gd name="connsiteX0" fmla="*/ 0 w 1654232"/>
+              <a:gd name="connsiteY0" fmla="*/ 0 h 799260"/>
+              <a:gd name="connsiteX1" fmla="*/ 207818 w 1654232"/>
+              <a:gd name="connsiteY1" fmla="*/ 340823 h 799260"/>
+              <a:gd name="connsiteX2" fmla="*/ 523700 w 1654232"/>
+              <a:gd name="connsiteY2" fmla="*/ 540327 h 799260"/>
+              <a:gd name="connsiteX3" fmla="*/ 897774 w 1654232"/>
+              <a:gd name="connsiteY3" fmla="*/ 714895 h 799260"/>
+              <a:gd name="connsiteX4" fmla="*/ 1271846 w 1654232"/>
+              <a:gd name="connsiteY4" fmla="*/ 789709 h 799260"/>
+              <a:gd name="connsiteX5" fmla="*/ 1654232 w 1654232"/>
+              <a:gd name="connsiteY5" fmla="*/ 789709 h 799260"/>
+              <a:gd name="connsiteX0" fmla="*/ 0 w 1654232"/>
+              <a:gd name="connsiteY0" fmla="*/ 0 h 799260"/>
+              <a:gd name="connsiteX1" fmla="*/ 282632 w 1654232"/>
+              <a:gd name="connsiteY1" fmla="*/ 274321 h 799260"/>
+              <a:gd name="connsiteX2" fmla="*/ 523700 w 1654232"/>
+              <a:gd name="connsiteY2" fmla="*/ 540327 h 799260"/>
+              <a:gd name="connsiteX3" fmla="*/ 897774 w 1654232"/>
+              <a:gd name="connsiteY3" fmla="*/ 714895 h 799260"/>
+              <a:gd name="connsiteX4" fmla="*/ 1271846 w 1654232"/>
+              <a:gd name="connsiteY4" fmla="*/ 789709 h 799260"/>
+              <a:gd name="connsiteX5" fmla="*/ 1654232 w 1654232"/>
+              <a:gd name="connsiteY5" fmla="*/ 789709 h 799260"/>
+              <a:gd name="connsiteX0" fmla="*/ 0 w 1654232"/>
+              <a:gd name="connsiteY0" fmla="*/ 0 h 799260"/>
+              <a:gd name="connsiteX1" fmla="*/ 266006 w 1654232"/>
+              <a:gd name="connsiteY1" fmla="*/ 307572 h 799260"/>
+              <a:gd name="connsiteX2" fmla="*/ 523700 w 1654232"/>
+              <a:gd name="connsiteY2" fmla="*/ 540327 h 799260"/>
+              <a:gd name="connsiteX3" fmla="*/ 897774 w 1654232"/>
+              <a:gd name="connsiteY3" fmla="*/ 714895 h 799260"/>
+              <a:gd name="connsiteX4" fmla="*/ 1271846 w 1654232"/>
+              <a:gd name="connsiteY4" fmla="*/ 789709 h 799260"/>
+              <a:gd name="connsiteX5" fmla="*/ 1654232 w 1654232"/>
+              <a:gd name="connsiteY5" fmla="*/ 789709 h 799260"/>
+              <a:gd name="connsiteX0" fmla="*/ 0 w 1654232"/>
+              <a:gd name="connsiteY0" fmla="*/ 0 h 799260"/>
+              <a:gd name="connsiteX1" fmla="*/ 266006 w 1654232"/>
+              <a:gd name="connsiteY1" fmla="*/ 307572 h 799260"/>
+              <a:gd name="connsiteX2" fmla="*/ 523700 w 1654232"/>
+              <a:gd name="connsiteY2" fmla="*/ 540327 h 799260"/>
+              <a:gd name="connsiteX3" fmla="*/ 897774 w 1654232"/>
+              <a:gd name="connsiteY3" fmla="*/ 714895 h 799260"/>
+              <a:gd name="connsiteX4" fmla="*/ 1271846 w 1654232"/>
+              <a:gd name="connsiteY4" fmla="*/ 789709 h 799260"/>
+              <a:gd name="connsiteX5" fmla="*/ 1654232 w 1654232"/>
+              <a:gd name="connsiteY5" fmla="*/ 789709 h 799260"/>
+              <a:gd name="connsiteX0" fmla="*/ 0 w 1654232"/>
+              <a:gd name="connsiteY0" fmla="*/ 0 h 799260"/>
+              <a:gd name="connsiteX1" fmla="*/ 266006 w 1654232"/>
+              <a:gd name="connsiteY1" fmla="*/ 307572 h 799260"/>
+              <a:gd name="connsiteX2" fmla="*/ 523700 w 1654232"/>
+              <a:gd name="connsiteY2" fmla="*/ 590204 h 799260"/>
+              <a:gd name="connsiteX3" fmla="*/ 897774 w 1654232"/>
+              <a:gd name="connsiteY3" fmla="*/ 714895 h 799260"/>
+              <a:gd name="connsiteX4" fmla="*/ 1271846 w 1654232"/>
+              <a:gd name="connsiteY4" fmla="*/ 789709 h 799260"/>
+              <a:gd name="connsiteX5" fmla="*/ 1654232 w 1654232"/>
+              <a:gd name="connsiteY5" fmla="*/ 789709 h 799260"/>
+              <a:gd name="connsiteX0" fmla="*/ 0 w 1654232"/>
+              <a:gd name="connsiteY0" fmla="*/ 0 h 799260"/>
+              <a:gd name="connsiteX1" fmla="*/ 266006 w 1654232"/>
+              <a:gd name="connsiteY1" fmla="*/ 440576 h 799260"/>
+              <a:gd name="connsiteX2" fmla="*/ 523700 w 1654232"/>
+              <a:gd name="connsiteY2" fmla="*/ 590204 h 799260"/>
+              <a:gd name="connsiteX3" fmla="*/ 897774 w 1654232"/>
+              <a:gd name="connsiteY3" fmla="*/ 714895 h 799260"/>
+              <a:gd name="connsiteX4" fmla="*/ 1271846 w 1654232"/>
+              <a:gd name="connsiteY4" fmla="*/ 789709 h 799260"/>
+              <a:gd name="connsiteX5" fmla="*/ 1654232 w 1654232"/>
+              <a:gd name="connsiteY5" fmla="*/ 789709 h 799260"/>
+              <a:gd name="connsiteX0" fmla="*/ 0 w 1679468"/>
+              <a:gd name="connsiteY0" fmla="*/ 0 h 599755"/>
+              <a:gd name="connsiteX1" fmla="*/ 291242 w 1679468"/>
+              <a:gd name="connsiteY1" fmla="*/ 241071 h 599755"/>
+              <a:gd name="connsiteX2" fmla="*/ 548936 w 1679468"/>
+              <a:gd name="connsiteY2" fmla="*/ 390699 h 599755"/>
+              <a:gd name="connsiteX3" fmla="*/ 923010 w 1679468"/>
+              <a:gd name="connsiteY3" fmla="*/ 515390 h 599755"/>
+              <a:gd name="connsiteX4" fmla="*/ 1297082 w 1679468"/>
+              <a:gd name="connsiteY4" fmla="*/ 590204 h 599755"/>
+              <a:gd name="connsiteX5" fmla="*/ 1679468 w 1679468"/>
+              <a:gd name="connsiteY5" fmla="*/ 590204 h 599755"/>
+              <a:gd name="connsiteX0" fmla="*/ 0 w 1679468"/>
+              <a:gd name="connsiteY0" fmla="*/ 0 h 599755"/>
+              <a:gd name="connsiteX1" fmla="*/ 291242 w 1679468"/>
+              <a:gd name="connsiteY1" fmla="*/ 299260 h 599755"/>
+              <a:gd name="connsiteX2" fmla="*/ 548936 w 1679468"/>
+              <a:gd name="connsiteY2" fmla="*/ 390699 h 599755"/>
+              <a:gd name="connsiteX3" fmla="*/ 923010 w 1679468"/>
+              <a:gd name="connsiteY3" fmla="*/ 515390 h 599755"/>
+              <a:gd name="connsiteX4" fmla="*/ 1297082 w 1679468"/>
+              <a:gd name="connsiteY4" fmla="*/ 590204 h 599755"/>
+              <a:gd name="connsiteX5" fmla="*/ 1679468 w 1679468"/>
+              <a:gd name="connsiteY5" fmla="*/ 590204 h 599755"/>
+              <a:gd name="connsiteX0" fmla="*/ 0 w 1637408"/>
+              <a:gd name="connsiteY0" fmla="*/ 0 h 541566"/>
+              <a:gd name="connsiteX1" fmla="*/ 249182 w 1637408"/>
+              <a:gd name="connsiteY1" fmla="*/ 241071 h 541566"/>
+              <a:gd name="connsiteX2" fmla="*/ 506876 w 1637408"/>
+              <a:gd name="connsiteY2" fmla="*/ 332510 h 541566"/>
+              <a:gd name="connsiteX3" fmla="*/ 880950 w 1637408"/>
+              <a:gd name="connsiteY3" fmla="*/ 457201 h 541566"/>
+              <a:gd name="connsiteX4" fmla="*/ 1255022 w 1637408"/>
+              <a:gd name="connsiteY4" fmla="*/ 532015 h 541566"/>
+              <a:gd name="connsiteX5" fmla="*/ 1637408 w 1637408"/>
+              <a:gd name="connsiteY5" fmla="*/ 532015 h 541566"/>
+              <a:gd name="connsiteX0" fmla="*/ 0 w 1704705"/>
+              <a:gd name="connsiteY0" fmla="*/ 0 h 566504"/>
+              <a:gd name="connsiteX1" fmla="*/ 316479 w 1704705"/>
+              <a:gd name="connsiteY1" fmla="*/ 266009 h 566504"/>
+              <a:gd name="connsiteX2" fmla="*/ 574173 w 1704705"/>
+              <a:gd name="connsiteY2" fmla="*/ 357448 h 566504"/>
+              <a:gd name="connsiteX3" fmla="*/ 948247 w 1704705"/>
+              <a:gd name="connsiteY3" fmla="*/ 482139 h 566504"/>
+              <a:gd name="connsiteX4" fmla="*/ 1322319 w 1704705"/>
+              <a:gd name="connsiteY4" fmla="*/ 556953 h 566504"/>
+              <a:gd name="connsiteX5" fmla="*/ 1704705 w 1704705"/>
+              <a:gd name="connsiteY5" fmla="*/ 556953 h 566504"/>
+              <a:gd name="connsiteX0" fmla="*/ 0 w 1671057"/>
+              <a:gd name="connsiteY0" fmla="*/ 0 h 566504"/>
+              <a:gd name="connsiteX1" fmla="*/ 282831 w 1671057"/>
+              <a:gd name="connsiteY1" fmla="*/ 266009 h 566504"/>
+              <a:gd name="connsiteX2" fmla="*/ 540525 w 1671057"/>
+              <a:gd name="connsiteY2" fmla="*/ 357448 h 566504"/>
+              <a:gd name="connsiteX3" fmla="*/ 914599 w 1671057"/>
+              <a:gd name="connsiteY3" fmla="*/ 482139 h 566504"/>
+              <a:gd name="connsiteX4" fmla="*/ 1288671 w 1671057"/>
+              <a:gd name="connsiteY4" fmla="*/ 556953 h 566504"/>
+              <a:gd name="connsiteX5" fmla="*/ 1671057 w 1671057"/>
+              <a:gd name="connsiteY5" fmla="*/ 556953 h 566504"/>
+              <a:gd name="connsiteX0" fmla="*/ 0 w 1671057"/>
+              <a:gd name="connsiteY0" fmla="*/ 0 h 566504"/>
+              <a:gd name="connsiteX1" fmla="*/ 282831 w 1671057"/>
+              <a:gd name="connsiteY1" fmla="*/ 266009 h 566504"/>
+              <a:gd name="connsiteX2" fmla="*/ 540525 w 1671057"/>
+              <a:gd name="connsiteY2" fmla="*/ 407325 h 566504"/>
+              <a:gd name="connsiteX3" fmla="*/ 914599 w 1671057"/>
+              <a:gd name="connsiteY3" fmla="*/ 482139 h 566504"/>
+              <a:gd name="connsiteX4" fmla="*/ 1288671 w 1671057"/>
+              <a:gd name="connsiteY4" fmla="*/ 556953 h 566504"/>
+              <a:gd name="connsiteX5" fmla="*/ 1671057 w 1671057"/>
+              <a:gd name="connsiteY5" fmla="*/ 556953 h 566504"/>
+              <a:gd name="connsiteX0" fmla="*/ 0 w 1671057"/>
+              <a:gd name="connsiteY0" fmla="*/ 0 h 566504"/>
+              <a:gd name="connsiteX1" fmla="*/ 282831 w 1671057"/>
+              <a:gd name="connsiteY1" fmla="*/ 266009 h 566504"/>
+              <a:gd name="connsiteX2" fmla="*/ 540525 w 1671057"/>
+              <a:gd name="connsiteY2" fmla="*/ 407325 h 566504"/>
+              <a:gd name="connsiteX3" fmla="*/ 914599 w 1671057"/>
+              <a:gd name="connsiteY3" fmla="*/ 515390 h 566504"/>
+              <a:gd name="connsiteX4" fmla="*/ 1288671 w 1671057"/>
+              <a:gd name="connsiteY4" fmla="*/ 556953 h 566504"/>
+              <a:gd name="connsiteX5" fmla="*/ 1671057 w 1671057"/>
+              <a:gd name="connsiteY5" fmla="*/ 556953 h 566504"/>
+            </a:gdLst>
+            <a:ahLst/>
+            <a:cxnLst>
+              <a:cxn ang="0">
+                <a:pos x="connsiteX0" y="connsiteY0"/>
+              </a:cxn>
+              <a:cxn ang="0">
+                <a:pos x="connsiteX1" y="connsiteY1"/>
+              </a:cxn>
+              <a:cxn ang="0">
+                <a:pos x="connsiteX2" y="connsiteY2"/>
+              </a:cxn>
+              <a:cxn ang="0">
+                <a:pos x="connsiteX3" y="connsiteY3"/>
+              </a:cxn>
+              <a:cxn ang="0">
+                <a:pos x="connsiteX4" y="connsiteY4"/>
+              </a:cxn>
+              <a:cxn ang="0">
+                <a:pos x="connsiteX5" y="connsiteY5"/>
+              </a:cxn>
+            </a:cxnLst>
+            <a:rect l="l" t="t" r="r" b="b"/>
+            <a:pathLst>
+              <a:path w="1671057" h="566504">
+                <a:moveTo>
+                  <a:pt x="0" y="0"/>
+                </a:moveTo>
+                <a:cubicBezTo>
+                  <a:pt x="96289" y="130233"/>
+                  <a:pt x="192744" y="198122"/>
+                  <a:pt x="282831" y="266009"/>
+                </a:cubicBezTo>
+                <a:cubicBezTo>
+                  <a:pt x="372919" y="333897"/>
+                  <a:pt x="435230" y="365762"/>
+                  <a:pt x="540525" y="407325"/>
+                </a:cubicBezTo>
+                <a:cubicBezTo>
+                  <a:pt x="645820" y="448888"/>
+                  <a:pt x="789908" y="490452"/>
+                  <a:pt x="914599" y="515390"/>
+                </a:cubicBezTo>
+                <a:cubicBezTo>
+                  <a:pt x="1039290" y="540328"/>
+                  <a:pt x="1219398" y="534786"/>
+                  <a:pt x="1288671" y="556953"/>
+                </a:cubicBezTo>
+                <a:cubicBezTo>
+                  <a:pt x="1357944" y="579120"/>
+                  <a:pt x="1647504" y="555567"/>
+                  <a:pt x="1671057" y="556953"/>
+                </a:cubicBezTo>
+              </a:path>
+            </a:pathLst>
+          </a:custGeom>
+          <a:noFill/>
+          <a:ln w="6350">
+            <a:headEnd type="arrow" w="med" len="med"/>
+            <a:tailEnd type="none" w="med" len="med"/>
+          </a:ln>
+        </p:spPr>
+        <p:style>
+          <a:lnRef idx="2">
+            <a:schemeClr val="accent1">
+              <a:shade val="50000"/>
+            </a:schemeClr>
+          </a:lnRef>
+          <a:fillRef idx="1">
+            <a:schemeClr val="accent1"/>
+          </a:fillRef>
+          <a:effectRef idx="0">
+            <a:schemeClr val="accent1"/>
+          </a:effectRef>
+          <a:fontRef idx="minor">
+            <a:schemeClr val="lt1"/>
+          </a:fontRef>
+        </p:style>
+        <p:txBody>
+          <a:bodyPr rtlCol="0" anchor="ctr"/>
+          <a:lstStyle/>
+          <a:p>
+            <a:pPr algn="ctr"/>
+            <a:endParaRPr kumimoji="1" lang="ja-JP" altLang="en-US"/>
+          </a:p>
+        </p:txBody>
+      </p:sp>
+      <p:cxnSp>
+        <p:nvCxnSpPr>
+          <p:cNvPr id="80" name="直線コネクタ 79">
+            <a:extLst>
+              <a:ext uri="{FF2B5EF4-FFF2-40B4-BE49-F238E27FC236}">
+                <a16:creationId xmlns:a16="http://schemas.microsoft.com/office/drawing/2014/main" id="{D18093BE-9AB7-42B8-BD0C-C3739ACB3861}"/>
+              </a:ext>
+            </a:extLst>
+          </p:cNvPr>
+          <p:cNvCxnSpPr>
+            <a:cxnSpLocks/>
+            <a:endCxn id="79" idx="5"/>
+          </p:cNvCxnSpPr>
+          <p:nvPr/>
+        </p:nvCxnSpPr>
+        <p:spPr>
+          <a:xfrm>
+            <a:off x="4303215" y="2994224"/>
+            <a:ext cx="2286000" cy="26063"/>
+          </a:xfrm>
+          <a:prstGeom prst="line">
+            <a:avLst/>
+          </a:prstGeom>
+          <a:ln>
+            <a:prstDash val="dash"/>
+          </a:ln>
+        </p:spPr>
+        <p:style>
+          <a:lnRef idx="1">
+            <a:schemeClr val="accent1"/>
+          </a:lnRef>
+          <a:fillRef idx="0">
+            <a:schemeClr val="accent1"/>
+          </a:fillRef>
+          <a:effectRef idx="0">
+            <a:schemeClr val="accent1"/>
+          </a:effectRef>
+          <a:fontRef idx="minor">
+            <a:schemeClr val="tx1"/>
+          </a:fontRef>
+        </p:style>
+      </p:cxnSp>
+      <p:cxnSp>
+        <p:nvCxnSpPr>
+          <p:cNvPr id="81" name="直線コネクタ 80">
+            <a:extLst>
+              <a:ext uri="{FF2B5EF4-FFF2-40B4-BE49-F238E27FC236}">
+                <a16:creationId xmlns:a16="http://schemas.microsoft.com/office/drawing/2014/main" id="{C8E170A3-1917-4DB5-88DE-6CAC9BA0D459}"/>
+              </a:ext>
+            </a:extLst>
+          </p:cNvPr>
+          <p:cNvCxnSpPr>
+            <a:cxnSpLocks/>
+          </p:cNvCxnSpPr>
+          <p:nvPr/>
+        </p:nvCxnSpPr>
+        <p:spPr>
+          <a:xfrm>
+            <a:off x="4303215" y="2818126"/>
+            <a:ext cx="2286000" cy="26063"/>
+          </a:xfrm>
+          <a:prstGeom prst="line">
+            <a:avLst/>
+          </a:prstGeom>
+          <a:ln>
+            <a:prstDash val="dash"/>
+          </a:ln>
+        </p:spPr>
+        <p:style>
+          <a:lnRef idx="1">
+            <a:schemeClr val="accent1"/>
+          </a:lnRef>
+          <a:fillRef idx="0">
+            <a:schemeClr val="accent1"/>
+          </a:fillRef>
+          <a:effectRef idx="0">
+            <a:schemeClr val="accent1"/>
+          </a:effectRef>
+          <a:fontRef idx="minor">
+            <a:schemeClr val="tx1"/>
+          </a:fontRef>
+        </p:style>
+      </p:cxnSp>
+      <p:sp>
+        <p:nvSpPr>
+          <p:cNvPr id="82" name="テキスト ボックス 81">
+            <a:extLst>
+              <a:ext uri="{FF2B5EF4-FFF2-40B4-BE49-F238E27FC236}">
+                <a16:creationId xmlns:a16="http://schemas.microsoft.com/office/drawing/2014/main" id="{D3339201-BDB8-4A14-A516-4B0AEF32C730}"/>
+              </a:ext>
+            </a:extLst>
+          </p:cNvPr>
+          <p:cNvSpPr txBox="1"/>
+          <p:nvPr/>
+        </p:nvSpPr>
+        <p:spPr>
+          <a:xfrm>
+            <a:off x="4061937" y="2503652"/>
+            <a:ext cx="726117" cy="276999"/>
+          </a:xfrm>
+          <a:prstGeom prst="rect">
+            <a:avLst/>
+          </a:prstGeom>
+          <a:noFill/>
+        </p:spPr>
+        <p:txBody>
+          <a:bodyPr wrap="square" rtlCol="0">
+            <a:spAutoFit/>
+          </a:bodyPr>
+          <a:lstStyle/>
+          <a:p>
+            <a:r>
+              <a:rPr lang="en-US" altLang="ja-JP" sz="1200" dirty="0" err="1"/>
+              <a:t>Pexh</a:t>
+            </a:r>
+            <a:endParaRPr kumimoji="1" lang="ja-JP" altLang="en-US" sz="1200" dirty="0"/>
+          </a:p>
+        </p:txBody>
+      </p:sp>
+      <p:sp>
+        <p:nvSpPr>
+          <p:cNvPr id="83" name="テキスト ボックス 82">
+            <a:extLst>
+              <a:ext uri="{FF2B5EF4-FFF2-40B4-BE49-F238E27FC236}">
+                <a16:creationId xmlns:a16="http://schemas.microsoft.com/office/drawing/2014/main" id="{F45C0E1C-2584-4DE5-8D9A-92B5894CAA01}"/>
+              </a:ext>
+            </a:extLst>
+          </p:cNvPr>
+          <p:cNvSpPr txBox="1"/>
+          <p:nvPr/>
+        </p:nvSpPr>
+        <p:spPr>
+          <a:xfrm>
+            <a:off x="4061936" y="2984549"/>
+            <a:ext cx="726117" cy="276999"/>
+          </a:xfrm>
+          <a:prstGeom prst="rect">
+            <a:avLst/>
+          </a:prstGeom>
+          <a:noFill/>
+        </p:spPr>
+        <p:txBody>
+          <a:bodyPr wrap="square" rtlCol="0">
+            <a:spAutoFit/>
+          </a:bodyPr>
+          <a:lstStyle/>
+          <a:p>
+            <a:r>
+              <a:rPr lang="en-US" altLang="ja-JP" sz="1200" dirty="0" err="1"/>
+              <a:t>Pintk</a:t>
+            </a:r>
+            <a:endParaRPr kumimoji="1" lang="ja-JP" altLang="en-US" sz="1200" dirty="0"/>
+          </a:p>
+        </p:txBody>
+      </p:sp>
+      <p:cxnSp>
+        <p:nvCxnSpPr>
+          <p:cNvPr id="84" name="直線コネクタ 83">
+            <a:extLst>
+              <a:ext uri="{FF2B5EF4-FFF2-40B4-BE49-F238E27FC236}">
+                <a16:creationId xmlns:a16="http://schemas.microsoft.com/office/drawing/2014/main" id="{34F72617-3872-4370-9899-8ACD396B94F4}"/>
+              </a:ext>
+            </a:extLst>
+          </p:cNvPr>
+          <p:cNvCxnSpPr>
+            <a:cxnSpLocks/>
+          </p:cNvCxnSpPr>
+          <p:nvPr/>
+        </p:nvCxnSpPr>
+        <p:spPr>
+          <a:xfrm>
+            <a:off x="4948906" y="2832475"/>
+            <a:ext cx="1640308" cy="14651"/>
+          </a:xfrm>
+          <a:prstGeom prst="line">
+            <a:avLst/>
+          </a:prstGeom>
+          <a:ln>
+            <a:headEnd type="arrow" w="med" len="med"/>
+            <a:tailEnd type="none" w="med" len="med"/>
+          </a:ln>
+        </p:spPr>
+        <p:style>
+          <a:lnRef idx="1">
+            <a:schemeClr val="accent1"/>
+          </a:lnRef>
+          <a:fillRef idx="0">
+            <a:schemeClr val="accent1"/>
+          </a:fillRef>
+          <a:effectRef idx="0">
+            <a:schemeClr val="accent1"/>
+          </a:effectRef>
+          <a:fontRef idx="minor">
+            <a:schemeClr val="tx1"/>
+          </a:fontRef>
+        </p:style>
+      </p:cxnSp>
+      <p:cxnSp>
+        <p:nvCxnSpPr>
+          <p:cNvPr id="85" name="直線コネクタ 84">
+            <a:extLst>
+              <a:ext uri="{FF2B5EF4-FFF2-40B4-BE49-F238E27FC236}">
+                <a16:creationId xmlns:a16="http://schemas.microsoft.com/office/drawing/2014/main" id="{186F80A9-6198-4244-B007-0DFD482CCB36}"/>
+              </a:ext>
+            </a:extLst>
+          </p:cNvPr>
+          <p:cNvCxnSpPr>
+            <a:cxnSpLocks/>
+          </p:cNvCxnSpPr>
+          <p:nvPr/>
+        </p:nvCxnSpPr>
+        <p:spPr>
+          <a:xfrm flipV="1">
+            <a:off x="4948906" y="2802818"/>
+            <a:ext cx="0" cy="232678"/>
+          </a:xfrm>
+          <a:prstGeom prst="line">
+            <a:avLst/>
+          </a:prstGeom>
+          <a:ln>
+            <a:headEnd type="arrow" w="med" len="med"/>
+            <a:tailEnd type="none" w="med" len="med"/>
+          </a:ln>
+        </p:spPr>
+        <p:style>
+          <a:lnRef idx="1">
+            <a:schemeClr val="accent1"/>
+          </a:lnRef>
+          <a:fillRef idx="0">
+            <a:schemeClr val="accent1"/>
+          </a:fillRef>
+          <a:effectRef idx="0">
+            <a:schemeClr val="accent1"/>
+          </a:effectRef>
+          <a:fontRef idx="minor">
+            <a:schemeClr val="tx1"/>
+          </a:fontRef>
+        </p:style>
+      </p:cxnSp>
+      <p:cxnSp>
+        <p:nvCxnSpPr>
+          <p:cNvPr id="86" name="直線コネクタ 85">
+            <a:extLst>
+              <a:ext uri="{FF2B5EF4-FFF2-40B4-BE49-F238E27FC236}">
+                <a16:creationId xmlns:a16="http://schemas.microsoft.com/office/drawing/2014/main" id="{A28BCF90-6E58-4084-A8A7-A721E0CFAC5B}"/>
+              </a:ext>
+            </a:extLst>
+          </p:cNvPr>
+          <p:cNvCxnSpPr>
+            <a:cxnSpLocks/>
+          </p:cNvCxnSpPr>
+          <p:nvPr/>
+        </p:nvCxnSpPr>
+        <p:spPr>
+          <a:xfrm flipH="1" flipV="1">
+            <a:off x="4934982" y="2999768"/>
+            <a:ext cx="1654232" cy="19102"/>
+          </a:xfrm>
+          <a:prstGeom prst="line">
+            <a:avLst/>
+          </a:prstGeom>
+          <a:ln>
+            <a:headEnd type="arrow" w="med" len="med"/>
+            <a:tailEnd type="none" w="med" len="med"/>
+          </a:ln>
+        </p:spPr>
+        <p:style>
+          <a:lnRef idx="1">
+            <a:schemeClr val="accent1"/>
+          </a:lnRef>
+          <a:fillRef idx="0">
+            <a:schemeClr val="accent1"/>
+          </a:fillRef>
+          <a:effectRef idx="0">
+            <a:schemeClr val="accent1"/>
+          </a:effectRef>
+          <a:fontRef idx="minor">
+            <a:schemeClr val="tx1"/>
+          </a:fontRef>
+        </p:style>
+      </p:cxnSp>
+      <p:sp>
+        <p:nvSpPr>
+          <p:cNvPr id="87" name="正方形/長方形 86">
+            <a:extLst>
+              <a:ext uri="{FF2B5EF4-FFF2-40B4-BE49-F238E27FC236}">
+                <a16:creationId xmlns:a16="http://schemas.microsoft.com/office/drawing/2014/main" id="{2966E2C9-9409-4F7D-A81E-6288D76A5879}"/>
+              </a:ext>
+            </a:extLst>
+          </p:cNvPr>
+          <p:cNvSpPr/>
+          <p:nvPr/>
+        </p:nvSpPr>
+        <p:spPr>
+          <a:xfrm>
+            <a:off x="4948906" y="3022378"/>
+            <a:ext cx="1651320" cy="549799"/>
+          </a:xfrm>
+          <a:prstGeom prst="rect">
+            <a:avLst/>
+          </a:prstGeom>
+          <a:solidFill>
+            <a:srgbClr val="FFC000">
+              <a:alpha val="25098"/>
+            </a:srgbClr>
+          </a:solidFill>
+          <a:ln>
+            <a:noFill/>
+          </a:ln>
+        </p:spPr>
+        <p:style>
+          <a:lnRef idx="2">
+            <a:schemeClr val="accent1">
+              <a:shade val="50000"/>
+            </a:schemeClr>
+          </a:lnRef>
+          <a:fillRef idx="1">
+            <a:schemeClr val="accent1"/>
+          </a:fillRef>
+          <a:effectRef idx="0">
+            <a:schemeClr val="accent1"/>
+          </a:effectRef>
+          <a:fontRef idx="minor">
+            <a:schemeClr val="lt1"/>
+          </a:fontRef>
+        </p:style>
+        <p:txBody>
+          <a:bodyPr rtlCol="0" anchor="ctr"/>
+          <a:lstStyle/>
+          <a:p>
+            <a:pPr algn="ctr"/>
+            <a:endParaRPr kumimoji="1" lang="ja-JP" altLang="en-US"/>
+          </a:p>
+        </p:txBody>
+      </p:sp>
+      <p:sp>
+        <p:nvSpPr>
+          <p:cNvPr id="88" name="テキスト ボックス 87">
+            <a:extLst>
+              <a:ext uri="{FF2B5EF4-FFF2-40B4-BE49-F238E27FC236}">
+                <a16:creationId xmlns:a16="http://schemas.microsoft.com/office/drawing/2014/main" id="{AE3FFA7C-205E-416F-A3BF-96024FAA1827}"/>
+              </a:ext>
+            </a:extLst>
+          </p:cNvPr>
+          <p:cNvSpPr txBox="1"/>
+          <p:nvPr/>
+        </p:nvSpPr>
+        <p:spPr>
+          <a:xfrm>
+            <a:off x="4303215" y="4094554"/>
+            <a:ext cx="2643437" cy="1200329"/>
+          </a:xfrm>
+          <a:prstGeom prst="rect">
+            <a:avLst/>
+          </a:prstGeom>
+          <a:noFill/>
+        </p:spPr>
+        <p:txBody>
+          <a:bodyPr wrap="square" rtlCol="0">
+            <a:spAutoFit/>
+          </a:bodyPr>
+          <a:lstStyle/>
+          <a:p>
+            <a:r>
+              <a:rPr lang="en-US" altLang="ja-JP" sz="1200" dirty="0"/>
+              <a:t>intake stroke; work is extracted from fluid.</a:t>
+            </a:r>
+          </a:p>
+          <a:p>
+            <a:r>
+              <a:rPr lang="en-US" altLang="ja-JP" sz="1200" dirty="0"/>
+              <a:t> -&gt; power gain for engine</a:t>
+            </a:r>
+          </a:p>
+          <a:p>
+            <a:endParaRPr lang="en-US" altLang="ja-JP" sz="1200" dirty="0"/>
+          </a:p>
+          <a:p>
+            <a:r>
+              <a:rPr lang="en-US" altLang="ja-JP" sz="1200" dirty="0" err="1"/>
+              <a:t>Wintk</a:t>
+            </a:r>
+            <a:r>
+              <a:rPr lang="en-US" altLang="ja-JP" sz="1200" dirty="0"/>
+              <a:t>= -1 * </a:t>
+            </a:r>
+            <a:r>
+              <a:rPr lang="en-US" altLang="ja-JP" sz="1200" dirty="0" err="1"/>
+              <a:t>Pintk</a:t>
+            </a:r>
+            <a:r>
+              <a:rPr lang="en-US" altLang="ja-JP" sz="1200" dirty="0"/>
+              <a:t>*(V1-V2)</a:t>
+            </a:r>
+          </a:p>
+          <a:p>
+            <a:r>
+              <a:rPr lang="en-US" altLang="ja-JP" sz="1200" dirty="0"/>
+              <a:t>  Positive sign: loss for engine</a:t>
+            </a:r>
+          </a:p>
+        </p:txBody>
+      </p:sp>
+    </p:spTree>
+    <p:extLst>
+      <p:ext uri="{BB962C8B-B14F-4D97-AF65-F5344CB8AC3E}">
+        <p14:creationId xmlns:p14="http://schemas.microsoft.com/office/powerpoint/2010/main" val="776069550"/>
+      </p:ext>
+    </p:extLst>
+  </p:cSld>
+  <p:clrMapOvr>
+    <a:masterClrMapping/>
+  </p:clrMapOvr>
+</p:sld>
+</file>
+
+<file path=ppt/slides/slide5.xml><?xml version="1.0" encoding="utf-8"?>
+<p:sld xmlns:a="http://schemas.openxmlformats.org/drawingml/2006/main" xmlns:r="http://schemas.openxmlformats.org/officeDocument/2006/relationships" xmlns:p="http://schemas.openxmlformats.org/presentationml/2006/main">
+  <p:cSld>
+    <p:spTree>
+      <p:nvGrpSpPr>
+        <p:cNvPr id="1" name=""/>
+        <p:cNvGrpSpPr/>
+        <p:nvPr/>
+      </p:nvGrpSpPr>
+      <p:grpSpPr>
+        <a:xfrm>
+          <a:off x="0" y="0"/>
+          <a:ext cx="0" cy="0"/>
+          <a:chOff x="0" y="0"/>
+          <a:chExt cx="0" cy="0"/>
+        </a:xfrm>
+      </p:grpSpPr>
       <p:pic>
         <p:nvPicPr>
           <p:cNvPr id="2" name="図 1"/>
@@ -7288,7 +12331,7 @@
 </p:sld>
 </file>
 
-<file path=ppt/slides/slide5.xml><?xml version="1.0" encoding="utf-8"?>
+<file path=ppt/slides/slide6.xml><?xml version="1.0" encoding="utf-8"?>
 <p:sld xmlns:a="http://schemas.openxmlformats.org/drawingml/2006/main" xmlns:r="http://schemas.openxmlformats.org/officeDocument/2006/relationships" xmlns:p="http://schemas.openxmlformats.org/presentationml/2006/main">
   <p:cSld>
     <p:spTree>
@@ -7938,7 +12981,7 @@
 </p:sld>
 </file>
 
-<file path=ppt/slides/slide6.xml><?xml version="1.0" encoding="utf-8"?>
+<file path=ppt/slides/slide7.xml><?xml version="1.0" encoding="utf-8"?>
 <p:sld xmlns:a="http://schemas.openxmlformats.org/drawingml/2006/main" xmlns:r="http://schemas.openxmlformats.org/officeDocument/2006/relationships" xmlns:p="http://schemas.openxmlformats.org/presentationml/2006/main">
   <p:cSld>
     <p:spTree>
@@ -7987,7 +13030,7 @@
 </p:sld>
 </file>
 
-<file path=ppt/slides/slide7.xml><?xml version="1.0" encoding="utf-8"?>
+<file path=ppt/slides/slide8.xml><?xml version="1.0" encoding="utf-8"?>
 <p:sld xmlns:a="http://schemas.openxmlformats.org/drawingml/2006/main" xmlns:r="http://schemas.openxmlformats.org/officeDocument/2006/relationships" xmlns:p="http://schemas.openxmlformats.org/presentationml/2006/main">
   <p:cSld>
     <p:spTree>
@@ -8036,7 +13079,7 @@
 </p:sld>
 </file>
 
-<file path=ppt/slides/slide8.xml><?xml version="1.0" encoding="utf-8"?>
+<file path=ppt/slides/slide9.xml><?xml version="1.0" encoding="utf-8"?>
 <p:sld xmlns:a="http://schemas.openxmlformats.org/drawingml/2006/main" xmlns:r="http://schemas.openxmlformats.org/officeDocument/2006/relationships" xmlns:p="http://schemas.openxmlformats.org/presentationml/2006/main">
   <p:cSld>
     <p:spTree>
@@ -8077,805 +13120,6 @@
           </a:prstGeom>
         </p:spPr>
       </p:pic>
-    </p:spTree>
-  </p:cSld>
-  <p:clrMapOvr>
-    <a:masterClrMapping/>
-  </p:clrMapOvr>
-</p:sld>
-</file>
-
-<file path=ppt/slides/slide9.xml><?xml version="1.0" encoding="utf-8"?>
-<p:sld xmlns:a="http://schemas.openxmlformats.org/drawingml/2006/main" xmlns:r="http://schemas.openxmlformats.org/officeDocument/2006/relationships" xmlns:p="http://schemas.openxmlformats.org/presentationml/2006/main">
-  <p:cSld>
-    <p:spTree>
-      <p:nvGrpSpPr>
-        <p:cNvPr id="1" name=""/>
-        <p:cNvGrpSpPr/>
-        <p:nvPr/>
-      </p:nvGrpSpPr>
-      <p:grpSpPr>
-        <a:xfrm>
-          <a:off x="0" y="0"/>
-          <a:ext cx="0" cy="0"/>
-          <a:chOff x="0" y="0"/>
-          <a:chExt cx="0" cy="0"/>
-        </a:xfrm>
-      </p:grpSpPr>
-      <p:grpSp>
-        <p:nvGrpSpPr>
-          <p:cNvPr id="40" name="グループ化 39"/>
-          <p:cNvGrpSpPr/>
-          <p:nvPr/>
-        </p:nvGrpSpPr>
-        <p:grpSpPr>
-          <a:xfrm>
-            <a:off x="2977055" y="1669512"/>
-            <a:ext cx="6280068" cy="3847119"/>
-            <a:chOff x="1602253" y="1840327"/>
-            <a:chExt cx="6922612" cy="4240736"/>
-          </a:xfrm>
-        </p:grpSpPr>
-        <p:pic>
-          <p:nvPicPr>
-            <p:cNvPr id="2" name="図 1"/>
-            <p:cNvPicPr>
-              <a:picLocks noChangeAspect="1"/>
-            </p:cNvPicPr>
-            <p:nvPr/>
-          </p:nvPicPr>
-          <p:blipFill>
-            <a:blip r:embed="rId2"/>
-            <a:stretch>
-              <a:fillRect/>
-            </a:stretch>
-          </p:blipFill>
-          <p:spPr>
-            <a:xfrm>
-              <a:off x="3266164" y="2105813"/>
-              <a:ext cx="3328156" cy="3178714"/>
-            </a:xfrm>
-            <a:prstGeom prst="rect">
-              <a:avLst/>
-            </a:prstGeom>
-          </p:spPr>
-        </p:pic>
-        <p:sp>
-          <p:nvSpPr>
-            <p:cNvPr id="3" name="テキスト ボックス 2"/>
-            <p:cNvSpPr txBox="1"/>
-            <p:nvPr/>
-          </p:nvSpPr>
-          <p:spPr>
-            <a:xfrm>
-              <a:off x="1831157" y="1840327"/>
-              <a:ext cx="1144630" cy="495547"/>
-            </a:xfrm>
-            <a:prstGeom prst="rect">
-              <a:avLst/>
-            </a:prstGeom>
-            <a:solidFill>
-              <a:srgbClr val="92D050">
-                <a:alpha val="40000"/>
-              </a:srgbClr>
-            </a:solidFill>
-            <a:ln>
-              <a:solidFill>
-                <a:schemeClr val="tx1"/>
-              </a:solidFill>
-            </a:ln>
-          </p:spPr>
-          <p:txBody>
-            <a:bodyPr wrap="square" rtlCol="0">
-              <a:noAutofit/>
-            </a:bodyPr>
-            <a:lstStyle/>
-            <a:p>
-              <a:r>
-                <a:rPr lang="en-US" altLang="ja-JP" sz="726" dirty="0">
-                  <a:latin typeface="Arial" panose="020B0604020202020204" pitchFamily="34" charset="0"/>
-                  <a:cs typeface="Arial" panose="020B0604020202020204" pitchFamily="34" charset="0"/>
-                </a:rPr>
-                <a:t>Fluid inlet port, </a:t>
-              </a:r>
-              <a:r>
-                <a:rPr lang="en-US" altLang="ja-JP" sz="726" dirty="0" err="1">
-                  <a:latin typeface="Arial" panose="020B0604020202020204" pitchFamily="34" charset="0"/>
-                  <a:cs typeface="Arial" panose="020B0604020202020204" pitchFamily="34" charset="0"/>
-                </a:rPr>
-                <a:t>input&amp;output</a:t>
-              </a:r>
-              <a:r>
-                <a:rPr lang="en-US" altLang="ja-JP" sz="726" dirty="0">
-                  <a:latin typeface="Arial" panose="020B0604020202020204" pitchFamily="34" charset="0"/>
-                  <a:cs typeface="Arial" panose="020B0604020202020204" pitchFamily="34" charset="0"/>
-                </a:rPr>
-                <a:t> (use “connect” operator)</a:t>
-              </a:r>
-              <a:endParaRPr lang="ja-JP" altLang="en-US" sz="726" dirty="0">
-                <a:latin typeface="Arial" panose="020B0604020202020204" pitchFamily="34" charset="0"/>
-                <a:cs typeface="Arial" panose="020B0604020202020204" pitchFamily="34" charset="0"/>
-              </a:endParaRPr>
-            </a:p>
-          </p:txBody>
-        </p:sp>
-        <p:cxnSp>
-          <p:nvCxnSpPr>
-            <p:cNvPr id="4" name="直線矢印コネクタ 3"/>
-            <p:cNvCxnSpPr>
-              <a:stCxn id="3" idx="3"/>
-            </p:cNvCxnSpPr>
-            <p:nvPr/>
-          </p:nvCxnSpPr>
-          <p:spPr>
-            <a:xfrm>
-              <a:off x="2975787" y="2088101"/>
-              <a:ext cx="495506" cy="394730"/>
-            </a:xfrm>
-            <a:prstGeom prst="straightConnector1">
-              <a:avLst/>
-            </a:prstGeom>
-            <a:ln w="12700">
-              <a:solidFill>
-                <a:schemeClr val="tx1"/>
-              </a:solidFill>
-              <a:tailEnd type="oval"/>
-            </a:ln>
-          </p:spPr>
-          <p:style>
-            <a:lnRef idx="1">
-              <a:schemeClr val="accent1"/>
-            </a:lnRef>
-            <a:fillRef idx="0">
-              <a:schemeClr val="accent1"/>
-            </a:fillRef>
-            <a:effectRef idx="0">
-              <a:schemeClr val="accent1"/>
-            </a:effectRef>
-            <a:fontRef idx="minor">
-              <a:schemeClr val="tx1"/>
-            </a:fontRef>
-          </p:style>
-        </p:cxnSp>
-        <p:sp>
-          <p:nvSpPr>
-            <p:cNvPr id="5" name="テキスト ボックス 4"/>
-            <p:cNvSpPr txBox="1"/>
-            <p:nvPr/>
-          </p:nvSpPr>
-          <p:spPr>
-            <a:xfrm>
-              <a:off x="6884697" y="1840328"/>
-              <a:ext cx="1144630" cy="465885"/>
-            </a:xfrm>
-            <a:prstGeom prst="rect">
-              <a:avLst/>
-            </a:prstGeom>
-            <a:solidFill>
-              <a:srgbClr val="92D050">
-                <a:alpha val="40000"/>
-              </a:srgbClr>
-            </a:solidFill>
-            <a:ln>
-              <a:solidFill>
-                <a:schemeClr val="tx1"/>
-              </a:solidFill>
-            </a:ln>
-          </p:spPr>
-          <p:txBody>
-            <a:bodyPr wrap="square" rtlCol="0">
-              <a:noAutofit/>
-            </a:bodyPr>
-            <a:lstStyle/>
-            <a:p>
-              <a:r>
-                <a:rPr lang="en-US" altLang="ja-JP" sz="726" dirty="0">
-                  <a:latin typeface="Arial" panose="020B0604020202020204" pitchFamily="34" charset="0"/>
-                  <a:cs typeface="Arial" panose="020B0604020202020204" pitchFamily="34" charset="0"/>
-                </a:rPr>
-                <a:t>Fluid outlet port, </a:t>
-              </a:r>
-              <a:r>
-                <a:rPr lang="en-US" altLang="ja-JP" sz="726" dirty="0" err="1">
-                  <a:latin typeface="Arial" panose="020B0604020202020204" pitchFamily="34" charset="0"/>
-                  <a:cs typeface="Arial" panose="020B0604020202020204" pitchFamily="34" charset="0"/>
-                </a:rPr>
-                <a:t>input&amp;output</a:t>
-              </a:r>
-              <a:r>
-                <a:rPr lang="en-US" altLang="ja-JP" sz="726" dirty="0">
-                  <a:latin typeface="Arial" panose="020B0604020202020204" pitchFamily="34" charset="0"/>
-                  <a:cs typeface="Arial" panose="020B0604020202020204" pitchFamily="34" charset="0"/>
-                </a:rPr>
-                <a:t> (use “connect” operator)</a:t>
-              </a:r>
-              <a:endParaRPr lang="ja-JP" altLang="en-US" sz="726" dirty="0">
-                <a:latin typeface="Arial" panose="020B0604020202020204" pitchFamily="34" charset="0"/>
-                <a:cs typeface="Arial" panose="020B0604020202020204" pitchFamily="34" charset="0"/>
-              </a:endParaRPr>
-            </a:p>
-          </p:txBody>
-        </p:sp>
-        <p:cxnSp>
-          <p:nvCxnSpPr>
-            <p:cNvPr id="6" name="直線矢印コネクタ 5"/>
-            <p:cNvCxnSpPr>
-              <a:stCxn id="5" idx="1"/>
-            </p:cNvCxnSpPr>
-            <p:nvPr/>
-          </p:nvCxnSpPr>
-          <p:spPr>
-            <a:xfrm flipH="1">
-              <a:off x="6366973" y="2073271"/>
-              <a:ext cx="517724" cy="384405"/>
-            </a:xfrm>
-            <a:prstGeom prst="straightConnector1">
-              <a:avLst/>
-            </a:prstGeom>
-            <a:ln w="12700">
-              <a:solidFill>
-                <a:schemeClr val="tx1"/>
-              </a:solidFill>
-              <a:tailEnd type="oval"/>
-            </a:ln>
-          </p:spPr>
-          <p:style>
-            <a:lnRef idx="1">
-              <a:schemeClr val="accent1"/>
-            </a:lnRef>
-            <a:fillRef idx="0">
-              <a:schemeClr val="accent1"/>
-            </a:fillRef>
-            <a:effectRef idx="0">
-              <a:schemeClr val="accent1"/>
-            </a:effectRef>
-            <a:fontRef idx="minor">
-              <a:schemeClr val="tx1"/>
-            </a:fontRef>
-          </p:style>
-        </p:cxnSp>
-        <p:sp>
-          <p:nvSpPr>
-            <p:cNvPr id="9" name="テキスト ボックス 8"/>
-            <p:cNvSpPr txBox="1"/>
-            <p:nvPr/>
-          </p:nvSpPr>
-          <p:spPr>
-            <a:xfrm>
-              <a:off x="6450533" y="5317069"/>
-              <a:ext cx="1974267" cy="763994"/>
-            </a:xfrm>
-            <a:prstGeom prst="rect">
-              <a:avLst/>
-            </a:prstGeom>
-            <a:solidFill>
-              <a:srgbClr val="92D050">
-                <a:alpha val="40000"/>
-              </a:srgbClr>
-            </a:solidFill>
-            <a:ln>
-              <a:solidFill>
-                <a:schemeClr val="tx1"/>
-              </a:solidFill>
-            </a:ln>
-          </p:spPr>
-          <p:txBody>
-            <a:bodyPr wrap="square" rtlCol="0">
-              <a:noAutofit/>
-            </a:bodyPr>
-            <a:lstStyle/>
-            <a:p>
-              <a:r>
-                <a:rPr lang="en-US" altLang="ja-JP" sz="726" dirty="0">
-                  <a:latin typeface="Arial" panose="020B0604020202020204" pitchFamily="34" charset="0"/>
-                  <a:cs typeface="Arial" panose="020B0604020202020204" pitchFamily="34" charset="0"/>
-                </a:rPr>
-                <a:t>Expandable connector prepared for communication with internal variables which cannot be accessed by other ports, </a:t>
-              </a:r>
-            </a:p>
-            <a:p>
-              <a:r>
-                <a:rPr lang="en-US" altLang="ja-JP" sz="726" dirty="0" err="1">
-                  <a:latin typeface="Arial" panose="020B0604020202020204" pitchFamily="34" charset="0"/>
-                  <a:cs typeface="Arial" panose="020B0604020202020204" pitchFamily="34" charset="0"/>
-                </a:rPr>
-                <a:t>input&amp;output</a:t>
-              </a:r>
-              <a:r>
-                <a:rPr lang="en-US" altLang="ja-JP" sz="726" dirty="0">
-                  <a:latin typeface="Arial" panose="020B0604020202020204" pitchFamily="34" charset="0"/>
-                  <a:cs typeface="Arial" panose="020B0604020202020204" pitchFamily="34" charset="0"/>
-                </a:rPr>
-                <a:t>  (use “connect” operator)</a:t>
-              </a:r>
-              <a:endParaRPr lang="ja-JP" altLang="en-US" sz="726" dirty="0">
-                <a:latin typeface="Arial" panose="020B0604020202020204" pitchFamily="34" charset="0"/>
-                <a:cs typeface="Arial" panose="020B0604020202020204" pitchFamily="34" charset="0"/>
-              </a:endParaRPr>
-            </a:p>
-          </p:txBody>
-        </p:sp>
-        <p:cxnSp>
-          <p:nvCxnSpPr>
-            <p:cNvPr id="10" name="直線矢印コネクタ 9"/>
-            <p:cNvCxnSpPr>
-              <a:stCxn id="9" idx="0"/>
-            </p:cNvCxnSpPr>
-            <p:nvPr/>
-          </p:nvCxnSpPr>
-          <p:spPr>
-            <a:xfrm flipH="1" flipV="1">
-              <a:off x="6013665" y="5101999"/>
-              <a:ext cx="1424002" cy="215070"/>
-            </a:xfrm>
-            <a:prstGeom prst="straightConnector1">
-              <a:avLst/>
-            </a:prstGeom>
-            <a:ln w="12700">
-              <a:solidFill>
-                <a:schemeClr val="tx1"/>
-              </a:solidFill>
-              <a:tailEnd type="oval"/>
-            </a:ln>
-          </p:spPr>
-          <p:style>
-            <a:lnRef idx="1">
-              <a:schemeClr val="accent1"/>
-            </a:lnRef>
-            <a:fillRef idx="0">
-              <a:schemeClr val="accent1"/>
-            </a:fillRef>
-            <a:effectRef idx="0">
-              <a:schemeClr val="accent1"/>
-            </a:effectRef>
-            <a:fontRef idx="minor">
-              <a:schemeClr val="tx1"/>
-            </a:fontRef>
-          </p:style>
-        </p:cxnSp>
-        <p:sp>
-          <p:nvSpPr>
-            <p:cNvPr id="11" name="テキスト ボックス 10"/>
-            <p:cNvSpPr txBox="1"/>
-            <p:nvPr/>
-          </p:nvSpPr>
-          <p:spPr>
-            <a:xfrm>
-              <a:off x="7024151" y="3126330"/>
-              <a:ext cx="1500714" cy="639622"/>
-            </a:xfrm>
-            <a:prstGeom prst="rect">
-              <a:avLst/>
-            </a:prstGeom>
-            <a:solidFill>
-              <a:srgbClr val="92D050">
-                <a:alpha val="40000"/>
-              </a:srgbClr>
-            </a:solidFill>
-            <a:ln>
-              <a:solidFill>
-                <a:schemeClr val="tx1"/>
-              </a:solidFill>
-            </a:ln>
-          </p:spPr>
-          <p:txBody>
-            <a:bodyPr wrap="square" rtlCol="0">
-              <a:noAutofit/>
-            </a:bodyPr>
-            <a:lstStyle/>
-            <a:p>
-              <a:r>
-                <a:rPr lang="en-US" altLang="ja-JP" sz="726" dirty="0">
-                  <a:latin typeface="Arial" panose="020B0604020202020204" pitchFamily="34" charset="0"/>
-                  <a:cs typeface="Arial" panose="020B0604020202020204" pitchFamily="34" charset="0"/>
-                </a:rPr>
-                <a:t>Flange (rotational mechanics port), </a:t>
-              </a:r>
-            </a:p>
-            <a:p>
-              <a:r>
-                <a:rPr lang="en-US" altLang="ja-JP" sz="726" dirty="0" err="1">
-                  <a:latin typeface="Arial" panose="020B0604020202020204" pitchFamily="34" charset="0"/>
-                  <a:cs typeface="Arial" panose="020B0604020202020204" pitchFamily="34" charset="0"/>
-                </a:rPr>
-                <a:t>input&amp;output</a:t>
-              </a:r>
-              <a:r>
-                <a:rPr lang="en-US" altLang="ja-JP" sz="726" dirty="0">
-                  <a:latin typeface="Arial" panose="020B0604020202020204" pitchFamily="34" charset="0"/>
-                  <a:cs typeface="Arial" panose="020B0604020202020204" pitchFamily="34" charset="0"/>
-                </a:rPr>
-                <a:t> (use “connect” operator)</a:t>
-              </a:r>
-              <a:endParaRPr lang="ja-JP" altLang="en-US" sz="726" dirty="0">
-                <a:latin typeface="Arial" panose="020B0604020202020204" pitchFamily="34" charset="0"/>
-                <a:cs typeface="Arial" panose="020B0604020202020204" pitchFamily="34" charset="0"/>
-              </a:endParaRPr>
-            </a:p>
-          </p:txBody>
-        </p:sp>
-        <p:cxnSp>
-          <p:nvCxnSpPr>
-            <p:cNvPr id="12" name="直線矢印コネクタ 11"/>
-            <p:cNvCxnSpPr>
-              <a:stCxn id="11" idx="1"/>
-            </p:cNvCxnSpPr>
-            <p:nvPr/>
-          </p:nvCxnSpPr>
-          <p:spPr>
-            <a:xfrm flipH="1">
-              <a:off x="6450533" y="3446141"/>
-              <a:ext cx="573618" cy="201637"/>
-            </a:xfrm>
-            <a:prstGeom prst="straightConnector1">
-              <a:avLst/>
-            </a:prstGeom>
-            <a:ln w="12700">
-              <a:solidFill>
-                <a:schemeClr val="tx1"/>
-              </a:solidFill>
-              <a:tailEnd type="oval"/>
-            </a:ln>
-          </p:spPr>
-          <p:style>
-            <a:lnRef idx="1">
-              <a:schemeClr val="accent1"/>
-            </a:lnRef>
-            <a:fillRef idx="0">
-              <a:schemeClr val="accent1"/>
-            </a:fillRef>
-            <a:effectRef idx="0">
-              <a:schemeClr val="accent1"/>
-            </a:effectRef>
-            <a:fontRef idx="minor">
-              <a:schemeClr val="tx1"/>
-            </a:fontRef>
-          </p:style>
-        </p:cxnSp>
-        <p:sp>
-          <p:nvSpPr>
-            <p:cNvPr id="18" name="テキスト ボックス 17"/>
-            <p:cNvSpPr txBox="1"/>
-            <p:nvPr/>
-          </p:nvSpPr>
-          <p:spPr>
-            <a:xfrm>
-              <a:off x="1602253" y="2931751"/>
-              <a:ext cx="1500714" cy="639622"/>
-            </a:xfrm>
-            <a:prstGeom prst="rect">
-              <a:avLst/>
-            </a:prstGeom>
-            <a:solidFill>
-              <a:srgbClr val="92D050">
-                <a:alpha val="40000"/>
-              </a:srgbClr>
-            </a:solidFill>
-            <a:ln>
-              <a:solidFill>
-                <a:schemeClr val="tx1"/>
-              </a:solidFill>
-            </a:ln>
-          </p:spPr>
-          <p:txBody>
-            <a:bodyPr wrap="square" rtlCol="0">
-              <a:noAutofit/>
-            </a:bodyPr>
-            <a:lstStyle/>
-            <a:p>
-              <a:r>
-                <a:rPr lang="en-US" altLang="ja-JP" sz="726" dirty="0">
-                  <a:latin typeface="Arial" panose="020B0604020202020204" pitchFamily="34" charset="0"/>
-                  <a:cs typeface="Arial" panose="020B0604020202020204" pitchFamily="34" charset="0"/>
-                </a:rPr>
-                <a:t>Flange (rotational mechanics port), </a:t>
-              </a:r>
-            </a:p>
-            <a:p>
-              <a:r>
-                <a:rPr lang="en-US" altLang="ja-JP" sz="726" dirty="0" err="1">
-                  <a:latin typeface="Arial" panose="020B0604020202020204" pitchFamily="34" charset="0"/>
-                  <a:cs typeface="Arial" panose="020B0604020202020204" pitchFamily="34" charset="0"/>
-                </a:rPr>
-                <a:t>input&amp;output</a:t>
-              </a:r>
-              <a:r>
-                <a:rPr lang="en-US" altLang="ja-JP" sz="726" dirty="0">
-                  <a:latin typeface="Arial" panose="020B0604020202020204" pitchFamily="34" charset="0"/>
-                  <a:cs typeface="Arial" panose="020B0604020202020204" pitchFamily="34" charset="0"/>
-                </a:rPr>
-                <a:t> (use “connect” operator)</a:t>
-              </a:r>
-              <a:endParaRPr lang="ja-JP" altLang="en-US" sz="726" dirty="0">
-                <a:latin typeface="Arial" panose="020B0604020202020204" pitchFamily="34" charset="0"/>
-                <a:cs typeface="Arial" panose="020B0604020202020204" pitchFamily="34" charset="0"/>
-              </a:endParaRPr>
-            </a:p>
-          </p:txBody>
-        </p:sp>
-        <p:cxnSp>
-          <p:nvCxnSpPr>
-            <p:cNvPr id="19" name="直線矢印コネクタ 18"/>
-            <p:cNvCxnSpPr>
-              <a:stCxn id="18" idx="3"/>
-            </p:cNvCxnSpPr>
-            <p:nvPr/>
-          </p:nvCxnSpPr>
-          <p:spPr>
-            <a:xfrm>
-              <a:off x="3102967" y="3251562"/>
-              <a:ext cx="432861" cy="319811"/>
-            </a:xfrm>
-            <a:prstGeom prst="straightConnector1">
-              <a:avLst/>
-            </a:prstGeom>
-            <a:ln w="12700">
-              <a:solidFill>
-                <a:schemeClr val="tx1"/>
-              </a:solidFill>
-              <a:tailEnd type="oval"/>
-            </a:ln>
-          </p:spPr>
-          <p:style>
-            <a:lnRef idx="1">
-              <a:schemeClr val="accent1"/>
-            </a:lnRef>
-            <a:fillRef idx="0">
-              <a:schemeClr val="accent1"/>
-            </a:fillRef>
-            <a:effectRef idx="0">
-              <a:schemeClr val="accent1"/>
-            </a:effectRef>
-            <a:fontRef idx="minor">
-              <a:schemeClr val="tx1"/>
-            </a:fontRef>
-          </p:style>
-        </p:cxnSp>
-        <p:cxnSp>
-          <p:nvCxnSpPr>
-            <p:cNvPr id="22" name="直線矢印コネクタ 21"/>
-            <p:cNvCxnSpPr>
-              <a:stCxn id="23" idx="3"/>
-            </p:cNvCxnSpPr>
-            <p:nvPr/>
-          </p:nvCxnSpPr>
-          <p:spPr>
-            <a:xfrm flipV="1">
-              <a:off x="3846183" y="4781390"/>
-              <a:ext cx="543175" cy="802053"/>
-            </a:xfrm>
-            <a:prstGeom prst="straightConnector1">
-              <a:avLst/>
-            </a:prstGeom>
-            <a:ln w="12700">
-              <a:solidFill>
-                <a:schemeClr val="tx1"/>
-              </a:solidFill>
-              <a:tailEnd type="oval"/>
-            </a:ln>
-          </p:spPr>
-          <p:style>
-            <a:lnRef idx="1">
-              <a:schemeClr val="accent1"/>
-            </a:lnRef>
-            <a:fillRef idx="0">
-              <a:schemeClr val="accent1"/>
-            </a:fillRef>
-            <a:effectRef idx="0">
-              <a:schemeClr val="accent1"/>
-            </a:effectRef>
-            <a:fontRef idx="minor">
-              <a:schemeClr val="tx1"/>
-            </a:fontRef>
-          </p:style>
-        </p:cxnSp>
-        <p:sp>
-          <p:nvSpPr>
-            <p:cNvPr id="23" name="テキスト ボックス 22"/>
-            <p:cNvSpPr txBox="1"/>
-            <p:nvPr/>
-          </p:nvSpPr>
-          <p:spPr>
-            <a:xfrm>
-              <a:off x="1871916" y="5284527"/>
-              <a:ext cx="1974267" cy="597831"/>
-            </a:xfrm>
-            <a:prstGeom prst="rect">
-              <a:avLst/>
-            </a:prstGeom>
-            <a:solidFill>
-              <a:srgbClr val="00B0F0">
-                <a:alpha val="40000"/>
-              </a:srgbClr>
-            </a:solidFill>
-            <a:ln>
-              <a:solidFill>
-                <a:schemeClr val="tx1"/>
-              </a:solidFill>
-            </a:ln>
-          </p:spPr>
-          <p:txBody>
-            <a:bodyPr wrap="square" rtlCol="0">
-              <a:noAutofit/>
-            </a:bodyPr>
-            <a:lstStyle/>
-            <a:p>
-              <a:r>
-                <a:rPr lang="en-US" altLang="ja-JP" sz="726" dirty="0">
-                  <a:latin typeface="Arial" panose="020B0604020202020204" pitchFamily="34" charset="0"/>
-                  <a:cs typeface="Arial" panose="020B0604020202020204" pitchFamily="34" charset="0"/>
-                </a:rPr>
-                <a:t>Pressure ratio; </a:t>
-              </a:r>
-            </a:p>
-            <a:p>
-              <a:r>
-                <a:rPr lang="en-US" altLang="ja-JP" sz="726" dirty="0">
-                  <a:latin typeface="Arial" panose="020B0604020202020204" pitchFamily="34" charset="0"/>
-                  <a:cs typeface="Arial" panose="020B0604020202020204" pitchFamily="34" charset="0"/>
-                </a:rPr>
-                <a:t>input (use “connect” operator),</a:t>
-              </a:r>
-            </a:p>
-            <a:p>
-              <a:r>
-                <a:rPr lang="en-US" altLang="ja-JP" sz="726" dirty="0">
-                  <a:latin typeface="Arial" panose="020B0604020202020204" pitchFamily="34" charset="0"/>
-                  <a:cs typeface="Arial" panose="020B0604020202020204" pitchFamily="34" charset="0"/>
-                </a:rPr>
-                <a:t>valid only when </a:t>
-              </a:r>
-              <a:r>
-                <a:rPr lang="en-US" altLang="ja-JP" sz="726" dirty="0" err="1">
-                  <a:latin typeface="Arial" panose="020B0604020202020204" pitchFamily="34" charset="0"/>
-                  <a:cs typeface="Arial" panose="020B0604020202020204" pitchFamily="34" charset="0"/>
-                </a:rPr>
-                <a:t>switchDetermine_PR</a:t>
-              </a:r>
-              <a:r>
-                <a:rPr lang="en-US" altLang="ja-JP" sz="726" dirty="0">
-                  <a:latin typeface="Arial" panose="020B0604020202020204" pitchFamily="34" charset="0"/>
-                  <a:cs typeface="Arial" panose="020B0604020202020204" pitchFamily="34" charset="0"/>
-                </a:rPr>
-                <a:t>==</a:t>
-              </a:r>
-              <a:r>
-                <a:rPr lang="en-US" altLang="ja-JP" sz="726" dirty="0" err="1">
-                  <a:latin typeface="Arial" panose="020B0604020202020204" pitchFamily="34" charset="0"/>
-                  <a:cs typeface="Arial" panose="020B0604020202020204" pitchFamily="34" charset="0"/>
-                </a:rPr>
-                <a:t>viaRealInput</a:t>
-              </a:r>
-              <a:endParaRPr lang="ja-JP" altLang="en-US" sz="726" dirty="0">
-                <a:latin typeface="Arial" panose="020B0604020202020204" pitchFamily="34" charset="0"/>
-                <a:cs typeface="Arial" panose="020B0604020202020204" pitchFamily="34" charset="0"/>
-              </a:endParaRPr>
-            </a:p>
-          </p:txBody>
-        </p:sp>
-        <p:sp>
-          <p:nvSpPr>
-            <p:cNvPr id="27" name="テキスト ボックス 26"/>
-            <p:cNvSpPr txBox="1"/>
-            <p:nvPr/>
-          </p:nvSpPr>
-          <p:spPr>
-            <a:xfrm>
-              <a:off x="4226874" y="5317069"/>
-              <a:ext cx="1849118" cy="597830"/>
-            </a:xfrm>
-            <a:prstGeom prst="rect">
-              <a:avLst/>
-            </a:prstGeom>
-            <a:solidFill>
-              <a:srgbClr val="00B0F0">
-                <a:alpha val="40000"/>
-              </a:srgbClr>
-            </a:solidFill>
-            <a:ln>
-              <a:solidFill>
-                <a:schemeClr val="tx1"/>
-              </a:solidFill>
-            </a:ln>
-          </p:spPr>
-          <p:txBody>
-            <a:bodyPr wrap="square" rtlCol="0">
-              <a:noAutofit/>
-            </a:bodyPr>
-            <a:lstStyle/>
-            <a:p>
-              <a:r>
-                <a:rPr lang="en-US" altLang="ja-JP" sz="726" dirty="0">
-                  <a:latin typeface="Arial" panose="020B0604020202020204" pitchFamily="34" charset="0"/>
-                  <a:cs typeface="Arial" panose="020B0604020202020204" pitchFamily="34" charset="0"/>
-                </a:rPr>
-                <a:t>Efficiency; </a:t>
-              </a:r>
-            </a:p>
-            <a:p>
-              <a:r>
-                <a:rPr lang="en-US" altLang="ja-JP" sz="726" dirty="0">
-                  <a:latin typeface="Arial" panose="020B0604020202020204" pitchFamily="34" charset="0"/>
-                  <a:cs typeface="Arial" panose="020B0604020202020204" pitchFamily="34" charset="0"/>
-                </a:rPr>
-                <a:t>input (use “connect” operator),</a:t>
-              </a:r>
-            </a:p>
-            <a:p>
-              <a:r>
-                <a:rPr lang="en-US" altLang="ja-JP" sz="726" dirty="0">
-                  <a:latin typeface="Arial" panose="020B0604020202020204" pitchFamily="34" charset="0"/>
-                  <a:cs typeface="Arial" panose="020B0604020202020204" pitchFamily="34" charset="0"/>
-                </a:rPr>
-                <a:t>valid only when </a:t>
-              </a:r>
-              <a:r>
-                <a:rPr lang="en-US" altLang="ja-JP" sz="726" dirty="0" err="1">
-                  <a:latin typeface="Arial" panose="020B0604020202020204" pitchFamily="34" charset="0"/>
-                  <a:cs typeface="Arial" panose="020B0604020202020204" pitchFamily="34" charset="0"/>
-                </a:rPr>
-                <a:t>switchDetermine_eff</a:t>
-              </a:r>
-              <a:r>
-                <a:rPr lang="en-US" altLang="ja-JP" sz="726" dirty="0">
-                  <a:latin typeface="Arial" panose="020B0604020202020204" pitchFamily="34" charset="0"/>
-                  <a:cs typeface="Arial" panose="020B0604020202020204" pitchFamily="34" charset="0"/>
-                </a:rPr>
-                <a:t>==</a:t>
-              </a:r>
-              <a:r>
-                <a:rPr lang="en-US" altLang="ja-JP" sz="726" dirty="0" err="1">
-                  <a:latin typeface="Arial" panose="020B0604020202020204" pitchFamily="34" charset="0"/>
-                  <a:cs typeface="Arial" panose="020B0604020202020204" pitchFamily="34" charset="0"/>
-                </a:rPr>
-                <a:t>viaRealInput</a:t>
-              </a:r>
-              <a:endParaRPr lang="ja-JP" altLang="en-US" sz="726" dirty="0">
-                <a:latin typeface="Arial" panose="020B0604020202020204" pitchFamily="34" charset="0"/>
-                <a:cs typeface="Arial" panose="020B0604020202020204" pitchFamily="34" charset="0"/>
-              </a:endParaRPr>
-            </a:p>
-          </p:txBody>
-        </p:sp>
-        <p:cxnSp>
-          <p:nvCxnSpPr>
-            <p:cNvPr id="28" name="直線矢印コネクタ 27"/>
-            <p:cNvCxnSpPr>
-              <a:stCxn id="27" idx="0"/>
-            </p:cNvCxnSpPr>
-            <p:nvPr/>
-          </p:nvCxnSpPr>
-          <p:spPr>
-            <a:xfrm flipH="1" flipV="1">
-              <a:off x="4932993" y="4467101"/>
-              <a:ext cx="218440" cy="849968"/>
-            </a:xfrm>
-            <a:prstGeom prst="straightConnector1">
-              <a:avLst/>
-            </a:prstGeom>
-            <a:ln w="12700">
-              <a:solidFill>
-                <a:schemeClr val="tx1"/>
-              </a:solidFill>
-              <a:tailEnd type="oval"/>
-            </a:ln>
-          </p:spPr>
-          <p:style>
-            <a:lnRef idx="1">
-              <a:schemeClr val="accent1"/>
-            </a:lnRef>
-            <a:fillRef idx="0">
-              <a:schemeClr val="accent1"/>
-            </a:fillRef>
-            <a:effectRef idx="0">
-              <a:schemeClr val="accent1"/>
-            </a:effectRef>
-            <a:fontRef idx="minor">
-              <a:schemeClr val="tx1"/>
-            </a:fontRef>
-          </p:style>
-        </p:cxnSp>
-      </p:grpSp>
     </p:spTree>
   </p:cSld>
   <p:clrMapOvr>

--- a/docs/Elements/BasicElements/makeFigs_BasicElements.pptx
+++ b/docs/Elements/BasicElements/makeFigs_BasicElements.pptx
@@ -8,16 +8,19 @@
     <p:sldId id="341" r:id="rId2"/>
     <p:sldId id="343" r:id="rId3"/>
     <p:sldId id="342" r:id="rId4"/>
-    <p:sldId id="296" r:id="rId5"/>
-    <p:sldId id="271" r:id="rId6"/>
-    <p:sldId id="273" r:id="rId7"/>
-    <p:sldId id="272" r:id="rId8"/>
-    <p:sldId id="262" r:id="rId9"/>
-    <p:sldId id="263" r:id="rId10"/>
-    <p:sldId id="264" r:id="rId11"/>
-    <p:sldId id="266" r:id="rId12"/>
-    <p:sldId id="267" r:id="rId13"/>
-    <p:sldId id="268" r:id="rId14"/>
+    <p:sldId id="344" r:id="rId5"/>
+    <p:sldId id="345" r:id="rId6"/>
+    <p:sldId id="346" r:id="rId7"/>
+    <p:sldId id="296" r:id="rId8"/>
+    <p:sldId id="271" r:id="rId9"/>
+    <p:sldId id="273" r:id="rId10"/>
+    <p:sldId id="272" r:id="rId11"/>
+    <p:sldId id="262" r:id="rId12"/>
+    <p:sldId id="263" r:id="rId13"/>
+    <p:sldId id="264" r:id="rId14"/>
+    <p:sldId id="266" r:id="rId15"/>
+    <p:sldId id="267" r:id="rId16"/>
+    <p:sldId id="268" r:id="rId17"/>
   </p:sldIdLst>
   <p:sldSz cx="12192000" cy="6858000"/>
   <p:notesSz cx="6858000" cy="9144000"/>
@@ -126,6 +129,13 @@
             <p14:sldId id="342"/>
           </p14:sldIdLst>
         </p14:section>
+        <p14:section name="PistonCylinderNonIdealOttoMV01" id="{DCE6D938-B459-4FA7-8B1C-E5B79AA5DFF3}">
+          <p14:sldIdLst>
+            <p14:sldId id="344"/>
+            <p14:sldId id="345"/>
+            <p14:sldId id="346"/>
+          </p14:sldIdLst>
+        </p14:section>
         <p14:section name="PistonCylinderIdealOttoMV01" id="{7C9E729B-13E5-47FF-888F-4D782981F697}">
           <p14:sldIdLst>
             <p14:sldId id="296"/>
@@ -308,7 +318,7 @@
           <a:p>
             <a:fld id="{D0C55A96-A2AF-461F-BC65-806F2EEA30DE}" type="datetimeFigureOut">
               <a:rPr kumimoji="1" lang="ja-JP" altLang="en-US" smtClean="0"/>
-              <a:t>2021/3/11</a:t>
+              <a:t>2021/7/21</a:t>
             </a:fld>
             <a:endParaRPr kumimoji="1" lang="ja-JP" altLang="en-US"/>
           </a:p>
@@ -538,7 +548,7 @@
           <a:p>
             <a:fld id="{D0C55A96-A2AF-461F-BC65-806F2EEA30DE}" type="datetimeFigureOut">
               <a:rPr kumimoji="1" lang="ja-JP" altLang="en-US" smtClean="0"/>
-              <a:t>2021/3/11</a:t>
+              <a:t>2021/7/21</a:t>
             </a:fld>
             <a:endParaRPr kumimoji="1" lang="ja-JP" altLang="en-US"/>
           </a:p>
@@ -778,7 +788,7 @@
           <a:p>
             <a:fld id="{D0C55A96-A2AF-461F-BC65-806F2EEA30DE}" type="datetimeFigureOut">
               <a:rPr kumimoji="1" lang="ja-JP" altLang="en-US" smtClean="0"/>
-              <a:t>2021/3/11</a:t>
+              <a:t>2021/7/21</a:t>
             </a:fld>
             <a:endParaRPr kumimoji="1" lang="ja-JP" altLang="en-US"/>
           </a:p>
@@ -1098,7 +1108,7 @@
           <a:p>
             <a:fld id="{D0C55A96-A2AF-461F-BC65-806F2EEA30DE}" type="datetimeFigureOut">
               <a:rPr kumimoji="1" lang="ja-JP" altLang="en-US" smtClean="0"/>
-              <a:t>2021/3/11</a:t>
+              <a:t>2021/7/21</a:t>
             </a:fld>
             <a:endParaRPr kumimoji="1" lang="ja-JP" altLang="en-US"/>
           </a:p>
@@ -1373,7 +1383,7 @@
           <a:p>
             <a:fld id="{D0C55A96-A2AF-461F-BC65-806F2EEA30DE}" type="datetimeFigureOut">
               <a:rPr kumimoji="1" lang="ja-JP" altLang="en-US" smtClean="0"/>
-              <a:t>2021/3/11</a:t>
+              <a:t>2021/7/21</a:t>
             </a:fld>
             <a:endParaRPr kumimoji="1" lang="ja-JP" altLang="en-US"/>
           </a:p>
@@ -1702,7 +1712,7 @@
           <a:p>
             <a:fld id="{D0C55A96-A2AF-461F-BC65-806F2EEA30DE}" type="datetimeFigureOut">
               <a:rPr kumimoji="1" lang="ja-JP" altLang="en-US" smtClean="0"/>
-              <a:t>2021/3/11</a:t>
+              <a:t>2021/7/21</a:t>
             </a:fld>
             <a:endParaRPr kumimoji="1" lang="ja-JP" altLang="en-US"/>
           </a:p>
@@ -2178,7 +2188,7 @@
           <a:p>
             <a:fld id="{D0C55A96-A2AF-461F-BC65-806F2EEA30DE}" type="datetimeFigureOut">
               <a:rPr kumimoji="1" lang="ja-JP" altLang="en-US" smtClean="0"/>
-              <a:t>2021/3/11</a:t>
+              <a:t>2021/7/21</a:t>
             </a:fld>
             <a:endParaRPr kumimoji="1" lang="ja-JP" altLang="en-US"/>
           </a:p>
@@ -2319,7 +2329,7 @@
           <a:p>
             <a:fld id="{D0C55A96-A2AF-461F-BC65-806F2EEA30DE}" type="datetimeFigureOut">
               <a:rPr kumimoji="1" lang="ja-JP" altLang="en-US" smtClean="0"/>
-              <a:t>2021/3/11</a:t>
+              <a:t>2021/7/21</a:t>
             </a:fld>
             <a:endParaRPr kumimoji="1" lang="ja-JP" altLang="en-US"/>
           </a:p>
@@ -2432,7 +2442,7 @@
           <a:p>
             <a:fld id="{D0C55A96-A2AF-461F-BC65-806F2EEA30DE}" type="datetimeFigureOut">
               <a:rPr kumimoji="1" lang="ja-JP" altLang="en-US" smtClean="0"/>
-              <a:t>2021/3/11</a:t>
+              <a:t>2021/7/21</a:t>
             </a:fld>
             <a:endParaRPr kumimoji="1" lang="ja-JP" altLang="en-US"/>
           </a:p>
@@ -2775,7 +2785,7 @@
           <a:p>
             <a:fld id="{D0C55A96-A2AF-461F-BC65-806F2EEA30DE}" type="datetimeFigureOut">
               <a:rPr kumimoji="1" lang="ja-JP" altLang="en-US" smtClean="0"/>
-              <a:t>2021/3/11</a:t>
+              <a:t>2021/7/21</a:t>
             </a:fld>
             <a:endParaRPr kumimoji="1" lang="ja-JP" altLang="en-US"/>
           </a:p>
@@ -3063,7 +3073,7 @@
           <a:p>
             <a:fld id="{D0C55A96-A2AF-461F-BC65-806F2EEA30DE}" type="datetimeFigureOut">
               <a:rPr kumimoji="1" lang="ja-JP" altLang="en-US" smtClean="0"/>
-              <a:t>2021/3/11</a:t>
+              <a:t>2021/7/21</a:t>
             </a:fld>
             <a:endParaRPr kumimoji="1" lang="ja-JP" altLang="en-US"/>
           </a:p>
@@ -3336,7 +3346,7 @@
           <a:p>
             <a:fld id="{D0C55A96-A2AF-461F-BC65-806F2EEA30DE}" type="datetimeFigureOut">
               <a:rPr kumimoji="1" lang="ja-JP" altLang="en-US" smtClean="0"/>
-              <a:t>2021/3/11</a:t>
+              <a:t>2021/7/21</a:t>
             </a:fld>
             <a:endParaRPr kumimoji="1" lang="ja-JP" altLang="en-US"/>
           </a:p>
@@ -3798,6 +3808,153 @@
 </file>
 
 <file path=ppt/slides/slide10.xml><?xml version="1.0" encoding="utf-8"?>
+<p:sld xmlns:a="http://schemas.openxmlformats.org/drawingml/2006/main" xmlns:r="http://schemas.openxmlformats.org/officeDocument/2006/relationships" xmlns:p="http://schemas.openxmlformats.org/presentationml/2006/main">
+  <p:cSld>
+    <p:spTree>
+      <p:nvGrpSpPr>
+        <p:cNvPr id="1" name=""/>
+        <p:cNvGrpSpPr/>
+        <p:nvPr/>
+      </p:nvGrpSpPr>
+      <p:grpSpPr>
+        <a:xfrm>
+          <a:off x="0" y="0"/>
+          <a:ext cx="0" cy="0"/>
+          <a:chOff x="0" y="0"/>
+          <a:chExt cx="0" cy="0"/>
+        </a:xfrm>
+      </p:grpSpPr>
+      <p:pic>
+        <p:nvPicPr>
+          <p:cNvPr id="2" name="図 1"/>
+          <p:cNvPicPr>
+            <a:picLocks noChangeAspect="1"/>
+          </p:cNvPicPr>
+          <p:nvPr/>
+        </p:nvPicPr>
+        <p:blipFill>
+          <a:blip r:embed="rId2"/>
+          <a:stretch>
+            <a:fillRect/>
+          </a:stretch>
+        </p:blipFill>
+        <p:spPr>
+          <a:xfrm>
+            <a:off x="2761678" y="0"/>
+            <a:ext cx="6668644" cy="6858000"/>
+          </a:xfrm>
+          <a:prstGeom prst="rect">
+            <a:avLst/>
+          </a:prstGeom>
+        </p:spPr>
+      </p:pic>
+    </p:spTree>
+  </p:cSld>
+  <p:clrMapOvr>
+    <a:masterClrMapping/>
+  </p:clrMapOvr>
+</p:sld>
+</file>
+
+<file path=ppt/slides/slide11.xml><?xml version="1.0" encoding="utf-8"?>
+<p:sld xmlns:a="http://schemas.openxmlformats.org/drawingml/2006/main" xmlns:r="http://schemas.openxmlformats.org/officeDocument/2006/relationships" xmlns:p="http://schemas.openxmlformats.org/presentationml/2006/main">
+  <p:cSld>
+    <p:spTree>
+      <p:nvGrpSpPr>
+        <p:cNvPr id="1" name=""/>
+        <p:cNvGrpSpPr/>
+        <p:nvPr/>
+      </p:nvGrpSpPr>
+      <p:grpSpPr>
+        <a:xfrm>
+          <a:off x="0" y="0"/>
+          <a:ext cx="0" cy="0"/>
+          <a:chOff x="0" y="0"/>
+          <a:chExt cx="0" cy="0"/>
+        </a:xfrm>
+      </p:grpSpPr>
+      <p:pic>
+        <p:nvPicPr>
+          <p:cNvPr id="2" name="図 1"/>
+          <p:cNvPicPr>
+            <a:picLocks noChangeAspect="1"/>
+          </p:cNvPicPr>
+          <p:nvPr/>
+        </p:nvPicPr>
+        <p:blipFill>
+          <a:blip r:embed="rId2"/>
+          <a:stretch>
+            <a:fillRect/>
+          </a:stretch>
+        </p:blipFill>
+        <p:spPr>
+          <a:xfrm>
+            <a:off x="2358510" y="718795"/>
+            <a:ext cx="4018612" cy="3838166"/>
+          </a:xfrm>
+          <a:prstGeom prst="rect">
+            <a:avLst/>
+          </a:prstGeom>
+        </p:spPr>
+      </p:pic>
+    </p:spTree>
+  </p:cSld>
+  <p:clrMapOvr>
+    <a:masterClrMapping/>
+  </p:clrMapOvr>
+</p:sld>
+</file>
+
+<file path=ppt/slides/slide12.xml><?xml version="1.0" encoding="utf-8"?>
+<p:sld xmlns:a="http://schemas.openxmlformats.org/drawingml/2006/main" xmlns:r="http://schemas.openxmlformats.org/officeDocument/2006/relationships" xmlns:p="http://schemas.openxmlformats.org/presentationml/2006/main">
+  <p:cSld>
+    <p:spTree>
+      <p:nvGrpSpPr>
+        <p:cNvPr id="1" name=""/>
+        <p:cNvGrpSpPr/>
+        <p:nvPr/>
+      </p:nvGrpSpPr>
+      <p:grpSpPr>
+        <a:xfrm>
+          <a:off x="0" y="0"/>
+          <a:ext cx="0" cy="0"/>
+          <a:chOff x="0" y="0"/>
+          <a:chExt cx="0" cy="0"/>
+        </a:xfrm>
+      </p:grpSpPr>
+      <p:pic>
+        <p:nvPicPr>
+          <p:cNvPr id="4" name="図 3"/>
+          <p:cNvPicPr>
+            <a:picLocks noChangeAspect="1"/>
+          </p:cNvPicPr>
+          <p:nvPr/>
+        </p:nvPicPr>
+        <p:blipFill>
+          <a:blip r:embed="rId2"/>
+          <a:stretch>
+            <a:fillRect/>
+          </a:stretch>
+        </p:blipFill>
+        <p:spPr>
+          <a:xfrm>
+            <a:off x="2893917" y="295564"/>
+            <a:ext cx="6096938" cy="5667768"/>
+          </a:xfrm>
+          <a:prstGeom prst="rect">
+            <a:avLst/>
+          </a:prstGeom>
+        </p:spPr>
+      </p:pic>
+    </p:spTree>
+  </p:cSld>
+  <p:clrMapOvr>
+    <a:masterClrMapping/>
+  </p:clrMapOvr>
+</p:sld>
+</file>
+
+<file path=ppt/slides/slide13.xml><?xml version="1.0" encoding="utf-8"?>
 <p:sld xmlns:a="http://schemas.openxmlformats.org/drawingml/2006/main" xmlns:r="http://schemas.openxmlformats.org/officeDocument/2006/relationships" xmlns:p="http://schemas.openxmlformats.org/presentationml/2006/main">
   <p:cSld>
     <p:spTree>
@@ -4596,7 +4753,7 @@
 </p:sld>
 </file>
 
-<file path=ppt/slides/slide11.xml><?xml version="1.0" encoding="utf-8"?>
+<file path=ppt/slides/slide14.xml><?xml version="1.0" encoding="utf-8"?>
 <p:sld xmlns:a="http://schemas.openxmlformats.org/drawingml/2006/main" xmlns:r="http://schemas.openxmlformats.org/officeDocument/2006/relationships" xmlns:p="http://schemas.openxmlformats.org/presentationml/2006/main">
   <p:cSld>
     <p:spTree>
@@ -4645,7 +4802,7 @@
 </p:sld>
 </file>
 
-<file path=ppt/slides/slide12.xml><?xml version="1.0" encoding="utf-8"?>
+<file path=ppt/slides/slide15.xml><?xml version="1.0" encoding="utf-8"?>
 <p:sld xmlns:a="http://schemas.openxmlformats.org/drawingml/2006/main" xmlns:r="http://schemas.openxmlformats.org/officeDocument/2006/relationships" xmlns:p="http://schemas.openxmlformats.org/presentationml/2006/main">
   <p:cSld>
     <p:spTree>
@@ -4694,7 +4851,7 @@
 </p:sld>
 </file>
 
-<file path=ppt/slides/slide13.xml><?xml version="1.0" encoding="utf-8"?>
+<file path=ppt/slides/slide16.xml><?xml version="1.0" encoding="utf-8"?>
 <p:sld xmlns:a="http://schemas.openxmlformats.org/drawingml/2006/main" xmlns:r="http://schemas.openxmlformats.org/officeDocument/2006/relationships" xmlns:p="http://schemas.openxmlformats.org/presentationml/2006/main">
   <p:cSld>
     <p:spTree>
@@ -8061,6 +8218,2814 @@
           <a:chExt cx="0" cy="0"/>
         </a:xfrm>
       </p:grpSpPr>
+      <p:pic>
+        <p:nvPicPr>
+          <p:cNvPr id="3" name="図 2">
+            <a:extLst>
+              <a:ext uri="{FF2B5EF4-FFF2-40B4-BE49-F238E27FC236}">
+                <a16:creationId xmlns:a16="http://schemas.microsoft.com/office/drawing/2014/main" id="{31D3BC0B-8766-4905-BAA0-AA4CBFFE81B2}"/>
+              </a:ext>
+            </a:extLst>
+          </p:cNvPr>
+          <p:cNvPicPr>
+            <a:picLocks noChangeAspect="1"/>
+          </p:cNvPicPr>
+          <p:nvPr/>
+        </p:nvPicPr>
+        <p:blipFill>
+          <a:blip r:embed="rId2"/>
+          <a:stretch>
+            <a:fillRect/>
+          </a:stretch>
+        </p:blipFill>
+        <p:spPr>
+          <a:xfrm>
+            <a:off x="2613211" y="0"/>
+            <a:ext cx="6965577" cy="6858000"/>
+          </a:xfrm>
+          <a:prstGeom prst="rect">
+            <a:avLst/>
+          </a:prstGeom>
+        </p:spPr>
+      </p:pic>
+    </p:spTree>
+    <p:extLst>
+      <p:ext uri="{BB962C8B-B14F-4D97-AF65-F5344CB8AC3E}">
+        <p14:creationId xmlns:p14="http://schemas.microsoft.com/office/powerpoint/2010/main" val="4261831787"/>
+      </p:ext>
+    </p:extLst>
+  </p:cSld>
+  <p:clrMapOvr>
+    <a:masterClrMapping/>
+  </p:clrMapOvr>
+</p:sld>
+</file>
+
+<file path=ppt/slides/slide5.xml><?xml version="1.0" encoding="utf-8"?>
+<p:sld xmlns:a="http://schemas.openxmlformats.org/drawingml/2006/main" xmlns:r="http://schemas.openxmlformats.org/officeDocument/2006/relationships" xmlns:p="http://schemas.openxmlformats.org/presentationml/2006/main">
+  <p:cSld>
+    <p:spTree>
+      <p:nvGrpSpPr>
+        <p:cNvPr id="1" name=""/>
+        <p:cNvGrpSpPr/>
+        <p:nvPr/>
+      </p:nvGrpSpPr>
+      <p:grpSpPr>
+        <a:xfrm>
+          <a:off x="0" y="0"/>
+          <a:ext cx="0" cy="0"/>
+          <a:chOff x="0" y="0"/>
+          <a:chExt cx="0" cy="0"/>
+        </a:xfrm>
+      </p:grpSpPr>
+      <p:pic>
+        <p:nvPicPr>
+          <p:cNvPr id="18" name="図 17">
+            <a:extLst>
+              <a:ext uri="{FF2B5EF4-FFF2-40B4-BE49-F238E27FC236}">
+                <a16:creationId xmlns:a16="http://schemas.microsoft.com/office/drawing/2014/main" id="{1919D74A-1925-42C2-9C8A-B7A3E25F006D}"/>
+              </a:ext>
+            </a:extLst>
+          </p:cNvPr>
+          <p:cNvPicPr>
+            <a:picLocks noChangeAspect="1"/>
+          </p:cNvPicPr>
+          <p:nvPr/>
+        </p:nvPicPr>
+        <p:blipFill>
+          <a:blip r:embed="rId2"/>
+          <a:stretch>
+            <a:fillRect/>
+          </a:stretch>
+        </p:blipFill>
+        <p:spPr>
+          <a:xfrm>
+            <a:off x="3542393" y="1018280"/>
+            <a:ext cx="5233341" cy="5152516"/>
+          </a:xfrm>
+          <a:prstGeom prst="rect">
+            <a:avLst/>
+          </a:prstGeom>
+        </p:spPr>
+      </p:pic>
+      <p:sp>
+        <p:nvSpPr>
+          <p:cNvPr id="3" name="テキスト ボックス 2">
+            <a:extLst>
+              <a:ext uri="{FF2B5EF4-FFF2-40B4-BE49-F238E27FC236}">
+                <a16:creationId xmlns:a16="http://schemas.microsoft.com/office/drawing/2014/main" id="{E2C884D7-FA00-429E-8597-B3485194DF7B}"/>
+              </a:ext>
+            </a:extLst>
+          </p:cNvPr>
+          <p:cNvSpPr txBox="1"/>
+          <p:nvPr/>
+        </p:nvSpPr>
+        <p:spPr>
+          <a:xfrm>
+            <a:off x="2560324" y="735611"/>
+            <a:ext cx="1038388" cy="449551"/>
+          </a:xfrm>
+          <a:prstGeom prst="rect">
+            <a:avLst/>
+          </a:prstGeom>
+          <a:solidFill>
+            <a:srgbClr val="92D050">
+              <a:alpha val="40000"/>
+            </a:srgbClr>
+          </a:solidFill>
+          <a:ln>
+            <a:solidFill>
+              <a:schemeClr val="tx1"/>
+            </a:solidFill>
+          </a:ln>
+        </p:spPr>
+        <p:txBody>
+          <a:bodyPr wrap="square" rtlCol="0">
+            <a:noAutofit/>
+          </a:bodyPr>
+          <a:lstStyle/>
+          <a:p>
+            <a:r>
+              <a:rPr lang="en-US" altLang="ja-JP" sz="726" dirty="0">
+                <a:latin typeface="Arial" panose="020B0604020202020204" pitchFamily="34" charset="0"/>
+                <a:cs typeface="Arial" panose="020B0604020202020204" pitchFamily="34" charset="0"/>
+              </a:rPr>
+              <a:t>Fluid inlet port, </a:t>
+            </a:r>
+            <a:r>
+              <a:rPr lang="en-US" altLang="ja-JP" sz="726" dirty="0" err="1">
+                <a:latin typeface="Arial" panose="020B0604020202020204" pitchFamily="34" charset="0"/>
+                <a:cs typeface="Arial" panose="020B0604020202020204" pitchFamily="34" charset="0"/>
+              </a:rPr>
+              <a:t>input&amp;output</a:t>
+            </a:r>
+            <a:r>
+              <a:rPr lang="en-US" altLang="ja-JP" sz="726" dirty="0">
+                <a:latin typeface="Arial" panose="020B0604020202020204" pitchFamily="34" charset="0"/>
+                <a:cs typeface="Arial" panose="020B0604020202020204" pitchFamily="34" charset="0"/>
+              </a:rPr>
+              <a:t> (use “connect” operator)</a:t>
+            </a:r>
+            <a:endParaRPr lang="ja-JP" altLang="en-US" sz="726" dirty="0">
+              <a:latin typeface="Arial" panose="020B0604020202020204" pitchFamily="34" charset="0"/>
+              <a:cs typeface="Arial" panose="020B0604020202020204" pitchFamily="34" charset="0"/>
+            </a:endParaRPr>
+          </a:p>
+        </p:txBody>
+      </p:sp>
+      <p:cxnSp>
+        <p:nvCxnSpPr>
+          <p:cNvPr id="4" name="直線矢印コネクタ 3">
+            <a:extLst>
+              <a:ext uri="{FF2B5EF4-FFF2-40B4-BE49-F238E27FC236}">
+                <a16:creationId xmlns:a16="http://schemas.microsoft.com/office/drawing/2014/main" id="{B001A228-1ED4-44D1-B3C4-53E96C1FE12A}"/>
+              </a:ext>
+            </a:extLst>
+          </p:cNvPr>
+          <p:cNvCxnSpPr>
+            <a:stCxn id="3" idx="3"/>
+          </p:cNvCxnSpPr>
+          <p:nvPr/>
+        </p:nvCxnSpPr>
+        <p:spPr>
+          <a:xfrm>
+            <a:off x="3598711" y="960387"/>
+            <a:ext cx="449514" cy="358092"/>
+          </a:xfrm>
+          <a:prstGeom prst="straightConnector1">
+            <a:avLst/>
+          </a:prstGeom>
+          <a:ln w="12700">
+            <a:solidFill>
+              <a:schemeClr val="tx1"/>
+            </a:solidFill>
+            <a:tailEnd type="oval"/>
+          </a:ln>
+        </p:spPr>
+        <p:style>
+          <a:lnRef idx="1">
+            <a:schemeClr val="accent1"/>
+          </a:lnRef>
+          <a:fillRef idx="0">
+            <a:schemeClr val="accent1"/>
+          </a:fillRef>
+          <a:effectRef idx="0">
+            <a:schemeClr val="accent1"/>
+          </a:effectRef>
+          <a:fontRef idx="minor">
+            <a:schemeClr val="tx1"/>
+          </a:fontRef>
+        </p:style>
+      </p:cxnSp>
+      <p:sp>
+        <p:nvSpPr>
+          <p:cNvPr id="5" name="テキスト ボックス 4">
+            <a:extLst>
+              <a:ext uri="{FF2B5EF4-FFF2-40B4-BE49-F238E27FC236}">
+                <a16:creationId xmlns:a16="http://schemas.microsoft.com/office/drawing/2014/main" id="{7B911A7C-3661-45F2-8956-14FABF59F74C}"/>
+              </a:ext>
+            </a:extLst>
+          </p:cNvPr>
+          <p:cNvSpPr txBox="1"/>
+          <p:nvPr/>
+        </p:nvSpPr>
+        <p:spPr>
+          <a:xfrm>
+            <a:off x="8719828" y="806959"/>
+            <a:ext cx="1038388" cy="422642"/>
+          </a:xfrm>
+          <a:prstGeom prst="rect">
+            <a:avLst/>
+          </a:prstGeom>
+          <a:solidFill>
+            <a:srgbClr val="92D050">
+              <a:alpha val="40000"/>
+            </a:srgbClr>
+          </a:solidFill>
+          <a:ln>
+            <a:solidFill>
+              <a:schemeClr val="tx1"/>
+            </a:solidFill>
+          </a:ln>
+        </p:spPr>
+        <p:txBody>
+          <a:bodyPr wrap="square" rtlCol="0">
+            <a:noAutofit/>
+          </a:bodyPr>
+          <a:lstStyle/>
+          <a:p>
+            <a:r>
+              <a:rPr lang="en-US" altLang="ja-JP" sz="726" dirty="0">
+                <a:latin typeface="Arial" panose="020B0604020202020204" pitchFamily="34" charset="0"/>
+                <a:cs typeface="Arial" panose="020B0604020202020204" pitchFamily="34" charset="0"/>
+              </a:rPr>
+              <a:t>Fluid outlet port, </a:t>
+            </a:r>
+            <a:r>
+              <a:rPr lang="en-US" altLang="ja-JP" sz="726" dirty="0" err="1">
+                <a:latin typeface="Arial" panose="020B0604020202020204" pitchFamily="34" charset="0"/>
+                <a:cs typeface="Arial" panose="020B0604020202020204" pitchFamily="34" charset="0"/>
+              </a:rPr>
+              <a:t>input&amp;output</a:t>
+            </a:r>
+            <a:r>
+              <a:rPr lang="en-US" altLang="ja-JP" sz="726" dirty="0">
+                <a:latin typeface="Arial" panose="020B0604020202020204" pitchFamily="34" charset="0"/>
+                <a:cs typeface="Arial" panose="020B0604020202020204" pitchFamily="34" charset="0"/>
+              </a:rPr>
+              <a:t> (use “connect” operator)</a:t>
+            </a:r>
+            <a:endParaRPr lang="ja-JP" altLang="en-US" sz="726" dirty="0">
+              <a:latin typeface="Arial" panose="020B0604020202020204" pitchFamily="34" charset="0"/>
+              <a:cs typeface="Arial" panose="020B0604020202020204" pitchFamily="34" charset="0"/>
+            </a:endParaRPr>
+          </a:p>
+        </p:txBody>
+      </p:sp>
+      <p:cxnSp>
+        <p:nvCxnSpPr>
+          <p:cNvPr id="6" name="直線矢印コネクタ 5">
+            <a:extLst>
+              <a:ext uri="{FF2B5EF4-FFF2-40B4-BE49-F238E27FC236}">
+                <a16:creationId xmlns:a16="http://schemas.microsoft.com/office/drawing/2014/main" id="{0F780327-1B43-4B9C-B689-817CB04542A5}"/>
+              </a:ext>
+            </a:extLst>
+          </p:cNvPr>
+          <p:cNvCxnSpPr>
+            <a:stCxn id="5" idx="1"/>
+          </p:cNvCxnSpPr>
+          <p:nvPr/>
+        </p:nvCxnSpPr>
+        <p:spPr>
+          <a:xfrm flipH="1">
+            <a:off x="8250159" y="1018281"/>
+            <a:ext cx="469670" cy="348725"/>
+          </a:xfrm>
+          <a:prstGeom prst="straightConnector1">
+            <a:avLst/>
+          </a:prstGeom>
+          <a:ln w="12700">
+            <a:solidFill>
+              <a:schemeClr val="tx1"/>
+            </a:solidFill>
+            <a:tailEnd type="oval"/>
+          </a:ln>
+        </p:spPr>
+        <p:style>
+          <a:lnRef idx="1">
+            <a:schemeClr val="accent1"/>
+          </a:lnRef>
+          <a:fillRef idx="0">
+            <a:schemeClr val="accent1"/>
+          </a:fillRef>
+          <a:effectRef idx="0">
+            <a:schemeClr val="accent1"/>
+          </a:effectRef>
+          <a:fontRef idx="minor">
+            <a:schemeClr val="tx1"/>
+          </a:fontRef>
+        </p:style>
+      </p:cxnSp>
+      <p:sp>
+        <p:nvSpPr>
+          <p:cNvPr id="7" name="テキスト ボックス 6">
+            <a:extLst>
+              <a:ext uri="{FF2B5EF4-FFF2-40B4-BE49-F238E27FC236}">
+                <a16:creationId xmlns:a16="http://schemas.microsoft.com/office/drawing/2014/main" id="{D3F6C4B2-F5F0-42B1-B1D6-59F0256FFE73}"/>
+              </a:ext>
+            </a:extLst>
+          </p:cNvPr>
+          <p:cNvSpPr txBox="1"/>
+          <p:nvPr/>
+        </p:nvSpPr>
+        <p:spPr>
+          <a:xfrm>
+            <a:off x="8696757" y="4985020"/>
+            <a:ext cx="1361421" cy="580254"/>
+          </a:xfrm>
+          <a:prstGeom prst="rect">
+            <a:avLst/>
+          </a:prstGeom>
+          <a:solidFill>
+            <a:srgbClr val="92D050">
+              <a:alpha val="40000"/>
+            </a:srgbClr>
+          </a:solidFill>
+          <a:ln>
+            <a:solidFill>
+              <a:schemeClr val="tx1"/>
+            </a:solidFill>
+          </a:ln>
+        </p:spPr>
+        <p:txBody>
+          <a:bodyPr wrap="square" rtlCol="0">
+            <a:noAutofit/>
+          </a:bodyPr>
+          <a:lstStyle/>
+          <a:p>
+            <a:r>
+              <a:rPr lang="en-US" altLang="ja-JP" sz="726" dirty="0">
+                <a:latin typeface="Arial" panose="020B0604020202020204" pitchFamily="34" charset="0"/>
+                <a:cs typeface="Arial" panose="020B0604020202020204" pitchFamily="34" charset="0"/>
+              </a:rPr>
+              <a:t>Flange (rotational mechanics port), </a:t>
+            </a:r>
+          </a:p>
+          <a:p>
+            <a:r>
+              <a:rPr lang="en-US" altLang="ja-JP" sz="726" dirty="0" err="1">
+                <a:latin typeface="Arial" panose="020B0604020202020204" pitchFamily="34" charset="0"/>
+                <a:cs typeface="Arial" panose="020B0604020202020204" pitchFamily="34" charset="0"/>
+              </a:rPr>
+              <a:t>input&amp;output</a:t>
+            </a:r>
+            <a:r>
+              <a:rPr lang="en-US" altLang="ja-JP" sz="726" dirty="0">
+                <a:latin typeface="Arial" panose="020B0604020202020204" pitchFamily="34" charset="0"/>
+                <a:cs typeface="Arial" panose="020B0604020202020204" pitchFamily="34" charset="0"/>
+              </a:rPr>
+              <a:t> (use “connect” operator)</a:t>
+            </a:r>
+            <a:endParaRPr lang="ja-JP" altLang="en-US" sz="726" dirty="0">
+              <a:latin typeface="Arial" panose="020B0604020202020204" pitchFamily="34" charset="0"/>
+              <a:cs typeface="Arial" panose="020B0604020202020204" pitchFamily="34" charset="0"/>
+            </a:endParaRPr>
+          </a:p>
+        </p:txBody>
+      </p:sp>
+      <p:cxnSp>
+        <p:nvCxnSpPr>
+          <p:cNvPr id="8" name="直線矢印コネクタ 7">
+            <a:extLst>
+              <a:ext uri="{FF2B5EF4-FFF2-40B4-BE49-F238E27FC236}">
+                <a16:creationId xmlns:a16="http://schemas.microsoft.com/office/drawing/2014/main" id="{F0E385C1-1949-47A7-A4BC-EB19FE049FF2}"/>
+              </a:ext>
+            </a:extLst>
+          </p:cNvPr>
+          <p:cNvCxnSpPr>
+            <a:stCxn id="7" idx="1"/>
+          </p:cNvCxnSpPr>
+          <p:nvPr/>
+        </p:nvCxnSpPr>
+        <p:spPr>
+          <a:xfrm flipH="1">
+            <a:off x="8176382" y="5275146"/>
+            <a:ext cx="520376" cy="182921"/>
+          </a:xfrm>
+          <a:prstGeom prst="straightConnector1">
+            <a:avLst/>
+          </a:prstGeom>
+          <a:ln w="12700">
+            <a:solidFill>
+              <a:schemeClr val="tx1"/>
+            </a:solidFill>
+            <a:tailEnd type="oval"/>
+          </a:ln>
+        </p:spPr>
+        <p:style>
+          <a:lnRef idx="1">
+            <a:schemeClr val="accent1"/>
+          </a:lnRef>
+          <a:fillRef idx="0">
+            <a:schemeClr val="accent1"/>
+          </a:fillRef>
+          <a:effectRef idx="0">
+            <a:schemeClr val="accent1"/>
+          </a:effectRef>
+          <a:fontRef idx="minor">
+            <a:schemeClr val="tx1"/>
+          </a:fontRef>
+        </p:style>
+      </p:cxnSp>
+      <p:sp>
+        <p:nvSpPr>
+          <p:cNvPr id="9" name="テキスト ボックス 8">
+            <a:extLst>
+              <a:ext uri="{FF2B5EF4-FFF2-40B4-BE49-F238E27FC236}">
+                <a16:creationId xmlns:a16="http://schemas.microsoft.com/office/drawing/2014/main" id="{351B8A22-6548-4975-AA9A-0A152D3AB663}"/>
+              </a:ext>
+            </a:extLst>
+          </p:cNvPr>
+          <p:cNvSpPr txBox="1"/>
+          <p:nvPr/>
+        </p:nvSpPr>
+        <p:spPr>
+          <a:xfrm>
+            <a:off x="2294120" y="4985020"/>
+            <a:ext cx="1361421" cy="580254"/>
+          </a:xfrm>
+          <a:prstGeom prst="rect">
+            <a:avLst/>
+          </a:prstGeom>
+          <a:solidFill>
+            <a:srgbClr val="92D050">
+              <a:alpha val="40000"/>
+            </a:srgbClr>
+          </a:solidFill>
+          <a:ln>
+            <a:solidFill>
+              <a:schemeClr val="tx1"/>
+            </a:solidFill>
+          </a:ln>
+        </p:spPr>
+        <p:txBody>
+          <a:bodyPr wrap="square" rtlCol="0">
+            <a:noAutofit/>
+          </a:bodyPr>
+          <a:lstStyle/>
+          <a:p>
+            <a:r>
+              <a:rPr lang="en-US" altLang="ja-JP" sz="726" dirty="0">
+                <a:latin typeface="Arial" panose="020B0604020202020204" pitchFamily="34" charset="0"/>
+                <a:cs typeface="Arial" panose="020B0604020202020204" pitchFamily="34" charset="0"/>
+              </a:rPr>
+              <a:t>Flange (rotational mechanics port), </a:t>
+            </a:r>
+          </a:p>
+          <a:p>
+            <a:r>
+              <a:rPr lang="en-US" altLang="ja-JP" sz="726" dirty="0" err="1">
+                <a:latin typeface="Arial" panose="020B0604020202020204" pitchFamily="34" charset="0"/>
+                <a:cs typeface="Arial" panose="020B0604020202020204" pitchFamily="34" charset="0"/>
+              </a:rPr>
+              <a:t>input&amp;output</a:t>
+            </a:r>
+            <a:r>
+              <a:rPr lang="en-US" altLang="ja-JP" sz="726" dirty="0">
+                <a:latin typeface="Arial" panose="020B0604020202020204" pitchFamily="34" charset="0"/>
+                <a:cs typeface="Arial" panose="020B0604020202020204" pitchFamily="34" charset="0"/>
+              </a:rPr>
+              <a:t> (use “connect” operator)</a:t>
+            </a:r>
+            <a:endParaRPr lang="ja-JP" altLang="en-US" sz="726" dirty="0">
+              <a:latin typeface="Arial" panose="020B0604020202020204" pitchFamily="34" charset="0"/>
+              <a:cs typeface="Arial" panose="020B0604020202020204" pitchFamily="34" charset="0"/>
+            </a:endParaRPr>
+          </a:p>
+        </p:txBody>
+      </p:sp>
+      <p:cxnSp>
+        <p:nvCxnSpPr>
+          <p:cNvPr id="10" name="直線矢印コネクタ 9">
+            <a:extLst>
+              <a:ext uri="{FF2B5EF4-FFF2-40B4-BE49-F238E27FC236}">
+                <a16:creationId xmlns:a16="http://schemas.microsoft.com/office/drawing/2014/main" id="{7F069326-FED2-46D5-A410-7BEAB5E50B83}"/>
+              </a:ext>
+            </a:extLst>
+          </p:cNvPr>
+          <p:cNvCxnSpPr>
+            <a:stCxn id="9" idx="3"/>
+          </p:cNvCxnSpPr>
+          <p:nvPr/>
+        </p:nvCxnSpPr>
+        <p:spPr>
+          <a:xfrm>
+            <a:off x="3655541" y="5275147"/>
+            <a:ext cx="392684" cy="290127"/>
+          </a:xfrm>
+          <a:prstGeom prst="straightConnector1">
+            <a:avLst/>
+          </a:prstGeom>
+          <a:ln w="12700">
+            <a:solidFill>
+              <a:schemeClr val="tx1"/>
+            </a:solidFill>
+            <a:tailEnd type="oval"/>
+          </a:ln>
+        </p:spPr>
+        <p:style>
+          <a:lnRef idx="1">
+            <a:schemeClr val="accent1"/>
+          </a:lnRef>
+          <a:fillRef idx="0">
+            <a:schemeClr val="accent1"/>
+          </a:fillRef>
+          <a:effectRef idx="0">
+            <a:schemeClr val="accent1"/>
+          </a:effectRef>
+          <a:fontRef idx="minor">
+            <a:schemeClr val="tx1"/>
+          </a:fontRef>
+        </p:style>
+      </p:cxnSp>
+      <p:cxnSp>
+        <p:nvCxnSpPr>
+          <p:cNvPr id="11" name="直線矢印コネクタ 10">
+            <a:extLst>
+              <a:ext uri="{FF2B5EF4-FFF2-40B4-BE49-F238E27FC236}">
+                <a16:creationId xmlns:a16="http://schemas.microsoft.com/office/drawing/2014/main" id="{157E6D8A-4C10-4372-8157-48FD38569C02}"/>
+              </a:ext>
+            </a:extLst>
+          </p:cNvPr>
+          <p:cNvCxnSpPr>
+            <a:cxnSpLocks/>
+            <a:stCxn id="12" idx="3"/>
+          </p:cNvCxnSpPr>
+          <p:nvPr/>
+        </p:nvCxnSpPr>
+        <p:spPr>
+          <a:xfrm flipV="1">
+            <a:off x="3655541" y="3047287"/>
+            <a:ext cx="492760" cy="635484"/>
+          </a:xfrm>
+          <a:prstGeom prst="straightConnector1">
+            <a:avLst/>
+          </a:prstGeom>
+          <a:ln w="12700">
+            <a:solidFill>
+              <a:schemeClr val="tx1"/>
+            </a:solidFill>
+            <a:tailEnd type="oval"/>
+          </a:ln>
+        </p:spPr>
+        <p:style>
+          <a:lnRef idx="1">
+            <a:schemeClr val="accent1"/>
+          </a:lnRef>
+          <a:fillRef idx="0">
+            <a:schemeClr val="accent1"/>
+          </a:fillRef>
+          <a:effectRef idx="0">
+            <a:schemeClr val="accent1"/>
+          </a:effectRef>
+          <a:fontRef idx="minor">
+            <a:schemeClr val="tx1"/>
+          </a:fontRef>
+        </p:style>
+      </p:cxnSp>
+      <p:sp>
+        <p:nvSpPr>
+          <p:cNvPr id="12" name="テキスト ボックス 11">
+            <a:extLst>
+              <a:ext uri="{FF2B5EF4-FFF2-40B4-BE49-F238E27FC236}">
+                <a16:creationId xmlns:a16="http://schemas.microsoft.com/office/drawing/2014/main" id="{F23823F5-B3C8-4AC7-937B-F93BD2C281B4}"/>
+              </a:ext>
+            </a:extLst>
+          </p:cNvPr>
+          <p:cNvSpPr txBox="1"/>
+          <p:nvPr/>
+        </p:nvSpPr>
+        <p:spPr>
+          <a:xfrm>
+            <a:off x="1864522" y="3503725"/>
+            <a:ext cx="1791019" cy="358092"/>
+          </a:xfrm>
+          <a:prstGeom prst="rect">
+            <a:avLst/>
+          </a:prstGeom>
+          <a:solidFill>
+            <a:srgbClr val="00B0F0">
+              <a:alpha val="40000"/>
+            </a:srgbClr>
+          </a:solidFill>
+          <a:ln>
+            <a:solidFill>
+              <a:schemeClr val="tx1"/>
+            </a:solidFill>
+          </a:ln>
+        </p:spPr>
+        <p:txBody>
+          <a:bodyPr wrap="square" rtlCol="0">
+            <a:noAutofit/>
+          </a:bodyPr>
+          <a:lstStyle/>
+          <a:p>
+            <a:r>
+              <a:rPr lang="en-US" altLang="ja-JP" sz="726" dirty="0">
+                <a:latin typeface="Arial" panose="020B0604020202020204" pitchFamily="34" charset="0"/>
+                <a:cs typeface="Arial" panose="020B0604020202020204" pitchFamily="34" charset="0"/>
+              </a:rPr>
+              <a:t>Fuel fraction in in-taken gas; </a:t>
+            </a:r>
+          </a:p>
+          <a:p>
+            <a:r>
+              <a:rPr lang="en-US" altLang="ja-JP" sz="726" dirty="0">
+                <a:latin typeface="Arial" panose="020B0604020202020204" pitchFamily="34" charset="0"/>
+                <a:cs typeface="Arial" panose="020B0604020202020204" pitchFamily="34" charset="0"/>
+              </a:rPr>
+              <a:t>input (use “connect” operator),</a:t>
+            </a:r>
+          </a:p>
+        </p:txBody>
+      </p:sp>
+      <p:sp>
+        <p:nvSpPr>
+          <p:cNvPr id="14" name="テキスト ボックス 13">
+            <a:extLst>
+              <a:ext uri="{FF2B5EF4-FFF2-40B4-BE49-F238E27FC236}">
+                <a16:creationId xmlns:a16="http://schemas.microsoft.com/office/drawing/2014/main" id="{FD57345E-2C94-498B-B164-A7D8F3924598}"/>
+              </a:ext>
+            </a:extLst>
+          </p:cNvPr>
+          <p:cNvSpPr txBox="1"/>
+          <p:nvPr/>
+        </p:nvSpPr>
+        <p:spPr>
+          <a:xfrm>
+            <a:off x="8867109" y="2158431"/>
+            <a:ext cx="1046109" cy="231723"/>
+          </a:xfrm>
+          <a:prstGeom prst="rect">
+            <a:avLst/>
+          </a:prstGeom>
+          <a:solidFill>
+            <a:srgbClr val="FFFF00">
+              <a:alpha val="40000"/>
+            </a:srgbClr>
+          </a:solidFill>
+          <a:ln>
+            <a:solidFill>
+              <a:schemeClr val="tx1"/>
+            </a:solidFill>
+          </a:ln>
+        </p:spPr>
+        <p:txBody>
+          <a:bodyPr wrap="square" rtlCol="0">
+            <a:noAutofit/>
+          </a:bodyPr>
+          <a:lstStyle/>
+          <a:p>
+            <a:r>
+              <a:rPr lang="en-US" altLang="ja-JP" sz="726" dirty="0">
+                <a:latin typeface="Arial" panose="020B0604020202020204" pitchFamily="34" charset="0"/>
+                <a:cs typeface="Arial" panose="020B0604020202020204" pitchFamily="34" charset="0"/>
+              </a:rPr>
+              <a:t>Fuel flow rate, output</a:t>
+            </a:r>
+          </a:p>
+        </p:txBody>
+      </p:sp>
+      <p:cxnSp>
+        <p:nvCxnSpPr>
+          <p:cNvPr id="15" name="直線矢印コネクタ 14">
+            <a:extLst>
+              <a:ext uri="{FF2B5EF4-FFF2-40B4-BE49-F238E27FC236}">
+                <a16:creationId xmlns:a16="http://schemas.microsoft.com/office/drawing/2014/main" id="{F4B5D653-ED43-4C86-85EA-DD15C96E5B65}"/>
+              </a:ext>
+            </a:extLst>
+          </p:cNvPr>
+          <p:cNvCxnSpPr>
+            <a:stCxn id="14" idx="1"/>
+          </p:cNvCxnSpPr>
+          <p:nvPr/>
+        </p:nvCxnSpPr>
+        <p:spPr>
+          <a:xfrm flipH="1" flipV="1">
+            <a:off x="8463414" y="2234205"/>
+            <a:ext cx="403694" cy="40087"/>
+          </a:xfrm>
+          <a:prstGeom prst="straightConnector1">
+            <a:avLst/>
+          </a:prstGeom>
+          <a:ln w="12700">
+            <a:solidFill>
+              <a:schemeClr val="tx1"/>
+            </a:solidFill>
+            <a:tailEnd type="oval"/>
+          </a:ln>
+        </p:spPr>
+        <p:style>
+          <a:lnRef idx="1">
+            <a:schemeClr val="accent1"/>
+          </a:lnRef>
+          <a:fillRef idx="0">
+            <a:schemeClr val="accent1"/>
+          </a:fillRef>
+          <a:effectRef idx="0">
+            <a:schemeClr val="accent1"/>
+          </a:effectRef>
+          <a:fontRef idx="minor">
+            <a:schemeClr val="tx1"/>
+          </a:fontRef>
+        </p:style>
+      </p:cxnSp>
+      <p:sp>
+        <p:nvSpPr>
+          <p:cNvPr id="16" name="テキスト ボックス 15">
+            <a:extLst>
+              <a:ext uri="{FF2B5EF4-FFF2-40B4-BE49-F238E27FC236}">
+                <a16:creationId xmlns:a16="http://schemas.microsoft.com/office/drawing/2014/main" id="{071BC9F4-1EE4-41CD-8750-0E0C2CA1168B}"/>
+              </a:ext>
+            </a:extLst>
+          </p:cNvPr>
+          <p:cNvSpPr txBox="1"/>
+          <p:nvPr/>
+        </p:nvSpPr>
+        <p:spPr>
+          <a:xfrm>
+            <a:off x="8536461" y="3318984"/>
+            <a:ext cx="1917143" cy="693082"/>
+          </a:xfrm>
+          <a:prstGeom prst="rect">
+            <a:avLst/>
+          </a:prstGeom>
+          <a:solidFill>
+            <a:srgbClr val="92D050">
+              <a:alpha val="40000"/>
+            </a:srgbClr>
+          </a:solidFill>
+          <a:ln>
+            <a:solidFill>
+              <a:schemeClr val="tx1"/>
+            </a:solidFill>
+          </a:ln>
+        </p:spPr>
+        <p:txBody>
+          <a:bodyPr wrap="square" rtlCol="0">
+            <a:noAutofit/>
+          </a:bodyPr>
+          <a:lstStyle/>
+          <a:p>
+            <a:r>
+              <a:rPr lang="en-US" altLang="ja-JP" sz="726" dirty="0">
+                <a:latin typeface="Arial" panose="020B0604020202020204" pitchFamily="34" charset="0"/>
+                <a:cs typeface="Arial" panose="020B0604020202020204" pitchFamily="34" charset="0"/>
+              </a:rPr>
+              <a:t>Expandable connector prepared for communication with internal variables which cannot be accessed by other ports, </a:t>
+            </a:r>
+          </a:p>
+          <a:p>
+            <a:r>
+              <a:rPr lang="en-US" altLang="ja-JP" sz="726" dirty="0" err="1">
+                <a:latin typeface="Arial" panose="020B0604020202020204" pitchFamily="34" charset="0"/>
+                <a:cs typeface="Arial" panose="020B0604020202020204" pitchFamily="34" charset="0"/>
+              </a:rPr>
+              <a:t>input&amp;output</a:t>
+            </a:r>
+            <a:r>
+              <a:rPr lang="en-US" altLang="ja-JP" sz="726" dirty="0">
+                <a:latin typeface="Arial" panose="020B0604020202020204" pitchFamily="34" charset="0"/>
+                <a:cs typeface="Arial" panose="020B0604020202020204" pitchFamily="34" charset="0"/>
+              </a:rPr>
+              <a:t>  (use “connect” operator)</a:t>
+            </a:r>
+            <a:endParaRPr lang="ja-JP" altLang="en-US" sz="726" dirty="0">
+              <a:latin typeface="Arial" panose="020B0604020202020204" pitchFamily="34" charset="0"/>
+              <a:cs typeface="Arial" panose="020B0604020202020204" pitchFamily="34" charset="0"/>
+            </a:endParaRPr>
+          </a:p>
+        </p:txBody>
+      </p:sp>
+      <p:cxnSp>
+        <p:nvCxnSpPr>
+          <p:cNvPr id="17" name="直線矢印コネクタ 16">
+            <a:extLst>
+              <a:ext uri="{FF2B5EF4-FFF2-40B4-BE49-F238E27FC236}">
+                <a16:creationId xmlns:a16="http://schemas.microsoft.com/office/drawing/2014/main" id="{546D90CB-BDCE-41BA-9FB0-F669304BAB76}"/>
+              </a:ext>
+            </a:extLst>
+          </p:cNvPr>
+          <p:cNvCxnSpPr>
+            <a:cxnSpLocks/>
+            <a:stCxn id="16" idx="1"/>
+          </p:cNvCxnSpPr>
+          <p:nvPr/>
+        </p:nvCxnSpPr>
+        <p:spPr>
+          <a:xfrm flipH="1">
+            <a:off x="7898527" y="3665525"/>
+            <a:ext cx="637934" cy="346541"/>
+          </a:xfrm>
+          <a:prstGeom prst="straightConnector1">
+            <a:avLst/>
+          </a:prstGeom>
+          <a:ln w="12700">
+            <a:solidFill>
+              <a:schemeClr val="tx1"/>
+            </a:solidFill>
+            <a:tailEnd type="oval"/>
+          </a:ln>
+        </p:spPr>
+        <p:style>
+          <a:lnRef idx="1">
+            <a:schemeClr val="accent1"/>
+          </a:lnRef>
+          <a:fillRef idx="0">
+            <a:schemeClr val="accent1"/>
+          </a:fillRef>
+          <a:effectRef idx="0">
+            <a:schemeClr val="accent1"/>
+          </a:effectRef>
+          <a:fontRef idx="minor">
+            <a:schemeClr val="tx1"/>
+          </a:fontRef>
+        </p:style>
+      </p:cxnSp>
+      <p:cxnSp>
+        <p:nvCxnSpPr>
+          <p:cNvPr id="19" name="直線矢印コネクタ 18">
+            <a:extLst>
+              <a:ext uri="{FF2B5EF4-FFF2-40B4-BE49-F238E27FC236}">
+                <a16:creationId xmlns:a16="http://schemas.microsoft.com/office/drawing/2014/main" id="{61C3AE4D-94D8-492B-964A-054FB2D4A25D}"/>
+              </a:ext>
+            </a:extLst>
+          </p:cNvPr>
+          <p:cNvCxnSpPr>
+            <a:cxnSpLocks/>
+            <a:stCxn id="20" idx="3"/>
+          </p:cNvCxnSpPr>
+          <p:nvPr/>
+        </p:nvCxnSpPr>
+        <p:spPr>
+          <a:xfrm flipV="1">
+            <a:off x="3079105" y="2272784"/>
+            <a:ext cx="657323" cy="231723"/>
+          </a:xfrm>
+          <a:prstGeom prst="straightConnector1">
+            <a:avLst/>
+          </a:prstGeom>
+          <a:ln w="12700">
+            <a:solidFill>
+              <a:schemeClr val="tx1"/>
+            </a:solidFill>
+            <a:tailEnd type="oval"/>
+          </a:ln>
+        </p:spPr>
+        <p:style>
+          <a:lnRef idx="1">
+            <a:schemeClr val="accent1"/>
+          </a:lnRef>
+          <a:fillRef idx="0">
+            <a:schemeClr val="accent1"/>
+          </a:fillRef>
+          <a:effectRef idx="0">
+            <a:schemeClr val="accent1"/>
+          </a:effectRef>
+          <a:fontRef idx="minor">
+            <a:schemeClr val="tx1"/>
+          </a:fontRef>
+        </p:style>
+      </p:cxnSp>
+      <p:sp>
+        <p:nvSpPr>
+          <p:cNvPr id="20" name="テキスト ボックス 19">
+            <a:extLst>
+              <a:ext uri="{FF2B5EF4-FFF2-40B4-BE49-F238E27FC236}">
+                <a16:creationId xmlns:a16="http://schemas.microsoft.com/office/drawing/2014/main" id="{092CC724-435F-4CAC-B165-65497D971D08}"/>
+              </a:ext>
+            </a:extLst>
+          </p:cNvPr>
+          <p:cNvSpPr txBox="1"/>
+          <p:nvPr/>
+        </p:nvSpPr>
+        <p:spPr>
+          <a:xfrm>
+            <a:off x="1288086" y="2325461"/>
+            <a:ext cx="1791019" cy="358092"/>
+          </a:xfrm>
+          <a:prstGeom prst="rect">
+            <a:avLst/>
+          </a:prstGeom>
+          <a:solidFill>
+            <a:srgbClr val="00B0F0">
+              <a:alpha val="40000"/>
+            </a:srgbClr>
+          </a:solidFill>
+          <a:ln>
+            <a:solidFill>
+              <a:schemeClr val="tx1"/>
+            </a:solidFill>
+          </a:ln>
+        </p:spPr>
+        <p:txBody>
+          <a:bodyPr wrap="square" rtlCol="0">
+            <a:noAutofit/>
+          </a:bodyPr>
+          <a:lstStyle/>
+          <a:p>
+            <a:r>
+              <a:rPr lang="en-US" altLang="ja-JP" sz="726" dirty="0">
+                <a:latin typeface="Arial" panose="020B0604020202020204" pitchFamily="34" charset="0"/>
+                <a:cs typeface="Arial" panose="020B0604020202020204" pitchFamily="34" charset="0"/>
+              </a:rPr>
+              <a:t>Air fraction in in-taken gas; </a:t>
+            </a:r>
+          </a:p>
+          <a:p>
+            <a:r>
+              <a:rPr lang="en-US" altLang="ja-JP" sz="726" dirty="0">
+                <a:latin typeface="Arial" panose="020B0604020202020204" pitchFamily="34" charset="0"/>
+                <a:cs typeface="Arial" panose="020B0604020202020204" pitchFamily="34" charset="0"/>
+              </a:rPr>
+              <a:t>input (use “connect” operator),</a:t>
+            </a:r>
+          </a:p>
+        </p:txBody>
+      </p:sp>
+    </p:spTree>
+    <p:extLst>
+      <p:ext uri="{BB962C8B-B14F-4D97-AF65-F5344CB8AC3E}">
+        <p14:creationId xmlns:p14="http://schemas.microsoft.com/office/powerpoint/2010/main" val="1744472316"/>
+      </p:ext>
+    </p:extLst>
+  </p:cSld>
+  <p:clrMapOvr>
+    <a:masterClrMapping/>
+  </p:clrMapOvr>
+</p:sld>
+</file>
+
+<file path=ppt/slides/slide6.xml><?xml version="1.0" encoding="utf-8"?>
+<p:sld xmlns:a="http://schemas.openxmlformats.org/drawingml/2006/main" xmlns:r="http://schemas.openxmlformats.org/officeDocument/2006/relationships" xmlns:p="http://schemas.openxmlformats.org/presentationml/2006/main">
+  <p:cSld>
+    <p:spTree>
+      <p:nvGrpSpPr>
+        <p:cNvPr id="1" name=""/>
+        <p:cNvGrpSpPr/>
+        <p:nvPr/>
+      </p:nvGrpSpPr>
+      <p:grpSpPr>
+        <a:xfrm>
+          <a:off x="0" y="0"/>
+          <a:ext cx="0" cy="0"/>
+          <a:chOff x="0" y="0"/>
+          <a:chExt cx="0" cy="0"/>
+        </a:xfrm>
+      </p:grpSpPr>
+      <p:pic>
+        <p:nvPicPr>
+          <p:cNvPr id="7" name="図 6">
+            <a:extLst>
+              <a:ext uri="{FF2B5EF4-FFF2-40B4-BE49-F238E27FC236}">
+                <a16:creationId xmlns:a16="http://schemas.microsoft.com/office/drawing/2014/main" id="{45DFCA3E-A83B-41A9-9645-93C459A86287}"/>
+              </a:ext>
+            </a:extLst>
+          </p:cNvPr>
+          <p:cNvPicPr>
+            <a:picLocks noChangeAspect="1"/>
+          </p:cNvPicPr>
+          <p:nvPr/>
+        </p:nvPicPr>
+        <p:blipFill>
+          <a:blip r:embed="rId2"/>
+          <a:stretch>
+            <a:fillRect/>
+          </a:stretch>
+        </p:blipFill>
+        <p:spPr>
+          <a:xfrm>
+            <a:off x="1600802" y="0"/>
+            <a:ext cx="8990395" cy="6858000"/>
+          </a:xfrm>
+          <a:prstGeom prst="rect">
+            <a:avLst/>
+          </a:prstGeom>
+        </p:spPr>
+      </p:pic>
+      <p:sp>
+        <p:nvSpPr>
+          <p:cNvPr id="4" name="テキスト ボックス 3">
+            <a:extLst>
+              <a:ext uri="{FF2B5EF4-FFF2-40B4-BE49-F238E27FC236}">
+                <a16:creationId xmlns:a16="http://schemas.microsoft.com/office/drawing/2014/main" id="{7ECE4DCC-DCF9-420F-8D6E-79110AB43919}"/>
+              </a:ext>
+            </a:extLst>
+          </p:cNvPr>
+          <p:cNvSpPr txBox="1"/>
+          <p:nvPr/>
+        </p:nvSpPr>
+        <p:spPr>
+          <a:xfrm>
+            <a:off x="3415745" y="4852500"/>
+            <a:ext cx="1791019" cy="522469"/>
+          </a:xfrm>
+          <a:prstGeom prst="rect">
+            <a:avLst/>
+          </a:prstGeom>
+          <a:solidFill>
+            <a:srgbClr val="92D050">
+              <a:alpha val="40000"/>
+            </a:srgbClr>
+          </a:solidFill>
+          <a:ln>
+            <a:solidFill>
+              <a:schemeClr val="tx1"/>
+            </a:solidFill>
+          </a:ln>
+        </p:spPr>
+        <p:txBody>
+          <a:bodyPr wrap="square" rtlCol="0">
+            <a:noAutofit/>
+          </a:bodyPr>
+          <a:lstStyle/>
+          <a:p>
+            <a:r>
+              <a:rPr lang="en-US" altLang="ja-JP" sz="726" dirty="0">
+                <a:latin typeface="Arial" panose="020B0604020202020204" pitchFamily="34" charset="0"/>
+                <a:cs typeface="Arial" panose="020B0604020202020204" pitchFamily="34" charset="0"/>
+              </a:rPr>
+              <a:t>It calculates power output, mass of fuel consumed in one Otto cycle and fluid state after expansion stroke.</a:t>
+            </a:r>
+            <a:endParaRPr lang="ja-JP" altLang="en-US" sz="726" dirty="0">
+              <a:latin typeface="Arial" panose="020B0604020202020204" pitchFamily="34" charset="0"/>
+              <a:cs typeface="Arial" panose="020B0604020202020204" pitchFamily="34" charset="0"/>
+            </a:endParaRPr>
+          </a:p>
+        </p:txBody>
+      </p:sp>
+      <p:cxnSp>
+        <p:nvCxnSpPr>
+          <p:cNvPr id="5" name="直線矢印コネクタ 4">
+            <a:extLst>
+              <a:ext uri="{FF2B5EF4-FFF2-40B4-BE49-F238E27FC236}">
+                <a16:creationId xmlns:a16="http://schemas.microsoft.com/office/drawing/2014/main" id="{FC8464D0-3C58-4BC0-945A-195BBB1383E7}"/>
+              </a:ext>
+            </a:extLst>
+          </p:cNvPr>
+          <p:cNvCxnSpPr>
+            <a:cxnSpLocks/>
+            <a:stCxn id="4" idx="0"/>
+          </p:cNvCxnSpPr>
+          <p:nvPr/>
+        </p:nvCxnSpPr>
+        <p:spPr>
+          <a:xfrm flipV="1">
+            <a:off x="4311255" y="4181973"/>
+            <a:ext cx="1482573" cy="670527"/>
+          </a:xfrm>
+          <a:prstGeom prst="straightConnector1">
+            <a:avLst/>
+          </a:prstGeom>
+          <a:ln w="12700">
+            <a:solidFill>
+              <a:schemeClr val="tx1"/>
+            </a:solidFill>
+            <a:tailEnd type="oval"/>
+          </a:ln>
+        </p:spPr>
+        <p:style>
+          <a:lnRef idx="1">
+            <a:schemeClr val="accent1"/>
+          </a:lnRef>
+          <a:fillRef idx="0">
+            <a:schemeClr val="accent1"/>
+          </a:fillRef>
+          <a:effectRef idx="0">
+            <a:schemeClr val="accent1"/>
+          </a:effectRef>
+          <a:fontRef idx="minor">
+            <a:schemeClr val="tx1"/>
+          </a:fontRef>
+        </p:style>
+      </p:cxnSp>
+      <p:sp>
+        <p:nvSpPr>
+          <p:cNvPr id="14" name="テキスト ボックス 13">
+            <a:extLst>
+              <a:ext uri="{FF2B5EF4-FFF2-40B4-BE49-F238E27FC236}">
+                <a16:creationId xmlns:a16="http://schemas.microsoft.com/office/drawing/2014/main" id="{328208F0-ED15-474C-97AF-54DF481B77C7}"/>
+              </a:ext>
+            </a:extLst>
+          </p:cNvPr>
+          <p:cNvSpPr txBox="1"/>
+          <p:nvPr/>
+        </p:nvSpPr>
+        <p:spPr>
+          <a:xfrm>
+            <a:off x="3291642" y="3774838"/>
+            <a:ext cx="1426980" cy="585531"/>
+          </a:xfrm>
+          <a:prstGeom prst="rect">
+            <a:avLst/>
+          </a:prstGeom>
+          <a:solidFill>
+            <a:srgbClr val="92D050">
+              <a:alpha val="40000"/>
+            </a:srgbClr>
+          </a:solidFill>
+          <a:ln>
+            <a:solidFill>
+              <a:schemeClr val="tx1"/>
+            </a:solidFill>
+          </a:ln>
+        </p:spPr>
+        <p:txBody>
+          <a:bodyPr wrap="square" rtlCol="0">
+            <a:noAutofit/>
+          </a:bodyPr>
+          <a:lstStyle/>
+          <a:p>
+            <a:r>
+              <a:rPr lang="en-US" altLang="ja-JP" sz="726" dirty="0">
+                <a:latin typeface="Arial" panose="020B0604020202020204" pitchFamily="34" charset="0"/>
+                <a:cs typeface="Arial" panose="020B0604020202020204" pitchFamily="34" charset="0"/>
+              </a:rPr>
+              <a:t>Pressure and spec. enthalpy of port_1 are referred as fluid state before compression stroke in cycle calculation</a:t>
+            </a:r>
+            <a:endParaRPr lang="ja-JP" altLang="en-US" sz="726" dirty="0">
+              <a:latin typeface="Arial" panose="020B0604020202020204" pitchFamily="34" charset="0"/>
+              <a:cs typeface="Arial" panose="020B0604020202020204" pitchFamily="34" charset="0"/>
+            </a:endParaRPr>
+          </a:p>
+        </p:txBody>
+      </p:sp>
+      <p:sp>
+        <p:nvSpPr>
+          <p:cNvPr id="15" name="フリーフォーム: 図形 14">
+            <a:extLst>
+              <a:ext uri="{FF2B5EF4-FFF2-40B4-BE49-F238E27FC236}">
+                <a16:creationId xmlns:a16="http://schemas.microsoft.com/office/drawing/2014/main" id="{7BC6C93D-AC4C-4B72-A7BC-06A88F604A80}"/>
+              </a:ext>
+            </a:extLst>
+          </p:cNvPr>
+          <p:cNvSpPr/>
+          <p:nvPr/>
+        </p:nvSpPr>
+        <p:spPr>
+          <a:xfrm>
+            <a:off x="2822000" y="709449"/>
+            <a:ext cx="2281270" cy="3137338"/>
+          </a:xfrm>
+          <a:custGeom>
+            <a:avLst/>
+            <a:gdLst>
+              <a:gd name="connsiteX0" fmla="*/ 2057 w 1428836"/>
+              <a:gd name="connsiteY0" fmla="*/ 0 h 1450427"/>
+              <a:gd name="connsiteX1" fmla="*/ 25705 w 1428836"/>
+              <a:gd name="connsiteY1" fmla="*/ 110358 h 1450427"/>
+              <a:gd name="connsiteX2" fmla="*/ 183361 w 1428836"/>
+              <a:gd name="connsiteY2" fmla="*/ 409903 h 1450427"/>
+              <a:gd name="connsiteX3" fmla="*/ 845512 w 1428836"/>
+              <a:gd name="connsiteY3" fmla="*/ 1221827 h 1450427"/>
+              <a:gd name="connsiteX4" fmla="*/ 1428836 w 1428836"/>
+              <a:gd name="connsiteY4" fmla="*/ 1450427 h 1450427"/>
+              <a:gd name="connsiteX0" fmla="*/ 209 w 1426988"/>
+              <a:gd name="connsiteY0" fmla="*/ 0 h 1450427"/>
+              <a:gd name="connsiteX1" fmla="*/ 63271 w 1426988"/>
+              <a:gd name="connsiteY1" fmla="*/ 204951 h 1450427"/>
+              <a:gd name="connsiteX2" fmla="*/ 181513 w 1426988"/>
+              <a:gd name="connsiteY2" fmla="*/ 409903 h 1450427"/>
+              <a:gd name="connsiteX3" fmla="*/ 843664 w 1426988"/>
+              <a:gd name="connsiteY3" fmla="*/ 1221827 h 1450427"/>
+              <a:gd name="connsiteX4" fmla="*/ 1426988 w 1426988"/>
+              <a:gd name="connsiteY4" fmla="*/ 1450427 h 1450427"/>
+              <a:gd name="connsiteX0" fmla="*/ 1261 w 1428040"/>
+              <a:gd name="connsiteY0" fmla="*/ 0 h 1450427"/>
+              <a:gd name="connsiteX1" fmla="*/ 64323 w 1428040"/>
+              <a:gd name="connsiteY1" fmla="*/ 204951 h 1450427"/>
+              <a:gd name="connsiteX2" fmla="*/ 411165 w 1428040"/>
+              <a:gd name="connsiteY2" fmla="*/ 796158 h 1450427"/>
+              <a:gd name="connsiteX3" fmla="*/ 844716 w 1428040"/>
+              <a:gd name="connsiteY3" fmla="*/ 1221827 h 1450427"/>
+              <a:gd name="connsiteX4" fmla="*/ 1428040 w 1428040"/>
+              <a:gd name="connsiteY4" fmla="*/ 1450427 h 1450427"/>
+              <a:gd name="connsiteX0" fmla="*/ 200 w 1426979"/>
+              <a:gd name="connsiteY0" fmla="*/ 0 h 1450427"/>
+              <a:gd name="connsiteX1" fmla="*/ 102675 w 1426979"/>
+              <a:gd name="connsiteY1" fmla="*/ 315310 h 1450427"/>
+              <a:gd name="connsiteX2" fmla="*/ 410104 w 1426979"/>
+              <a:gd name="connsiteY2" fmla="*/ 796158 h 1450427"/>
+              <a:gd name="connsiteX3" fmla="*/ 843655 w 1426979"/>
+              <a:gd name="connsiteY3" fmla="*/ 1221827 h 1450427"/>
+              <a:gd name="connsiteX4" fmla="*/ 1426979 w 1426979"/>
+              <a:gd name="connsiteY4" fmla="*/ 1450427 h 1450427"/>
+              <a:gd name="connsiteX0" fmla="*/ 200 w 1426979"/>
+              <a:gd name="connsiteY0" fmla="*/ 0 h 1450427"/>
+              <a:gd name="connsiteX1" fmla="*/ 102675 w 1426979"/>
+              <a:gd name="connsiteY1" fmla="*/ 315310 h 1450427"/>
+              <a:gd name="connsiteX2" fmla="*/ 410104 w 1426979"/>
+              <a:gd name="connsiteY2" fmla="*/ 796158 h 1450427"/>
+              <a:gd name="connsiteX3" fmla="*/ 710521 w 1426979"/>
+              <a:gd name="connsiteY3" fmla="*/ 1218183 h 1450427"/>
+              <a:gd name="connsiteX4" fmla="*/ 1426979 w 1426979"/>
+              <a:gd name="connsiteY4" fmla="*/ 1450427 h 1450427"/>
+              <a:gd name="connsiteX0" fmla="*/ 140 w 1426919"/>
+              <a:gd name="connsiteY0" fmla="*/ 0 h 1450427"/>
+              <a:gd name="connsiteX1" fmla="*/ 102615 w 1426919"/>
+              <a:gd name="connsiteY1" fmla="*/ 315310 h 1450427"/>
+              <a:gd name="connsiteX2" fmla="*/ 301564 w 1426919"/>
+              <a:gd name="connsiteY2" fmla="*/ 825312 h 1450427"/>
+              <a:gd name="connsiteX3" fmla="*/ 710461 w 1426919"/>
+              <a:gd name="connsiteY3" fmla="*/ 1218183 h 1450427"/>
+              <a:gd name="connsiteX4" fmla="*/ 1426919 w 1426919"/>
+              <a:gd name="connsiteY4" fmla="*/ 1450427 h 1450427"/>
+              <a:gd name="connsiteX0" fmla="*/ 132 w 1426911"/>
+              <a:gd name="connsiteY0" fmla="*/ 0 h 1450427"/>
+              <a:gd name="connsiteX1" fmla="*/ 102607 w 1426911"/>
+              <a:gd name="connsiteY1" fmla="*/ 315310 h 1450427"/>
+              <a:gd name="connsiteX2" fmla="*/ 281833 w 1426911"/>
+              <a:gd name="connsiteY2" fmla="*/ 839890 h 1450427"/>
+              <a:gd name="connsiteX3" fmla="*/ 710453 w 1426911"/>
+              <a:gd name="connsiteY3" fmla="*/ 1218183 h 1450427"/>
+              <a:gd name="connsiteX4" fmla="*/ 1426911 w 1426911"/>
+              <a:gd name="connsiteY4" fmla="*/ 1450427 h 1450427"/>
+              <a:gd name="connsiteX0" fmla="*/ 218 w 1426997"/>
+              <a:gd name="connsiteY0" fmla="*/ 0 h 1450427"/>
+              <a:gd name="connsiteX1" fmla="*/ 78039 w 1426997"/>
+              <a:gd name="connsiteY1" fmla="*/ 359042 h 1450427"/>
+              <a:gd name="connsiteX2" fmla="*/ 281919 w 1426997"/>
+              <a:gd name="connsiteY2" fmla="*/ 839890 h 1450427"/>
+              <a:gd name="connsiteX3" fmla="*/ 710539 w 1426997"/>
+              <a:gd name="connsiteY3" fmla="*/ 1218183 h 1450427"/>
+              <a:gd name="connsiteX4" fmla="*/ 1426997 w 1426997"/>
+              <a:gd name="connsiteY4" fmla="*/ 1450427 h 1450427"/>
+              <a:gd name="connsiteX0" fmla="*/ 218 w 1426997"/>
+              <a:gd name="connsiteY0" fmla="*/ 0 h 1450427"/>
+              <a:gd name="connsiteX1" fmla="*/ 78039 w 1426997"/>
+              <a:gd name="connsiteY1" fmla="*/ 359042 h 1450427"/>
+              <a:gd name="connsiteX2" fmla="*/ 281919 w 1426997"/>
+              <a:gd name="connsiteY2" fmla="*/ 839890 h 1450427"/>
+              <a:gd name="connsiteX3" fmla="*/ 636576 w 1426997"/>
+              <a:gd name="connsiteY3" fmla="*/ 1258271 h 1450427"/>
+              <a:gd name="connsiteX4" fmla="*/ 1426997 w 1426997"/>
+              <a:gd name="connsiteY4" fmla="*/ 1450427 h 1450427"/>
+              <a:gd name="connsiteX0" fmla="*/ 218 w 1426997"/>
+              <a:gd name="connsiteY0" fmla="*/ 0 h 1450427"/>
+              <a:gd name="connsiteX1" fmla="*/ 78039 w 1426997"/>
+              <a:gd name="connsiteY1" fmla="*/ 359042 h 1450427"/>
+              <a:gd name="connsiteX2" fmla="*/ 281919 w 1426997"/>
+              <a:gd name="connsiteY2" fmla="*/ 839890 h 1450427"/>
+              <a:gd name="connsiteX3" fmla="*/ 636576 w 1426997"/>
+              <a:gd name="connsiteY3" fmla="*/ 1258271 h 1450427"/>
+              <a:gd name="connsiteX4" fmla="*/ 1426997 w 1426997"/>
+              <a:gd name="connsiteY4" fmla="*/ 1450427 h 1450427"/>
+            </a:gdLst>
+            <a:ahLst/>
+            <a:cxnLst>
+              <a:cxn ang="0">
+                <a:pos x="connsiteX0" y="connsiteY0"/>
+              </a:cxn>
+              <a:cxn ang="0">
+                <a:pos x="connsiteX1" y="connsiteY1"/>
+              </a:cxn>
+              <a:cxn ang="0">
+                <a:pos x="connsiteX2" y="connsiteY2"/>
+              </a:cxn>
+              <a:cxn ang="0">
+                <a:pos x="connsiteX3" y="connsiteY3"/>
+              </a:cxn>
+              <a:cxn ang="0">
+                <a:pos x="connsiteX4" y="connsiteY4"/>
+              </a:cxn>
+            </a:cxnLst>
+            <a:rect l="l" t="t" r="r" b="b"/>
+            <a:pathLst>
+              <a:path w="1426997" h="1450427">
+                <a:moveTo>
+                  <a:pt x="218" y="0"/>
+                </a:moveTo>
+                <a:cubicBezTo>
+                  <a:pt x="-3067" y="21020"/>
+                  <a:pt x="31089" y="219060"/>
+                  <a:pt x="78039" y="359042"/>
+                </a:cubicBezTo>
+                <a:cubicBezTo>
+                  <a:pt x="124989" y="499024"/>
+                  <a:pt x="188830" y="690019"/>
+                  <a:pt x="281919" y="839890"/>
+                </a:cubicBezTo>
+                <a:cubicBezTo>
+                  <a:pt x="375009" y="989762"/>
+                  <a:pt x="428997" y="1084850"/>
+                  <a:pt x="636576" y="1258271"/>
+                </a:cubicBezTo>
+                <a:cubicBezTo>
+                  <a:pt x="903325" y="1398893"/>
+                  <a:pt x="1239124" y="1422837"/>
+                  <a:pt x="1426997" y="1450427"/>
+                </a:cubicBezTo>
+              </a:path>
+            </a:pathLst>
+          </a:custGeom>
+          <a:noFill/>
+          <a:ln w="57150">
+            <a:solidFill>
+              <a:schemeClr val="accent6">
+                <a:lumMod val="75000"/>
+              </a:schemeClr>
+            </a:solidFill>
+            <a:headEnd type="none" w="med" len="med"/>
+            <a:tailEnd type="triangle" w="med" len="med"/>
+          </a:ln>
+        </p:spPr>
+        <p:style>
+          <a:lnRef idx="2">
+            <a:schemeClr val="accent1">
+              <a:shade val="50000"/>
+            </a:schemeClr>
+          </a:lnRef>
+          <a:fillRef idx="1">
+            <a:schemeClr val="accent1"/>
+          </a:fillRef>
+          <a:effectRef idx="0">
+            <a:schemeClr val="accent1"/>
+          </a:effectRef>
+          <a:fontRef idx="minor">
+            <a:schemeClr val="lt1"/>
+          </a:fontRef>
+        </p:style>
+        <p:txBody>
+          <a:bodyPr rtlCol="0" anchor="ctr"/>
+          <a:lstStyle/>
+          <a:p>
+            <a:pPr algn="ctr"/>
+            <a:endParaRPr kumimoji="1" lang="ja-JP" altLang="en-US"/>
+          </a:p>
+        </p:txBody>
+      </p:sp>
+      <p:sp>
+        <p:nvSpPr>
+          <p:cNvPr id="17" name="テキスト ボックス 16">
+            <a:extLst>
+              <a:ext uri="{FF2B5EF4-FFF2-40B4-BE49-F238E27FC236}">
+                <a16:creationId xmlns:a16="http://schemas.microsoft.com/office/drawing/2014/main" id="{14C95BC9-F858-4D37-A0F8-11DC143201DE}"/>
+              </a:ext>
+            </a:extLst>
+          </p:cNvPr>
+          <p:cNvSpPr txBox="1"/>
+          <p:nvPr/>
+        </p:nvSpPr>
+        <p:spPr>
+          <a:xfrm>
+            <a:off x="7313567" y="2152990"/>
+            <a:ext cx="1426980" cy="585531"/>
+          </a:xfrm>
+          <a:prstGeom prst="rect">
+            <a:avLst/>
+          </a:prstGeom>
+          <a:solidFill>
+            <a:srgbClr val="92D050">
+              <a:alpha val="40000"/>
+            </a:srgbClr>
+          </a:solidFill>
+          <a:ln>
+            <a:solidFill>
+              <a:schemeClr val="tx1"/>
+            </a:solidFill>
+          </a:ln>
+        </p:spPr>
+        <p:txBody>
+          <a:bodyPr wrap="square" rtlCol="0">
+            <a:noAutofit/>
+          </a:bodyPr>
+          <a:lstStyle/>
+          <a:p>
+            <a:r>
+              <a:rPr lang="en-US" altLang="ja-JP" sz="726" dirty="0">
+                <a:latin typeface="Arial" panose="020B0604020202020204" pitchFamily="34" charset="0"/>
+                <a:cs typeface="Arial" panose="020B0604020202020204" pitchFamily="34" charset="0"/>
+              </a:rPr>
+              <a:t>Pressure and spec. enthalpy of fluid state after expansion stroke are referred as those of port_2.</a:t>
+            </a:r>
+            <a:endParaRPr lang="ja-JP" altLang="en-US" sz="726" dirty="0">
+              <a:latin typeface="Arial" panose="020B0604020202020204" pitchFamily="34" charset="0"/>
+              <a:cs typeface="Arial" panose="020B0604020202020204" pitchFamily="34" charset="0"/>
+            </a:endParaRPr>
+          </a:p>
+        </p:txBody>
+      </p:sp>
+      <p:sp>
+        <p:nvSpPr>
+          <p:cNvPr id="19" name="フリーフォーム: 図形 18">
+            <a:extLst>
+              <a:ext uri="{FF2B5EF4-FFF2-40B4-BE49-F238E27FC236}">
+                <a16:creationId xmlns:a16="http://schemas.microsoft.com/office/drawing/2014/main" id="{5D55CCFA-7055-4C5F-845E-A44933E9381E}"/>
+              </a:ext>
+            </a:extLst>
+          </p:cNvPr>
+          <p:cNvSpPr/>
+          <p:nvPr/>
+        </p:nvSpPr>
+        <p:spPr>
+          <a:xfrm>
+            <a:off x="6306207" y="4852499"/>
+            <a:ext cx="2981167" cy="1705955"/>
+          </a:xfrm>
+          <a:custGeom>
+            <a:avLst/>
+            <a:gdLst>
+              <a:gd name="connsiteX0" fmla="*/ 2057 w 1428836"/>
+              <a:gd name="connsiteY0" fmla="*/ 0 h 1450427"/>
+              <a:gd name="connsiteX1" fmla="*/ 25705 w 1428836"/>
+              <a:gd name="connsiteY1" fmla="*/ 110358 h 1450427"/>
+              <a:gd name="connsiteX2" fmla="*/ 183361 w 1428836"/>
+              <a:gd name="connsiteY2" fmla="*/ 409903 h 1450427"/>
+              <a:gd name="connsiteX3" fmla="*/ 845512 w 1428836"/>
+              <a:gd name="connsiteY3" fmla="*/ 1221827 h 1450427"/>
+              <a:gd name="connsiteX4" fmla="*/ 1428836 w 1428836"/>
+              <a:gd name="connsiteY4" fmla="*/ 1450427 h 1450427"/>
+              <a:gd name="connsiteX0" fmla="*/ 209 w 1426988"/>
+              <a:gd name="connsiteY0" fmla="*/ 0 h 1450427"/>
+              <a:gd name="connsiteX1" fmla="*/ 63271 w 1426988"/>
+              <a:gd name="connsiteY1" fmla="*/ 204951 h 1450427"/>
+              <a:gd name="connsiteX2" fmla="*/ 181513 w 1426988"/>
+              <a:gd name="connsiteY2" fmla="*/ 409903 h 1450427"/>
+              <a:gd name="connsiteX3" fmla="*/ 843664 w 1426988"/>
+              <a:gd name="connsiteY3" fmla="*/ 1221827 h 1450427"/>
+              <a:gd name="connsiteX4" fmla="*/ 1426988 w 1426988"/>
+              <a:gd name="connsiteY4" fmla="*/ 1450427 h 1450427"/>
+              <a:gd name="connsiteX0" fmla="*/ 1261 w 1428040"/>
+              <a:gd name="connsiteY0" fmla="*/ 0 h 1450427"/>
+              <a:gd name="connsiteX1" fmla="*/ 64323 w 1428040"/>
+              <a:gd name="connsiteY1" fmla="*/ 204951 h 1450427"/>
+              <a:gd name="connsiteX2" fmla="*/ 411165 w 1428040"/>
+              <a:gd name="connsiteY2" fmla="*/ 796158 h 1450427"/>
+              <a:gd name="connsiteX3" fmla="*/ 844716 w 1428040"/>
+              <a:gd name="connsiteY3" fmla="*/ 1221827 h 1450427"/>
+              <a:gd name="connsiteX4" fmla="*/ 1428040 w 1428040"/>
+              <a:gd name="connsiteY4" fmla="*/ 1450427 h 1450427"/>
+              <a:gd name="connsiteX0" fmla="*/ 200 w 1426979"/>
+              <a:gd name="connsiteY0" fmla="*/ 0 h 1450427"/>
+              <a:gd name="connsiteX1" fmla="*/ 102675 w 1426979"/>
+              <a:gd name="connsiteY1" fmla="*/ 315310 h 1450427"/>
+              <a:gd name="connsiteX2" fmla="*/ 410104 w 1426979"/>
+              <a:gd name="connsiteY2" fmla="*/ 796158 h 1450427"/>
+              <a:gd name="connsiteX3" fmla="*/ 843655 w 1426979"/>
+              <a:gd name="connsiteY3" fmla="*/ 1221827 h 1450427"/>
+              <a:gd name="connsiteX4" fmla="*/ 1426979 w 1426979"/>
+              <a:gd name="connsiteY4" fmla="*/ 1450427 h 1450427"/>
+              <a:gd name="connsiteX0" fmla="*/ 125 w 1426904"/>
+              <a:gd name="connsiteY0" fmla="*/ 0 h 1450427"/>
+              <a:gd name="connsiteX1" fmla="*/ 102600 w 1426904"/>
+              <a:gd name="connsiteY1" fmla="*/ 315310 h 1450427"/>
+              <a:gd name="connsiteX2" fmla="*/ 260257 w 1426904"/>
+              <a:gd name="connsiteY2" fmla="*/ 1387365 h 1450427"/>
+              <a:gd name="connsiteX3" fmla="*/ 843580 w 1426904"/>
+              <a:gd name="connsiteY3" fmla="*/ 1221827 h 1450427"/>
+              <a:gd name="connsiteX4" fmla="*/ 1426904 w 1426904"/>
+              <a:gd name="connsiteY4" fmla="*/ 1450427 h 1450427"/>
+              <a:gd name="connsiteX0" fmla="*/ 125 w 1426904"/>
+              <a:gd name="connsiteY0" fmla="*/ 0 h 1487570"/>
+              <a:gd name="connsiteX1" fmla="*/ 102600 w 1426904"/>
+              <a:gd name="connsiteY1" fmla="*/ 315310 h 1487570"/>
+              <a:gd name="connsiteX2" fmla="*/ 260257 w 1426904"/>
+              <a:gd name="connsiteY2" fmla="*/ 1387365 h 1487570"/>
+              <a:gd name="connsiteX3" fmla="*/ 1426904 w 1426904"/>
+              <a:gd name="connsiteY3" fmla="*/ 1450427 h 1487570"/>
+              <a:gd name="connsiteX0" fmla="*/ 0 w 1324304"/>
+              <a:gd name="connsiteY0" fmla="*/ 0 h 1172260"/>
+              <a:gd name="connsiteX1" fmla="*/ 157657 w 1324304"/>
+              <a:gd name="connsiteY1" fmla="*/ 1072055 h 1172260"/>
+              <a:gd name="connsiteX2" fmla="*/ 1324304 w 1324304"/>
+              <a:gd name="connsiteY2" fmla="*/ 1135117 h 1172260"/>
+              <a:gd name="connsiteX0" fmla="*/ 0 w 1355835"/>
+              <a:gd name="connsiteY0" fmla="*/ 0 h 1400360"/>
+              <a:gd name="connsiteX1" fmla="*/ 189188 w 1355835"/>
+              <a:gd name="connsiteY1" fmla="*/ 1284890 h 1400360"/>
+              <a:gd name="connsiteX2" fmla="*/ 1355835 w 1355835"/>
+              <a:gd name="connsiteY2" fmla="*/ 1347952 h 1400360"/>
+              <a:gd name="connsiteX0" fmla="*/ 0 w 1355835"/>
+              <a:gd name="connsiteY0" fmla="*/ 0 h 1400360"/>
+              <a:gd name="connsiteX1" fmla="*/ 189188 w 1355835"/>
+              <a:gd name="connsiteY1" fmla="*/ 1284890 h 1400360"/>
+              <a:gd name="connsiteX2" fmla="*/ 1355835 w 1355835"/>
+              <a:gd name="connsiteY2" fmla="*/ 1347952 h 1400360"/>
+            </a:gdLst>
+            <a:ahLst/>
+            <a:cxnLst>
+              <a:cxn ang="0">
+                <a:pos x="connsiteX0" y="connsiteY0"/>
+              </a:cxn>
+              <a:cxn ang="0">
+                <a:pos x="connsiteX1" y="connsiteY1"/>
+              </a:cxn>
+              <a:cxn ang="0">
+                <a:pos x="connsiteX2" y="connsiteY2"/>
+              </a:cxn>
+            </a:cxnLst>
+            <a:rect l="l" t="t" r="r" b="b"/>
+            <a:pathLst>
+              <a:path w="1355835" h="1400360">
+                <a:moveTo>
+                  <a:pt x="0" y="0"/>
+                </a:moveTo>
+                <a:cubicBezTo>
+                  <a:pt x="11824" y="191813"/>
+                  <a:pt x="-36784" y="1060231"/>
+                  <a:pt x="189188" y="1284890"/>
+                </a:cubicBezTo>
+                <a:cubicBezTo>
+                  <a:pt x="415160" y="1509549"/>
+                  <a:pt x="1112784" y="1334814"/>
+                  <a:pt x="1355835" y="1347952"/>
+                </a:cubicBezTo>
+              </a:path>
+            </a:pathLst>
+          </a:custGeom>
+          <a:noFill/>
+          <a:ln w="57150">
+            <a:solidFill>
+              <a:schemeClr val="accent6">
+                <a:lumMod val="75000"/>
+              </a:schemeClr>
+            </a:solidFill>
+            <a:headEnd type="none" w="med" len="med"/>
+            <a:tailEnd type="triangle" w="med" len="med"/>
+          </a:ln>
+        </p:spPr>
+        <p:style>
+          <a:lnRef idx="2">
+            <a:schemeClr val="accent1">
+              <a:shade val="50000"/>
+            </a:schemeClr>
+          </a:lnRef>
+          <a:fillRef idx="1">
+            <a:schemeClr val="accent1"/>
+          </a:fillRef>
+          <a:effectRef idx="0">
+            <a:schemeClr val="accent1"/>
+          </a:effectRef>
+          <a:fontRef idx="minor">
+            <a:schemeClr val="lt1"/>
+          </a:fontRef>
+        </p:style>
+        <p:txBody>
+          <a:bodyPr rtlCol="0" anchor="ctr"/>
+          <a:lstStyle/>
+          <a:p>
+            <a:pPr algn="ctr"/>
+            <a:endParaRPr kumimoji="1" lang="ja-JP" altLang="en-US"/>
+          </a:p>
+        </p:txBody>
+      </p:sp>
+      <p:sp>
+        <p:nvSpPr>
+          <p:cNvPr id="16" name="フリーフォーム: 図形 15">
+            <a:extLst>
+              <a:ext uri="{FF2B5EF4-FFF2-40B4-BE49-F238E27FC236}">
+                <a16:creationId xmlns:a16="http://schemas.microsoft.com/office/drawing/2014/main" id="{A45D86EC-315B-4115-803F-060933BA7E83}"/>
+              </a:ext>
+            </a:extLst>
+          </p:cNvPr>
+          <p:cNvSpPr/>
+          <p:nvPr/>
+        </p:nvSpPr>
+        <p:spPr>
+          <a:xfrm>
+            <a:off x="7193834" y="709449"/>
+            <a:ext cx="2281242" cy="3373819"/>
+          </a:xfrm>
+          <a:custGeom>
+            <a:avLst/>
+            <a:gdLst>
+              <a:gd name="connsiteX0" fmla="*/ 2057 w 1428836"/>
+              <a:gd name="connsiteY0" fmla="*/ 0 h 1450427"/>
+              <a:gd name="connsiteX1" fmla="*/ 25705 w 1428836"/>
+              <a:gd name="connsiteY1" fmla="*/ 110358 h 1450427"/>
+              <a:gd name="connsiteX2" fmla="*/ 183361 w 1428836"/>
+              <a:gd name="connsiteY2" fmla="*/ 409903 h 1450427"/>
+              <a:gd name="connsiteX3" fmla="*/ 845512 w 1428836"/>
+              <a:gd name="connsiteY3" fmla="*/ 1221827 h 1450427"/>
+              <a:gd name="connsiteX4" fmla="*/ 1428836 w 1428836"/>
+              <a:gd name="connsiteY4" fmla="*/ 1450427 h 1450427"/>
+              <a:gd name="connsiteX0" fmla="*/ 209 w 1426988"/>
+              <a:gd name="connsiteY0" fmla="*/ 0 h 1450427"/>
+              <a:gd name="connsiteX1" fmla="*/ 63271 w 1426988"/>
+              <a:gd name="connsiteY1" fmla="*/ 204951 h 1450427"/>
+              <a:gd name="connsiteX2" fmla="*/ 181513 w 1426988"/>
+              <a:gd name="connsiteY2" fmla="*/ 409903 h 1450427"/>
+              <a:gd name="connsiteX3" fmla="*/ 843664 w 1426988"/>
+              <a:gd name="connsiteY3" fmla="*/ 1221827 h 1450427"/>
+              <a:gd name="connsiteX4" fmla="*/ 1426988 w 1426988"/>
+              <a:gd name="connsiteY4" fmla="*/ 1450427 h 1450427"/>
+              <a:gd name="connsiteX0" fmla="*/ 1261 w 1428040"/>
+              <a:gd name="connsiteY0" fmla="*/ 0 h 1450427"/>
+              <a:gd name="connsiteX1" fmla="*/ 64323 w 1428040"/>
+              <a:gd name="connsiteY1" fmla="*/ 204951 h 1450427"/>
+              <a:gd name="connsiteX2" fmla="*/ 411165 w 1428040"/>
+              <a:gd name="connsiteY2" fmla="*/ 796158 h 1450427"/>
+              <a:gd name="connsiteX3" fmla="*/ 844716 w 1428040"/>
+              <a:gd name="connsiteY3" fmla="*/ 1221827 h 1450427"/>
+              <a:gd name="connsiteX4" fmla="*/ 1428040 w 1428040"/>
+              <a:gd name="connsiteY4" fmla="*/ 1450427 h 1450427"/>
+              <a:gd name="connsiteX0" fmla="*/ 200 w 1426979"/>
+              <a:gd name="connsiteY0" fmla="*/ 0 h 1450427"/>
+              <a:gd name="connsiteX1" fmla="*/ 102675 w 1426979"/>
+              <a:gd name="connsiteY1" fmla="*/ 315310 h 1450427"/>
+              <a:gd name="connsiteX2" fmla="*/ 410104 w 1426979"/>
+              <a:gd name="connsiteY2" fmla="*/ 796158 h 1450427"/>
+              <a:gd name="connsiteX3" fmla="*/ 843655 w 1426979"/>
+              <a:gd name="connsiteY3" fmla="*/ 1221827 h 1450427"/>
+              <a:gd name="connsiteX4" fmla="*/ 1426979 w 1426979"/>
+              <a:gd name="connsiteY4" fmla="*/ 1450427 h 1450427"/>
+              <a:gd name="connsiteX0" fmla="*/ 200 w 1300854"/>
+              <a:gd name="connsiteY0" fmla="*/ 71322 h 1307164"/>
+              <a:gd name="connsiteX1" fmla="*/ 102675 w 1300854"/>
+              <a:gd name="connsiteY1" fmla="*/ 386632 h 1307164"/>
+              <a:gd name="connsiteX2" fmla="*/ 410104 w 1300854"/>
+              <a:gd name="connsiteY2" fmla="*/ 867480 h 1307164"/>
+              <a:gd name="connsiteX3" fmla="*/ 843655 w 1300854"/>
+              <a:gd name="connsiteY3" fmla="*/ 1293149 h 1307164"/>
+              <a:gd name="connsiteX4" fmla="*/ 1300854 w 1300854"/>
+              <a:gd name="connsiteY4" fmla="*/ 377 h 1307164"/>
+              <a:gd name="connsiteX0" fmla="*/ 200 w 1300854"/>
+              <a:gd name="connsiteY0" fmla="*/ 70945 h 1309703"/>
+              <a:gd name="connsiteX1" fmla="*/ 102675 w 1300854"/>
+              <a:gd name="connsiteY1" fmla="*/ 386255 h 1309703"/>
+              <a:gd name="connsiteX2" fmla="*/ 410104 w 1300854"/>
+              <a:gd name="connsiteY2" fmla="*/ 867103 h 1309703"/>
+              <a:gd name="connsiteX3" fmla="*/ 843655 w 1300854"/>
+              <a:gd name="connsiteY3" fmla="*/ 1292772 h 1309703"/>
+              <a:gd name="connsiteX4" fmla="*/ 1300854 w 1300854"/>
+              <a:gd name="connsiteY4" fmla="*/ 0 h 1309703"/>
+              <a:gd name="connsiteX0" fmla="*/ 200 w 1300854"/>
+              <a:gd name="connsiteY0" fmla="*/ 70945 h 1310955"/>
+              <a:gd name="connsiteX1" fmla="*/ 102675 w 1300854"/>
+              <a:gd name="connsiteY1" fmla="*/ 386255 h 1310955"/>
+              <a:gd name="connsiteX2" fmla="*/ 410104 w 1300854"/>
+              <a:gd name="connsiteY2" fmla="*/ 867103 h 1310955"/>
+              <a:gd name="connsiteX3" fmla="*/ 843655 w 1300854"/>
+              <a:gd name="connsiteY3" fmla="*/ 1292772 h 1310955"/>
+              <a:gd name="connsiteX4" fmla="*/ 1300854 w 1300854"/>
+              <a:gd name="connsiteY4" fmla="*/ 0 h 1310955"/>
+              <a:gd name="connsiteX0" fmla="*/ 200 w 1300854"/>
+              <a:gd name="connsiteY0" fmla="*/ 70945 h 870143"/>
+              <a:gd name="connsiteX1" fmla="*/ 102675 w 1300854"/>
+              <a:gd name="connsiteY1" fmla="*/ 386255 h 870143"/>
+              <a:gd name="connsiteX2" fmla="*/ 410104 w 1300854"/>
+              <a:gd name="connsiteY2" fmla="*/ 867103 h 870143"/>
+              <a:gd name="connsiteX3" fmla="*/ 1111669 w 1300854"/>
+              <a:gd name="connsiteY3" fmla="*/ 646386 h 870143"/>
+              <a:gd name="connsiteX4" fmla="*/ 1300854 w 1300854"/>
+              <a:gd name="connsiteY4" fmla="*/ 0 h 870143"/>
+              <a:gd name="connsiteX0" fmla="*/ 200 w 1300854"/>
+              <a:gd name="connsiteY0" fmla="*/ 70945 h 873374"/>
+              <a:gd name="connsiteX1" fmla="*/ 102675 w 1300854"/>
+              <a:gd name="connsiteY1" fmla="*/ 386255 h 873374"/>
+              <a:gd name="connsiteX2" fmla="*/ 410104 w 1300854"/>
+              <a:gd name="connsiteY2" fmla="*/ 867103 h 873374"/>
+              <a:gd name="connsiteX3" fmla="*/ 1111669 w 1300854"/>
+              <a:gd name="connsiteY3" fmla="*/ 646386 h 873374"/>
+              <a:gd name="connsiteX4" fmla="*/ 1300854 w 1300854"/>
+              <a:gd name="connsiteY4" fmla="*/ 0 h 873374"/>
+              <a:gd name="connsiteX0" fmla="*/ 200 w 1300854"/>
+              <a:gd name="connsiteY0" fmla="*/ 70945 h 873374"/>
+              <a:gd name="connsiteX1" fmla="*/ 102675 w 1300854"/>
+              <a:gd name="connsiteY1" fmla="*/ 386255 h 873374"/>
+              <a:gd name="connsiteX2" fmla="*/ 410104 w 1300854"/>
+              <a:gd name="connsiteY2" fmla="*/ 867103 h 873374"/>
+              <a:gd name="connsiteX3" fmla="*/ 1111669 w 1300854"/>
+              <a:gd name="connsiteY3" fmla="*/ 646386 h 873374"/>
+              <a:gd name="connsiteX4" fmla="*/ 1300854 w 1300854"/>
+              <a:gd name="connsiteY4" fmla="*/ 0 h 873374"/>
+              <a:gd name="connsiteX0" fmla="*/ 200 w 1300854"/>
+              <a:gd name="connsiteY0" fmla="*/ 70945 h 877323"/>
+              <a:gd name="connsiteX1" fmla="*/ 102675 w 1300854"/>
+              <a:gd name="connsiteY1" fmla="*/ 386255 h 877323"/>
+              <a:gd name="connsiteX2" fmla="*/ 410104 w 1300854"/>
+              <a:gd name="connsiteY2" fmla="*/ 867103 h 877323"/>
+              <a:gd name="connsiteX3" fmla="*/ 1111669 w 1300854"/>
+              <a:gd name="connsiteY3" fmla="*/ 646386 h 877323"/>
+              <a:gd name="connsiteX4" fmla="*/ 1300854 w 1300854"/>
+              <a:gd name="connsiteY4" fmla="*/ 0 h 877323"/>
+              <a:gd name="connsiteX0" fmla="*/ 200 w 1300854"/>
+              <a:gd name="connsiteY0" fmla="*/ 70945 h 872696"/>
+              <a:gd name="connsiteX1" fmla="*/ 102675 w 1300854"/>
+              <a:gd name="connsiteY1" fmla="*/ 386255 h 872696"/>
+              <a:gd name="connsiteX2" fmla="*/ 410104 w 1300854"/>
+              <a:gd name="connsiteY2" fmla="*/ 867103 h 872696"/>
+              <a:gd name="connsiteX3" fmla="*/ 1111669 w 1300854"/>
+              <a:gd name="connsiteY3" fmla="*/ 646386 h 872696"/>
+              <a:gd name="connsiteX4" fmla="*/ 1195753 w 1300854"/>
+              <a:gd name="connsiteY4" fmla="*/ 612226 h 872696"/>
+              <a:gd name="connsiteX5" fmla="*/ 1300854 w 1300854"/>
+              <a:gd name="connsiteY5" fmla="*/ 0 h 872696"/>
+              <a:gd name="connsiteX0" fmla="*/ 200 w 1300854"/>
+              <a:gd name="connsiteY0" fmla="*/ 70945 h 892649"/>
+              <a:gd name="connsiteX1" fmla="*/ 102675 w 1300854"/>
+              <a:gd name="connsiteY1" fmla="*/ 386255 h 892649"/>
+              <a:gd name="connsiteX2" fmla="*/ 410104 w 1300854"/>
+              <a:gd name="connsiteY2" fmla="*/ 867103 h 892649"/>
+              <a:gd name="connsiteX3" fmla="*/ 1072255 w 1300854"/>
+              <a:gd name="connsiteY3" fmla="*/ 804041 h 892649"/>
+              <a:gd name="connsiteX4" fmla="*/ 1195753 w 1300854"/>
+              <a:gd name="connsiteY4" fmla="*/ 612226 h 892649"/>
+              <a:gd name="connsiteX5" fmla="*/ 1300854 w 1300854"/>
+              <a:gd name="connsiteY5" fmla="*/ 0 h 892649"/>
+              <a:gd name="connsiteX0" fmla="*/ 200 w 1300854"/>
+              <a:gd name="connsiteY0" fmla="*/ 70945 h 873046"/>
+              <a:gd name="connsiteX1" fmla="*/ 102675 w 1300854"/>
+              <a:gd name="connsiteY1" fmla="*/ 386255 h 873046"/>
+              <a:gd name="connsiteX2" fmla="*/ 410104 w 1300854"/>
+              <a:gd name="connsiteY2" fmla="*/ 867103 h 873046"/>
+              <a:gd name="connsiteX3" fmla="*/ 1195753 w 1300854"/>
+              <a:gd name="connsiteY3" fmla="*/ 612226 h 873046"/>
+              <a:gd name="connsiteX4" fmla="*/ 1300854 w 1300854"/>
+              <a:gd name="connsiteY4" fmla="*/ 0 h 873046"/>
+              <a:gd name="connsiteX0" fmla="*/ 8882 w 1309536"/>
+              <a:gd name="connsiteY0" fmla="*/ 70945 h 988953"/>
+              <a:gd name="connsiteX1" fmla="*/ 111357 w 1309536"/>
+              <a:gd name="connsiteY1" fmla="*/ 386255 h 988953"/>
+              <a:gd name="connsiteX2" fmla="*/ 915399 w 1309536"/>
+              <a:gd name="connsiteY2" fmla="*/ 985345 h 988953"/>
+              <a:gd name="connsiteX3" fmla="*/ 1204435 w 1309536"/>
+              <a:gd name="connsiteY3" fmla="*/ 612226 h 988953"/>
+              <a:gd name="connsiteX4" fmla="*/ 1309536 w 1309536"/>
+              <a:gd name="connsiteY4" fmla="*/ 0 h 988953"/>
+              <a:gd name="connsiteX0" fmla="*/ 8882 w 1309536"/>
+              <a:gd name="connsiteY0" fmla="*/ 70945 h 988953"/>
+              <a:gd name="connsiteX1" fmla="*/ 111357 w 1309536"/>
+              <a:gd name="connsiteY1" fmla="*/ 386255 h 988953"/>
+              <a:gd name="connsiteX2" fmla="*/ 915399 w 1309536"/>
+              <a:gd name="connsiteY2" fmla="*/ 985345 h 988953"/>
+              <a:gd name="connsiteX3" fmla="*/ 1204435 w 1309536"/>
+              <a:gd name="connsiteY3" fmla="*/ 612226 h 988953"/>
+              <a:gd name="connsiteX4" fmla="*/ 1309536 w 1309536"/>
+              <a:gd name="connsiteY4" fmla="*/ 0 h 988953"/>
+              <a:gd name="connsiteX0" fmla="*/ 8882 w 1309536"/>
+              <a:gd name="connsiteY0" fmla="*/ 70945 h 1059203"/>
+              <a:gd name="connsiteX1" fmla="*/ 111357 w 1309536"/>
+              <a:gd name="connsiteY1" fmla="*/ 386255 h 1059203"/>
+              <a:gd name="connsiteX2" fmla="*/ 915399 w 1309536"/>
+              <a:gd name="connsiteY2" fmla="*/ 1056289 h 1059203"/>
+              <a:gd name="connsiteX3" fmla="*/ 1204435 w 1309536"/>
+              <a:gd name="connsiteY3" fmla="*/ 612226 h 1059203"/>
+              <a:gd name="connsiteX4" fmla="*/ 1309536 w 1309536"/>
+              <a:gd name="connsiteY4" fmla="*/ 0 h 1059203"/>
+              <a:gd name="connsiteX0" fmla="*/ 8882 w 1309536"/>
+              <a:gd name="connsiteY0" fmla="*/ 70945 h 1078790"/>
+              <a:gd name="connsiteX1" fmla="*/ 111357 w 1309536"/>
+              <a:gd name="connsiteY1" fmla="*/ 386255 h 1078790"/>
+              <a:gd name="connsiteX2" fmla="*/ 915399 w 1309536"/>
+              <a:gd name="connsiteY2" fmla="*/ 1056289 h 1078790"/>
+              <a:gd name="connsiteX3" fmla="*/ 1204435 w 1309536"/>
+              <a:gd name="connsiteY3" fmla="*/ 612226 h 1078790"/>
+              <a:gd name="connsiteX4" fmla="*/ 1309536 w 1309536"/>
+              <a:gd name="connsiteY4" fmla="*/ 0 h 1078790"/>
+              <a:gd name="connsiteX0" fmla="*/ 23 w 1300677"/>
+              <a:gd name="connsiteY0" fmla="*/ 70945 h 1213479"/>
+              <a:gd name="connsiteX1" fmla="*/ 504519 w 1300677"/>
+              <a:gd name="connsiteY1" fmla="*/ 1143000 h 1213479"/>
+              <a:gd name="connsiteX2" fmla="*/ 906540 w 1300677"/>
+              <a:gd name="connsiteY2" fmla="*/ 1056289 h 1213479"/>
+              <a:gd name="connsiteX3" fmla="*/ 1195576 w 1300677"/>
+              <a:gd name="connsiteY3" fmla="*/ 612226 h 1213479"/>
+              <a:gd name="connsiteX4" fmla="*/ 1300677 w 1300677"/>
+              <a:gd name="connsiteY4" fmla="*/ 0 h 1213479"/>
+              <a:gd name="connsiteX0" fmla="*/ 43 w 1095745"/>
+              <a:gd name="connsiteY0" fmla="*/ 1513490 h 1514493"/>
+              <a:gd name="connsiteX1" fmla="*/ 299587 w 1095745"/>
+              <a:gd name="connsiteY1" fmla="*/ 1143000 h 1514493"/>
+              <a:gd name="connsiteX2" fmla="*/ 701608 w 1095745"/>
+              <a:gd name="connsiteY2" fmla="*/ 1056289 h 1514493"/>
+              <a:gd name="connsiteX3" fmla="*/ 990644 w 1095745"/>
+              <a:gd name="connsiteY3" fmla="*/ 612226 h 1514493"/>
+              <a:gd name="connsiteX4" fmla="*/ 1095745 w 1095745"/>
+              <a:gd name="connsiteY4" fmla="*/ 0 h 1514493"/>
+              <a:gd name="connsiteX0" fmla="*/ 41382 w 821774"/>
+              <a:gd name="connsiteY0" fmla="*/ 1395249 h 1396678"/>
+              <a:gd name="connsiteX1" fmla="*/ 25616 w 821774"/>
+              <a:gd name="connsiteY1" fmla="*/ 1143000 h 1396678"/>
+              <a:gd name="connsiteX2" fmla="*/ 427637 w 821774"/>
+              <a:gd name="connsiteY2" fmla="*/ 1056289 h 1396678"/>
+              <a:gd name="connsiteX3" fmla="*/ 716673 w 821774"/>
+              <a:gd name="connsiteY3" fmla="*/ 612226 h 1396678"/>
+              <a:gd name="connsiteX4" fmla="*/ 821774 w 821774"/>
+              <a:gd name="connsiteY4" fmla="*/ 0 h 1396678"/>
+              <a:gd name="connsiteX0" fmla="*/ 41 w 1103626"/>
+              <a:gd name="connsiteY0" fmla="*/ 1458311 h 1459476"/>
+              <a:gd name="connsiteX1" fmla="*/ 307468 w 1103626"/>
+              <a:gd name="connsiteY1" fmla="*/ 1143000 h 1459476"/>
+              <a:gd name="connsiteX2" fmla="*/ 709489 w 1103626"/>
+              <a:gd name="connsiteY2" fmla="*/ 1056289 h 1459476"/>
+              <a:gd name="connsiteX3" fmla="*/ 998525 w 1103626"/>
+              <a:gd name="connsiteY3" fmla="*/ 612226 h 1459476"/>
+              <a:gd name="connsiteX4" fmla="*/ 1103626 w 1103626"/>
+              <a:gd name="connsiteY4" fmla="*/ 0 h 1459476"/>
+              <a:gd name="connsiteX0" fmla="*/ 141 w 938188"/>
+              <a:gd name="connsiteY0" fmla="*/ 1347952 h 1349674"/>
+              <a:gd name="connsiteX1" fmla="*/ 142030 w 938188"/>
+              <a:gd name="connsiteY1" fmla="*/ 1143000 h 1349674"/>
+              <a:gd name="connsiteX2" fmla="*/ 544051 w 938188"/>
+              <a:gd name="connsiteY2" fmla="*/ 1056289 h 1349674"/>
+              <a:gd name="connsiteX3" fmla="*/ 833087 w 938188"/>
+              <a:gd name="connsiteY3" fmla="*/ 612226 h 1349674"/>
+              <a:gd name="connsiteX4" fmla="*/ 938188 w 938188"/>
+              <a:gd name="connsiteY4" fmla="*/ 0 h 1349674"/>
+              <a:gd name="connsiteX0" fmla="*/ 83 w 985426"/>
+              <a:gd name="connsiteY0" fmla="*/ 1387366 h 1388837"/>
+              <a:gd name="connsiteX1" fmla="*/ 189268 w 985426"/>
+              <a:gd name="connsiteY1" fmla="*/ 1143000 h 1388837"/>
+              <a:gd name="connsiteX2" fmla="*/ 591289 w 985426"/>
+              <a:gd name="connsiteY2" fmla="*/ 1056289 h 1388837"/>
+              <a:gd name="connsiteX3" fmla="*/ 880325 w 985426"/>
+              <a:gd name="connsiteY3" fmla="*/ 612226 h 1388837"/>
+              <a:gd name="connsiteX4" fmla="*/ 985426 w 985426"/>
+              <a:gd name="connsiteY4" fmla="*/ 0 h 1388837"/>
+              <a:gd name="connsiteX0" fmla="*/ 83 w 985426"/>
+              <a:gd name="connsiteY0" fmla="*/ 1387366 h 1388837"/>
+              <a:gd name="connsiteX1" fmla="*/ 189268 w 985426"/>
+              <a:gd name="connsiteY1" fmla="*/ 1143000 h 1388837"/>
+              <a:gd name="connsiteX2" fmla="*/ 591289 w 985426"/>
+              <a:gd name="connsiteY2" fmla="*/ 1056289 h 1388837"/>
+              <a:gd name="connsiteX3" fmla="*/ 880325 w 985426"/>
+              <a:gd name="connsiteY3" fmla="*/ 612226 h 1388837"/>
+              <a:gd name="connsiteX4" fmla="*/ 985426 w 985426"/>
+              <a:gd name="connsiteY4" fmla="*/ 0 h 1388837"/>
+              <a:gd name="connsiteX0" fmla="*/ 33 w 985376"/>
+              <a:gd name="connsiteY0" fmla="*/ 1387366 h 1392663"/>
+              <a:gd name="connsiteX1" fmla="*/ 338990 w 985376"/>
+              <a:gd name="connsiteY1" fmla="*/ 1308538 h 1392663"/>
+              <a:gd name="connsiteX2" fmla="*/ 591239 w 985376"/>
+              <a:gd name="connsiteY2" fmla="*/ 1056289 h 1392663"/>
+              <a:gd name="connsiteX3" fmla="*/ 880275 w 985376"/>
+              <a:gd name="connsiteY3" fmla="*/ 612226 h 1392663"/>
+              <a:gd name="connsiteX4" fmla="*/ 985376 w 985376"/>
+              <a:gd name="connsiteY4" fmla="*/ 0 h 1392663"/>
+              <a:gd name="connsiteX0" fmla="*/ 35 w 985378"/>
+              <a:gd name="connsiteY0" fmla="*/ 1387366 h 1393188"/>
+              <a:gd name="connsiteX1" fmla="*/ 338992 w 985378"/>
+              <a:gd name="connsiteY1" fmla="*/ 1308538 h 1393188"/>
+              <a:gd name="connsiteX2" fmla="*/ 685834 w 985378"/>
+              <a:gd name="connsiteY2" fmla="*/ 1016875 h 1393188"/>
+              <a:gd name="connsiteX3" fmla="*/ 880277 w 985378"/>
+              <a:gd name="connsiteY3" fmla="*/ 612226 h 1393188"/>
+              <a:gd name="connsiteX4" fmla="*/ 985378 w 985378"/>
+              <a:gd name="connsiteY4" fmla="*/ 0 h 1393188"/>
+              <a:gd name="connsiteX0" fmla="*/ 35 w 985378"/>
+              <a:gd name="connsiteY0" fmla="*/ 1387366 h 1393188"/>
+              <a:gd name="connsiteX1" fmla="*/ 338992 w 985378"/>
+              <a:gd name="connsiteY1" fmla="*/ 1308538 h 1393188"/>
+              <a:gd name="connsiteX2" fmla="*/ 685834 w 985378"/>
+              <a:gd name="connsiteY2" fmla="*/ 1016875 h 1393188"/>
+              <a:gd name="connsiteX3" fmla="*/ 825097 w 985378"/>
+              <a:gd name="connsiteY3" fmla="*/ 462454 h 1393188"/>
+              <a:gd name="connsiteX4" fmla="*/ 985378 w 985378"/>
+              <a:gd name="connsiteY4" fmla="*/ 0 h 1393188"/>
+              <a:gd name="connsiteX0" fmla="*/ 33 w 985376"/>
+              <a:gd name="connsiteY0" fmla="*/ 1387366 h 1396791"/>
+              <a:gd name="connsiteX1" fmla="*/ 338990 w 985376"/>
+              <a:gd name="connsiteY1" fmla="*/ 1308538 h 1396791"/>
+              <a:gd name="connsiteX2" fmla="*/ 575473 w 985376"/>
+              <a:gd name="connsiteY2" fmla="*/ 843454 h 1396791"/>
+              <a:gd name="connsiteX3" fmla="*/ 825095 w 985376"/>
+              <a:gd name="connsiteY3" fmla="*/ 462454 h 1396791"/>
+              <a:gd name="connsiteX4" fmla="*/ 985376 w 985376"/>
+              <a:gd name="connsiteY4" fmla="*/ 0 h 1396791"/>
+              <a:gd name="connsiteX0" fmla="*/ 37 w 985380"/>
+              <a:gd name="connsiteY0" fmla="*/ 1387366 h 1389347"/>
+              <a:gd name="connsiteX1" fmla="*/ 307463 w 985380"/>
+              <a:gd name="connsiteY1" fmla="*/ 1166649 h 1389347"/>
+              <a:gd name="connsiteX2" fmla="*/ 575477 w 985380"/>
+              <a:gd name="connsiteY2" fmla="*/ 843454 h 1389347"/>
+              <a:gd name="connsiteX3" fmla="*/ 825099 w 985380"/>
+              <a:gd name="connsiteY3" fmla="*/ 462454 h 1389347"/>
+              <a:gd name="connsiteX4" fmla="*/ 985380 w 985380"/>
+              <a:gd name="connsiteY4" fmla="*/ 0 h 1389347"/>
+              <a:gd name="connsiteX0" fmla="*/ 37 w 985380"/>
+              <a:gd name="connsiteY0" fmla="*/ 1387366 h 1389347"/>
+              <a:gd name="connsiteX1" fmla="*/ 307463 w 985380"/>
+              <a:gd name="connsiteY1" fmla="*/ 1166649 h 1389347"/>
+              <a:gd name="connsiteX2" fmla="*/ 575477 w 985380"/>
+              <a:gd name="connsiteY2" fmla="*/ 843454 h 1389347"/>
+              <a:gd name="connsiteX3" fmla="*/ 793568 w 985380"/>
+              <a:gd name="connsiteY3" fmla="*/ 462454 h 1389347"/>
+              <a:gd name="connsiteX4" fmla="*/ 985380 w 985380"/>
+              <a:gd name="connsiteY4" fmla="*/ 0 h 1389347"/>
+              <a:gd name="connsiteX0" fmla="*/ 37 w 985380"/>
+              <a:gd name="connsiteY0" fmla="*/ 1387366 h 1389347"/>
+              <a:gd name="connsiteX1" fmla="*/ 307463 w 985380"/>
+              <a:gd name="connsiteY1" fmla="*/ 1166649 h 1389347"/>
+              <a:gd name="connsiteX2" fmla="*/ 575477 w 985380"/>
+              <a:gd name="connsiteY2" fmla="*/ 843454 h 1389347"/>
+              <a:gd name="connsiteX3" fmla="*/ 793568 w 985380"/>
+              <a:gd name="connsiteY3" fmla="*/ 462454 h 1389347"/>
+              <a:gd name="connsiteX4" fmla="*/ 985380 w 985380"/>
+              <a:gd name="connsiteY4" fmla="*/ 0 h 1389347"/>
+              <a:gd name="connsiteX0" fmla="*/ 37 w 985380"/>
+              <a:gd name="connsiteY0" fmla="*/ 1387366 h 1389347"/>
+              <a:gd name="connsiteX1" fmla="*/ 307463 w 985380"/>
+              <a:gd name="connsiteY1" fmla="*/ 1166649 h 1389347"/>
+              <a:gd name="connsiteX2" fmla="*/ 575477 w 985380"/>
+              <a:gd name="connsiteY2" fmla="*/ 843454 h 1389347"/>
+              <a:gd name="connsiteX3" fmla="*/ 793568 w 985380"/>
+              <a:gd name="connsiteY3" fmla="*/ 462454 h 1389347"/>
+              <a:gd name="connsiteX4" fmla="*/ 985380 w 985380"/>
+              <a:gd name="connsiteY4" fmla="*/ 0 h 1389347"/>
+              <a:gd name="connsiteX0" fmla="*/ 37 w 985380"/>
+              <a:gd name="connsiteY0" fmla="*/ 1387366 h 1389347"/>
+              <a:gd name="connsiteX1" fmla="*/ 307463 w 985380"/>
+              <a:gd name="connsiteY1" fmla="*/ 1166649 h 1389347"/>
+              <a:gd name="connsiteX2" fmla="*/ 575477 w 985380"/>
+              <a:gd name="connsiteY2" fmla="*/ 843454 h 1389347"/>
+              <a:gd name="connsiteX3" fmla="*/ 793568 w 985380"/>
+              <a:gd name="connsiteY3" fmla="*/ 462454 h 1389347"/>
+              <a:gd name="connsiteX4" fmla="*/ 985380 w 985380"/>
+              <a:gd name="connsiteY4" fmla="*/ 0 h 1389347"/>
+              <a:gd name="connsiteX0" fmla="*/ 37 w 1009028"/>
+              <a:gd name="connsiteY0" fmla="*/ 1552904 h 1554885"/>
+              <a:gd name="connsiteX1" fmla="*/ 307463 w 1009028"/>
+              <a:gd name="connsiteY1" fmla="*/ 1332187 h 1554885"/>
+              <a:gd name="connsiteX2" fmla="*/ 575477 w 1009028"/>
+              <a:gd name="connsiteY2" fmla="*/ 1008992 h 1554885"/>
+              <a:gd name="connsiteX3" fmla="*/ 793568 w 1009028"/>
+              <a:gd name="connsiteY3" fmla="*/ 627992 h 1554885"/>
+              <a:gd name="connsiteX4" fmla="*/ 1009028 w 1009028"/>
+              <a:gd name="connsiteY4" fmla="*/ 0 h 1554885"/>
+              <a:gd name="connsiteX0" fmla="*/ 37 w 1009028"/>
+              <a:gd name="connsiteY0" fmla="*/ 1552904 h 1554885"/>
+              <a:gd name="connsiteX1" fmla="*/ 307463 w 1009028"/>
+              <a:gd name="connsiteY1" fmla="*/ 1332187 h 1554885"/>
+              <a:gd name="connsiteX2" fmla="*/ 575477 w 1009028"/>
+              <a:gd name="connsiteY2" fmla="*/ 1008992 h 1554885"/>
+              <a:gd name="connsiteX3" fmla="*/ 793568 w 1009028"/>
+              <a:gd name="connsiteY3" fmla="*/ 627992 h 1554885"/>
+              <a:gd name="connsiteX4" fmla="*/ 1009028 w 1009028"/>
+              <a:gd name="connsiteY4" fmla="*/ 0 h 1554885"/>
+              <a:gd name="connsiteX0" fmla="*/ 37 w 1009028"/>
+              <a:gd name="connsiteY0" fmla="*/ 1552904 h 1554885"/>
+              <a:gd name="connsiteX1" fmla="*/ 307463 w 1009028"/>
+              <a:gd name="connsiteY1" fmla="*/ 1332187 h 1554885"/>
+              <a:gd name="connsiteX2" fmla="*/ 575477 w 1009028"/>
+              <a:gd name="connsiteY2" fmla="*/ 1008992 h 1554885"/>
+              <a:gd name="connsiteX3" fmla="*/ 793568 w 1009028"/>
+              <a:gd name="connsiteY3" fmla="*/ 627992 h 1554885"/>
+              <a:gd name="connsiteX4" fmla="*/ 1009028 w 1009028"/>
+              <a:gd name="connsiteY4" fmla="*/ 0 h 1554885"/>
+            </a:gdLst>
+            <a:ahLst/>
+            <a:cxnLst>
+              <a:cxn ang="0">
+                <a:pos x="connsiteX0" y="connsiteY0"/>
+              </a:cxn>
+              <a:cxn ang="0">
+                <a:pos x="connsiteX1" y="connsiteY1"/>
+              </a:cxn>
+              <a:cxn ang="0">
+                <a:pos x="connsiteX2" y="connsiteY2"/>
+              </a:cxn>
+              <a:cxn ang="0">
+                <a:pos x="connsiteX3" y="connsiteY3"/>
+              </a:cxn>
+              <a:cxn ang="0">
+                <a:pos x="connsiteX4" y="connsiteY4"/>
+              </a:cxn>
+            </a:cxnLst>
+            <a:rect l="l" t="t" r="r" b="b"/>
+            <a:pathLst>
+              <a:path w="1009028" h="1554885">
+                <a:moveTo>
+                  <a:pt x="37" y="1552904"/>
+                </a:moveTo>
+                <a:cubicBezTo>
+                  <a:pt x="-3248" y="1573924"/>
+                  <a:pt x="211556" y="1422839"/>
+                  <a:pt x="307463" y="1332187"/>
+                </a:cubicBezTo>
+                <a:cubicBezTo>
+                  <a:pt x="403370" y="1241535"/>
+                  <a:pt x="494460" y="1126358"/>
+                  <a:pt x="575477" y="1008992"/>
+                </a:cubicBezTo>
+                <a:cubicBezTo>
+                  <a:pt x="656494" y="891626"/>
+                  <a:pt x="721310" y="796157"/>
+                  <a:pt x="793568" y="627992"/>
+                </a:cubicBezTo>
+                <a:cubicBezTo>
+                  <a:pt x="865826" y="459827"/>
+                  <a:pt x="907429" y="329325"/>
+                  <a:pt x="1009028" y="0"/>
+                </a:cubicBezTo>
+              </a:path>
+            </a:pathLst>
+          </a:custGeom>
+          <a:noFill/>
+          <a:ln w="57150">
+            <a:solidFill>
+              <a:schemeClr val="accent6">
+                <a:lumMod val="75000"/>
+              </a:schemeClr>
+            </a:solidFill>
+            <a:headEnd type="none" w="med" len="med"/>
+            <a:tailEnd type="triangle" w="med" len="med"/>
+          </a:ln>
+        </p:spPr>
+        <p:style>
+          <a:lnRef idx="2">
+            <a:schemeClr val="accent1">
+              <a:shade val="50000"/>
+            </a:schemeClr>
+          </a:lnRef>
+          <a:fillRef idx="1">
+            <a:schemeClr val="accent1"/>
+          </a:fillRef>
+          <a:effectRef idx="0">
+            <a:schemeClr val="accent1"/>
+          </a:effectRef>
+          <a:fontRef idx="minor">
+            <a:schemeClr val="lt1"/>
+          </a:fontRef>
+        </p:style>
+        <p:txBody>
+          <a:bodyPr rtlCol="0" anchor="ctr"/>
+          <a:lstStyle/>
+          <a:p>
+            <a:pPr algn="ctr"/>
+            <a:endParaRPr kumimoji="1" lang="ja-JP" altLang="en-US"/>
+          </a:p>
+        </p:txBody>
+      </p:sp>
+      <p:sp>
+        <p:nvSpPr>
+          <p:cNvPr id="22" name="フリーフォーム: 図形 21">
+            <a:extLst>
+              <a:ext uri="{FF2B5EF4-FFF2-40B4-BE49-F238E27FC236}">
+                <a16:creationId xmlns:a16="http://schemas.microsoft.com/office/drawing/2014/main" id="{9C3EB35E-0E04-4A5A-8335-CF8B10C42BD3}"/>
+              </a:ext>
+            </a:extLst>
+          </p:cNvPr>
+          <p:cNvSpPr/>
+          <p:nvPr/>
+        </p:nvSpPr>
+        <p:spPr>
+          <a:xfrm>
+            <a:off x="3244959" y="4873952"/>
+            <a:ext cx="3061249" cy="1684501"/>
+          </a:xfrm>
+          <a:custGeom>
+            <a:avLst/>
+            <a:gdLst>
+              <a:gd name="connsiteX0" fmla="*/ 2057 w 1428836"/>
+              <a:gd name="connsiteY0" fmla="*/ 0 h 1450427"/>
+              <a:gd name="connsiteX1" fmla="*/ 25705 w 1428836"/>
+              <a:gd name="connsiteY1" fmla="*/ 110358 h 1450427"/>
+              <a:gd name="connsiteX2" fmla="*/ 183361 w 1428836"/>
+              <a:gd name="connsiteY2" fmla="*/ 409903 h 1450427"/>
+              <a:gd name="connsiteX3" fmla="*/ 845512 w 1428836"/>
+              <a:gd name="connsiteY3" fmla="*/ 1221827 h 1450427"/>
+              <a:gd name="connsiteX4" fmla="*/ 1428836 w 1428836"/>
+              <a:gd name="connsiteY4" fmla="*/ 1450427 h 1450427"/>
+              <a:gd name="connsiteX0" fmla="*/ 209 w 1426988"/>
+              <a:gd name="connsiteY0" fmla="*/ 0 h 1450427"/>
+              <a:gd name="connsiteX1" fmla="*/ 63271 w 1426988"/>
+              <a:gd name="connsiteY1" fmla="*/ 204951 h 1450427"/>
+              <a:gd name="connsiteX2" fmla="*/ 181513 w 1426988"/>
+              <a:gd name="connsiteY2" fmla="*/ 409903 h 1450427"/>
+              <a:gd name="connsiteX3" fmla="*/ 843664 w 1426988"/>
+              <a:gd name="connsiteY3" fmla="*/ 1221827 h 1450427"/>
+              <a:gd name="connsiteX4" fmla="*/ 1426988 w 1426988"/>
+              <a:gd name="connsiteY4" fmla="*/ 1450427 h 1450427"/>
+              <a:gd name="connsiteX0" fmla="*/ 1261 w 1428040"/>
+              <a:gd name="connsiteY0" fmla="*/ 0 h 1450427"/>
+              <a:gd name="connsiteX1" fmla="*/ 64323 w 1428040"/>
+              <a:gd name="connsiteY1" fmla="*/ 204951 h 1450427"/>
+              <a:gd name="connsiteX2" fmla="*/ 411165 w 1428040"/>
+              <a:gd name="connsiteY2" fmla="*/ 796158 h 1450427"/>
+              <a:gd name="connsiteX3" fmla="*/ 844716 w 1428040"/>
+              <a:gd name="connsiteY3" fmla="*/ 1221827 h 1450427"/>
+              <a:gd name="connsiteX4" fmla="*/ 1428040 w 1428040"/>
+              <a:gd name="connsiteY4" fmla="*/ 1450427 h 1450427"/>
+              <a:gd name="connsiteX0" fmla="*/ 200 w 1426979"/>
+              <a:gd name="connsiteY0" fmla="*/ 0 h 1450427"/>
+              <a:gd name="connsiteX1" fmla="*/ 102675 w 1426979"/>
+              <a:gd name="connsiteY1" fmla="*/ 315310 h 1450427"/>
+              <a:gd name="connsiteX2" fmla="*/ 410104 w 1426979"/>
+              <a:gd name="connsiteY2" fmla="*/ 796158 h 1450427"/>
+              <a:gd name="connsiteX3" fmla="*/ 843655 w 1426979"/>
+              <a:gd name="connsiteY3" fmla="*/ 1221827 h 1450427"/>
+              <a:gd name="connsiteX4" fmla="*/ 1426979 w 1426979"/>
+              <a:gd name="connsiteY4" fmla="*/ 1450427 h 1450427"/>
+              <a:gd name="connsiteX0" fmla="*/ 125 w 1426904"/>
+              <a:gd name="connsiteY0" fmla="*/ 0 h 1450427"/>
+              <a:gd name="connsiteX1" fmla="*/ 102600 w 1426904"/>
+              <a:gd name="connsiteY1" fmla="*/ 315310 h 1450427"/>
+              <a:gd name="connsiteX2" fmla="*/ 260257 w 1426904"/>
+              <a:gd name="connsiteY2" fmla="*/ 1387365 h 1450427"/>
+              <a:gd name="connsiteX3" fmla="*/ 843580 w 1426904"/>
+              <a:gd name="connsiteY3" fmla="*/ 1221827 h 1450427"/>
+              <a:gd name="connsiteX4" fmla="*/ 1426904 w 1426904"/>
+              <a:gd name="connsiteY4" fmla="*/ 1450427 h 1450427"/>
+              <a:gd name="connsiteX0" fmla="*/ 125 w 1426904"/>
+              <a:gd name="connsiteY0" fmla="*/ 0 h 1487570"/>
+              <a:gd name="connsiteX1" fmla="*/ 102600 w 1426904"/>
+              <a:gd name="connsiteY1" fmla="*/ 315310 h 1487570"/>
+              <a:gd name="connsiteX2" fmla="*/ 260257 w 1426904"/>
+              <a:gd name="connsiteY2" fmla="*/ 1387365 h 1487570"/>
+              <a:gd name="connsiteX3" fmla="*/ 1426904 w 1426904"/>
+              <a:gd name="connsiteY3" fmla="*/ 1450427 h 1487570"/>
+              <a:gd name="connsiteX0" fmla="*/ 0 w 1324304"/>
+              <a:gd name="connsiteY0" fmla="*/ 0 h 1172260"/>
+              <a:gd name="connsiteX1" fmla="*/ 157657 w 1324304"/>
+              <a:gd name="connsiteY1" fmla="*/ 1072055 h 1172260"/>
+              <a:gd name="connsiteX2" fmla="*/ 1324304 w 1324304"/>
+              <a:gd name="connsiteY2" fmla="*/ 1135117 h 1172260"/>
+              <a:gd name="connsiteX0" fmla="*/ 0 w 1355835"/>
+              <a:gd name="connsiteY0" fmla="*/ 0 h 1400360"/>
+              <a:gd name="connsiteX1" fmla="*/ 189188 w 1355835"/>
+              <a:gd name="connsiteY1" fmla="*/ 1284890 h 1400360"/>
+              <a:gd name="connsiteX2" fmla="*/ 1355835 w 1355835"/>
+              <a:gd name="connsiteY2" fmla="*/ 1347952 h 1400360"/>
+              <a:gd name="connsiteX0" fmla="*/ 0 w 1355835"/>
+              <a:gd name="connsiteY0" fmla="*/ 0 h 1400360"/>
+              <a:gd name="connsiteX1" fmla="*/ 189188 w 1355835"/>
+              <a:gd name="connsiteY1" fmla="*/ 1284890 h 1400360"/>
+              <a:gd name="connsiteX2" fmla="*/ 1355835 w 1355835"/>
+              <a:gd name="connsiteY2" fmla="*/ 1347952 h 1400360"/>
+              <a:gd name="connsiteX0" fmla="*/ 2789936 w 3146753"/>
+              <a:gd name="connsiteY0" fmla="*/ 0 h 1418537"/>
+              <a:gd name="connsiteX1" fmla="*/ 2979124 w 3146753"/>
+              <a:gd name="connsiteY1" fmla="*/ 1284890 h 1418537"/>
+              <a:gd name="connsiteX2" fmla="*/ 15205 w 3146753"/>
+              <a:gd name="connsiteY2" fmla="*/ 1387366 h 1418537"/>
+              <a:gd name="connsiteX0" fmla="*/ 2774731 w 3131548"/>
+              <a:gd name="connsiteY0" fmla="*/ 0 h 1426874"/>
+              <a:gd name="connsiteX1" fmla="*/ 2963919 w 3131548"/>
+              <a:gd name="connsiteY1" fmla="*/ 1284890 h 1426874"/>
+              <a:gd name="connsiteX2" fmla="*/ 0 w 3131548"/>
+              <a:gd name="connsiteY2" fmla="*/ 1387366 h 1426874"/>
+              <a:gd name="connsiteX0" fmla="*/ 2774731 w 3131548"/>
+              <a:gd name="connsiteY0" fmla="*/ 0 h 1390735"/>
+              <a:gd name="connsiteX1" fmla="*/ 2963919 w 3131548"/>
+              <a:gd name="connsiteY1" fmla="*/ 1166649 h 1390735"/>
+              <a:gd name="connsiteX2" fmla="*/ 0 w 3131548"/>
+              <a:gd name="connsiteY2" fmla="*/ 1387366 h 1390735"/>
+              <a:gd name="connsiteX0" fmla="*/ 2924503 w 3173229"/>
+              <a:gd name="connsiteY0" fmla="*/ 0 h 986407"/>
+              <a:gd name="connsiteX1" fmla="*/ 2963919 w 3173229"/>
+              <a:gd name="connsiteY1" fmla="*/ 764628 h 986407"/>
+              <a:gd name="connsiteX2" fmla="*/ 0 w 3173229"/>
+              <a:gd name="connsiteY2" fmla="*/ 985345 h 986407"/>
+              <a:gd name="connsiteX0" fmla="*/ 2924503 w 3181716"/>
+              <a:gd name="connsiteY0" fmla="*/ 0 h 986407"/>
+              <a:gd name="connsiteX1" fmla="*/ 2963919 w 3181716"/>
+              <a:gd name="connsiteY1" fmla="*/ 764628 h 986407"/>
+              <a:gd name="connsiteX2" fmla="*/ 0 w 3181716"/>
+              <a:gd name="connsiteY2" fmla="*/ 985345 h 986407"/>
+              <a:gd name="connsiteX0" fmla="*/ 2924503 w 3020558"/>
+              <a:gd name="connsiteY0" fmla="*/ 0 h 992878"/>
+              <a:gd name="connsiteX1" fmla="*/ 2963919 w 3020558"/>
+              <a:gd name="connsiteY1" fmla="*/ 764628 h 992878"/>
+              <a:gd name="connsiteX2" fmla="*/ 0 w 3020558"/>
+              <a:gd name="connsiteY2" fmla="*/ 985345 h 992878"/>
+              <a:gd name="connsiteX0" fmla="*/ 2924503 w 2968013"/>
+              <a:gd name="connsiteY0" fmla="*/ 0 h 1024403"/>
+              <a:gd name="connsiteX1" fmla="*/ 2963919 w 2968013"/>
+              <a:gd name="connsiteY1" fmla="*/ 764628 h 1024403"/>
+              <a:gd name="connsiteX2" fmla="*/ 0 w 2968013"/>
+              <a:gd name="connsiteY2" fmla="*/ 985345 h 1024403"/>
+              <a:gd name="connsiteX0" fmla="*/ 2924503 w 2964005"/>
+              <a:gd name="connsiteY0" fmla="*/ 0 h 986516"/>
+              <a:gd name="connsiteX1" fmla="*/ 2963919 w 2964005"/>
+              <a:gd name="connsiteY1" fmla="*/ 764628 h 986516"/>
+              <a:gd name="connsiteX2" fmla="*/ 0 w 2964005"/>
+              <a:gd name="connsiteY2" fmla="*/ 985345 h 986516"/>
+              <a:gd name="connsiteX0" fmla="*/ 2924503 w 2937039"/>
+              <a:gd name="connsiteY0" fmla="*/ 0 h 986516"/>
+              <a:gd name="connsiteX1" fmla="*/ 2869325 w 2937039"/>
+              <a:gd name="connsiteY1" fmla="*/ 764628 h 986516"/>
+              <a:gd name="connsiteX2" fmla="*/ 0 w 2937039"/>
+              <a:gd name="connsiteY2" fmla="*/ 985345 h 986516"/>
+              <a:gd name="connsiteX0" fmla="*/ 2924503 w 2948462"/>
+              <a:gd name="connsiteY0" fmla="*/ 0 h 986516"/>
+              <a:gd name="connsiteX1" fmla="*/ 2869325 w 2948462"/>
+              <a:gd name="connsiteY1" fmla="*/ 764628 h 986516"/>
+              <a:gd name="connsiteX2" fmla="*/ 0 w 2948462"/>
+              <a:gd name="connsiteY2" fmla="*/ 985345 h 986516"/>
+              <a:gd name="connsiteX0" fmla="*/ 2924503 w 2958671"/>
+              <a:gd name="connsiteY0" fmla="*/ 0 h 985978"/>
+              <a:gd name="connsiteX1" fmla="*/ 2869325 w 2958671"/>
+              <a:gd name="connsiteY1" fmla="*/ 764628 h 985978"/>
+              <a:gd name="connsiteX2" fmla="*/ 0 w 2958671"/>
+              <a:gd name="connsiteY2" fmla="*/ 985345 h 985978"/>
+              <a:gd name="connsiteX0" fmla="*/ 2932386 w 3117683"/>
+              <a:gd name="connsiteY0" fmla="*/ 0 h 962711"/>
+              <a:gd name="connsiteX1" fmla="*/ 2869325 w 3117683"/>
+              <a:gd name="connsiteY1" fmla="*/ 740980 h 962711"/>
+              <a:gd name="connsiteX2" fmla="*/ 0 w 3117683"/>
+              <a:gd name="connsiteY2" fmla="*/ 961697 h 962711"/>
+              <a:gd name="connsiteX0" fmla="*/ 2932386 w 3099264"/>
+              <a:gd name="connsiteY0" fmla="*/ 0 h 962711"/>
+              <a:gd name="connsiteX1" fmla="*/ 2869325 w 3099264"/>
+              <a:gd name="connsiteY1" fmla="*/ 740980 h 962711"/>
+              <a:gd name="connsiteX2" fmla="*/ 0 w 3099264"/>
+              <a:gd name="connsiteY2" fmla="*/ 961697 h 962711"/>
+              <a:gd name="connsiteX0" fmla="*/ 2932386 w 3099264"/>
+              <a:gd name="connsiteY0" fmla="*/ 0 h 962711"/>
+              <a:gd name="connsiteX1" fmla="*/ 2869325 w 3099264"/>
+              <a:gd name="connsiteY1" fmla="*/ 740980 h 962711"/>
+              <a:gd name="connsiteX2" fmla="*/ 0 w 3099264"/>
+              <a:gd name="connsiteY2" fmla="*/ 961697 h 962711"/>
+              <a:gd name="connsiteX0" fmla="*/ 2932386 w 2957470"/>
+              <a:gd name="connsiteY0" fmla="*/ 0 h 962711"/>
+              <a:gd name="connsiteX1" fmla="*/ 2869325 w 2957470"/>
+              <a:gd name="connsiteY1" fmla="*/ 740980 h 962711"/>
+              <a:gd name="connsiteX2" fmla="*/ 0 w 2957470"/>
+              <a:gd name="connsiteY2" fmla="*/ 961697 h 962711"/>
+              <a:gd name="connsiteX0" fmla="*/ 2932386 w 2970981"/>
+              <a:gd name="connsiteY0" fmla="*/ 0 h 962711"/>
+              <a:gd name="connsiteX1" fmla="*/ 2869325 w 2970981"/>
+              <a:gd name="connsiteY1" fmla="*/ 740980 h 962711"/>
+              <a:gd name="connsiteX2" fmla="*/ 0 w 2970981"/>
+              <a:gd name="connsiteY2" fmla="*/ 961697 h 962711"/>
+              <a:gd name="connsiteX0" fmla="*/ 2932386 w 2970981"/>
+              <a:gd name="connsiteY0" fmla="*/ 0 h 964253"/>
+              <a:gd name="connsiteX1" fmla="*/ 2869325 w 2970981"/>
+              <a:gd name="connsiteY1" fmla="*/ 796159 h 964253"/>
+              <a:gd name="connsiteX2" fmla="*/ 0 w 2970981"/>
+              <a:gd name="connsiteY2" fmla="*/ 961697 h 964253"/>
+              <a:gd name="connsiteX0" fmla="*/ 2932386 w 2961115"/>
+              <a:gd name="connsiteY0" fmla="*/ 0 h 976335"/>
+              <a:gd name="connsiteX1" fmla="*/ 2853560 w 2961115"/>
+              <a:gd name="connsiteY1" fmla="*/ 859221 h 976335"/>
+              <a:gd name="connsiteX2" fmla="*/ 0 w 2961115"/>
+              <a:gd name="connsiteY2" fmla="*/ 961697 h 976335"/>
+              <a:gd name="connsiteX0" fmla="*/ 2940269 w 2964330"/>
+              <a:gd name="connsiteY0" fmla="*/ 0 h 724086"/>
+              <a:gd name="connsiteX1" fmla="*/ 2853560 w 2964330"/>
+              <a:gd name="connsiteY1" fmla="*/ 606972 h 724086"/>
+              <a:gd name="connsiteX2" fmla="*/ 0 w 2964330"/>
+              <a:gd name="connsiteY2" fmla="*/ 709448 h 724086"/>
+              <a:gd name="connsiteX0" fmla="*/ 2940269 w 2981167"/>
+              <a:gd name="connsiteY0" fmla="*/ 0 h 724086"/>
+              <a:gd name="connsiteX1" fmla="*/ 2853560 w 2981167"/>
+              <a:gd name="connsiteY1" fmla="*/ 606972 h 724086"/>
+              <a:gd name="connsiteX2" fmla="*/ 0 w 2981167"/>
+              <a:gd name="connsiteY2" fmla="*/ 709448 h 724086"/>
+            </a:gdLst>
+            <a:ahLst/>
+            <a:cxnLst>
+              <a:cxn ang="0">
+                <a:pos x="connsiteX0" y="connsiteY0"/>
+              </a:cxn>
+              <a:cxn ang="0">
+                <a:pos x="connsiteX1" y="connsiteY1"/>
+              </a:cxn>
+              <a:cxn ang="0">
+                <a:pos x="connsiteX2" y="connsiteY2"/>
+              </a:cxn>
+            </a:cxnLst>
+            <a:rect l="l" t="t" r="r" b="b"/>
+            <a:pathLst>
+              <a:path w="2981167" h="724086">
+                <a:moveTo>
+                  <a:pt x="2940269" y="0"/>
+                </a:moveTo>
+                <a:cubicBezTo>
+                  <a:pt x="2967858" y="341584"/>
+                  <a:pt x="3050629" y="493985"/>
+                  <a:pt x="2853560" y="606972"/>
+                </a:cubicBezTo>
+                <a:cubicBezTo>
+                  <a:pt x="2364829" y="767255"/>
+                  <a:pt x="450632" y="719958"/>
+                  <a:pt x="0" y="709448"/>
+                </a:cubicBezTo>
+              </a:path>
+            </a:pathLst>
+          </a:custGeom>
+          <a:noFill/>
+          <a:ln w="57150">
+            <a:solidFill>
+              <a:schemeClr val="accent6">
+                <a:lumMod val="75000"/>
+              </a:schemeClr>
+            </a:solidFill>
+            <a:headEnd type="none" w="med" len="med"/>
+            <a:tailEnd type="triangle" w="med" len="med"/>
+          </a:ln>
+        </p:spPr>
+        <p:style>
+          <a:lnRef idx="2">
+            <a:schemeClr val="accent1">
+              <a:shade val="50000"/>
+            </a:schemeClr>
+          </a:lnRef>
+          <a:fillRef idx="1">
+            <a:schemeClr val="accent1"/>
+          </a:fillRef>
+          <a:effectRef idx="0">
+            <a:schemeClr val="accent1"/>
+          </a:effectRef>
+          <a:fontRef idx="minor">
+            <a:schemeClr val="lt1"/>
+          </a:fontRef>
+        </p:style>
+        <p:txBody>
+          <a:bodyPr rtlCol="0" anchor="ctr"/>
+          <a:lstStyle/>
+          <a:p>
+            <a:pPr algn="ctr"/>
+            <a:endParaRPr kumimoji="1" lang="ja-JP" altLang="en-US"/>
+          </a:p>
+        </p:txBody>
+      </p:sp>
+      <p:sp>
+        <p:nvSpPr>
+          <p:cNvPr id="18" name="テキスト ボックス 17">
+            <a:extLst>
+              <a:ext uri="{FF2B5EF4-FFF2-40B4-BE49-F238E27FC236}">
+                <a16:creationId xmlns:a16="http://schemas.microsoft.com/office/drawing/2014/main" id="{240B1C1F-BF12-4999-8D6D-CC2C3CB71CBF}"/>
+              </a:ext>
+            </a:extLst>
+          </p:cNvPr>
+          <p:cNvSpPr txBox="1"/>
+          <p:nvPr/>
+        </p:nvSpPr>
+        <p:spPr>
+          <a:xfrm>
+            <a:off x="6510141" y="5497501"/>
+            <a:ext cx="1791019" cy="522578"/>
+          </a:xfrm>
+          <a:prstGeom prst="rect">
+            <a:avLst/>
+          </a:prstGeom>
+          <a:solidFill>
+            <a:srgbClr val="92D050">
+              <a:alpha val="40000"/>
+            </a:srgbClr>
+          </a:solidFill>
+          <a:ln>
+            <a:solidFill>
+              <a:schemeClr val="tx1"/>
+            </a:solidFill>
+          </a:ln>
+        </p:spPr>
+        <p:txBody>
+          <a:bodyPr wrap="square" rtlCol="0">
+            <a:noAutofit/>
+          </a:bodyPr>
+          <a:lstStyle/>
+          <a:p>
+            <a:r>
+              <a:rPr lang="en-US" altLang="ja-JP" sz="726" dirty="0">
+                <a:latin typeface="Arial" panose="020B0604020202020204" pitchFamily="34" charset="0"/>
+                <a:cs typeface="Arial" panose="020B0604020202020204" pitchFamily="34" charset="0"/>
+              </a:rPr>
+              <a:t>The power output of Otto cycle is averaged over 2 rotations (=1 cycle).</a:t>
+            </a:r>
+          </a:p>
+          <a:p>
+            <a:r>
+              <a:rPr lang="en-US" altLang="ja-JP" sz="726" dirty="0">
+                <a:latin typeface="Arial" panose="020B0604020202020204" pitchFamily="34" charset="0"/>
+                <a:cs typeface="Arial" panose="020B0604020202020204" pitchFamily="34" charset="0"/>
+              </a:rPr>
+              <a:t>Thus, torque out is steady as long as flange rotation is so.</a:t>
+            </a:r>
+            <a:endParaRPr lang="ja-JP" altLang="en-US" sz="726" dirty="0">
+              <a:latin typeface="Arial" panose="020B0604020202020204" pitchFamily="34" charset="0"/>
+              <a:cs typeface="Arial" panose="020B0604020202020204" pitchFamily="34" charset="0"/>
+            </a:endParaRPr>
+          </a:p>
+        </p:txBody>
+      </p:sp>
+      <p:sp>
+        <p:nvSpPr>
+          <p:cNvPr id="24" name="フリーフォーム: 図形 23">
+            <a:extLst>
+              <a:ext uri="{FF2B5EF4-FFF2-40B4-BE49-F238E27FC236}">
+                <a16:creationId xmlns:a16="http://schemas.microsoft.com/office/drawing/2014/main" id="{07468A8F-0D3C-41C3-805B-17BE2C4E76D7}"/>
+              </a:ext>
+            </a:extLst>
+          </p:cNvPr>
+          <p:cNvSpPr/>
+          <p:nvPr/>
+        </p:nvSpPr>
+        <p:spPr>
+          <a:xfrm>
+            <a:off x="3896678" y="299546"/>
+            <a:ext cx="4225173" cy="172907"/>
+          </a:xfrm>
+          <a:custGeom>
+            <a:avLst/>
+            <a:gdLst>
+              <a:gd name="connsiteX0" fmla="*/ 2057 w 1428836"/>
+              <a:gd name="connsiteY0" fmla="*/ 0 h 1450427"/>
+              <a:gd name="connsiteX1" fmla="*/ 25705 w 1428836"/>
+              <a:gd name="connsiteY1" fmla="*/ 110358 h 1450427"/>
+              <a:gd name="connsiteX2" fmla="*/ 183361 w 1428836"/>
+              <a:gd name="connsiteY2" fmla="*/ 409903 h 1450427"/>
+              <a:gd name="connsiteX3" fmla="*/ 845512 w 1428836"/>
+              <a:gd name="connsiteY3" fmla="*/ 1221827 h 1450427"/>
+              <a:gd name="connsiteX4" fmla="*/ 1428836 w 1428836"/>
+              <a:gd name="connsiteY4" fmla="*/ 1450427 h 1450427"/>
+              <a:gd name="connsiteX0" fmla="*/ 209 w 1426988"/>
+              <a:gd name="connsiteY0" fmla="*/ 0 h 1450427"/>
+              <a:gd name="connsiteX1" fmla="*/ 63271 w 1426988"/>
+              <a:gd name="connsiteY1" fmla="*/ 204951 h 1450427"/>
+              <a:gd name="connsiteX2" fmla="*/ 181513 w 1426988"/>
+              <a:gd name="connsiteY2" fmla="*/ 409903 h 1450427"/>
+              <a:gd name="connsiteX3" fmla="*/ 843664 w 1426988"/>
+              <a:gd name="connsiteY3" fmla="*/ 1221827 h 1450427"/>
+              <a:gd name="connsiteX4" fmla="*/ 1426988 w 1426988"/>
+              <a:gd name="connsiteY4" fmla="*/ 1450427 h 1450427"/>
+              <a:gd name="connsiteX0" fmla="*/ 1261 w 1428040"/>
+              <a:gd name="connsiteY0" fmla="*/ 0 h 1450427"/>
+              <a:gd name="connsiteX1" fmla="*/ 64323 w 1428040"/>
+              <a:gd name="connsiteY1" fmla="*/ 204951 h 1450427"/>
+              <a:gd name="connsiteX2" fmla="*/ 411165 w 1428040"/>
+              <a:gd name="connsiteY2" fmla="*/ 796158 h 1450427"/>
+              <a:gd name="connsiteX3" fmla="*/ 844716 w 1428040"/>
+              <a:gd name="connsiteY3" fmla="*/ 1221827 h 1450427"/>
+              <a:gd name="connsiteX4" fmla="*/ 1428040 w 1428040"/>
+              <a:gd name="connsiteY4" fmla="*/ 1450427 h 1450427"/>
+              <a:gd name="connsiteX0" fmla="*/ 200 w 1426979"/>
+              <a:gd name="connsiteY0" fmla="*/ 0 h 1450427"/>
+              <a:gd name="connsiteX1" fmla="*/ 102675 w 1426979"/>
+              <a:gd name="connsiteY1" fmla="*/ 315310 h 1450427"/>
+              <a:gd name="connsiteX2" fmla="*/ 410104 w 1426979"/>
+              <a:gd name="connsiteY2" fmla="*/ 796158 h 1450427"/>
+              <a:gd name="connsiteX3" fmla="*/ 843655 w 1426979"/>
+              <a:gd name="connsiteY3" fmla="*/ 1221827 h 1450427"/>
+              <a:gd name="connsiteX4" fmla="*/ 1426979 w 1426979"/>
+              <a:gd name="connsiteY4" fmla="*/ 1450427 h 1450427"/>
+              <a:gd name="connsiteX0" fmla="*/ 200 w 3744510"/>
+              <a:gd name="connsiteY0" fmla="*/ 0 h 1262609"/>
+              <a:gd name="connsiteX1" fmla="*/ 102675 w 3744510"/>
+              <a:gd name="connsiteY1" fmla="*/ 315310 h 1262609"/>
+              <a:gd name="connsiteX2" fmla="*/ 410104 w 3744510"/>
+              <a:gd name="connsiteY2" fmla="*/ 796158 h 1262609"/>
+              <a:gd name="connsiteX3" fmla="*/ 843655 w 3744510"/>
+              <a:gd name="connsiteY3" fmla="*/ 1221827 h 1262609"/>
+              <a:gd name="connsiteX4" fmla="*/ 3744510 w 3744510"/>
+              <a:gd name="connsiteY4" fmla="*/ 985345 h 1262609"/>
+              <a:gd name="connsiteX0" fmla="*/ 200 w 3744510"/>
+              <a:gd name="connsiteY0" fmla="*/ 0 h 1001686"/>
+              <a:gd name="connsiteX1" fmla="*/ 102675 w 3744510"/>
+              <a:gd name="connsiteY1" fmla="*/ 315310 h 1001686"/>
+              <a:gd name="connsiteX2" fmla="*/ 410104 w 3744510"/>
+              <a:gd name="connsiteY2" fmla="*/ 796158 h 1001686"/>
+              <a:gd name="connsiteX3" fmla="*/ 2609393 w 3744510"/>
+              <a:gd name="connsiteY3" fmla="*/ 906516 h 1001686"/>
+              <a:gd name="connsiteX4" fmla="*/ 3744510 w 3744510"/>
+              <a:gd name="connsiteY4" fmla="*/ 985345 h 1001686"/>
+              <a:gd name="connsiteX0" fmla="*/ 200 w 3744510"/>
+              <a:gd name="connsiteY0" fmla="*/ 0 h 1001686"/>
+              <a:gd name="connsiteX1" fmla="*/ 102675 w 3744510"/>
+              <a:gd name="connsiteY1" fmla="*/ 315310 h 1001686"/>
+              <a:gd name="connsiteX2" fmla="*/ 410104 w 3744510"/>
+              <a:gd name="connsiteY2" fmla="*/ 796158 h 1001686"/>
+              <a:gd name="connsiteX3" fmla="*/ 2609393 w 3744510"/>
+              <a:gd name="connsiteY3" fmla="*/ 906516 h 1001686"/>
+              <a:gd name="connsiteX4" fmla="*/ 3744510 w 3744510"/>
+              <a:gd name="connsiteY4" fmla="*/ 985345 h 1001686"/>
+              <a:gd name="connsiteX0" fmla="*/ 200 w 3744510"/>
+              <a:gd name="connsiteY0" fmla="*/ 0 h 985345"/>
+              <a:gd name="connsiteX1" fmla="*/ 102675 w 3744510"/>
+              <a:gd name="connsiteY1" fmla="*/ 315310 h 985345"/>
+              <a:gd name="connsiteX2" fmla="*/ 410104 w 3744510"/>
+              <a:gd name="connsiteY2" fmla="*/ 796158 h 985345"/>
+              <a:gd name="connsiteX3" fmla="*/ 2609393 w 3744510"/>
+              <a:gd name="connsiteY3" fmla="*/ 906516 h 985345"/>
+              <a:gd name="connsiteX4" fmla="*/ 3744510 w 3744510"/>
+              <a:gd name="connsiteY4" fmla="*/ 985345 h 985345"/>
+              <a:gd name="connsiteX0" fmla="*/ 200 w 3744510"/>
+              <a:gd name="connsiteY0" fmla="*/ 0 h 985345"/>
+              <a:gd name="connsiteX1" fmla="*/ 102675 w 3744510"/>
+              <a:gd name="connsiteY1" fmla="*/ 315310 h 985345"/>
+              <a:gd name="connsiteX2" fmla="*/ 410104 w 3744510"/>
+              <a:gd name="connsiteY2" fmla="*/ 796158 h 985345"/>
+              <a:gd name="connsiteX3" fmla="*/ 2609393 w 3744510"/>
+              <a:gd name="connsiteY3" fmla="*/ 851337 h 985345"/>
+              <a:gd name="connsiteX4" fmla="*/ 3744510 w 3744510"/>
+              <a:gd name="connsiteY4" fmla="*/ 985345 h 985345"/>
+              <a:gd name="connsiteX0" fmla="*/ 18821 w 3763131"/>
+              <a:gd name="connsiteY0" fmla="*/ 0 h 985345"/>
+              <a:gd name="connsiteX1" fmla="*/ 121296 w 3763131"/>
+              <a:gd name="connsiteY1" fmla="*/ 315310 h 985345"/>
+              <a:gd name="connsiteX2" fmla="*/ 1114525 w 3763131"/>
+              <a:gd name="connsiteY2" fmla="*/ 882868 h 985345"/>
+              <a:gd name="connsiteX3" fmla="*/ 2628014 w 3763131"/>
+              <a:gd name="connsiteY3" fmla="*/ 851337 h 985345"/>
+              <a:gd name="connsiteX4" fmla="*/ 3763131 w 3763131"/>
+              <a:gd name="connsiteY4" fmla="*/ 985345 h 985345"/>
+              <a:gd name="connsiteX0" fmla="*/ 456 w 3744766"/>
+              <a:gd name="connsiteY0" fmla="*/ 0 h 985345"/>
+              <a:gd name="connsiteX1" fmla="*/ 189641 w 3744766"/>
+              <a:gd name="connsiteY1" fmla="*/ 780393 h 985345"/>
+              <a:gd name="connsiteX2" fmla="*/ 1096160 w 3744766"/>
+              <a:gd name="connsiteY2" fmla="*/ 882868 h 985345"/>
+              <a:gd name="connsiteX3" fmla="*/ 2609649 w 3744766"/>
+              <a:gd name="connsiteY3" fmla="*/ 851337 h 985345"/>
+              <a:gd name="connsiteX4" fmla="*/ 3744766 w 3744766"/>
+              <a:gd name="connsiteY4" fmla="*/ 985345 h 985345"/>
+              <a:gd name="connsiteX0" fmla="*/ 19 w 4225177"/>
+              <a:gd name="connsiteY0" fmla="*/ 182451 h 206100"/>
+              <a:gd name="connsiteX1" fmla="*/ 670052 w 4225177"/>
+              <a:gd name="connsiteY1" fmla="*/ 1148 h 206100"/>
+              <a:gd name="connsiteX2" fmla="*/ 1576571 w 4225177"/>
+              <a:gd name="connsiteY2" fmla="*/ 103623 h 206100"/>
+              <a:gd name="connsiteX3" fmla="*/ 3090060 w 4225177"/>
+              <a:gd name="connsiteY3" fmla="*/ 72092 h 206100"/>
+              <a:gd name="connsiteX4" fmla="*/ 4225177 w 4225177"/>
+              <a:gd name="connsiteY4" fmla="*/ 206100 h 206100"/>
+              <a:gd name="connsiteX0" fmla="*/ 30 w 4059650"/>
+              <a:gd name="connsiteY0" fmla="*/ 142208 h 205271"/>
+              <a:gd name="connsiteX1" fmla="*/ 504525 w 4059650"/>
+              <a:gd name="connsiteY1" fmla="*/ 319 h 205271"/>
+              <a:gd name="connsiteX2" fmla="*/ 1411044 w 4059650"/>
+              <a:gd name="connsiteY2" fmla="*/ 102794 h 205271"/>
+              <a:gd name="connsiteX3" fmla="*/ 2924533 w 4059650"/>
+              <a:gd name="connsiteY3" fmla="*/ 71263 h 205271"/>
+              <a:gd name="connsiteX4" fmla="*/ 4059650 w 4059650"/>
+              <a:gd name="connsiteY4" fmla="*/ 205271 h 205271"/>
+              <a:gd name="connsiteX0" fmla="*/ 19 w 4217295"/>
+              <a:gd name="connsiteY0" fmla="*/ 174367 h 205899"/>
+              <a:gd name="connsiteX1" fmla="*/ 662170 w 4217295"/>
+              <a:gd name="connsiteY1" fmla="*/ 947 h 205899"/>
+              <a:gd name="connsiteX2" fmla="*/ 1568689 w 4217295"/>
+              <a:gd name="connsiteY2" fmla="*/ 103422 h 205899"/>
+              <a:gd name="connsiteX3" fmla="*/ 3082178 w 4217295"/>
+              <a:gd name="connsiteY3" fmla="*/ 71891 h 205899"/>
+              <a:gd name="connsiteX4" fmla="*/ 4217295 w 4217295"/>
+              <a:gd name="connsiteY4" fmla="*/ 205899 h 205899"/>
+              <a:gd name="connsiteX0" fmla="*/ 15 w 4217291"/>
+              <a:gd name="connsiteY0" fmla="*/ 106114 h 137646"/>
+              <a:gd name="connsiteX1" fmla="*/ 804056 w 4217291"/>
+              <a:gd name="connsiteY1" fmla="*/ 3638 h 137646"/>
+              <a:gd name="connsiteX2" fmla="*/ 1568685 w 4217291"/>
+              <a:gd name="connsiteY2" fmla="*/ 35169 h 137646"/>
+              <a:gd name="connsiteX3" fmla="*/ 3082174 w 4217291"/>
+              <a:gd name="connsiteY3" fmla="*/ 3638 h 137646"/>
+              <a:gd name="connsiteX4" fmla="*/ 4217291 w 4217291"/>
+              <a:gd name="connsiteY4" fmla="*/ 137646 h 137646"/>
+              <a:gd name="connsiteX0" fmla="*/ 15 w 4217291"/>
+              <a:gd name="connsiteY0" fmla="*/ 157655 h 189187"/>
+              <a:gd name="connsiteX1" fmla="*/ 804056 w 4217291"/>
+              <a:gd name="connsiteY1" fmla="*/ 55179 h 189187"/>
+              <a:gd name="connsiteX2" fmla="*/ 1568685 w 4217291"/>
+              <a:gd name="connsiteY2" fmla="*/ 0 h 189187"/>
+              <a:gd name="connsiteX3" fmla="*/ 3082174 w 4217291"/>
+              <a:gd name="connsiteY3" fmla="*/ 55179 h 189187"/>
+              <a:gd name="connsiteX4" fmla="*/ 4217291 w 4217291"/>
+              <a:gd name="connsiteY4" fmla="*/ 189187 h 189187"/>
+              <a:gd name="connsiteX0" fmla="*/ 15 w 4217291"/>
+              <a:gd name="connsiteY0" fmla="*/ 173944 h 205476"/>
+              <a:gd name="connsiteX1" fmla="*/ 804056 w 4217291"/>
+              <a:gd name="connsiteY1" fmla="*/ 71468 h 205476"/>
+              <a:gd name="connsiteX2" fmla="*/ 1568685 w 4217291"/>
+              <a:gd name="connsiteY2" fmla="*/ 16289 h 205476"/>
+              <a:gd name="connsiteX3" fmla="*/ 2885105 w 4217291"/>
+              <a:gd name="connsiteY3" fmla="*/ 16289 h 205476"/>
+              <a:gd name="connsiteX4" fmla="*/ 4217291 w 4217291"/>
+              <a:gd name="connsiteY4" fmla="*/ 205476 h 205476"/>
+              <a:gd name="connsiteX0" fmla="*/ 15 w 4225173"/>
+              <a:gd name="connsiteY0" fmla="*/ 169955 h 172907"/>
+              <a:gd name="connsiteX1" fmla="*/ 804056 w 4225173"/>
+              <a:gd name="connsiteY1" fmla="*/ 67479 h 172907"/>
+              <a:gd name="connsiteX2" fmla="*/ 1568685 w 4225173"/>
+              <a:gd name="connsiteY2" fmla="*/ 12300 h 172907"/>
+              <a:gd name="connsiteX3" fmla="*/ 2885105 w 4225173"/>
+              <a:gd name="connsiteY3" fmla="*/ 12300 h 172907"/>
+              <a:gd name="connsiteX4" fmla="*/ 4225173 w 4225173"/>
+              <a:gd name="connsiteY4" fmla="*/ 146308 h 172907"/>
+            </a:gdLst>
+            <a:ahLst/>
+            <a:cxnLst>
+              <a:cxn ang="0">
+                <a:pos x="connsiteX0" y="connsiteY0"/>
+              </a:cxn>
+              <a:cxn ang="0">
+                <a:pos x="connsiteX1" y="connsiteY1"/>
+              </a:cxn>
+              <a:cxn ang="0">
+                <a:pos x="connsiteX2" y="connsiteY2"/>
+              </a:cxn>
+              <a:cxn ang="0">
+                <a:pos x="connsiteX3" y="connsiteY3"/>
+              </a:cxn>
+              <a:cxn ang="0">
+                <a:pos x="connsiteX4" y="connsiteY4"/>
+              </a:cxn>
+            </a:cxnLst>
+            <a:rect l="l" t="t" r="r" b="b"/>
+            <a:pathLst>
+              <a:path w="4225173" h="172907">
+                <a:moveTo>
+                  <a:pt x="15" y="169955"/>
+                </a:moveTo>
+                <a:cubicBezTo>
+                  <a:pt x="-3270" y="190975"/>
+                  <a:pt x="542611" y="93755"/>
+                  <a:pt x="804056" y="67479"/>
+                </a:cubicBezTo>
+                <a:cubicBezTo>
+                  <a:pt x="1065501" y="41203"/>
+                  <a:pt x="1221844" y="21496"/>
+                  <a:pt x="1568685" y="12300"/>
+                </a:cubicBezTo>
+                <a:cubicBezTo>
+                  <a:pt x="1915526" y="3104"/>
+                  <a:pt x="2442357" y="-10035"/>
+                  <a:pt x="2885105" y="12300"/>
+                </a:cubicBezTo>
+                <a:cubicBezTo>
+                  <a:pt x="3327853" y="34635"/>
+                  <a:pt x="4037300" y="118718"/>
+                  <a:pt x="4225173" y="146308"/>
+                </a:cubicBezTo>
+              </a:path>
+            </a:pathLst>
+          </a:custGeom>
+          <a:noFill/>
+          <a:ln w="57150">
+            <a:solidFill>
+              <a:schemeClr val="accent6">
+                <a:lumMod val="75000"/>
+              </a:schemeClr>
+            </a:solidFill>
+            <a:headEnd type="none" w="med" len="med"/>
+            <a:tailEnd type="triangle" w="med" len="med"/>
+          </a:ln>
+        </p:spPr>
+        <p:style>
+          <a:lnRef idx="2">
+            <a:schemeClr val="accent1">
+              <a:shade val="50000"/>
+            </a:schemeClr>
+          </a:lnRef>
+          <a:fillRef idx="1">
+            <a:schemeClr val="accent1"/>
+          </a:fillRef>
+          <a:effectRef idx="0">
+            <a:schemeClr val="accent1"/>
+          </a:effectRef>
+          <a:fontRef idx="minor">
+            <a:schemeClr val="lt1"/>
+          </a:fontRef>
+        </p:style>
+        <p:txBody>
+          <a:bodyPr rtlCol="0" anchor="ctr"/>
+          <a:lstStyle/>
+          <a:p>
+            <a:pPr algn="ctr"/>
+            <a:endParaRPr kumimoji="1" lang="ja-JP" altLang="en-US"/>
+          </a:p>
+        </p:txBody>
+      </p:sp>
+      <p:sp>
+        <p:nvSpPr>
+          <p:cNvPr id="23" name="テキスト ボックス 22">
+            <a:extLst>
+              <a:ext uri="{FF2B5EF4-FFF2-40B4-BE49-F238E27FC236}">
+                <a16:creationId xmlns:a16="http://schemas.microsoft.com/office/drawing/2014/main" id="{4D4AF051-95C7-4AAF-85CB-C2486ABF6A51}"/>
+              </a:ext>
+            </a:extLst>
+          </p:cNvPr>
+          <p:cNvSpPr txBox="1"/>
+          <p:nvPr/>
+        </p:nvSpPr>
+        <p:spPr>
+          <a:xfrm>
+            <a:off x="5119036" y="513929"/>
+            <a:ext cx="2191406" cy="550265"/>
+          </a:xfrm>
+          <a:prstGeom prst="rect">
+            <a:avLst/>
+          </a:prstGeom>
+          <a:solidFill>
+            <a:srgbClr val="92D050">
+              <a:alpha val="40000"/>
+            </a:srgbClr>
+          </a:solidFill>
+          <a:ln>
+            <a:solidFill>
+              <a:schemeClr val="tx1"/>
+            </a:solidFill>
+          </a:ln>
+        </p:spPr>
+        <p:txBody>
+          <a:bodyPr wrap="square" rtlCol="0">
+            <a:noAutofit/>
+          </a:bodyPr>
+          <a:lstStyle/>
+          <a:p>
+            <a:r>
+              <a:rPr lang="en-US" altLang="ja-JP" sz="726" dirty="0">
+                <a:latin typeface="Arial" panose="020B0604020202020204" pitchFamily="34" charset="0"/>
+                <a:cs typeface="Arial" panose="020B0604020202020204" pitchFamily="34" charset="0"/>
+              </a:rPr>
+              <a:t>The mass flow rate through the piston is averaged over 2 rotations (=1 cycle).</a:t>
+            </a:r>
+          </a:p>
+          <a:p>
+            <a:r>
+              <a:rPr lang="en-US" altLang="ja-JP" sz="726" dirty="0">
+                <a:latin typeface="Arial" panose="020B0604020202020204" pitchFamily="34" charset="0"/>
+                <a:cs typeface="Arial" panose="020B0604020202020204" pitchFamily="34" charset="0"/>
+              </a:rPr>
+              <a:t>Thus mass flow rate is steady as long as flange rotation is so.</a:t>
+            </a:r>
+            <a:endParaRPr lang="ja-JP" altLang="en-US" sz="726" dirty="0">
+              <a:latin typeface="Arial" panose="020B0604020202020204" pitchFamily="34" charset="0"/>
+              <a:cs typeface="Arial" panose="020B0604020202020204" pitchFamily="34" charset="0"/>
+            </a:endParaRPr>
+          </a:p>
+        </p:txBody>
+      </p:sp>
+      <p:sp>
+        <p:nvSpPr>
+          <p:cNvPr id="20" name="テキスト ボックス 19">
+            <a:extLst>
+              <a:ext uri="{FF2B5EF4-FFF2-40B4-BE49-F238E27FC236}">
+                <a16:creationId xmlns:a16="http://schemas.microsoft.com/office/drawing/2014/main" id="{BDC0FFB3-8C82-42DB-AAFF-C15EC05FF446}"/>
+              </a:ext>
+            </a:extLst>
+          </p:cNvPr>
+          <p:cNvSpPr txBox="1"/>
+          <p:nvPr/>
+        </p:nvSpPr>
+        <p:spPr>
+          <a:xfrm>
+            <a:off x="3815758" y="1301190"/>
+            <a:ext cx="1426980" cy="491193"/>
+          </a:xfrm>
+          <a:prstGeom prst="rect">
+            <a:avLst/>
+          </a:prstGeom>
+          <a:solidFill>
+            <a:srgbClr val="92D050">
+              <a:alpha val="40000"/>
+            </a:srgbClr>
+          </a:solidFill>
+          <a:ln>
+            <a:solidFill>
+              <a:schemeClr val="tx1"/>
+            </a:solidFill>
+          </a:ln>
+        </p:spPr>
+        <p:txBody>
+          <a:bodyPr wrap="square" rtlCol="0">
+            <a:noAutofit/>
+          </a:bodyPr>
+          <a:lstStyle/>
+          <a:p>
+            <a:r>
+              <a:rPr lang="en-US" altLang="ja-JP" sz="726" dirty="0">
+                <a:latin typeface="Arial" panose="020B0604020202020204" pitchFamily="34" charset="0"/>
+                <a:cs typeface="Arial" panose="020B0604020202020204" pitchFamily="34" charset="0"/>
+              </a:rPr>
+              <a:t>Combustion efficiency is calculated by mass fraction of air and fuel.</a:t>
+            </a:r>
+            <a:endParaRPr lang="ja-JP" altLang="en-US" sz="726" dirty="0">
+              <a:latin typeface="Arial" panose="020B0604020202020204" pitchFamily="34" charset="0"/>
+              <a:cs typeface="Arial" panose="020B0604020202020204" pitchFamily="34" charset="0"/>
+            </a:endParaRPr>
+          </a:p>
+        </p:txBody>
+      </p:sp>
+    </p:spTree>
+    <p:extLst>
+      <p:ext uri="{BB962C8B-B14F-4D97-AF65-F5344CB8AC3E}">
+        <p14:creationId xmlns:p14="http://schemas.microsoft.com/office/powerpoint/2010/main" val="3632296447"/>
+      </p:ext>
+    </p:extLst>
+  </p:cSld>
+  <p:clrMapOvr>
+    <a:masterClrMapping/>
+  </p:clrMapOvr>
+</p:sld>
+</file>
+
+<file path=ppt/slides/slide7.xml><?xml version="1.0" encoding="utf-8"?>
+<p:sld xmlns:a="http://schemas.openxmlformats.org/drawingml/2006/main" xmlns:r="http://schemas.openxmlformats.org/officeDocument/2006/relationships" xmlns:p="http://schemas.openxmlformats.org/presentationml/2006/main">
+  <p:cSld>
+    <p:spTree>
+      <p:nvGrpSpPr>
+        <p:cNvPr id="1" name=""/>
+        <p:cNvGrpSpPr/>
+        <p:nvPr/>
+      </p:nvGrpSpPr>
+      <p:grpSpPr>
+        <a:xfrm>
+          <a:off x="0" y="0"/>
+          <a:ext cx="0" cy="0"/>
+          <a:chOff x="0" y="0"/>
+          <a:chExt cx="0" cy="0"/>
+        </a:xfrm>
+      </p:grpSpPr>
       <p:cxnSp>
         <p:nvCxnSpPr>
           <p:cNvPr id="3" name="直線矢印コネクタ 2">
@@ -12282,7 +15247,7 @@
 </p:sld>
 </file>
 
-<file path=ppt/slides/slide5.xml><?xml version="1.0" encoding="utf-8"?>
+<file path=ppt/slides/slide8.xml><?xml version="1.0" encoding="utf-8"?>
 <p:sld xmlns:a="http://schemas.openxmlformats.org/drawingml/2006/main" xmlns:r="http://schemas.openxmlformats.org/officeDocument/2006/relationships" xmlns:p="http://schemas.openxmlformats.org/presentationml/2006/main">
   <p:cSld>
     <p:spTree>
@@ -12331,7 +15296,7 @@
 </p:sld>
 </file>
 
-<file path=ppt/slides/slide6.xml><?xml version="1.0" encoding="utf-8"?>
+<file path=ppt/slides/slide9.xml><?xml version="1.0" encoding="utf-8"?>
 <p:sld xmlns:a="http://schemas.openxmlformats.org/drawingml/2006/main" xmlns:r="http://schemas.openxmlformats.org/officeDocument/2006/relationships" xmlns:p="http://schemas.openxmlformats.org/presentationml/2006/main">
   <p:cSld>
     <p:spTree>
@@ -12981,153 +15946,6 @@
 </p:sld>
 </file>
 
-<file path=ppt/slides/slide7.xml><?xml version="1.0" encoding="utf-8"?>
-<p:sld xmlns:a="http://schemas.openxmlformats.org/drawingml/2006/main" xmlns:r="http://schemas.openxmlformats.org/officeDocument/2006/relationships" xmlns:p="http://schemas.openxmlformats.org/presentationml/2006/main">
-  <p:cSld>
-    <p:spTree>
-      <p:nvGrpSpPr>
-        <p:cNvPr id="1" name=""/>
-        <p:cNvGrpSpPr/>
-        <p:nvPr/>
-      </p:nvGrpSpPr>
-      <p:grpSpPr>
-        <a:xfrm>
-          <a:off x="0" y="0"/>
-          <a:ext cx="0" cy="0"/>
-          <a:chOff x="0" y="0"/>
-          <a:chExt cx="0" cy="0"/>
-        </a:xfrm>
-      </p:grpSpPr>
-      <p:pic>
-        <p:nvPicPr>
-          <p:cNvPr id="2" name="図 1"/>
-          <p:cNvPicPr>
-            <a:picLocks noChangeAspect="1"/>
-          </p:cNvPicPr>
-          <p:nvPr/>
-        </p:nvPicPr>
-        <p:blipFill>
-          <a:blip r:embed="rId2"/>
-          <a:stretch>
-            <a:fillRect/>
-          </a:stretch>
-        </p:blipFill>
-        <p:spPr>
-          <a:xfrm>
-            <a:off x="2761678" y="0"/>
-            <a:ext cx="6668644" cy="6858000"/>
-          </a:xfrm>
-          <a:prstGeom prst="rect">
-            <a:avLst/>
-          </a:prstGeom>
-        </p:spPr>
-      </p:pic>
-    </p:spTree>
-  </p:cSld>
-  <p:clrMapOvr>
-    <a:masterClrMapping/>
-  </p:clrMapOvr>
-</p:sld>
-</file>
-
-<file path=ppt/slides/slide8.xml><?xml version="1.0" encoding="utf-8"?>
-<p:sld xmlns:a="http://schemas.openxmlformats.org/drawingml/2006/main" xmlns:r="http://schemas.openxmlformats.org/officeDocument/2006/relationships" xmlns:p="http://schemas.openxmlformats.org/presentationml/2006/main">
-  <p:cSld>
-    <p:spTree>
-      <p:nvGrpSpPr>
-        <p:cNvPr id="1" name=""/>
-        <p:cNvGrpSpPr/>
-        <p:nvPr/>
-      </p:nvGrpSpPr>
-      <p:grpSpPr>
-        <a:xfrm>
-          <a:off x="0" y="0"/>
-          <a:ext cx="0" cy="0"/>
-          <a:chOff x="0" y="0"/>
-          <a:chExt cx="0" cy="0"/>
-        </a:xfrm>
-      </p:grpSpPr>
-      <p:pic>
-        <p:nvPicPr>
-          <p:cNvPr id="2" name="図 1"/>
-          <p:cNvPicPr>
-            <a:picLocks noChangeAspect="1"/>
-          </p:cNvPicPr>
-          <p:nvPr/>
-        </p:nvPicPr>
-        <p:blipFill>
-          <a:blip r:embed="rId2"/>
-          <a:stretch>
-            <a:fillRect/>
-          </a:stretch>
-        </p:blipFill>
-        <p:spPr>
-          <a:xfrm>
-            <a:off x="2358510" y="718795"/>
-            <a:ext cx="4018612" cy="3838166"/>
-          </a:xfrm>
-          <a:prstGeom prst="rect">
-            <a:avLst/>
-          </a:prstGeom>
-        </p:spPr>
-      </p:pic>
-    </p:spTree>
-  </p:cSld>
-  <p:clrMapOvr>
-    <a:masterClrMapping/>
-  </p:clrMapOvr>
-</p:sld>
-</file>
-
-<file path=ppt/slides/slide9.xml><?xml version="1.0" encoding="utf-8"?>
-<p:sld xmlns:a="http://schemas.openxmlformats.org/drawingml/2006/main" xmlns:r="http://schemas.openxmlformats.org/officeDocument/2006/relationships" xmlns:p="http://schemas.openxmlformats.org/presentationml/2006/main">
-  <p:cSld>
-    <p:spTree>
-      <p:nvGrpSpPr>
-        <p:cNvPr id="1" name=""/>
-        <p:cNvGrpSpPr/>
-        <p:nvPr/>
-      </p:nvGrpSpPr>
-      <p:grpSpPr>
-        <a:xfrm>
-          <a:off x="0" y="0"/>
-          <a:ext cx="0" cy="0"/>
-          <a:chOff x="0" y="0"/>
-          <a:chExt cx="0" cy="0"/>
-        </a:xfrm>
-      </p:grpSpPr>
-      <p:pic>
-        <p:nvPicPr>
-          <p:cNvPr id="4" name="図 3"/>
-          <p:cNvPicPr>
-            <a:picLocks noChangeAspect="1"/>
-          </p:cNvPicPr>
-          <p:nvPr/>
-        </p:nvPicPr>
-        <p:blipFill>
-          <a:blip r:embed="rId2"/>
-          <a:stretch>
-            <a:fillRect/>
-          </a:stretch>
-        </p:blipFill>
-        <p:spPr>
-          <a:xfrm>
-            <a:off x="2893917" y="295564"/>
-            <a:ext cx="6096938" cy="5667768"/>
-          </a:xfrm>
-          <a:prstGeom prst="rect">
-            <a:avLst/>
-          </a:prstGeom>
-        </p:spPr>
-      </p:pic>
-    </p:spTree>
-  </p:cSld>
-  <p:clrMapOvr>
-    <a:masterClrMapping/>
-  </p:clrMapOvr>
-</p:sld>
-</file>
-
 <file path=ppt/theme/theme1.xml><?xml version="1.0" encoding="utf-8"?>
 <a:theme xmlns:a="http://schemas.openxmlformats.org/drawingml/2006/main" name="Office テーマ">
   <a:themeElements>

--- a/docs/Elements/BasicElements/makeFigs_BasicElements.pptx
+++ b/docs/Elements/BasicElements/makeFigs_BasicElements.pptx
@@ -318,7 +318,7 @@
           <a:p>
             <a:fld id="{D0C55A96-A2AF-461F-BC65-806F2EEA30DE}" type="datetimeFigureOut">
               <a:rPr kumimoji="1" lang="ja-JP" altLang="en-US" smtClean="0"/>
-              <a:t>2021/7/21</a:t>
+              <a:t>2021/8/24</a:t>
             </a:fld>
             <a:endParaRPr kumimoji="1" lang="ja-JP" altLang="en-US"/>
           </a:p>
@@ -548,7 +548,7 @@
           <a:p>
             <a:fld id="{D0C55A96-A2AF-461F-BC65-806F2EEA30DE}" type="datetimeFigureOut">
               <a:rPr kumimoji="1" lang="ja-JP" altLang="en-US" smtClean="0"/>
-              <a:t>2021/7/21</a:t>
+              <a:t>2021/8/24</a:t>
             </a:fld>
             <a:endParaRPr kumimoji="1" lang="ja-JP" altLang="en-US"/>
           </a:p>
@@ -788,7 +788,7 @@
           <a:p>
             <a:fld id="{D0C55A96-A2AF-461F-BC65-806F2EEA30DE}" type="datetimeFigureOut">
               <a:rPr kumimoji="1" lang="ja-JP" altLang="en-US" smtClean="0"/>
-              <a:t>2021/7/21</a:t>
+              <a:t>2021/8/24</a:t>
             </a:fld>
             <a:endParaRPr kumimoji="1" lang="ja-JP" altLang="en-US"/>
           </a:p>
@@ -1108,7 +1108,7 @@
           <a:p>
             <a:fld id="{D0C55A96-A2AF-461F-BC65-806F2EEA30DE}" type="datetimeFigureOut">
               <a:rPr kumimoji="1" lang="ja-JP" altLang="en-US" smtClean="0"/>
-              <a:t>2021/7/21</a:t>
+              <a:t>2021/8/24</a:t>
             </a:fld>
             <a:endParaRPr kumimoji="1" lang="ja-JP" altLang="en-US"/>
           </a:p>
@@ -1383,7 +1383,7 @@
           <a:p>
             <a:fld id="{D0C55A96-A2AF-461F-BC65-806F2EEA30DE}" type="datetimeFigureOut">
               <a:rPr kumimoji="1" lang="ja-JP" altLang="en-US" smtClean="0"/>
-              <a:t>2021/7/21</a:t>
+              <a:t>2021/8/24</a:t>
             </a:fld>
             <a:endParaRPr kumimoji="1" lang="ja-JP" altLang="en-US"/>
           </a:p>
@@ -1712,7 +1712,7 @@
           <a:p>
             <a:fld id="{D0C55A96-A2AF-461F-BC65-806F2EEA30DE}" type="datetimeFigureOut">
               <a:rPr kumimoji="1" lang="ja-JP" altLang="en-US" smtClean="0"/>
-              <a:t>2021/7/21</a:t>
+              <a:t>2021/8/24</a:t>
             </a:fld>
             <a:endParaRPr kumimoji="1" lang="ja-JP" altLang="en-US"/>
           </a:p>
@@ -2188,7 +2188,7 @@
           <a:p>
             <a:fld id="{D0C55A96-A2AF-461F-BC65-806F2EEA30DE}" type="datetimeFigureOut">
               <a:rPr kumimoji="1" lang="ja-JP" altLang="en-US" smtClean="0"/>
-              <a:t>2021/7/21</a:t>
+              <a:t>2021/8/24</a:t>
             </a:fld>
             <a:endParaRPr kumimoji="1" lang="ja-JP" altLang="en-US"/>
           </a:p>
@@ -2329,7 +2329,7 @@
           <a:p>
             <a:fld id="{D0C55A96-A2AF-461F-BC65-806F2EEA30DE}" type="datetimeFigureOut">
               <a:rPr kumimoji="1" lang="ja-JP" altLang="en-US" smtClean="0"/>
-              <a:t>2021/7/21</a:t>
+              <a:t>2021/8/24</a:t>
             </a:fld>
             <a:endParaRPr kumimoji="1" lang="ja-JP" altLang="en-US"/>
           </a:p>
@@ -2442,7 +2442,7 @@
           <a:p>
             <a:fld id="{D0C55A96-A2AF-461F-BC65-806F2EEA30DE}" type="datetimeFigureOut">
               <a:rPr kumimoji="1" lang="ja-JP" altLang="en-US" smtClean="0"/>
-              <a:t>2021/7/21</a:t>
+              <a:t>2021/8/24</a:t>
             </a:fld>
             <a:endParaRPr kumimoji="1" lang="ja-JP" altLang="en-US"/>
           </a:p>
@@ -2785,7 +2785,7 @@
           <a:p>
             <a:fld id="{D0C55A96-A2AF-461F-BC65-806F2EEA30DE}" type="datetimeFigureOut">
               <a:rPr kumimoji="1" lang="ja-JP" altLang="en-US" smtClean="0"/>
-              <a:t>2021/7/21</a:t>
+              <a:t>2021/8/24</a:t>
             </a:fld>
             <a:endParaRPr kumimoji="1" lang="ja-JP" altLang="en-US"/>
           </a:p>
@@ -3073,7 +3073,7 @@
           <a:p>
             <a:fld id="{D0C55A96-A2AF-461F-BC65-806F2EEA30DE}" type="datetimeFigureOut">
               <a:rPr kumimoji="1" lang="ja-JP" altLang="en-US" smtClean="0"/>
-              <a:t>2021/7/21</a:t>
+              <a:t>2021/8/24</a:t>
             </a:fld>
             <a:endParaRPr kumimoji="1" lang="ja-JP" altLang="en-US"/>
           </a:p>
@@ -3346,7 +3346,7 @@
           <a:p>
             <a:fld id="{D0C55A96-A2AF-461F-BC65-806F2EEA30DE}" type="datetimeFigureOut">
               <a:rPr kumimoji="1" lang="ja-JP" altLang="en-US" smtClean="0"/>
-              <a:t>2021/7/21</a:t>
+              <a:t>2021/8/24</a:t>
             </a:fld>
             <a:endParaRPr kumimoji="1" lang="ja-JP" altLang="en-US"/>
           </a:p>
@@ -9185,10 +9185,10 @@
       </p:grpSpPr>
       <p:pic>
         <p:nvPicPr>
-          <p:cNvPr id="7" name="図 6">
-            <a:extLst>
-              <a:ext uri="{FF2B5EF4-FFF2-40B4-BE49-F238E27FC236}">
-                <a16:creationId xmlns:a16="http://schemas.microsoft.com/office/drawing/2014/main" id="{45DFCA3E-A83B-41A9-9645-93C459A86287}"/>
+          <p:cNvPr id="3" name="図 2">
+            <a:extLst>
+              <a:ext uri="{FF2B5EF4-FFF2-40B4-BE49-F238E27FC236}">
+                <a16:creationId xmlns:a16="http://schemas.microsoft.com/office/drawing/2014/main" id="{54429861-3B87-4E68-930C-5F4070C9CB23}"/>
               </a:ext>
             </a:extLst>
           </p:cNvPr>
@@ -9205,8 +9205,8 @@
         </p:blipFill>
         <p:spPr>
           <a:xfrm>
-            <a:off x="1600802" y="0"/>
-            <a:ext cx="8990395" cy="6858000"/>
+            <a:off x="1595437" y="0"/>
+            <a:ext cx="9001125" cy="6858000"/>
           </a:xfrm>
           <a:prstGeom prst="rect">
             <a:avLst/>
